--- a/Presentation.pptx
+++ b/Presentation.pptx
@@ -5,24 +5,25 @@
     <p:sldMasterId id="2147483648" r:id="rId1"/>
   </p:sldMasterIdLst>
   <p:sldIdLst>
-    <p:sldId id="256" r:id="rId2"/>
-    <p:sldId id="257" r:id="rId3"/>
-    <p:sldId id="258" r:id="rId4"/>
-    <p:sldId id="259" r:id="rId5"/>
-    <p:sldId id="260" r:id="rId6"/>
-    <p:sldId id="261" r:id="rId7"/>
-    <p:sldId id="262" r:id="rId8"/>
-    <p:sldId id="263" r:id="rId9"/>
-    <p:sldId id="264" r:id="rId10"/>
-    <p:sldId id="265" r:id="rId11"/>
-    <p:sldId id="266" r:id="rId12"/>
-    <p:sldId id="267" r:id="rId13"/>
-    <p:sldId id="268" r:id="rId14"/>
-    <p:sldId id="269" r:id="rId15"/>
-    <p:sldId id="270" r:id="rId16"/>
-    <p:sldId id="271" r:id="rId17"/>
-    <p:sldId id="272" r:id="rId18"/>
-    <p:sldId id="273" r:id="rId19"/>
+    <p:sldId id="274" r:id="rId2"/>
+    <p:sldId id="256" r:id="rId3"/>
+    <p:sldId id="257" r:id="rId4"/>
+    <p:sldId id="258" r:id="rId5"/>
+    <p:sldId id="259" r:id="rId6"/>
+    <p:sldId id="260" r:id="rId7"/>
+    <p:sldId id="261" r:id="rId8"/>
+    <p:sldId id="262" r:id="rId9"/>
+    <p:sldId id="263" r:id="rId10"/>
+    <p:sldId id="264" r:id="rId11"/>
+    <p:sldId id="265" r:id="rId12"/>
+    <p:sldId id="266" r:id="rId13"/>
+    <p:sldId id="267" r:id="rId14"/>
+    <p:sldId id="268" r:id="rId15"/>
+    <p:sldId id="269" r:id="rId16"/>
+    <p:sldId id="270" r:id="rId17"/>
+    <p:sldId id="271" r:id="rId18"/>
+    <p:sldId id="272" r:id="rId19"/>
+    <p:sldId id="273" r:id="rId20"/>
   </p:sldIdLst>
   <p:sldSz cx="12192000" cy="6858000"/>
   <p:notesSz cx="6858000" cy="9144000"/>
@@ -121,6 +122,11 @@
       </a:defRPr>
     </a:lvl9pPr>
   </p:defaultTextStyle>
+  <p:extLst>
+    <p:ext uri="{EFAFB233-063F-42B5-8137-9DF3F51BA10A}">
+      <p15:sldGuideLst xmlns:p15="http://schemas.microsoft.com/office/powerpoint/2012/main"/>
+    </p:ext>
+  </p:extLst>
 </p:presentation>
 </file>
 
@@ -3345,6 +3351,923 @@
 <file path=ppt/slides/slide1.xml><?xml version="1.0" encoding="utf-8"?>
 <p:sld xmlns:a="http://schemas.openxmlformats.org/drawingml/2006/main" xmlns:r="http://schemas.openxmlformats.org/officeDocument/2006/relationships" xmlns:p="http://schemas.openxmlformats.org/presentationml/2006/main">
   <p:cSld>
+    <p:spTree>
+      <p:nvGrpSpPr>
+        <p:cNvPr id="1" name=""/>
+        <p:cNvGrpSpPr/>
+        <p:nvPr/>
+      </p:nvGrpSpPr>
+      <p:grpSpPr>
+        <a:xfrm>
+          <a:off x="0" y="0"/>
+          <a:ext cx="0" cy="0"/>
+          <a:chOff x="0" y="0"/>
+          <a:chExt cx="0" cy="0"/>
+        </a:xfrm>
+      </p:grpSpPr>
+      <p:sp>
+        <p:nvSpPr>
+          <p:cNvPr id="2" name="Title 1">
+            <a:extLst>
+              <a:ext uri="{FF2B5EF4-FFF2-40B4-BE49-F238E27FC236}">
+                <a16:creationId xmlns:a16="http://schemas.microsoft.com/office/drawing/2014/main" id="{B2CAB3AD-4E15-F4C2-AE65-0BB778EB19DE}"/>
+              </a:ext>
+            </a:extLst>
+          </p:cNvPr>
+          <p:cNvSpPr>
+            <a:spLocks noGrp="1"/>
+          </p:cNvSpPr>
+          <p:nvPr>
+            <p:ph type="title"/>
+          </p:nvPr>
+        </p:nvSpPr>
+        <p:spPr/>
+        <p:txBody>
+          <a:bodyPr/>
+          <a:lstStyle/>
+          <a:p>
+            <a:r>
+              <a:rPr lang="en-NZ" dirty="0"/>
+              <a:t>Class Diagram</a:t>
+            </a:r>
+          </a:p>
+        </p:txBody>
+      </p:sp>
+      <p:pic>
+        <p:nvPicPr>
+          <p:cNvPr id="5" name="Content Placeholder 4">
+            <a:extLst>
+              <a:ext uri="{FF2B5EF4-FFF2-40B4-BE49-F238E27FC236}">
+                <a16:creationId xmlns:a16="http://schemas.microsoft.com/office/drawing/2014/main" id="{4D7A52D3-77CC-A5F0-8DCB-F32D2FC09F94}"/>
+              </a:ext>
+            </a:extLst>
+          </p:cNvPr>
+          <p:cNvPicPr>
+            <a:picLocks noGrp="1" noChangeAspect="1"/>
+          </p:cNvPicPr>
+          <p:nvPr>
+            <p:ph idx="1"/>
+          </p:nvPr>
+        </p:nvPicPr>
+        <p:blipFill>
+          <a:blip r:embed="rId2"/>
+          <a:stretch>
+            <a:fillRect/>
+          </a:stretch>
+        </p:blipFill>
+        <p:spPr>
+          <a:xfrm>
+            <a:off x="3673773" y="1825625"/>
+            <a:ext cx="4844453" cy="4351338"/>
+          </a:xfrm>
+        </p:spPr>
+      </p:pic>
+    </p:spTree>
+    <p:extLst>
+      <p:ext uri="{BB962C8B-B14F-4D97-AF65-F5344CB8AC3E}">
+        <p14:creationId xmlns:p14="http://schemas.microsoft.com/office/powerpoint/2010/main" val="3860588675"/>
+      </p:ext>
+    </p:extLst>
+  </p:cSld>
+  <p:clrMapOvr>
+    <a:masterClrMapping/>
+  </p:clrMapOvr>
+</p:sld>
+</file>
+
+<file path=ppt/slides/slide10.xml><?xml version="1.0" encoding="utf-8"?>
+<p:sld xmlns:a="http://schemas.openxmlformats.org/drawingml/2006/main" xmlns:r="http://schemas.openxmlformats.org/officeDocument/2006/relationships" xmlns:p="http://schemas.openxmlformats.org/presentationml/2006/main">
+  <p:cSld>
+    <p:spTree>
+      <p:nvGrpSpPr>
+        <p:cNvPr id="1" name=""/>
+        <p:cNvGrpSpPr/>
+        <p:nvPr/>
+      </p:nvGrpSpPr>
+      <p:grpSpPr>
+        <a:xfrm>
+          <a:off x="0" y="0"/>
+          <a:ext cx="0" cy="0"/>
+          <a:chOff x="0" y="0"/>
+          <a:chExt cx="0" cy="0"/>
+        </a:xfrm>
+      </p:grpSpPr>
+      <p:sp>
+        <p:nvSpPr>
+          <p:cNvPr id="2" name="Title 1">
+            <a:extLst>
+              <a:ext uri="{FF2B5EF4-FFF2-40B4-BE49-F238E27FC236}">
+                <a16:creationId xmlns:a16="http://schemas.microsoft.com/office/drawing/2014/main" id="{F2037143-BC2A-B327-59FB-7C5B99AA8B97}"/>
+              </a:ext>
+            </a:extLst>
+          </p:cNvPr>
+          <p:cNvSpPr>
+            <a:spLocks noGrp="1"/>
+          </p:cNvSpPr>
+          <p:nvPr>
+            <p:ph type="title"/>
+          </p:nvPr>
+        </p:nvSpPr>
+        <p:spPr/>
+        <p:txBody>
+          <a:bodyPr/>
+          <a:lstStyle/>
+          <a:p>
+            <a:r>
+              <a:rPr lang="en-NZ" dirty="0"/>
+              <a:t>Must have the ability to select pieces to move</a:t>
+            </a:r>
+          </a:p>
+        </p:txBody>
+      </p:sp>
+      <p:sp>
+        <p:nvSpPr>
+          <p:cNvPr id="3" name="Content Placeholder 2">
+            <a:extLst>
+              <a:ext uri="{FF2B5EF4-FFF2-40B4-BE49-F238E27FC236}">
+                <a16:creationId xmlns:a16="http://schemas.microsoft.com/office/drawing/2014/main" id="{CD5350D6-4F70-551A-5EC1-599E6E1A5335}"/>
+              </a:ext>
+            </a:extLst>
+          </p:cNvPr>
+          <p:cNvSpPr>
+            <a:spLocks noGrp="1"/>
+          </p:cNvSpPr>
+          <p:nvPr>
+            <p:ph idx="1"/>
+          </p:nvPr>
+        </p:nvSpPr>
+        <p:spPr/>
+        <p:txBody>
+          <a:bodyPr/>
+          <a:lstStyle/>
+          <a:p>
+            <a:endParaRPr lang="en-NZ"/>
+          </a:p>
+        </p:txBody>
+      </p:sp>
+    </p:spTree>
+    <p:extLst>
+      <p:ext uri="{BB962C8B-B14F-4D97-AF65-F5344CB8AC3E}">
+        <p14:creationId xmlns:p14="http://schemas.microsoft.com/office/powerpoint/2010/main" val="2064946025"/>
+      </p:ext>
+    </p:extLst>
+  </p:cSld>
+  <p:clrMapOvr>
+    <a:masterClrMapping/>
+  </p:clrMapOvr>
+</p:sld>
+</file>
+
+<file path=ppt/slides/slide11.xml><?xml version="1.0" encoding="utf-8"?>
+<p:sld xmlns:a="http://schemas.openxmlformats.org/drawingml/2006/main" xmlns:r="http://schemas.openxmlformats.org/officeDocument/2006/relationships" xmlns:p="http://schemas.openxmlformats.org/presentationml/2006/main">
+  <p:cSld>
+    <p:spTree>
+      <p:nvGrpSpPr>
+        <p:cNvPr id="1" name=""/>
+        <p:cNvGrpSpPr/>
+        <p:nvPr/>
+      </p:nvGrpSpPr>
+      <p:grpSpPr>
+        <a:xfrm>
+          <a:off x="0" y="0"/>
+          <a:ext cx="0" cy="0"/>
+          <a:chOff x="0" y="0"/>
+          <a:chExt cx="0" cy="0"/>
+        </a:xfrm>
+      </p:grpSpPr>
+      <p:sp>
+        <p:nvSpPr>
+          <p:cNvPr id="2" name="Title 1">
+            <a:extLst>
+              <a:ext uri="{FF2B5EF4-FFF2-40B4-BE49-F238E27FC236}">
+                <a16:creationId xmlns:a16="http://schemas.microsoft.com/office/drawing/2014/main" id="{A5C1F49D-4C2E-6DAC-7F50-923706883CB1}"/>
+              </a:ext>
+            </a:extLst>
+          </p:cNvPr>
+          <p:cNvSpPr>
+            <a:spLocks noGrp="1"/>
+          </p:cNvSpPr>
+          <p:nvPr>
+            <p:ph type="title"/>
+          </p:nvPr>
+        </p:nvSpPr>
+        <p:spPr/>
+        <p:txBody>
+          <a:bodyPr/>
+          <a:lstStyle/>
+          <a:p>
+            <a:r>
+              <a:rPr lang="en-NZ" dirty="0"/>
+              <a:t>Must not accept movement to empty squares</a:t>
+            </a:r>
+          </a:p>
+        </p:txBody>
+      </p:sp>
+      <p:sp>
+        <p:nvSpPr>
+          <p:cNvPr id="3" name="Content Placeholder 2">
+            <a:extLst>
+              <a:ext uri="{FF2B5EF4-FFF2-40B4-BE49-F238E27FC236}">
+                <a16:creationId xmlns:a16="http://schemas.microsoft.com/office/drawing/2014/main" id="{4B0B8CAC-1D4B-F88B-74CC-F647540D7061}"/>
+              </a:ext>
+            </a:extLst>
+          </p:cNvPr>
+          <p:cNvSpPr>
+            <a:spLocks noGrp="1"/>
+          </p:cNvSpPr>
+          <p:nvPr>
+            <p:ph idx="1"/>
+          </p:nvPr>
+        </p:nvSpPr>
+        <p:spPr/>
+        <p:txBody>
+          <a:bodyPr/>
+          <a:lstStyle/>
+          <a:p>
+            <a:endParaRPr lang="en-NZ"/>
+          </a:p>
+        </p:txBody>
+      </p:sp>
+    </p:spTree>
+    <p:extLst>
+      <p:ext uri="{BB962C8B-B14F-4D97-AF65-F5344CB8AC3E}">
+        <p14:creationId xmlns:p14="http://schemas.microsoft.com/office/powerpoint/2010/main" val="2120923964"/>
+      </p:ext>
+    </p:extLst>
+  </p:cSld>
+  <p:clrMapOvr>
+    <a:masterClrMapping/>
+  </p:clrMapOvr>
+</p:sld>
+</file>
+
+<file path=ppt/slides/slide12.xml><?xml version="1.0" encoding="utf-8"?>
+<p:sld xmlns:a="http://schemas.openxmlformats.org/drawingml/2006/main" xmlns:r="http://schemas.openxmlformats.org/officeDocument/2006/relationships" xmlns:p="http://schemas.openxmlformats.org/presentationml/2006/main">
+  <p:cSld>
+    <p:spTree>
+      <p:nvGrpSpPr>
+        <p:cNvPr id="1" name=""/>
+        <p:cNvGrpSpPr/>
+        <p:nvPr/>
+      </p:nvGrpSpPr>
+      <p:grpSpPr>
+        <a:xfrm>
+          <a:off x="0" y="0"/>
+          <a:ext cx="0" cy="0"/>
+          <a:chOff x="0" y="0"/>
+          <a:chExt cx="0" cy="0"/>
+        </a:xfrm>
+      </p:grpSpPr>
+      <p:sp>
+        <p:nvSpPr>
+          <p:cNvPr id="2" name="Title 1">
+            <a:extLst>
+              <a:ext uri="{FF2B5EF4-FFF2-40B4-BE49-F238E27FC236}">
+                <a16:creationId xmlns:a16="http://schemas.microsoft.com/office/drawing/2014/main" id="{4F0DE8CF-0CC1-B092-2D6B-89EB6D70C759}"/>
+              </a:ext>
+            </a:extLst>
+          </p:cNvPr>
+          <p:cNvSpPr>
+            <a:spLocks noGrp="1"/>
+          </p:cNvSpPr>
+          <p:nvPr>
+            <p:ph type="title"/>
+          </p:nvPr>
+        </p:nvSpPr>
+        <p:spPr/>
+        <p:txBody>
+          <a:bodyPr/>
+          <a:lstStyle/>
+          <a:p>
+            <a:r>
+              <a:rPr lang="en-NZ" dirty="0"/>
+              <a:t>Must count total number of moves</a:t>
+            </a:r>
+          </a:p>
+        </p:txBody>
+      </p:sp>
+      <p:sp>
+        <p:nvSpPr>
+          <p:cNvPr id="3" name="Content Placeholder 2">
+            <a:extLst>
+              <a:ext uri="{FF2B5EF4-FFF2-40B4-BE49-F238E27FC236}">
+                <a16:creationId xmlns:a16="http://schemas.microsoft.com/office/drawing/2014/main" id="{DDE99BD1-0DAB-1E6C-D65B-4B71C38B227F}"/>
+              </a:ext>
+            </a:extLst>
+          </p:cNvPr>
+          <p:cNvSpPr>
+            <a:spLocks noGrp="1"/>
+          </p:cNvSpPr>
+          <p:nvPr>
+            <p:ph idx="1"/>
+          </p:nvPr>
+        </p:nvSpPr>
+        <p:spPr/>
+        <p:txBody>
+          <a:bodyPr/>
+          <a:lstStyle/>
+          <a:p>
+            <a:endParaRPr lang="en-NZ"/>
+          </a:p>
+        </p:txBody>
+      </p:sp>
+    </p:spTree>
+    <p:extLst>
+      <p:ext uri="{BB962C8B-B14F-4D97-AF65-F5344CB8AC3E}">
+        <p14:creationId xmlns:p14="http://schemas.microsoft.com/office/powerpoint/2010/main" val="2189745364"/>
+      </p:ext>
+    </p:extLst>
+  </p:cSld>
+  <p:clrMapOvr>
+    <a:masterClrMapping/>
+  </p:clrMapOvr>
+</p:sld>
+</file>
+
+<file path=ppt/slides/slide13.xml><?xml version="1.0" encoding="utf-8"?>
+<p:sld xmlns:a="http://schemas.openxmlformats.org/drawingml/2006/main" xmlns:r="http://schemas.openxmlformats.org/officeDocument/2006/relationships" xmlns:p="http://schemas.openxmlformats.org/presentationml/2006/main">
+  <p:cSld>
+    <p:spTree>
+      <p:nvGrpSpPr>
+        <p:cNvPr id="1" name=""/>
+        <p:cNvGrpSpPr/>
+        <p:nvPr/>
+      </p:nvGrpSpPr>
+      <p:grpSpPr>
+        <a:xfrm>
+          <a:off x="0" y="0"/>
+          <a:ext cx="0" cy="0"/>
+          <a:chOff x="0" y="0"/>
+          <a:chExt cx="0" cy="0"/>
+        </a:xfrm>
+      </p:grpSpPr>
+      <p:sp>
+        <p:nvSpPr>
+          <p:cNvPr id="2" name="Title 1">
+            <a:extLst>
+              <a:ext uri="{FF2B5EF4-FFF2-40B4-BE49-F238E27FC236}">
+                <a16:creationId xmlns:a16="http://schemas.microsoft.com/office/drawing/2014/main" id="{CE3F6627-BA58-BE8F-3148-829D6A616E1D}"/>
+              </a:ext>
+            </a:extLst>
+          </p:cNvPr>
+          <p:cNvSpPr>
+            <a:spLocks noGrp="1"/>
+          </p:cNvSpPr>
+          <p:nvPr>
+            <p:ph type="title"/>
+          </p:nvPr>
+        </p:nvSpPr>
+        <p:spPr/>
+        <p:txBody>
+          <a:bodyPr/>
+          <a:lstStyle/>
+          <a:p>
+            <a:r>
+              <a:rPr lang="en-NZ" dirty="0"/>
+              <a:t>Must highlight current piece</a:t>
+            </a:r>
+          </a:p>
+        </p:txBody>
+      </p:sp>
+      <p:sp>
+        <p:nvSpPr>
+          <p:cNvPr id="3" name="Content Placeholder 2">
+            <a:extLst>
+              <a:ext uri="{FF2B5EF4-FFF2-40B4-BE49-F238E27FC236}">
+                <a16:creationId xmlns:a16="http://schemas.microsoft.com/office/drawing/2014/main" id="{FBD804B8-1DE0-BE16-5BCE-5D6B493D9FD4}"/>
+              </a:ext>
+            </a:extLst>
+          </p:cNvPr>
+          <p:cNvSpPr>
+            <a:spLocks noGrp="1"/>
+          </p:cNvSpPr>
+          <p:nvPr>
+            <p:ph idx="1"/>
+          </p:nvPr>
+        </p:nvSpPr>
+        <p:spPr/>
+        <p:txBody>
+          <a:bodyPr/>
+          <a:lstStyle/>
+          <a:p>
+            <a:endParaRPr lang="en-NZ"/>
+          </a:p>
+        </p:txBody>
+      </p:sp>
+    </p:spTree>
+    <p:extLst>
+      <p:ext uri="{BB962C8B-B14F-4D97-AF65-F5344CB8AC3E}">
+        <p14:creationId xmlns:p14="http://schemas.microsoft.com/office/powerpoint/2010/main" val="2554264141"/>
+      </p:ext>
+    </p:extLst>
+  </p:cSld>
+  <p:clrMapOvr>
+    <a:masterClrMapping/>
+  </p:clrMapOvr>
+</p:sld>
+</file>
+
+<file path=ppt/slides/slide14.xml><?xml version="1.0" encoding="utf-8"?>
+<p:sld xmlns:a="http://schemas.openxmlformats.org/drawingml/2006/main" xmlns:r="http://schemas.openxmlformats.org/officeDocument/2006/relationships" xmlns:p="http://schemas.openxmlformats.org/presentationml/2006/main">
+  <p:cSld>
+    <p:spTree>
+      <p:nvGrpSpPr>
+        <p:cNvPr id="1" name=""/>
+        <p:cNvGrpSpPr/>
+        <p:nvPr/>
+      </p:nvGrpSpPr>
+      <p:grpSpPr>
+        <a:xfrm>
+          <a:off x="0" y="0"/>
+          <a:ext cx="0" cy="0"/>
+          <a:chOff x="0" y="0"/>
+          <a:chExt cx="0" cy="0"/>
+        </a:xfrm>
+      </p:grpSpPr>
+      <p:sp>
+        <p:nvSpPr>
+          <p:cNvPr id="2" name="Title 1">
+            <a:extLst>
+              <a:ext uri="{FF2B5EF4-FFF2-40B4-BE49-F238E27FC236}">
+                <a16:creationId xmlns:a16="http://schemas.microsoft.com/office/drawing/2014/main" id="{37F7A997-1167-ECBD-A8EF-16A496806681}"/>
+              </a:ext>
+            </a:extLst>
+          </p:cNvPr>
+          <p:cNvSpPr>
+            <a:spLocks noGrp="1"/>
+          </p:cNvSpPr>
+          <p:nvPr>
+            <p:ph type="title"/>
+          </p:nvPr>
+        </p:nvSpPr>
+        <p:spPr/>
+        <p:txBody>
+          <a:bodyPr/>
+          <a:lstStyle/>
+          <a:p>
+            <a:r>
+              <a:rPr lang="en-NZ" dirty="0"/>
+              <a:t>Must have reset button</a:t>
+            </a:r>
+          </a:p>
+        </p:txBody>
+      </p:sp>
+      <p:sp>
+        <p:nvSpPr>
+          <p:cNvPr id="3" name="Content Placeholder 2">
+            <a:extLst>
+              <a:ext uri="{FF2B5EF4-FFF2-40B4-BE49-F238E27FC236}">
+                <a16:creationId xmlns:a16="http://schemas.microsoft.com/office/drawing/2014/main" id="{084DD938-817C-F7B1-6E03-81E2CA7D1D5A}"/>
+              </a:ext>
+            </a:extLst>
+          </p:cNvPr>
+          <p:cNvSpPr>
+            <a:spLocks noGrp="1"/>
+          </p:cNvSpPr>
+          <p:nvPr>
+            <p:ph idx="1"/>
+          </p:nvPr>
+        </p:nvSpPr>
+        <p:spPr/>
+        <p:txBody>
+          <a:bodyPr/>
+          <a:lstStyle/>
+          <a:p>
+            <a:endParaRPr lang="en-NZ"/>
+          </a:p>
+        </p:txBody>
+      </p:sp>
+    </p:spTree>
+    <p:extLst>
+      <p:ext uri="{BB962C8B-B14F-4D97-AF65-F5344CB8AC3E}">
+        <p14:creationId xmlns:p14="http://schemas.microsoft.com/office/powerpoint/2010/main" val="4190049160"/>
+      </p:ext>
+    </p:extLst>
+  </p:cSld>
+  <p:clrMapOvr>
+    <a:masterClrMapping/>
+  </p:clrMapOvr>
+</p:sld>
+</file>
+
+<file path=ppt/slides/slide15.xml><?xml version="1.0" encoding="utf-8"?>
+<p:sld xmlns:a="http://schemas.openxmlformats.org/drawingml/2006/main" xmlns:r="http://schemas.openxmlformats.org/officeDocument/2006/relationships" xmlns:p="http://schemas.openxmlformats.org/presentationml/2006/main">
+  <p:cSld>
+    <p:spTree>
+      <p:nvGrpSpPr>
+        <p:cNvPr id="1" name=""/>
+        <p:cNvGrpSpPr/>
+        <p:nvPr/>
+      </p:nvGrpSpPr>
+      <p:grpSpPr>
+        <a:xfrm>
+          <a:off x="0" y="0"/>
+          <a:ext cx="0" cy="0"/>
+          <a:chOff x="0" y="0"/>
+          <a:chExt cx="0" cy="0"/>
+        </a:xfrm>
+      </p:grpSpPr>
+      <p:sp>
+        <p:nvSpPr>
+          <p:cNvPr id="2" name="Title 1">
+            <a:extLst>
+              <a:ext uri="{FF2B5EF4-FFF2-40B4-BE49-F238E27FC236}">
+                <a16:creationId xmlns:a16="http://schemas.microsoft.com/office/drawing/2014/main" id="{97D6BE81-E55C-77B4-5605-A66AAA5EAF35}"/>
+              </a:ext>
+            </a:extLst>
+          </p:cNvPr>
+          <p:cNvSpPr>
+            <a:spLocks noGrp="1"/>
+          </p:cNvSpPr>
+          <p:nvPr>
+            <p:ph type="title"/>
+          </p:nvPr>
+        </p:nvSpPr>
+        <p:spPr/>
+        <p:txBody>
+          <a:bodyPr/>
+          <a:lstStyle/>
+          <a:p>
+            <a:r>
+              <a:rPr lang="en-NZ" dirty="0"/>
+              <a:t>Must have undo button</a:t>
+            </a:r>
+          </a:p>
+        </p:txBody>
+      </p:sp>
+      <p:sp>
+        <p:nvSpPr>
+          <p:cNvPr id="3" name="Content Placeholder 2">
+            <a:extLst>
+              <a:ext uri="{FF2B5EF4-FFF2-40B4-BE49-F238E27FC236}">
+                <a16:creationId xmlns:a16="http://schemas.microsoft.com/office/drawing/2014/main" id="{0A53D286-6755-7621-F952-06A0F4ADF431}"/>
+              </a:ext>
+            </a:extLst>
+          </p:cNvPr>
+          <p:cNvSpPr>
+            <a:spLocks noGrp="1"/>
+          </p:cNvSpPr>
+          <p:nvPr>
+            <p:ph idx="1"/>
+          </p:nvPr>
+        </p:nvSpPr>
+        <p:spPr/>
+        <p:txBody>
+          <a:bodyPr/>
+          <a:lstStyle/>
+          <a:p>
+            <a:endParaRPr lang="en-NZ"/>
+          </a:p>
+        </p:txBody>
+      </p:sp>
+    </p:spTree>
+    <p:extLst>
+      <p:ext uri="{BB962C8B-B14F-4D97-AF65-F5344CB8AC3E}">
+        <p14:creationId xmlns:p14="http://schemas.microsoft.com/office/powerpoint/2010/main" val="3499884671"/>
+      </p:ext>
+    </p:extLst>
+  </p:cSld>
+  <p:clrMapOvr>
+    <a:masterClrMapping/>
+  </p:clrMapOvr>
+</p:sld>
+</file>
+
+<file path=ppt/slides/slide16.xml><?xml version="1.0" encoding="utf-8"?>
+<p:sld xmlns:a="http://schemas.openxmlformats.org/drawingml/2006/main" xmlns:r="http://schemas.openxmlformats.org/officeDocument/2006/relationships" xmlns:p="http://schemas.openxmlformats.org/presentationml/2006/main">
+  <p:cSld>
+    <p:spTree>
+      <p:nvGrpSpPr>
+        <p:cNvPr id="1" name=""/>
+        <p:cNvGrpSpPr/>
+        <p:nvPr/>
+      </p:nvGrpSpPr>
+      <p:grpSpPr>
+        <a:xfrm>
+          <a:off x="0" y="0"/>
+          <a:ext cx="0" cy="0"/>
+          <a:chOff x="0" y="0"/>
+          <a:chExt cx="0" cy="0"/>
+        </a:xfrm>
+      </p:grpSpPr>
+      <p:sp>
+        <p:nvSpPr>
+          <p:cNvPr id="2" name="Title 1">
+            <a:extLst>
+              <a:ext uri="{FF2B5EF4-FFF2-40B4-BE49-F238E27FC236}">
+                <a16:creationId xmlns:a16="http://schemas.microsoft.com/office/drawing/2014/main" id="{CEDF7865-46D5-3F60-D4C3-665F4F383818}"/>
+              </a:ext>
+            </a:extLst>
+          </p:cNvPr>
+          <p:cNvSpPr>
+            <a:spLocks noGrp="1"/>
+          </p:cNvSpPr>
+          <p:nvPr>
+            <p:ph type="title"/>
+          </p:nvPr>
+        </p:nvSpPr>
+        <p:spPr/>
+        <p:txBody>
+          <a:bodyPr/>
+          <a:lstStyle/>
+          <a:p>
+            <a:r>
+              <a:rPr lang="en-NZ" dirty="0"/>
+              <a:t>Must have timer</a:t>
+            </a:r>
+          </a:p>
+        </p:txBody>
+      </p:sp>
+      <p:sp>
+        <p:nvSpPr>
+          <p:cNvPr id="3" name="Content Placeholder 2">
+            <a:extLst>
+              <a:ext uri="{FF2B5EF4-FFF2-40B4-BE49-F238E27FC236}">
+                <a16:creationId xmlns:a16="http://schemas.microsoft.com/office/drawing/2014/main" id="{B6F882F9-ABC1-5F98-E69F-5C8F91E8E801}"/>
+              </a:ext>
+            </a:extLst>
+          </p:cNvPr>
+          <p:cNvSpPr>
+            <a:spLocks noGrp="1"/>
+          </p:cNvSpPr>
+          <p:nvPr>
+            <p:ph idx="1"/>
+          </p:nvPr>
+        </p:nvSpPr>
+        <p:spPr/>
+        <p:txBody>
+          <a:bodyPr/>
+          <a:lstStyle/>
+          <a:p>
+            <a:endParaRPr lang="en-NZ"/>
+          </a:p>
+        </p:txBody>
+      </p:sp>
+    </p:spTree>
+    <p:extLst>
+      <p:ext uri="{BB962C8B-B14F-4D97-AF65-F5344CB8AC3E}">
+        <p14:creationId xmlns:p14="http://schemas.microsoft.com/office/powerpoint/2010/main" val="3338783566"/>
+      </p:ext>
+    </p:extLst>
+  </p:cSld>
+  <p:clrMapOvr>
+    <a:masterClrMapping/>
+  </p:clrMapOvr>
+</p:sld>
+</file>
+
+<file path=ppt/slides/slide17.xml><?xml version="1.0" encoding="utf-8"?>
+<p:sld xmlns:a="http://schemas.openxmlformats.org/drawingml/2006/main" xmlns:r="http://schemas.openxmlformats.org/officeDocument/2006/relationships" xmlns:p="http://schemas.openxmlformats.org/presentationml/2006/main">
+  <p:cSld>
+    <p:spTree>
+      <p:nvGrpSpPr>
+        <p:cNvPr id="1" name=""/>
+        <p:cNvGrpSpPr/>
+        <p:nvPr/>
+      </p:nvGrpSpPr>
+      <p:grpSpPr>
+        <a:xfrm>
+          <a:off x="0" y="0"/>
+          <a:ext cx="0" cy="0"/>
+          <a:chOff x="0" y="0"/>
+          <a:chExt cx="0" cy="0"/>
+        </a:xfrm>
+      </p:grpSpPr>
+      <p:sp>
+        <p:nvSpPr>
+          <p:cNvPr id="2" name="Title 1">
+            <a:extLst>
+              <a:ext uri="{FF2B5EF4-FFF2-40B4-BE49-F238E27FC236}">
+                <a16:creationId xmlns:a16="http://schemas.microsoft.com/office/drawing/2014/main" id="{4EDED2DB-D21F-F08F-1888-134755B73052}"/>
+              </a:ext>
+            </a:extLst>
+          </p:cNvPr>
+          <p:cNvSpPr>
+            <a:spLocks noGrp="1"/>
+          </p:cNvSpPr>
+          <p:nvPr>
+            <p:ph type="title"/>
+          </p:nvPr>
+        </p:nvSpPr>
+        <p:spPr/>
+        <p:txBody>
+          <a:bodyPr/>
+          <a:lstStyle/>
+          <a:p>
+            <a:r>
+              <a:rPr lang="en-NZ" dirty="0"/>
+              <a:t>Must show time taken to beat level</a:t>
+            </a:r>
+          </a:p>
+        </p:txBody>
+      </p:sp>
+      <p:sp>
+        <p:nvSpPr>
+          <p:cNvPr id="3" name="Content Placeholder 2">
+            <a:extLst>
+              <a:ext uri="{FF2B5EF4-FFF2-40B4-BE49-F238E27FC236}">
+                <a16:creationId xmlns:a16="http://schemas.microsoft.com/office/drawing/2014/main" id="{523841F9-E625-479A-652F-060B1CF98A0B}"/>
+              </a:ext>
+            </a:extLst>
+          </p:cNvPr>
+          <p:cNvSpPr>
+            <a:spLocks noGrp="1"/>
+          </p:cNvSpPr>
+          <p:nvPr>
+            <p:ph idx="1"/>
+          </p:nvPr>
+        </p:nvSpPr>
+        <p:spPr/>
+        <p:txBody>
+          <a:bodyPr/>
+          <a:lstStyle/>
+          <a:p>
+            <a:endParaRPr lang="en-NZ"/>
+          </a:p>
+        </p:txBody>
+      </p:sp>
+    </p:spTree>
+    <p:extLst>
+      <p:ext uri="{BB962C8B-B14F-4D97-AF65-F5344CB8AC3E}">
+        <p14:creationId xmlns:p14="http://schemas.microsoft.com/office/powerpoint/2010/main" val="3590533096"/>
+      </p:ext>
+    </p:extLst>
+  </p:cSld>
+  <p:clrMapOvr>
+    <a:masterClrMapping/>
+  </p:clrMapOvr>
+</p:sld>
+</file>
+
+<file path=ppt/slides/slide18.xml><?xml version="1.0" encoding="utf-8"?>
+<p:sld xmlns:a="http://schemas.openxmlformats.org/drawingml/2006/main" xmlns:r="http://schemas.openxmlformats.org/officeDocument/2006/relationships" xmlns:p="http://schemas.openxmlformats.org/presentationml/2006/main">
+  <p:cSld>
+    <p:spTree>
+      <p:nvGrpSpPr>
+        <p:cNvPr id="1" name=""/>
+        <p:cNvGrpSpPr/>
+        <p:nvPr/>
+      </p:nvGrpSpPr>
+      <p:grpSpPr>
+        <a:xfrm>
+          <a:off x="0" y="0"/>
+          <a:ext cx="0" cy="0"/>
+          <a:chOff x="0" y="0"/>
+          <a:chExt cx="0" cy="0"/>
+        </a:xfrm>
+      </p:grpSpPr>
+      <p:sp>
+        <p:nvSpPr>
+          <p:cNvPr id="2" name="Title 1">
+            <a:extLst>
+              <a:ext uri="{FF2B5EF4-FFF2-40B4-BE49-F238E27FC236}">
+                <a16:creationId xmlns:a16="http://schemas.microsoft.com/office/drawing/2014/main" id="{6BEB0DAF-FBD7-FA8D-93ED-A77693D056E4}"/>
+              </a:ext>
+            </a:extLst>
+          </p:cNvPr>
+          <p:cNvSpPr>
+            <a:spLocks noGrp="1"/>
+          </p:cNvSpPr>
+          <p:nvPr>
+            <p:ph type="title"/>
+          </p:nvPr>
+        </p:nvSpPr>
+        <p:spPr/>
+        <p:txBody>
+          <a:bodyPr/>
+          <a:lstStyle/>
+          <a:p>
+            <a:r>
+              <a:rPr lang="en-NZ" dirty="0"/>
+              <a:t>Must acknowledge level completion</a:t>
+            </a:r>
+          </a:p>
+        </p:txBody>
+      </p:sp>
+      <p:sp>
+        <p:nvSpPr>
+          <p:cNvPr id="3" name="Content Placeholder 2">
+            <a:extLst>
+              <a:ext uri="{FF2B5EF4-FFF2-40B4-BE49-F238E27FC236}">
+                <a16:creationId xmlns:a16="http://schemas.microsoft.com/office/drawing/2014/main" id="{C10BE031-1454-24B5-8237-B701BCDB1FC2}"/>
+              </a:ext>
+            </a:extLst>
+          </p:cNvPr>
+          <p:cNvSpPr>
+            <a:spLocks noGrp="1"/>
+          </p:cNvSpPr>
+          <p:nvPr>
+            <p:ph idx="1"/>
+          </p:nvPr>
+        </p:nvSpPr>
+        <p:spPr/>
+        <p:txBody>
+          <a:bodyPr/>
+          <a:lstStyle/>
+          <a:p>
+            <a:endParaRPr lang="en-NZ"/>
+          </a:p>
+        </p:txBody>
+      </p:sp>
+    </p:spTree>
+    <p:extLst>
+      <p:ext uri="{BB962C8B-B14F-4D97-AF65-F5344CB8AC3E}">
+        <p14:creationId xmlns:p14="http://schemas.microsoft.com/office/powerpoint/2010/main" val="2912228586"/>
+      </p:ext>
+    </p:extLst>
+  </p:cSld>
+  <p:clrMapOvr>
+    <a:masterClrMapping/>
+  </p:clrMapOvr>
+</p:sld>
+</file>
+
+<file path=ppt/slides/slide19.xml><?xml version="1.0" encoding="utf-8"?>
+<p:sld xmlns:a="http://schemas.openxmlformats.org/drawingml/2006/main" xmlns:r="http://schemas.openxmlformats.org/officeDocument/2006/relationships" xmlns:p="http://schemas.openxmlformats.org/presentationml/2006/main">
+  <p:cSld>
+    <p:spTree>
+      <p:nvGrpSpPr>
+        <p:cNvPr id="1" name=""/>
+        <p:cNvGrpSpPr/>
+        <p:nvPr/>
+      </p:nvGrpSpPr>
+      <p:grpSpPr>
+        <a:xfrm>
+          <a:off x="0" y="0"/>
+          <a:ext cx="0" cy="0"/>
+          <a:chOff x="0" y="0"/>
+          <a:chExt cx="0" cy="0"/>
+        </a:xfrm>
+      </p:grpSpPr>
+      <p:sp>
+        <p:nvSpPr>
+          <p:cNvPr id="2" name="Title 1">
+            <a:extLst>
+              <a:ext uri="{FF2B5EF4-FFF2-40B4-BE49-F238E27FC236}">
+                <a16:creationId xmlns:a16="http://schemas.microsoft.com/office/drawing/2014/main" id="{F912F206-F39F-6CAC-320C-A3E08126AE41}"/>
+              </a:ext>
+            </a:extLst>
+          </p:cNvPr>
+          <p:cNvSpPr>
+            <a:spLocks noGrp="1"/>
+          </p:cNvSpPr>
+          <p:nvPr>
+            <p:ph type="title"/>
+          </p:nvPr>
+        </p:nvSpPr>
+        <p:spPr/>
+        <p:txBody>
+          <a:bodyPr/>
+          <a:lstStyle/>
+          <a:p>
+            <a:r>
+              <a:rPr lang="en-NZ" dirty="0"/>
+              <a:t>Must display level name</a:t>
+            </a:r>
+          </a:p>
+        </p:txBody>
+      </p:sp>
+      <p:sp>
+        <p:nvSpPr>
+          <p:cNvPr id="3" name="Content Placeholder 2">
+            <a:extLst>
+              <a:ext uri="{FF2B5EF4-FFF2-40B4-BE49-F238E27FC236}">
+                <a16:creationId xmlns:a16="http://schemas.microsoft.com/office/drawing/2014/main" id="{A1371EA9-B806-A32F-80FC-D7F80F83A6AD}"/>
+              </a:ext>
+            </a:extLst>
+          </p:cNvPr>
+          <p:cNvSpPr>
+            <a:spLocks noGrp="1"/>
+          </p:cNvSpPr>
+          <p:nvPr>
+            <p:ph idx="1"/>
+          </p:nvPr>
+        </p:nvSpPr>
+        <p:spPr/>
+        <p:txBody>
+          <a:bodyPr/>
+          <a:lstStyle/>
+          <a:p>
+            <a:endParaRPr lang="en-NZ"/>
+          </a:p>
+        </p:txBody>
+      </p:sp>
+    </p:spTree>
+    <p:extLst>
+      <p:ext uri="{BB962C8B-B14F-4D97-AF65-F5344CB8AC3E}">
+        <p14:creationId xmlns:p14="http://schemas.microsoft.com/office/powerpoint/2010/main" val="4220730044"/>
+      </p:ext>
+    </p:extLst>
+  </p:cSld>
+  <p:clrMapOvr>
+    <a:masterClrMapping/>
+  </p:clrMapOvr>
+</p:sld>
+</file>
+
+<file path=ppt/slides/slide2.xml><?xml version="1.0" encoding="utf-8"?>
+<p:sld xmlns:a="http://schemas.openxmlformats.org/drawingml/2006/main" xmlns:r="http://schemas.openxmlformats.org/officeDocument/2006/relationships" xmlns:p="http://schemas.openxmlformats.org/presentationml/2006/main">
+  <p:cSld>
     <p:bg>
       <p:bgPr>
         <a:solidFill>
@@ -3397,7 +4320,7 @@
           <a:p>
             <a:pPr algn="l"/>
             <a:r>
-              <a:rPr lang="en-NZ" sz="5400"/>
+              <a:rPr lang="en-NZ" sz="5400" dirty="0"/>
               <a:t>Must haves</a:t>
             </a:r>
           </a:p>
@@ -3432,7 +4355,10 @@
           <a:lstStyle/>
           <a:p>
             <a:pPr algn="l"/>
-            <a:endParaRPr lang="en-NZ" dirty="0"/>
+            <a:r>
+              <a:rPr lang="en-NZ" dirty="0"/>
+              <a:t>I had 16 must have features</a:t>
+            </a:r>
           </a:p>
         </p:txBody>
       </p:sp>
@@ -3479,837 +4405,6 @@
 </p:sld>
 </file>
 
-<file path=ppt/slides/slide10.xml><?xml version="1.0" encoding="utf-8"?>
-<p:sld xmlns:a="http://schemas.openxmlformats.org/drawingml/2006/main" xmlns:r="http://schemas.openxmlformats.org/officeDocument/2006/relationships" xmlns:p="http://schemas.openxmlformats.org/presentationml/2006/main">
-  <p:cSld>
-    <p:spTree>
-      <p:nvGrpSpPr>
-        <p:cNvPr id="1" name=""/>
-        <p:cNvGrpSpPr/>
-        <p:nvPr/>
-      </p:nvGrpSpPr>
-      <p:grpSpPr>
-        <a:xfrm>
-          <a:off x="0" y="0"/>
-          <a:ext cx="0" cy="0"/>
-          <a:chOff x="0" y="0"/>
-          <a:chExt cx="0" cy="0"/>
-        </a:xfrm>
-      </p:grpSpPr>
-      <p:sp>
-        <p:nvSpPr>
-          <p:cNvPr id="2" name="Title 1">
-            <a:extLst>
-              <a:ext uri="{FF2B5EF4-FFF2-40B4-BE49-F238E27FC236}">
-                <a16:creationId xmlns:a16="http://schemas.microsoft.com/office/drawing/2014/main" id="{A5C1F49D-4C2E-6DAC-7F50-923706883CB1}"/>
-              </a:ext>
-            </a:extLst>
-          </p:cNvPr>
-          <p:cNvSpPr>
-            <a:spLocks noGrp="1"/>
-          </p:cNvSpPr>
-          <p:nvPr>
-            <p:ph type="title"/>
-          </p:nvPr>
-        </p:nvSpPr>
-        <p:spPr/>
-        <p:txBody>
-          <a:bodyPr/>
-          <a:lstStyle/>
-          <a:p>
-            <a:r>
-              <a:rPr lang="en-NZ" dirty="0"/>
-              <a:t>Must not accept movement to empty squares</a:t>
-            </a:r>
-          </a:p>
-        </p:txBody>
-      </p:sp>
-      <p:sp>
-        <p:nvSpPr>
-          <p:cNvPr id="3" name="Content Placeholder 2">
-            <a:extLst>
-              <a:ext uri="{FF2B5EF4-FFF2-40B4-BE49-F238E27FC236}">
-                <a16:creationId xmlns:a16="http://schemas.microsoft.com/office/drawing/2014/main" id="{4B0B8CAC-1D4B-F88B-74CC-F647540D7061}"/>
-              </a:ext>
-            </a:extLst>
-          </p:cNvPr>
-          <p:cNvSpPr>
-            <a:spLocks noGrp="1"/>
-          </p:cNvSpPr>
-          <p:nvPr>
-            <p:ph idx="1"/>
-          </p:nvPr>
-        </p:nvSpPr>
-        <p:spPr/>
-        <p:txBody>
-          <a:bodyPr/>
-          <a:lstStyle/>
-          <a:p>
-            <a:endParaRPr lang="en-NZ"/>
-          </a:p>
-        </p:txBody>
-      </p:sp>
-    </p:spTree>
-    <p:extLst>
-      <p:ext uri="{BB962C8B-B14F-4D97-AF65-F5344CB8AC3E}">
-        <p14:creationId xmlns:p14="http://schemas.microsoft.com/office/powerpoint/2010/main" val="2120923964"/>
-      </p:ext>
-    </p:extLst>
-  </p:cSld>
-  <p:clrMapOvr>
-    <a:masterClrMapping/>
-  </p:clrMapOvr>
-</p:sld>
-</file>
-
-<file path=ppt/slides/slide11.xml><?xml version="1.0" encoding="utf-8"?>
-<p:sld xmlns:a="http://schemas.openxmlformats.org/drawingml/2006/main" xmlns:r="http://schemas.openxmlformats.org/officeDocument/2006/relationships" xmlns:p="http://schemas.openxmlformats.org/presentationml/2006/main">
-  <p:cSld>
-    <p:spTree>
-      <p:nvGrpSpPr>
-        <p:cNvPr id="1" name=""/>
-        <p:cNvGrpSpPr/>
-        <p:nvPr/>
-      </p:nvGrpSpPr>
-      <p:grpSpPr>
-        <a:xfrm>
-          <a:off x="0" y="0"/>
-          <a:ext cx="0" cy="0"/>
-          <a:chOff x="0" y="0"/>
-          <a:chExt cx="0" cy="0"/>
-        </a:xfrm>
-      </p:grpSpPr>
-      <p:sp>
-        <p:nvSpPr>
-          <p:cNvPr id="2" name="Title 1">
-            <a:extLst>
-              <a:ext uri="{FF2B5EF4-FFF2-40B4-BE49-F238E27FC236}">
-                <a16:creationId xmlns:a16="http://schemas.microsoft.com/office/drawing/2014/main" id="{4F0DE8CF-0CC1-B092-2D6B-89EB6D70C759}"/>
-              </a:ext>
-            </a:extLst>
-          </p:cNvPr>
-          <p:cNvSpPr>
-            <a:spLocks noGrp="1"/>
-          </p:cNvSpPr>
-          <p:nvPr>
-            <p:ph type="title"/>
-          </p:nvPr>
-        </p:nvSpPr>
-        <p:spPr/>
-        <p:txBody>
-          <a:bodyPr/>
-          <a:lstStyle/>
-          <a:p>
-            <a:r>
-              <a:rPr lang="en-NZ" dirty="0"/>
-              <a:t>Must count total number of moves</a:t>
-            </a:r>
-          </a:p>
-        </p:txBody>
-      </p:sp>
-      <p:sp>
-        <p:nvSpPr>
-          <p:cNvPr id="3" name="Content Placeholder 2">
-            <a:extLst>
-              <a:ext uri="{FF2B5EF4-FFF2-40B4-BE49-F238E27FC236}">
-                <a16:creationId xmlns:a16="http://schemas.microsoft.com/office/drawing/2014/main" id="{DDE99BD1-0DAB-1E6C-D65B-4B71C38B227F}"/>
-              </a:ext>
-            </a:extLst>
-          </p:cNvPr>
-          <p:cNvSpPr>
-            <a:spLocks noGrp="1"/>
-          </p:cNvSpPr>
-          <p:nvPr>
-            <p:ph idx="1"/>
-          </p:nvPr>
-        </p:nvSpPr>
-        <p:spPr/>
-        <p:txBody>
-          <a:bodyPr/>
-          <a:lstStyle/>
-          <a:p>
-            <a:endParaRPr lang="en-NZ"/>
-          </a:p>
-        </p:txBody>
-      </p:sp>
-    </p:spTree>
-    <p:extLst>
-      <p:ext uri="{BB962C8B-B14F-4D97-AF65-F5344CB8AC3E}">
-        <p14:creationId xmlns:p14="http://schemas.microsoft.com/office/powerpoint/2010/main" val="2189745364"/>
-      </p:ext>
-    </p:extLst>
-  </p:cSld>
-  <p:clrMapOvr>
-    <a:masterClrMapping/>
-  </p:clrMapOvr>
-</p:sld>
-</file>
-
-<file path=ppt/slides/slide12.xml><?xml version="1.0" encoding="utf-8"?>
-<p:sld xmlns:a="http://schemas.openxmlformats.org/drawingml/2006/main" xmlns:r="http://schemas.openxmlformats.org/officeDocument/2006/relationships" xmlns:p="http://schemas.openxmlformats.org/presentationml/2006/main">
-  <p:cSld>
-    <p:spTree>
-      <p:nvGrpSpPr>
-        <p:cNvPr id="1" name=""/>
-        <p:cNvGrpSpPr/>
-        <p:nvPr/>
-      </p:nvGrpSpPr>
-      <p:grpSpPr>
-        <a:xfrm>
-          <a:off x="0" y="0"/>
-          <a:ext cx="0" cy="0"/>
-          <a:chOff x="0" y="0"/>
-          <a:chExt cx="0" cy="0"/>
-        </a:xfrm>
-      </p:grpSpPr>
-      <p:sp>
-        <p:nvSpPr>
-          <p:cNvPr id="2" name="Title 1">
-            <a:extLst>
-              <a:ext uri="{FF2B5EF4-FFF2-40B4-BE49-F238E27FC236}">
-                <a16:creationId xmlns:a16="http://schemas.microsoft.com/office/drawing/2014/main" id="{CE3F6627-BA58-BE8F-3148-829D6A616E1D}"/>
-              </a:ext>
-            </a:extLst>
-          </p:cNvPr>
-          <p:cNvSpPr>
-            <a:spLocks noGrp="1"/>
-          </p:cNvSpPr>
-          <p:nvPr>
-            <p:ph type="title"/>
-          </p:nvPr>
-        </p:nvSpPr>
-        <p:spPr/>
-        <p:txBody>
-          <a:bodyPr/>
-          <a:lstStyle/>
-          <a:p>
-            <a:r>
-              <a:rPr lang="en-NZ" dirty="0"/>
-              <a:t>Must highlight current piece</a:t>
-            </a:r>
-          </a:p>
-        </p:txBody>
-      </p:sp>
-      <p:sp>
-        <p:nvSpPr>
-          <p:cNvPr id="3" name="Content Placeholder 2">
-            <a:extLst>
-              <a:ext uri="{FF2B5EF4-FFF2-40B4-BE49-F238E27FC236}">
-                <a16:creationId xmlns:a16="http://schemas.microsoft.com/office/drawing/2014/main" id="{FBD804B8-1DE0-BE16-5BCE-5D6B493D9FD4}"/>
-              </a:ext>
-            </a:extLst>
-          </p:cNvPr>
-          <p:cNvSpPr>
-            <a:spLocks noGrp="1"/>
-          </p:cNvSpPr>
-          <p:nvPr>
-            <p:ph idx="1"/>
-          </p:nvPr>
-        </p:nvSpPr>
-        <p:spPr/>
-        <p:txBody>
-          <a:bodyPr/>
-          <a:lstStyle/>
-          <a:p>
-            <a:endParaRPr lang="en-NZ"/>
-          </a:p>
-        </p:txBody>
-      </p:sp>
-    </p:spTree>
-    <p:extLst>
-      <p:ext uri="{BB962C8B-B14F-4D97-AF65-F5344CB8AC3E}">
-        <p14:creationId xmlns:p14="http://schemas.microsoft.com/office/powerpoint/2010/main" val="2554264141"/>
-      </p:ext>
-    </p:extLst>
-  </p:cSld>
-  <p:clrMapOvr>
-    <a:masterClrMapping/>
-  </p:clrMapOvr>
-</p:sld>
-</file>
-
-<file path=ppt/slides/slide13.xml><?xml version="1.0" encoding="utf-8"?>
-<p:sld xmlns:a="http://schemas.openxmlformats.org/drawingml/2006/main" xmlns:r="http://schemas.openxmlformats.org/officeDocument/2006/relationships" xmlns:p="http://schemas.openxmlformats.org/presentationml/2006/main">
-  <p:cSld>
-    <p:spTree>
-      <p:nvGrpSpPr>
-        <p:cNvPr id="1" name=""/>
-        <p:cNvGrpSpPr/>
-        <p:nvPr/>
-      </p:nvGrpSpPr>
-      <p:grpSpPr>
-        <a:xfrm>
-          <a:off x="0" y="0"/>
-          <a:ext cx="0" cy="0"/>
-          <a:chOff x="0" y="0"/>
-          <a:chExt cx="0" cy="0"/>
-        </a:xfrm>
-      </p:grpSpPr>
-      <p:sp>
-        <p:nvSpPr>
-          <p:cNvPr id="2" name="Title 1">
-            <a:extLst>
-              <a:ext uri="{FF2B5EF4-FFF2-40B4-BE49-F238E27FC236}">
-                <a16:creationId xmlns:a16="http://schemas.microsoft.com/office/drawing/2014/main" id="{37F7A997-1167-ECBD-A8EF-16A496806681}"/>
-              </a:ext>
-            </a:extLst>
-          </p:cNvPr>
-          <p:cNvSpPr>
-            <a:spLocks noGrp="1"/>
-          </p:cNvSpPr>
-          <p:nvPr>
-            <p:ph type="title"/>
-          </p:nvPr>
-        </p:nvSpPr>
-        <p:spPr/>
-        <p:txBody>
-          <a:bodyPr/>
-          <a:lstStyle/>
-          <a:p>
-            <a:r>
-              <a:rPr lang="en-NZ" dirty="0"/>
-              <a:t>Must have reset button</a:t>
-            </a:r>
-          </a:p>
-        </p:txBody>
-      </p:sp>
-      <p:sp>
-        <p:nvSpPr>
-          <p:cNvPr id="3" name="Content Placeholder 2">
-            <a:extLst>
-              <a:ext uri="{FF2B5EF4-FFF2-40B4-BE49-F238E27FC236}">
-                <a16:creationId xmlns:a16="http://schemas.microsoft.com/office/drawing/2014/main" id="{084DD938-817C-F7B1-6E03-81E2CA7D1D5A}"/>
-              </a:ext>
-            </a:extLst>
-          </p:cNvPr>
-          <p:cNvSpPr>
-            <a:spLocks noGrp="1"/>
-          </p:cNvSpPr>
-          <p:nvPr>
-            <p:ph idx="1"/>
-          </p:nvPr>
-        </p:nvSpPr>
-        <p:spPr/>
-        <p:txBody>
-          <a:bodyPr/>
-          <a:lstStyle/>
-          <a:p>
-            <a:endParaRPr lang="en-NZ"/>
-          </a:p>
-        </p:txBody>
-      </p:sp>
-    </p:spTree>
-    <p:extLst>
-      <p:ext uri="{BB962C8B-B14F-4D97-AF65-F5344CB8AC3E}">
-        <p14:creationId xmlns:p14="http://schemas.microsoft.com/office/powerpoint/2010/main" val="4190049160"/>
-      </p:ext>
-    </p:extLst>
-  </p:cSld>
-  <p:clrMapOvr>
-    <a:masterClrMapping/>
-  </p:clrMapOvr>
-</p:sld>
-</file>
-
-<file path=ppt/slides/slide14.xml><?xml version="1.0" encoding="utf-8"?>
-<p:sld xmlns:a="http://schemas.openxmlformats.org/drawingml/2006/main" xmlns:r="http://schemas.openxmlformats.org/officeDocument/2006/relationships" xmlns:p="http://schemas.openxmlformats.org/presentationml/2006/main">
-  <p:cSld>
-    <p:spTree>
-      <p:nvGrpSpPr>
-        <p:cNvPr id="1" name=""/>
-        <p:cNvGrpSpPr/>
-        <p:nvPr/>
-      </p:nvGrpSpPr>
-      <p:grpSpPr>
-        <a:xfrm>
-          <a:off x="0" y="0"/>
-          <a:ext cx="0" cy="0"/>
-          <a:chOff x="0" y="0"/>
-          <a:chExt cx="0" cy="0"/>
-        </a:xfrm>
-      </p:grpSpPr>
-      <p:sp>
-        <p:nvSpPr>
-          <p:cNvPr id="2" name="Title 1">
-            <a:extLst>
-              <a:ext uri="{FF2B5EF4-FFF2-40B4-BE49-F238E27FC236}">
-                <a16:creationId xmlns:a16="http://schemas.microsoft.com/office/drawing/2014/main" id="{97D6BE81-E55C-77B4-5605-A66AAA5EAF35}"/>
-              </a:ext>
-            </a:extLst>
-          </p:cNvPr>
-          <p:cNvSpPr>
-            <a:spLocks noGrp="1"/>
-          </p:cNvSpPr>
-          <p:nvPr>
-            <p:ph type="title"/>
-          </p:nvPr>
-        </p:nvSpPr>
-        <p:spPr/>
-        <p:txBody>
-          <a:bodyPr/>
-          <a:lstStyle/>
-          <a:p>
-            <a:r>
-              <a:rPr lang="en-NZ" dirty="0"/>
-              <a:t>Must have undo button</a:t>
-            </a:r>
-          </a:p>
-        </p:txBody>
-      </p:sp>
-      <p:sp>
-        <p:nvSpPr>
-          <p:cNvPr id="3" name="Content Placeholder 2">
-            <a:extLst>
-              <a:ext uri="{FF2B5EF4-FFF2-40B4-BE49-F238E27FC236}">
-                <a16:creationId xmlns:a16="http://schemas.microsoft.com/office/drawing/2014/main" id="{0A53D286-6755-7621-F952-06A0F4ADF431}"/>
-              </a:ext>
-            </a:extLst>
-          </p:cNvPr>
-          <p:cNvSpPr>
-            <a:spLocks noGrp="1"/>
-          </p:cNvSpPr>
-          <p:nvPr>
-            <p:ph idx="1"/>
-          </p:nvPr>
-        </p:nvSpPr>
-        <p:spPr/>
-        <p:txBody>
-          <a:bodyPr/>
-          <a:lstStyle/>
-          <a:p>
-            <a:endParaRPr lang="en-NZ"/>
-          </a:p>
-        </p:txBody>
-      </p:sp>
-    </p:spTree>
-    <p:extLst>
-      <p:ext uri="{BB962C8B-B14F-4D97-AF65-F5344CB8AC3E}">
-        <p14:creationId xmlns:p14="http://schemas.microsoft.com/office/powerpoint/2010/main" val="3499884671"/>
-      </p:ext>
-    </p:extLst>
-  </p:cSld>
-  <p:clrMapOvr>
-    <a:masterClrMapping/>
-  </p:clrMapOvr>
-</p:sld>
-</file>
-
-<file path=ppt/slides/slide15.xml><?xml version="1.0" encoding="utf-8"?>
-<p:sld xmlns:a="http://schemas.openxmlformats.org/drawingml/2006/main" xmlns:r="http://schemas.openxmlformats.org/officeDocument/2006/relationships" xmlns:p="http://schemas.openxmlformats.org/presentationml/2006/main">
-  <p:cSld>
-    <p:spTree>
-      <p:nvGrpSpPr>
-        <p:cNvPr id="1" name=""/>
-        <p:cNvGrpSpPr/>
-        <p:nvPr/>
-      </p:nvGrpSpPr>
-      <p:grpSpPr>
-        <a:xfrm>
-          <a:off x="0" y="0"/>
-          <a:ext cx="0" cy="0"/>
-          <a:chOff x="0" y="0"/>
-          <a:chExt cx="0" cy="0"/>
-        </a:xfrm>
-      </p:grpSpPr>
-      <p:sp>
-        <p:nvSpPr>
-          <p:cNvPr id="2" name="Title 1">
-            <a:extLst>
-              <a:ext uri="{FF2B5EF4-FFF2-40B4-BE49-F238E27FC236}">
-                <a16:creationId xmlns:a16="http://schemas.microsoft.com/office/drawing/2014/main" id="{CEDF7865-46D5-3F60-D4C3-665F4F383818}"/>
-              </a:ext>
-            </a:extLst>
-          </p:cNvPr>
-          <p:cNvSpPr>
-            <a:spLocks noGrp="1"/>
-          </p:cNvSpPr>
-          <p:nvPr>
-            <p:ph type="title"/>
-          </p:nvPr>
-        </p:nvSpPr>
-        <p:spPr/>
-        <p:txBody>
-          <a:bodyPr/>
-          <a:lstStyle/>
-          <a:p>
-            <a:r>
-              <a:rPr lang="en-NZ" dirty="0"/>
-              <a:t>Must have timer</a:t>
-            </a:r>
-          </a:p>
-        </p:txBody>
-      </p:sp>
-      <p:sp>
-        <p:nvSpPr>
-          <p:cNvPr id="3" name="Content Placeholder 2">
-            <a:extLst>
-              <a:ext uri="{FF2B5EF4-FFF2-40B4-BE49-F238E27FC236}">
-                <a16:creationId xmlns:a16="http://schemas.microsoft.com/office/drawing/2014/main" id="{B6F882F9-ABC1-5F98-E69F-5C8F91E8E801}"/>
-              </a:ext>
-            </a:extLst>
-          </p:cNvPr>
-          <p:cNvSpPr>
-            <a:spLocks noGrp="1"/>
-          </p:cNvSpPr>
-          <p:nvPr>
-            <p:ph idx="1"/>
-          </p:nvPr>
-        </p:nvSpPr>
-        <p:spPr/>
-        <p:txBody>
-          <a:bodyPr/>
-          <a:lstStyle/>
-          <a:p>
-            <a:endParaRPr lang="en-NZ"/>
-          </a:p>
-        </p:txBody>
-      </p:sp>
-    </p:spTree>
-    <p:extLst>
-      <p:ext uri="{BB962C8B-B14F-4D97-AF65-F5344CB8AC3E}">
-        <p14:creationId xmlns:p14="http://schemas.microsoft.com/office/powerpoint/2010/main" val="3338783566"/>
-      </p:ext>
-    </p:extLst>
-  </p:cSld>
-  <p:clrMapOvr>
-    <a:masterClrMapping/>
-  </p:clrMapOvr>
-</p:sld>
-</file>
-
-<file path=ppt/slides/slide16.xml><?xml version="1.0" encoding="utf-8"?>
-<p:sld xmlns:a="http://schemas.openxmlformats.org/drawingml/2006/main" xmlns:r="http://schemas.openxmlformats.org/officeDocument/2006/relationships" xmlns:p="http://schemas.openxmlformats.org/presentationml/2006/main">
-  <p:cSld>
-    <p:spTree>
-      <p:nvGrpSpPr>
-        <p:cNvPr id="1" name=""/>
-        <p:cNvGrpSpPr/>
-        <p:nvPr/>
-      </p:nvGrpSpPr>
-      <p:grpSpPr>
-        <a:xfrm>
-          <a:off x="0" y="0"/>
-          <a:ext cx="0" cy="0"/>
-          <a:chOff x="0" y="0"/>
-          <a:chExt cx="0" cy="0"/>
-        </a:xfrm>
-      </p:grpSpPr>
-      <p:sp>
-        <p:nvSpPr>
-          <p:cNvPr id="2" name="Title 1">
-            <a:extLst>
-              <a:ext uri="{FF2B5EF4-FFF2-40B4-BE49-F238E27FC236}">
-                <a16:creationId xmlns:a16="http://schemas.microsoft.com/office/drawing/2014/main" id="{4EDED2DB-D21F-F08F-1888-134755B73052}"/>
-              </a:ext>
-            </a:extLst>
-          </p:cNvPr>
-          <p:cNvSpPr>
-            <a:spLocks noGrp="1"/>
-          </p:cNvSpPr>
-          <p:nvPr>
-            <p:ph type="title"/>
-          </p:nvPr>
-        </p:nvSpPr>
-        <p:spPr/>
-        <p:txBody>
-          <a:bodyPr/>
-          <a:lstStyle/>
-          <a:p>
-            <a:r>
-              <a:rPr lang="en-NZ" dirty="0"/>
-              <a:t>Must show time taken to beat level</a:t>
-            </a:r>
-          </a:p>
-        </p:txBody>
-      </p:sp>
-      <p:sp>
-        <p:nvSpPr>
-          <p:cNvPr id="3" name="Content Placeholder 2">
-            <a:extLst>
-              <a:ext uri="{FF2B5EF4-FFF2-40B4-BE49-F238E27FC236}">
-                <a16:creationId xmlns:a16="http://schemas.microsoft.com/office/drawing/2014/main" id="{523841F9-E625-479A-652F-060B1CF98A0B}"/>
-              </a:ext>
-            </a:extLst>
-          </p:cNvPr>
-          <p:cNvSpPr>
-            <a:spLocks noGrp="1"/>
-          </p:cNvSpPr>
-          <p:nvPr>
-            <p:ph idx="1"/>
-          </p:nvPr>
-        </p:nvSpPr>
-        <p:spPr/>
-        <p:txBody>
-          <a:bodyPr/>
-          <a:lstStyle/>
-          <a:p>
-            <a:endParaRPr lang="en-NZ"/>
-          </a:p>
-        </p:txBody>
-      </p:sp>
-    </p:spTree>
-    <p:extLst>
-      <p:ext uri="{BB962C8B-B14F-4D97-AF65-F5344CB8AC3E}">
-        <p14:creationId xmlns:p14="http://schemas.microsoft.com/office/powerpoint/2010/main" val="3590533096"/>
-      </p:ext>
-    </p:extLst>
-  </p:cSld>
-  <p:clrMapOvr>
-    <a:masterClrMapping/>
-  </p:clrMapOvr>
-</p:sld>
-</file>
-
-<file path=ppt/slides/slide17.xml><?xml version="1.0" encoding="utf-8"?>
-<p:sld xmlns:a="http://schemas.openxmlformats.org/drawingml/2006/main" xmlns:r="http://schemas.openxmlformats.org/officeDocument/2006/relationships" xmlns:p="http://schemas.openxmlformats.org/presentationml/2006/main">
-  <p:cSld>
-    <p:spTree>
-      <p:nvGrpSpPr>
-        <p:cNvPr id="1" name=""/>
-        <p:cNvGrpSpPr/>
-        <p:nvPr/>
-      </p:nvGrpSpPr>
-      <p:grpSpPr>
-        <a:xfrm>
-          <a:off x="0" y="0"/>
-          <a:ext cx="0" cy="0"/>
-          <a:chOff x="0" y="0"/>
-          <a:chExt cx="0" cy="0"/>
-        </a:xfrm>
-      </p:grpSpPr>
-      <p:sp>
-        <p:nvSpPr>
-          <p:cNvPr id="2" name="Title 1">
-            <a:extLst>
-              <a:ext uri="{FF2B5EF4-FFF2-40B4-BE49-F238E27FC236}">
-                <a16:creationId xmlns:a16="http://schemas.microsoft.com/office/drawing/2014/main" id="{6BEB0DAF-FBD7-FA8D-93ED-A77693D056E4}"/>
-              </a:ext>
-            </a:extLst>
-          </p:cNvPr>
-          <p:cNvSpPr>
-            <a:spLocks noGrp="1"/>
-          </p:cNvSpPr>
-          <p:nvPr>
-            <p:ph type="title"/>
-          </p:nvPr>
-        </p:nvSpPr>
-        <p:spPr/>
-        <p:txBody>
-          <a:bodyPr/>
-          <a:lstStyle/>
-          <a:p>
-            <a:r>
-              <a:rPr lang="en-NZ" dirty="0"/>
-              <a:t>Must acknowledge level completion</a:t>
-            </a:r>
-          </a:p>
-        </p:txBody>
-      </p:sp>
-      <p:sp>
-        <p:nvSpPr>
-          <p:cNvPr id="3" name="Content Placeholder 2">
-            <a:extLst>
-              <a:ext uri="{FF2B5EF4-FFF2-40B4-BE49-F238E27FC236}">
-                <a16:creationId xmlns:a16="http://schemas.microsoft.com/office/drawing/2014/main" id="{C10BE031-1454-24B5-8237-B701BCDB1FC2}"/>
-              </a:ext>
-            </a:extLst>
-          </p:cNvPr>
-          <p:cNvSpPr>
-            <a:spLocks noGrp="1"/>
-          </p:cNvSpPr>
-          <p:nvPr>
-            <p:ph idx="1"/>
-          </p:nvPr>
-        </p:nvSpPr>
-        <p:spPr/>
-        <p:txBody>
-          <a:bodyPr/>
-          <a:lstStyle/>
-          <a:p>
-            <a:endParaRPr lang="en-NZ"/>
-          </a:p>
-        </p:txBody>
-      </p:sp>
-    </p:spTree>
-    <p:extLst>
-      <p:ext uri="{BB962C8B-B14F-4D97-AF65-F5344CB8AC3E}">
-        <p14:creationId xmlns:p14="http://schemas.microsoft.com/office/powerpoint/2010/main" val="2912228586"/>
-      </p:ext>
-    </p:extLst>
-  </p:cSld>
-  <p:clrMapOvr>
-    <a:masterClrMapping/>
-  </p:clrMapOvr>
-</p:sld>
-</file>
-
-<file path=ppt/slides/slide18.xml><?xml version="1.0" encoding="utf-8"?>
-<p:sld xmlns:a="http://schemas.openxmlformats.org/drawingml/2006/main" xmlns:r="http://schemas.openxmlformats.org/officeDocument/2006/relationships" xmlns:p="http://schemas.openxmlformats.org/presentationml/2006/main">
-  <p:cSld>
-    <p:spTree>
-      <p:nvGrpSpPr>
-        <p:cNvPr id="1" name=""/>
-        <p:cNvGrpSpPr/>
-        <p:nvPr/>
-      </p:nvGrpSpPr>
-      <p:grpSpPr>
-        <a:xfrm>
-          <a:off x="0" y="0"/>
-          <a:ext cx="0" cy="0"/>
-          <a:chOff x="0" y="0"/>
-          <a:chExt cx="0" cy="0"/>
-        </a:xfrm>
-      </p:grpSpPr>
-      <p:sp>
-        <p:nvSpPr>
-          <p:cNvPr id="2" name="Title 1">
-            <a:extLst>
-              <a:ext uri="{FF2B5EF4-FFF2-40B4-BE49-F238E27FC236}">
-                <a16:creationId xmlns:a16="http://schemas.microsoft.com/office/drawing/2014/main" id="{F912F206-F39F-6CAC-320C-A3E08126AE41}"/>
-              </a:ext>
-            </a:extLst>
-          </p:cNvPr>
-          <p:cNvSpPr>
-            <a:spLocks noGrp="1"/>
-          </p:cNvSpPr>
-          <p:nvPr>
-            <p:ph type="title"/>
-          </p:nvPr>
-        </p:nvSpPr>
-        <p:spPr/>
-        <p:txBody>
-          <a:bodyPr/>
-          <a:lstStyle/>
-          <a:p>
-            <a:r>
-              <a:rPr lang="en-NZ" dirty="0"/>
-              <a:t>Must display level name</a:t>
-            </a:r>
-          </a:p>
-        </p:txBody>
-      </p:sp>
-      <p:sp>
-        <p:nvSpPr>
-          <p:cNvPr id="3" name="Content Placeholder 2">
-            <a:extLst>
-              <a:ext uri="{FF2B5EF4-FFF2-40B4-BE49-F238E27FC236}">
-                <a16:creationId xmlns:a16="http://schemas.microsoft.com/office/drawing/2014/main" id="{A1371EA9-B806-A32F-80FC-D7F80F83A6AD}"/>
-              </a:ext>
-            </a:extLst>
-          </p:cNvPr>
-          <p:cNvSpPr>
-            <a:spLocks noGrp="1"/>
-          </p:cNvSpPr>
-          <p:nvPr>
-            <p:ph idx="1"/>
-          </p:nvPr>
-        </p:nvSpPr>
-        <p:spPr/>
-        <p:txBody>
-          <a:bodyPr/>
-          <a:lstStyle/>
-          <a:p>
-            <a:endParaRPr lang="en-NZ"/>
-          </a:p>
-        </p:txBody>
-      </p:sp>
-    </p:spTree>
-    <p:extLst>
-      <p:ext uri="{BB962C8B-B14F-4D97-AF65-F5344CB8AC3E}">
-        <p14:creationId xmlns:p14="http://schemas.microsoft.com/office/powerpoint/2010/main" val="4220730044"/>
-      </p:ext>
-    </p:extLst>
-  </p:cSld>
-  <p:clrMapOvr>
-    <a:masterClrMapping/>
-  </p:clrMapOvr>
-</p:sld>
-</file>
-
-<file path=ppt/slides/slide2.xml><?xml version="1.0" encoding="utf-8"?>
-<p:sld xmlns:a="http://schemas.openxmlformats.org/drawingml/2006/main" xmlns:r="http://schemas.openxmlformats.org/officeDocument/2006/relationships" xmlns:p="http://schemas.openxmlformats.org/presentationml/2006/main">
-  <p:cSld>
-    <p:spTree>
-      <p:nvGrpSpPr>
-        <p:cNvPr id="1" name=""/>
-        <p:cNvGrpSpPr/>
-        <p:nvPr/>
-      </p:nvGrpSpPr>
-      <p:grpSpPr>
-        <a:xfrm>
-          <a:off x="0" y="0"/>
-          <a:ext cx="0" cy="0"/>
-          <a:chOff x="0" y="0"/>
-          <a:chExt cx="0" cy="0"/>
-        </a:xfrm>
-      </p:grpSpPr>
-      <p:sp>
-        <p:nvSpPr>
-          <p:cNvPr id="2" name="Title 1">
-            <a:extLst>
-              <a:ext uri="{FF2B5EF4-FFF2-40B4-BE49-F238E27FC236}">
-                <a16:creationId xmlns:a16="http://schemas.microsoft.com/office/drawing/2014/main" id="{C612166B-97F3-6C8B-AD9A-911CFB9E0187}"/>
-              </a:ext>
-            </a:extLst>
-          </p:cNvPr>
-          <p:cNvSpPr>
-            <a:spLocks noGrp="1"/>
-          </p:cNvSpPr>
-          <p:nvPr>
-            <p:ph type="title"/>
-          </p:nvPr>
-        </p:nvSpPr>
-        <p:spPr/>
-        <p:txBody>
-          <a:bodyPr/>
-          <a:lstStyle/>
-          <a:p>
-            <a:r>
-              <a:rPr lang="en-US" dirty="0"/>
-              <a:t>Must have a game board with correct co-ordinates</a:t>
-            </a:r>
-            <a:endParaRPr lang="en-NZ" dirty="0"/>
-          </a:p>
-        </p:txBody>
-      </p:sp>
-      <p:sp>
-        <p:nvSpPr>
-          <p:cNvPr id="3" name="Content Placeholder 2">
-            <a:extLst>
-              <a:ext uri="{FF2B5EF4-FFF2-40B4-BE49-F238E27FC236}">
-                <a16:creationId xmlns:a16="http://schemas.microsoft.com/office/drawing/2014/main" id="{1C499FD3-AD1B-A266-9B06-3A465EF957D2}"/>
-              </a:ext>
-            </a:extLst>
-          </p:cNvPr>
-          <p:cNvSpPr>
-            <a:spLocks noGrp="1"/>
-          </p:cNvSpPr>
-          <p:nvPr>
-            <p:ph idx="1"/>
-          </p:nvPr>
-        </p:nvSpPr>
-        <p:spPr/>
-        <p:txBody>
-          <a:bodyPr/>
-          <a:lstStyle/>
-          <a:p>
-            <a:endParaRPr lang="en-NZ"/>
-          </a:p>
-        </p:txBody>
-      </p:sp>
-    </p:spTree>
-    <p:extLst>
-      <p:ext uri="{BB962C8B-B14F-4D97-AF65-F5344CB8AC3E}">
-        <p14:creationId xmlns:p14="http://schemas.microsoft.com/office/powerpoint/2010/main" val="2657811667"/>
-      </p:ext>
-    </p:extLst>
-  </p:cSld>
-  <p:clrMapOvr>
-    <a:masterClrMapping/>
-  </p:clrMapOvr>
-</p:sld>
-</file>
-
 <file path=ppt/slides/slide3.xml><?xml version="1.0" encoding="utf-8"?>
 <p:sld xmlns:a="http://schemas.openxmlformats.org/drawingml/2006/main" xmlns:r="http://schemas.openxmlformats.org/officeDocument/2006/relationships" xmlns:p="http://schemas.openxmlformats.org/presentationml/2006/main">
   <p:cSld>
@@ -4332,7 +4427,7 @@
           <p:cNvPr id="2" name="Title 1">
             <a:extLst>
               <a:ext uri="{FF2B5EF4-FFF2-40B4-BE49-F238E27FC236}">
-                <a16:creationId xmlns:a16="http://schemas.microsoft.com/office/drawing/2014/main" id="{830415F1-ED0C-A0FC-5B8A-B42A7CA7978F}"/>
+                <a16:creationId xmlns:a16="http://schemas.microsoft.com/office/drawing/2014/main" id="{C612166B-97F3-6C8B-AD9A-911CFB9E0187}"/>
               </a:ext>
             </a:extLst>
           </p:cNvPr>
@@ -4350,7 +4445,7 @@
           <a:p>
             <a:r>
               <a:rPr lang="en-US" dirty="0"/>
-              <a:t>Must have movement for Rook</a:t>
+              <a:t>Must have a game board with correct co-ordinates</a:t>
             </a:r>
             <a:endParaRPr lang="en-NZ" dirty="0"/>
           </a:p>
@@ -4361,7 +4456,7 @@
           <p:cNvPr id="3" name="Content Placeholder 2">
             <a:extLst>
               <a:ext uri="{FF2B5EF4-FFF2-40B4-BE49-F238E27FC236}">
-                <a16:creationId xmlns:a16="http://schemas.microsoft.com/office/drawing/2014/main" id="{67D7E7A3-B235-4CAB-8AA3-39C43B3A0E73}"/>
+                <a16:creationId xmlns:a16="http://schemas.microsoft.com/office/drawing/2014/main" id="{1C499FD3-AD1B-A266-9B06-3A465EF957D2}"/>
               </a:ext>
             </a:extLst>
           </p:cNvPr>
@@ -4372,19 +4467,71 @@
             <p:ph idx="1"/>
           </p:nvPr>
         </p:nvSpPr>
-        <p:spPr/>
-        <p:txBody>
-          <a:bodyPr/>
-          <a:lstStyle/>
-          <a:p>
-            <a:endParaRPr lang="en-NZ"/>
-          </a:p>
-        </p:txBody>
-      </p:sp>
+        <p:spPr>
+          <a:xfrm>
+            <a:off x="838200" y="1788680"/>
+            <a:ext cx="10515600" cy="4351338"/>
+          </a:xfrm>
+        </p:spPr>
+        <p:txBody>
+          <a:bodyPr/>
+          <a:lstStyle/>
+          <a:p>
+            <a:r>
+              <a:rPr lang="en-NZ" dirty="0"/>
+              <a:t>Created a 2D array that starts at 0,0</a:t>
+            </a:r>
+          </a:p>
+          <a:p>
+            <a:pPr marL="0" indent="0">
+              <a:buNone/>
+            </a:pPr>
+            <a:r>
+              <a:rPr lang="en-NZ" dirty="0"/>
+              <a:t>and creates a grid of a </a:t>
+            </a:r>
+            <a:r>
+              <a:rPr lang="en-NZ"/>
+              <a:t>set Size</a:t>
+            </a:r>
+            <a:endParaRPr lang="en-NZ" dirty="0"/>
+          </a:p>
+        </p:txBody>
+      </p:sp>
+      <p:pic>
+        <p:nvPicPr>
+          <p:cNvPr id="7" name="Picture 6">
+            <a:extLst>
+              <a:ext uri="{FF2B5EF4-FFF2-40B4-BE49-F238E27FC236}">
+                <a16:creationId xmlns:a16="http://schemas.microsoft.com/office/drawing/2014/main" id="{B0835D4F-79A8-0771-3A30-F7FDF3C79495}"/>
+              </a:ext>
+            </a:extLst>
+          </p:cNvPr>
+          <p:cNvPicPr>
+            <a:picLocks noChangeAspect="1"/>
+          </p:cNvPicPr>
+          <p:nvPr/>
+        </p:nvPicPr>
+        <p:blipFill>
+          <a:blip r:embed="rId2"/>
+          <a:stretch>
+            <a:fillRect/>
+          </a:stretch>
+        </p:blipFill>
+        <p:spPr>
+          <a:xfrm>
+            <a:off x="7903339" y="1788680"/>
+            <a:ext cx="3534268" cy="2838846"/>
+          </a:xfrm>
+          <a:prstGeom prst="rect">
+            <a:avLst/>
+          </a:prstGeom>
+        </p:spPr>
+      </p:pic>
     </p:spTree>
     <p:extLst>
       <p:ext uri="{BB962C8B-B14F-4D97-AF65-F5344CB8AC3E}">
-        <p14:creationId xmlns:p14="http://schemas.microsoft.com/office/powerpoint/2010/main" val="3482038824"/>
+        <p14:creationId xmlns:p14="http://schemas.microsoft.com/office/powerpoint/2010/main" val="2657811667"/>
       </p:ext>
     </p:extLst>
   </p:cSld>
@@ -4416,7 +4563,7 @@
           <p:cNvPr id="2" name="Title 1">
             <a:extLst>
               <a:ext uri="{FF2B5EF4-FFF2-40B4-BE49-F238E27FC236}">
-                <a16:creationId xmlns:a16="http://schemas.microsoft.com/office/drawing/2014/main" id="{D9394B36-5B27-74A5-86AE-119381BFC652}"/>
+                <a16:creationId xmlns:a16="http://schemas.microsoft.com/office/drawing/2014/main" id="{830415F1-ED0C-A0FC-5B8A-B42A7CA7978F}"/>
               </a:ext>
             </a:extLst>
           </p:cNvPr>
@@ -4433,9 +4580,10 @@
           <a:lstStyle/>
           <a:p>
             <a:r>
-              <a:rPr lang="en-NZ" dirty="0"/>
-              <a:t>Must have movement for King</a:t>
-            </a:r>
+              <a:rPr lang="en-US" dirty="0"/>
+              <a:t>Must have movement for Rook</a:t>
+            </a:r>
+            <a:endParaRPr lang="en-NZ" dirty="0"/>
           </a:p>
         </p:txBody>
       </p:sp>
@@ -4444,7 +4592,7 @@
           <p:cNvPr id="3" name="Content Placeholder 2">
             <a:extLst>
               <a:ext uri="{FF2B5EF4-FFF2-40B4-BE49-F238E27FC236}">
-                <a16:creationId xmlns:a16="http://schemas.microsoft.com/office/drawing/2014/main" id="{8129CD60-4980-DB60-51B8-48C82F9CCF18}"/>
+                <a16:creationId xmlns:a16="http://schemas.microsoft.com/office/drawing/2014/main" id="{67D7E7A3-B235-4CAB-8AA3-39C43B3A0E73}"/>
               </a:ext>
             </a:extLst>
           </p:cNvPr>
@@ -4467,7 +4615,7 @@
     </p:spTree>
     <p:extLst>
       <p:ext uri="{BB962C8B-B14F-4D97-AF65-F5344CB8AC3E}">
-        <p14:creationId xmlns:p14="http://schemas.microsoft.com/office/powerpoint/2010/main" val="1228757780"/>
+        <p14:creationId xmlns:p14="http://schemas.microsoft.com/office/powerpoint/2010/main" val="3482038824"/>
       </p:ext>
     </p:extLst>
   </p:cSld>
@@ -4499,7 +4647,7 @@
           <p:cNvPr id="2" name="Title 1">
             <a:extLst>
               <a:ext uri="{FF2B5EF4-FFF2-40B4-BE49-F238E27FC236}">
-                <a16:creationId xmlns:a16="http://schemas.microsoft.com/office/drawing/2014/main" id="{D4467DA4-C01D-3B67-142B-833A0A9AB5DA}"/>
+                <a16:creationId xmlns:a16="http://schemas.microsoft.com/office/drawing/2014/main" id="{D9394B36-5B27-74A5-86AE-119381BFC652}"/>
               </a:ext>
             </a:extLst>
           </p:cNvPr>
@@ -4517,7 +4665,7 @@
           <a:p>
             <a:r>
               <a:rPr lang="en-NZ" dirty="0"/>
-              <a:t>Must have movement for Queen</a:t>
+              <a:t>Must have movement for King</a:t>
             </a:r>
           </a:p>
         </p:txBody>
@@ -4527,7 +4675,7 @@
           <p:cNvPr id="3" name="Content Placeholder 2">
             <a:extLst>
               <a:ext uri="{FF2B5EF4-FFF2-40B4-BE49-F238E27FC236}">
-                <a16:creationId xmlns:a16="http://schemas.microsoft.com/office/drawing/2014/main" id="{E115876B-4F55-A8F0-2AC4-84691D2F5B20}"/>
+                <a16:creationId xmlns:a16="http://schemas.microsoft.com/office/drawing/2014/main" id="{8129CD60-4980-DB60-51B8-48C82F9CCF18}"/>
               </a:ext>
             </a:extLst>
           </p:cNvPr>
@@ -4550,7 +4698,7 @@
     </p:spTree>
     <p:extLst>
       <p:ext uri="{BB962C8B-B14F-4D97-AF65-F5344CB8AC3E}">
-        <p14:creationId xmlns:p14="http://schemas.microsoft.com/office/powerpoint/2010/main" val="491357484"/>
+        <p14:creationId xmlns:p14="http://schemas.microsoft.com/office/powerpoint/2010/main" val="1228757780"/>
       </p:ext>
     </p:extLst>
   </p:cSld>
@@ -4582,7 +4730,7 @@
           <p:cNvPr id="2" name="Title 1">
             <a:extLst>
               <a:ext uri="{FF2B5EF4-FFF2-40B4-BE49-F238E27FC236}">
-                <a16:creationId xmlns:a16="http://schemas.microsoft.com/office/drawing/2014/main" id="{58431F95-07FB-8AF9-747B-C933872A2197}"/>
+                <a16:creationId xmlns:a16="http://schemas.microsoft.com/office/drawing/2014/main" id="{D4467DA4-C01D-3B67-142B-833A0A9AB5DA}"/>
               </a:ext>
             </a:extLst>
           </p:cNvPr>
@@ -4600,7 +4748,7 @@
           <a:p>
             <a:r>
               <a:rPr lang="en-NZ" dirty="0"/>
-              <a:t>Must have movement for Knight</a:t>
+              <a:t>Must have movement for Queen</a:t>
             </a:r>
           </a:p>
         </p:txBody>
@@ -4610,7 +4758,7 @@
           <p:cNvPr id="3" name="Content Placeholder 2">
             <a:extLst>
               <a:ext uri="{FF2B5EF4-FFF2-40B4-BE49-F238E27FC236}">
-                <a16:creationId xmlns:a16="http://schemas.microsoft.com/office/drawing/2014/main" id="{A6612A68-C5D7-3728-B187-E8CFAE2E679A}"/>
+                <a16:creationId xmlns:a16="http://schemas.microsoft.com/office/drawing/2014/main" id="{E115876B-4F55-A8F0-2AC4-84691D2F5B20}"/>
               </a:ext>
             </a:extLst>
           </p:cNvPr>
@@ -4633,7 +4781,7 @@
     </p:spTree>
     <p:extLst>
       <p:ext uri="{BB962C8B-B14F-4D97-AF65-F5344CB8AC3E}">
-        <p14:creationId xmlns:p14="http://schemas.microsoft.com/office/powerpoint/2010/main" val="1594033806"/>
+        <p14:creationId xmlns:p14="http://schemas.microsoft.com/office/powerpoint/2010/main" val="491357484"/>
       </p:ext>
     </p:extLst>
   </p:cSld>
@@ -4665,7 +4813,7 @@
           <p:cNvPr id="2" name="Title 1">
             <a:extLst>
               <a:ext uri="{FF2B5EF4-FFF2-40B4-BE49-F238E27FC236}">
-                <a16:creationId xmlns:a16="http://schemas.microsoft.com/office/drawing/2014/main" id="{B8D97C7A-0F46-6C57-D4CF-BBC0C3DB5BC6}"/>
+                <a16:creationId xmlns:a16="http://schemas.microsoft.com/office/drawing/2014/main" id="{58431F95-07FB-8AF9-747B-C933872A2197}"/>
               </a:ext>
             </a:extLst>
           </p:cNvPr>
@@ -4683,7 +4831,7 @@
           <a:p>
             <a:r>
               <a:rPr lang="en-NZ" dirty="0"/>
-              <a:t>Must have movement for Bishop</a:t>
+              <a:t>Must have movement for Knight</a:t>
             </a:r>
           </a:p>
         </p:txBody>
@@ -4693,7 +4841,7 @@
           <p:cNvPr id="3" name="Content Placeholder 2">
             <a:extLst>
               <a:ext uri="{FF2B5EF4-FFF2-40B4-BE49-F238E27FC236}">
-                <a16:creationId xmlns:a16="http://schemas.microsoft.com/office/drawing/2014/main" id="{3C3FE0A5-4D39-C865-6EEB-A06CEDEE4D66}"/>
+                <a16:creationId xmlns:a16="http://schemas.microsoft.com/office/drawing/2014/main" id="{A6612A68-C5D7-3728-B187-E8CFAE2E679A}"/>
               </a:ext>
             </a:extLst>
           </p:cNvPr>
@@ -4716,7 +4864,7 @@
     </p:spTree>
     <p:extLst>
       <p:ext uri="{BB962C8B-B14F-4D97-AF65-F5344CB8AC3E}">
-        <p14:creationId xmlns:p14="http://schemas.microsoft.com/office/powerpoint/2010/main" val="2526993423"/>
+        <p14:creationId xmlns:p14="http://schemas.microsoft.com/office/powerpoint/2010/main" val="1594033806"/>
       </p:ext>
     </p:extLst>
   </p:cSld>
@@ -4748,7 +4896,7 @@
           <p:cNvPr id="2" name="Title 1">
             <a:extLst>
               <a:ext uri="{FF2B5EF4-FFF2-40B4-BE49-F238E27FC236}">
-                <a16:creationId xmlns:a16="http://schemas.microsoft.com/office/drawing/2014/main" id="{57730566-0958-E60F-1C8D-BED976E2B85D}"/>
+                <a16:creationId xmlns:a16="http://schemas.microsoft.com/office/drawing/2014/main" id="{B8D97C7A-0F46-6C57-D4CF-BBC0C3DB5BC6}"/>
               </a:ext>
             </a:extLst>
           </p:cNvPr>
@@ -4766,7 +4914,7 @@
           <a:p>
             <a:r>
               <a:rPr lang="en-NZ" dirty="0"/>
-              <a:t>Must be able to detect incorrect movement</a:t>
+              <a:t>Must have movement for Bishop</a:t>
             </a:r>
           </a:p>
         </p:txBody>
@@ -4776,7 +4924,7 @@
           <p:cNvPr id="3" name="Content Placeholder 2">
             <a:extLst>
               <a:ext uri="{FF2B5EF4-FFF2-40B4-BE49-F238E27FC236}">
-                <a16:creationId xmlns:a16="http://schemas.microsoft.com/office/drawing/2014/main" id="{6C975E76-5A60-C047-1E79-1C5C96F4C94F}"/>
+                <a16:creationId xmlns:a16="http://schemas.microsoft.com/office/drawing/2014/main" id="{3C3FE0A5-4D39-C865-6EEB-A06CEDEE4D66}"/>
               </a:ext>
             </a:extLst>
           </p:cNvPr>
@@ -4799,7 +4947,7 @@
     </p:spTree>
     <p:extLst>
       <p:ext uri="{BB962C8B-B14F-4D97-AF65-F5344CB8AC3E}">
-        <p14:creationId xmlns:p14="http://schemas.microsoft.com/office/powerpoint/2010/main" val="1117043179"/>
+        <p14:creationId xmlns:p14="http://schemas.microsoft.com/office/powerpoint/2010/main" val="2526993423"/>
       </p:ext>
     </p:extLst>
   </p:cSld>
@@ -4831,7 +4979,7 @@
           <p:cNvPr id="2" name="Title 1">
             <a:extLst>
               <a:ext uri="{FF2B5EF4-FFF2-40B4-BE49-F238E27FC236}">
-                <a16:creationId xmlns:a16="http://schemas.microsoft.com/office/drawing/2014/main" id="{F2037143-BC2A-B327-59FB-7C5B99AA8B97}"/>
+                <a16:creationId xmlns:a16="http://schemas.microsoft.com/office/drawing/2014/main" id="{57730566-0958-E60F-1C8D-BED976E2B85D}"/>
               </a:ext>
             </a:extLst>
           </p:cNvPr>
@@ -4849,7 +4997,7 @@
           <a:p>
             <a:r>
               <a:rPr lang="en-NZ" dirty="0"/>
-              <a:t>Must have the ability to select pieces to move</a:t>
+              <a:t>Must be able to detect incorrect movement</a:t>
             </a:r>
           </a:p>
         </p:txBody>
@@ -4859,7 +5007,7 @@
           <p:cNvPr id="3" name="Content Placeholder 2">
             <a:extLst>
               <a:ext uri="{FF2B5EF4-FFF2-40B4-BE49-F238E27FC236}">
-                <a16:creationId xmlns:a16="http://schemas.microsoft.com/office/drawing/2014/main" id="{CD5350D6-4F70-551A-5EC1-599E6E1A5335}"/>
+                <a16:creationId xmlns:a16="http://schemas.microsoft.com/office/drawing/2014/main" id="{6C975E76-5A60-C047-1E79-1C5C96F4C94F}"/>
               </a:ext>
             </a:extLst>
           </p:cNvPr>
@@ -4882,7 +5030,7 @@
     </p:spTree>
     <p:extLst>
       <p:ext uri="{BB962C8B-B14F-4D97-AF65-F5344CB8AC3E}">
-        <p14:creationId xmlns:p14="http://schemas.microsoft.com/office/powerpoint/2010/main" val="2064946025"/>
+        <p14:creationId xmlns:p14="http://schemas.microsoft.com/office/powerpoint/2010/main" val="1117043179"/>
       </p:ext>
     </p:extLst>
   </p:cSld>

--- a/Presentation.pptx
+++ b/Presentation.pptx
@@ -9,21 +9,27 @@
     <p:sldId id="256" r:id="rId3"/>
     <p:sldId id="257" r:id="rId4"/>
     <p:sldId id="258" r:id="rId5"/>
-    <p:sldId id="259" r:id="rId6"/>
-    <p:sldId id="260" r:id="rId7"/>
-    <p:sldId id="261" r:id="rId8"/>
-    <p:sldId id="262" r:id="rId9"/>
-    <p:sldId id="263" r:id="rId10"/>
-    <p:sldId id="264" r:id="rId11"/>
-    <p:sldId id="265" r:id="rId12"/>
-    <p:sldId id="266" r:id="rId13"/>
-    <p:sldId id="267" r:id="rId14"/>
-    <p:sldId id="268" r:id="rId15"/>
-    <p:sldId id="269" r:id="rId16"/>
-    <p:sldId id="270" r:id="rId17"/>
-    <p:sldId id="271" r:id="rId18"/>
-    <p:sldId id="272" r:id="rId19"/>
-    <p:sldId id="273" r:id="rId20"/>
+    <p:sldId id="275" r:id="rId6"/>
+    <p:sldId id="259" r:id="rId7"/>
+    <p:sldId id="276" r:id="rId8"/>
+    <p:sldId id="260" r:id="rId9"/>
+    <p:sldId id="277" r:id="rId10"/>
+    <p:sldId id="261" r:id="rId11"/>
+    <p:sldId id="278" r:id="rId12"/>
+    <p:sldId id="262" r:id="rId13"/>
+    <p:sldId id="279" r:id="rId14"/>
+    <p:sldId id="263" r:id="rId15"/>
+    <p:sldId id="264" r:id="rId16"/>
+    <p:sldId id="265" r:id="rId17"/>
+    <p:sldId id="266" r:id="rId18"/>
+    <p:sldId id="280" r:id="rId19"/>
+    <p:sldId id="267" r:id="rId20"/>
+    <p:sldId id="268" r:id="rId21"/>
+    <p:sldId id="269" r:id="rId22"/>
+    <p:sldId id="270" r:id="rId23"/>
+    <p:sldId id="271" r:id="rId24"/>
+    <p:sldId id="272" r:id="rId25"/>
+    <p:sldId id="273" r:id="rId26"/>
   </p:sldIdLst>
   <p:sldSz cx="12192000" cy="6858000"/>
   <p:notesSz cx="6858000" cy="9144000"/>
@@ -279,7 +285,7 @@
           <a:p>
             <a:fld id="{02404940-6997-4C4C-AC22-464C463984D1}" type="datetimeFigureOut">
               <a:rPr lang="en-NZ" smtClean="0"/>
-              <a:t>14/09/2022</a:t>
+              <a:t>15/09/2022</a:t>
             </a:fld>
             <a:endParaRPr lang="en-NZ"/>
           </a:p>
@@ -479,7 +485,7 @@
           <a:p>
             <a:fld id="{02404940-6997-4C4C-AC22-464C463984D1}" type="datetimeFigureOut">
               <a:rPr lang="en-NZ" smtClean="0"/>
-              <a:t>14/09/2022</a:t>
+              <a:t>15/09/2022</a:t>
             </a:fld>
             <a:endParaRPr lang="en-NZ"/>
           </a:p>
@@ -689,7 +695,7 @@
           <a:p>
             <a:fld id="{02404940-6997-4C4C-AC22-464C463984D1}" type="datetimeFigureOut">
               <a:rPr lang="en-NZ" smtClean="0"/>
-              <a:t>14/09/2022</a:t>
+              <a:t>15/09/2022</a:t>
             </a:fld>
             <a:endParaRPr lang="en-NZ"/>
           </a:p>
@@ -889,7 +895,7 @@
           <a:p>
             <a:fld id="{02404940-6997-4C4C-AC22-464C463984D1}" type="datetimeFigureOut">
               <a:rPr lang="en-NZ" smtClean="0"/>
-              <a:t>14/09/2022</a:t>
+              <a:t>15/09/2022</a:t>
             </a:fld>
             <a:endParaRPr lang="en-NZ"/>
           </a:p>
@@ -1165,7 +1171,7 @@
           <a:p>
             <a:fld id="{02404940-6997-4C4C-AC22-464C463984D1}" type="datetimeFigureOut">
               <a:rPr lang="en-NZ" smtClean="0"/>
-              <a:t>14/09/2022</a:t>
+              <a:t>15/09/2022</a:t>
             </a:fld>
             <a:endParaRPr lang="en-NZ"/>
           </a:p>
@@ -1433,7 +1439,7 @@
           <a:p>
             <a:fld id="{02404940-6997-4C4C-AC22-464C463984D1}" type="datetimeFigureOut">
               <a:rPr lang="en-NZ" smtClean="0"/>
-              <a:t>14/09/2022</a:t>
+              <a:t>15/09/2022</a:t>
             </a:fld>
             <a:endParaRPr lang="en-NZ"/>
           </a:p>
@@ -1848,7 +1854,7 @@
           <a:p>
             <a:fld id="{02404940-6997-4C4C-AC22-464C463984D1}" type="datetimeFigureOut">
               <a:rPr lang="en-NZ" smtClean="0"/>
-              <a:t>14/09/2022</a:t>
+              <a:t>15/09/2022</a:t>
             </a:fld>
             <a:endParaRPr lang="en-NZ"/>
           </a:p>
@@ -1990,7 +1996,7 @@
           <a:p>
             <a:fld id="{02404940-6997-4C4C-AC22-464C463984D1}" type="datetimeFigureOut">
               <a:rPr lang="en-NZ" smtClean="0"/>
-              <a:t>14/09/2022</a:t>
+              <a:t>15/09/2022</a:t>
             </a:fld>
             <a:endParaRPr lang="en-NZ"/>
           </a:p>
@@ -2103,7 +2109,7 @@
           <a:p>
             <a:fld id="{02404940-6997-4C4C-AC22-464C463984D1}" type="datetimeFigureOut">
               <a:rPr lang="en-NZ" smtClean="0"/>
-              <a:t>14/09/2022</a:t>
+              <a:t>15/09/2022</a:t>
             </a:fld>
             <a:endParaRPr lang="en-NZ"/>
           </a:p>
@@ -2416,7 +2422,7 @@
           <a:p>
             <a:fld id="{02404940-6997-4C4C-AC22-464C463984D1}" type="datetimeFigureOut">
               <a:rPr lang="en-NZ" smtClean="0"/>
-              <a:t>14/09/2022</a:t>
+              <a:t>15/09/2022</a:t>
             </a:fld>
             <a:endParaRPr lang="en-NZ"/>
           </a:p>
@@ -2705,7 +2711,7 @@
           <a:p>
             <a:fld id="{02404940-6997-4C4C-AC22-464C463984D1}" type="datetimeFigureOut">
               <a:rPr lang="en-NZ" smtClean="0"/>
-              <a:t>14/09/2022</a:t>
+              <a:t>15/09/2022</a:t>
             </a:fld>
             <a:endParaRPr lang="en-NZ"/>
           </a:p>
@@ -2948,7 +2954,7 @@
           <a:p>
             <a:fld id="{02404940-6997-4C4C-AC22-464C463984D1}" type="datetimeFigureOut">
               <a:rPr lang="en-NZ" smtClean="0"/>
-              <a:t>14/09/2022</a:t>
+              <a:t>15/09/2022</a:t>
             </a:fld>
             <a:endParaRPr lang="en-NZ"/>
           </a:p>
@@ -3457,7 +3463,7 @@
           <p:cNvPr id="2" name="Title 1">
             <a:extLst>
               <a:ext uri="{FF2B5EF4-FFF2-40B4-BE49-F238E27FC236}">
-                <a16:creationId xmlns:a16="http://schemas.microsoft.com/office/drawing/2014/main" id="{F2037143-BC2A-B327-59FB-7C5B99AA8B97}"/>
+                <a16:creationId xmlns:a16="http://schemas.microsoft.com/office/drawing/2014/main" id="{58431F95-07FB-8AF9-747B-C933872A2197}"/>
               </a:ext>
             </a:extLst>
           </p:cNvPr>
@@ -3475,40 +3481,44 @@
           <a:p>
             <a:r>
               <a:rPr lang="en-NZ" dirty="0"/>
-              <a:t>Must have the ability to select pieces to move</a:t>
-            </a:r>
-          </a:p>
-        </p:txBody>
-      </p:sp>
-      <p:sp>
-        <p:nvSpPr>
-          <p:cNvPr id="3" name="Content Placeholder 2">
-            <a:extLst>
-              <a:ext uri="{FF2B5EF4-FFF2-40B4-BE49-F238E27FC236}">
-                <a16:creationId xmlns:a16="http://schemas.microsoft.com/office/drawing/2014/main" id="{CD5350D6-4F70-551A-5EC1-599E6E1A5335}"/>
-              </a:ext>
-            </a:extLst>
-          </p:cNvPr>
-          <p:cNvSpPr>
-            <a:spLocks noGrp="1"/>
-          </p:cNvSpPr>
+              <a:t>Must have movement for Knight</a:t>
+            </a:r>
+          </a:p>
+        </p:txBody>
+      </p:sp>
+      <p:pic>
+        <p:nvPicPr>
+          <p:cNvPr id="5" name="Content Placeholder 4">
+            <a:extLst>
+              <a:ext uri="{FF2B5EF4-FFF2-40B4-BE49-F238E27FC236}">
+                <a16:creationId xmlns:a16="http://schemas.microsoft.com/office/drawing/2014/main" id="{480220E9-9348-1A8B-22A3-E5BD248B9BAB}"/>
+              </a:ext>
+            </a:extLst>
+          </p:cNvPr>
+          <p:cNvPicPr>
+            <a:picLocks noGrp="1" noChangeAspect="1"/>
+          </p:cNvPicPr>
           <p:nvPr>
             <p:ph idx="1"/>
           </p:nvPr>
-        </p:nvSpPr>
-        <p:spPr/>
-        <p:txBody>
-          <a:bodyPr/>
-          <a:lstStyle/>
-          <a:p>
-            <a:endParaRPr lang="en-NZ"/>
-          </a:p>
-        </p:txBody>
-      </p:sp>
+        </p:nvPicPr>
+        <p:blipFill>
+          <a:blip r:embed="rId2"/>
+          <a:stretch>
+            <a:fillRect/>
+          </a:stretch>
+        </p:blipFill>
+        <p:spPr>
+          <a:xfrm>
+            <a:off x="889861" y="2010291"/>
+            <a:ext cx="10412278" cy="3982006"/>
+          </a:xfrm>
+        </p:spPr>
+      </p:pic>
     </p:spTree>
     <p:extLst>
       <p:ext uri="{BB962C8B-B14F-4D97-AF65-F5344CB8AC3E}">
-        <p14:creationId xmlns:p14="http://schemas.microsoft.com/office/powerpoint/2010/main" val="2064946025"/>
+        <p14:creationId xmlns:p14="http://schemas.microsoft.com/office/powerpoint/2010/main" val="1594033806"/>
       </p:ext>
     </p:extLst>
   </p:cSld>
@@ -3540,7 +3550,7 @@
           <p:cNvPr id="2" name="Title 1">
             <a:extLst>
               <a:ext uri="{FF2B5EF4-FFF2-40B4-BE49-F238E27FC236}">
-                <a16:creationId xmlns:a16="http://schemas.microsoft.com/office/drawing/2014/main" id="{A5C1F49D-4C2E-6DAC-7F50-923706883CB1}"/>
+                <a16:creationId xmlns:a16="http://schemas.microsoft.com/office/drawing/2014/main" id="{BEBCAC81-1CA2-DEE1-888A-E42D0E1A26F0}"/>
               </a:ext>
             </a:extLst>
           </p:cNvPr>
@@ -3558,7 +3568,7 @@
           <a:p>
             <a:r>
               <a:rPr lang="en-NZ" dirty="0"/>
-              <a:t>Must not accept movement to empty squares</a:t>
+              <a:t>Knight Movement Test</a:t>
             </a:r>
           </a:p>
         </p:txBody>
@@ -3568,7 +3578,7 @@
           <p:cNvPr id="3" name="Content Placeholder 2">
             <a:extLst>
               <a:ext uri="{FF2B5EF4-FFF2-40B4-BE49-F238E27FC236}">
-                <a16:creationId xmlns:a16="http://schemas.microsoft.com/office/drawing/2014/main" id="{4B0B8CAC-1D4B-F88B-74CC-F647540D7061}"/>
+                <a16:creationId xmlns:a16="http://schemas.microsoft.com/office/drawing/2014/main" id="{A919EA23-3C71-8AC0-DC61-872A3C34DF10}"/>
               </a:ext>
             </a:extLst>
           </p:cNvPr>
@@ -3584,14 +3594,44 @@
           <a:bodyPr/>
           <a:lstStyle/>
           <a:p>
-            <a:endParaRPr lang="en-NZ"/>
-          </a:p>
-        </p:txBody>
-      </p:sp>
+            <a:endParaRPr lang="en-NZ" dirty="0"/>
+          </a:p>
+        </p:txBody>
+      </p:sp>
+      <p:pic>
+        <p:nvPicPr>
+          <p:cNvPr id="7" name="Picture 6">
+            <a:extLst>
+              <a:ext uri="{FF2B5EF4-FFF2-40B4-BE49-F238E27FC236}">
+                <a16:creationId xmlns:a16="http://schemas.microsoft.com/office/drawing/2014/main" id="{C3B09312-47A0-3BD6-7C27-6F1AC93C81E5}"/>
+              </a:ext>
+            </a:extLst>
+          </p:cNvPr>
+          <p:cNvPicPr>
+            <a:picLocks noChangeAspect="1"/>
+          </p:cNvPicPr>
+          <p:nvPr/>
+        </p:nvPicPr>
+        <p:blipFill>
+          <a:blip r:embed="rId2"/>
+          <a:stretch>
+            <a:fillRect/>
+          </a:stretch>
+        </p:blipFill>
+        <p:spPr>
+          <a:xfrm>
+            <a:off x="838200" y="2326888"/>
+            <a:ext cx="1295581" cy="1409897"/>
+          </a:xfrm>
+          <a:prstGeom prst="rect">
+            <a:avLst/>
+          </a:prstGeom>
+        </p:spPr>
+      </p:pic>
     </p:spTree>
     <p:extLst>
       <p:ext uri="{BB962C8B-B14F-4D97-AF65-F5344CB8AC3E}">
-        <p14:creationId xmlns:p14="http://schemas.microsoft.com/office/powerpoint/2010/main" val="2120923964"/>
+        <p14:creationId xmlns:p14="http://schemas.microsoft.com/office/powerpoint/2010/main" val="2082019043"/>
       </p:ext>
     </p:extLst>
   </p:cSld>
@@ -3604,6 +3644,14 @@
 <file path=ppt/slides/slide12.xml><?xml version="1.0" encoding="utf-8"?>
 <p:sld xmlns:a="http://schemas.openxmlformats.org/drawingml/2006/main" xmlns:r="http://schemas.openxmlformats.org/officeDocument/2006/relationships" xmlns:p="http://schemas.openxmlformats.org/presentationml/2006/main">
   <p:cSld>
+    <p:bg>
+      <p:bgPr>
+        <a:solidFill>
+          <a:schemeClr val="bg1"/>
+        </a:solidFill>
+        <a:effectLst/>
+      </p:bgPr>
+    </p:bg>
     <p:spTree>
       <p:nvGrpSpPr>
         <p:cNvPr id="1" name=""/>
@@ -3618,12 +3666,72 @@
           <a:chExt cx="0" cy="0"/>
         </a:xfrm>
       </p:grpSpPr>
+      <p:sp useBgFill="1">
+        <p:nvSpPr>
+          <p:cNvPr id="12" name="Rectangle 11">
+            <a:extLst>
+              <a:ext uri="{FF2B5EF4-FFF2-40B4-BE49-F238E27FC236}">
+                <a16:creationId xmlns:a16="http://schemas.microsoft.com/office/drawing/2014/main" id="{8761DDFE-071F-4200-B0AA-394476C2D2D6}"/>
+              </a:ext>
+              <a:ext uri="{C183D7F6-B498-43B3-948B-1728B52AA6E4}">
+                <adec:decorative xmlns:adec="http://schemas.microsoft.com/office/drawing/2017/decorative" val="1"/>
+              </a:ext>
+            </a:extLst>
+          </p:cNvPr>
+          <p:cNvSpPr>
+            <a:spLocks noGrp="1" noRot="1" noChangeAspect="1" noMove="1" noResize="1" noEditPoints="1" noAdjustHandles="1" noChangeArrowheads="1" noChangeShapeType="1" noTextEdit="1"/>
+          </p:cNvSpPr>
+          <p:nvPr>
+            <p:extLst>
+              <p:ext uri="{386F3935-93C4-4BCD-93E2-E3B085C9AB24}">
+                <p16:designElem xmlns:p16="http://schemas.microsoft.com/office/powerpoint/2015/main" val="1"/>
+              </p:ext>
+            </p:extLst>
+          </p:nvPr>
+        </p:nvSpPr>
+        <p:spPr>
+          <a:xfrm>
+            <a:off x="-1" y="0"/>
+            <a:ext cx="12188952" cy="6858000"/>
+          </a:xfrm>
+          <a:prstGeom prst="rect">
+            <a:avLst/>
+          </a:prstGeom>
+          <a:ln>
+            <a:noFill/>
+          </a:ln>
+        </p:spPr>
+        <p:style>
+          <a:lnRef idx="2">
+            <a:schemeClr val="accent1">
+              <a:shade val="50000"/>
+            </a:schemeClr>
+          </a:lnRef>
+          <a:fillRef idx="1">
+            <a:schemeClr val="accent1"/>
+          </a:fillRef>
+          <a:effectRef idx="0">
+            <a:schemeClr val="accent1"/>
+          </a:effectRef>
+          <a:fontRef idx="minor">
+            <a:schemeClr val="lt1"/>
+          </a:fontRef>
+        </p:style>
+        <p:txBody>
+          <a:bodyPr rtlCol="0" anchor="ctr"/>
+          <a:lstStyle/>
+          <a:p>
+            <a:pPr algn="ctr"/>
+            <a:endParaRPr lang="en-US"/>
+          </a:p>
+        </p:txBody>
+      </p:sp>
       <p:sp>
         <p:nvSpPr>
           <p:cNvPr id="2" name="Title 1">
             <a:extLst>
               <a:ext uri="{FF2B5EF4-FFF2-40B4-BE49-F238E27FC236}">
-                <a16:creationId xmlns:a16="http://schemas.microsoft.com/office/drawing/2014/main" id="{4F0DE8CF-0CC1-B092-2D6B-89EB6D70C759}"/>
+                <a16:creationId xmlns:a16="http://schemas.microsoft.com/office/drawing/2014/main" id="{B8D97C7A-0F46-6C57-D4CF-BBC0C3DB5BC6}"/>
               </a:ext>
             </a:extLst>
           </p:cNvPr>
@@ -3634,47 +3742,89 @@
             <p:ph type="title"/>
           </p:nvPr>
         </p:nvSpPr>
-        <p:spPr/>
-        <p:txBody>
-          <a:bodyPr/>
-          <a:lstStyle/>
-          <a:p>
-            <a:r>
-              <a:rPr lang="en-NZ" dirty="0"/>
-              <a:t>Must count total number of moves</a:t>
-            </a:r>
-          </a:p>
-        </p:txBody>
-      </p:sp>
-      <p:sp>
-        <p:nvSpPr>
-          <p:cNvPr id="3" name="Content Placeholder 2">
-            <a:extLst>
-              <a:ext uri="{FF2B5EF4-FFF2-40B4-BE49-F238E27FC236}">
-                <a16:creationId xmlns:a16="http://schemas.microsoft.com/office/drawing/2014/main" id="{DDE99BD1-0DAB-1E6C-D65B-4B71C38B227F}"/>
-              </a:ext>
-            </a:extLst>
-          </p:cNvPr>
-          <p:cNvSpPr>
-            <a:spLocks noGrp="1"/>
-          </p:cNvSpPr>
-          <p:nvPr>
-            <p:ph idx="1"/>
-          </p:nvPr>
-        </p:nvSpPr>
-        <p:spPr/>
-        <p:txBody>
-          <a:bodyPr/>
-          <a:lstStyle/>
-          <a:p>
-            <a:endParaRPr lang="en-NZ"/>
-          </a:p>
-        </p:txBody>
-      </p:sp>
+        <p:spPr>
+          <a:xfrm>
+            <a:off x="838198" y="547815"/>
+            <a:ext cx="5167185" cy="1680519"/>
+          </a:xfrm>
+        </p:spPr>
+        <p:txBody>
+          <a:bodyPr>
+            <a:normAutofit/>
+          </a:bodyPr>
+          <a:lstStyle/>
+          <a:p>
+            <a:r>
+              <a:rPr lang="en-NZ" sz="4000"/>
+              <a:t>Must have movement for Bishop</a:t>
+            </a:r>
+          </a:p>
+        </p:txBody>
+      </p:sp>
+      <p:pic>
+        <p:nvPicPr>
+          <p:cNvPr id="5" name="Picture 4">
+            <a:extLst>
+              <a:ext uri="{FF2B5EF4-FFF2-40B4-BE49-F238E27FC236}">
+                <a16:creationId xmlns:a16="http://schemas.microsoft.com/office/drawing/2014/main" id="{DA0890EC-784A-A896-474C-B915DB8E0589}"/>
+              </a:ext>
+            </a:extLst>
+          </p:cNvPr>
+          <p:cNvPicPr>
+            <a:picLocks noChangeAspect="1"/>
+          </p:cNvPicPr>
+          <p:nvPr/>
+        </p:nvPicPr>
+        <p:blipFill>
+          <a:blip r:embed="rId2"/>
+          <a:stretch>
+            <a:fillRect/>
+          </a:stretch>
+        </p:blipFill>
+        <p:spPr>
+          <a:xfrm>
+            <a:off x="947693" y="2421924"/>
+            <a:ext cx="4948194" cy="3711146"/>
+          </a:xfrm>
+          <a:prstGeom prst="rect">
+            <a:avLst/>
+          </a:prstGeom>
+        </p:spPr>
+      </p:pic>
+      <p:pic>
+        <p:nvPicPr>
+          <p:cNvPr id="7" name="Picture 6">
+            <a:extLst>
+              <a:ext uri="{FF2B5EF4-FFF2-40B4-BE49-F238E27FC236}">
+                <a16:creationId xmlns:a16="http://schemas.microsoft.com/office/drawing/2014/main" id="{AF312BC2-99CF-AA71-5D2D-1FC8D8AD5B8C}"/>
+              </a:ext>
+            </a:extLst>
+          </p:cNvPr>
+          <p:cNvPicPr>
+            <a:picLocks noChangeAspect="1"/>
+          </p:cNvPicPr>
+          <p:nvPr/>
+        </p:nvPicPr>
+        <p:blipFill>
+          <a:blip r:embed="rId3"/>
+          <a:stretch>
+            <a:fillRect/>
+          </a:stretch>
+        </p:blipFill>
+        <p:spPr>
+          <a:xfrm>
+            <a:off x="6248781" y="2421924"/>
+            <a:ext cx="5066410" cy="3711146"/>
+          </a:xfrm>
+          <a:prstGeom prst="rect">
+            <a:avLst/>
+          </a:prstGeom>
+        </p:spPr>
+      </p:pic>
     </p:spTree>
     <p:extLst>
       <p:ext uri="{BB962C8B-B14F-4D97-AF65-F5344CB8AC3E}">
-        <p14:creationId xmlns:p14="http://schemas.microsoft.com/office/powerpoint/2010/main" val="2189745364"/>
+        <p14:creationId xmlns:p14="http://schemas.microsoft.com/office/powerpoint/2010/main" val="2526993423"/>
       </p:ext>
     </p:extLst>
   </p:cSld>
@@ -3706,7 +3856,7 @@
           <p:cNvPr id="2" name="Title 1">
             <a:extLst>
               <a:ext uri="{FF2B5EF4-FFF2-40B4-BE49-F238E27FC236}">
-                <a16:creationId xmlns:a16="http://schemas.microsoft.com/office/drawing/2014/main" id="{CE3F6627-BA58-BE8F-3148-829D6A616E1D}"/>
+                <a16:creationId xmlns:a16="http://schemas.microsoft.com/office/drawing/2014/main" id="{FA7859D7-7762-2E89-24BF-97C25617232B}"/>
               </a:ext>
             </a:extLst>
           </p:cNvPr>
@@ -3724,7 +3874,7 @@
           <a:p>
             <a:r>
               <a:rPr lang="en-NZ" dirty="0"/>
-              <a:t>Must highlight current piece</a:t>
+              <a:t>Bishop Movement Test</a:t>
             </a:r>
           </a:p>
         </p:txBody>
@@ -3734,7 +3884,7 @@
           <p:cNvPr id="3" name="Content Placeholder 2">
             <a:extLst>
               <a:ext uri="{FF2B5EF4-FFF2-40B4-BE49-F238E27FC236}">
-                <a16:creationId xmlns:a16="http://schemas.microsoft.com/office/drawing/2014/main" id="{FBD804B8-1DE0-BE16-5BCE-5D6B493D9FD4}"/>
+                <a16:creationId xmlns:a16="http://schemas.microsoft.com/office/drawing/2014/main" id="{DDFFCDCE-0108-6FE3-E647-DBD91870728C}"/>
               </a:ext>
             </a:extLst>
           </p:cNvPr>
@@ -3754,10 +3904,40 @@
           </a:p>
         </p:txBody>
       </p:sp>
+      <p:pic>
+        <p:nvPicPr>
+          <p:cNvPr id="5" name="Picture 4">
+            <a:extLst>
+              <a:ext uri="{FF2B5EF4-FFF2-40B4-BE49-F238E27FC236}">
+                <a16:creationId xmlns:a16="http://schemas.microsoft.com/office/drawing/2014/main" id="{7A520F77-0924-33C4-8BE5-01C2CA70E2F4}"/>
+              </a:ext>
+            </a:extLst>
+          </p:cNvPr>
+          <p:cNvPicPr>
+            <a:picLocks noChangeAspect="1"/>
+          </p:cNvPicPr>
+          <p:nvPr/>
+        </p:nvPicPr>
+        <p:blipFill>
+          <a:blip r:embed="rId2"/>
+          <a:stretch>
+            <a:fillRect/>
+          </a:stretch>
+        </p:blipFill>
+        <p:spPr>
+          <a:xfrm>
+            <a:off x="838200" y="2257469"/>
+            <a:ext cx="1486107" cy="1419423"/>
+          </a:xfrm>
+          <a:prstGeom prst="rect">
+            <a:avLst/>
+          </a:prstGeom>
+        </p:spPr>
+      </p:pic>
     </p:spTree>
     <p:extLst>
       <p:ext uri="{BB962C8B-B14F-4D97-AF65-F5344CB8AC3E}">
-        <p14:creationId xmlns:p14="http://schemas.microsoft.com/office/powerpoint/2010/main" val="2554264141"/>
+        <p14:creationId xmlns:p14="http://schemas.microsoft.com/office/powerpoint/2010/main" val="3115120061"/>
       </p:ext>
     </p:extLst>
   </p:cSld>
@@ -3789,7 +3969,7 @@
           <p:cNvPr id="2" name="Title 1">
             <a:extLst>
               <a:ext uri="{FF2B5EF4-FFF2-40B4-BE49-F238E27FC236}">
-                <a16:creationId xmlns:a16="http://schemas.microsoft.com/office/drawing/2014/main" id="{37F7A997-1167-ECBD-A8EF-16A496806681}"/>
+                <a16:creationId xmlns:a16="http://schemas.microsoft.com/office/drawing/2014/main" id="{57730566-0958-E60F-1C8D-BED976E2B85D}"/>
               </a:ext>
             </a:extLst>
           </p:cNvPr>
@@ -3807,7 +3987,7 @@
           <a:p>
             <a:r>
               <a:rPr lang="en-NZ" dirty="0"/>
-              <a:t>Must have reset button</a:t>
+              <a:t>Must be able to detect incorrect movement</a:t>
             </a:r>
           </a:p>
         </p:txBody>
@@ -3817,7 +3997,7 @@
           <p:cNvPr id="3" name="Content Placeholder 2">
             <a:extLst>
               <a:ext uri="{FF2B5EF4-FFF2-40B4-BE49-F238E27FC236}">
-                <a16:creationId xmlns:a16="http://schemas.microsoft.com/office/drawing/2014/main" id="{084DD938-817C-F7B1-6E03-81E2CA7D1D5A}"/>
+                <a16:creationId xmlns:a16="http://schemas.microsoft.com/office/drawing/2014/main" id="{6C975E76-5A60-C047-1E79-1C5C96F4C94F}"/>
               </a:ext>
             </a:extLst>
           </p:cNvPr>
@@ -3840,7 +4020,7 @@
     </p:spTree>
     <p:extLst>
       <p:ext uri="{BB962C8B-B14F-4D97-AF65-F5344CB8AC3E}">
-        <p14:creationId xmlns:p14="http://schemas.microsoft.com/office/powerpoint/2010/main" val="4190049160"/>
+        <p14:creationId xmlns:p14="http://schemas.microsoft.com/office/powerpoint/2010/main" val="1117043179"/>
       </p:ext>
     </p:extLst>
   </p:cSld>
@@ -3853,6 +4033,14 @@
 <file path=ppt/slides/slide15.xml><?xml version="1.0" encoding="utf-8"?>
 <p:sld xmlns:a="http://schemas.openxmlformats.org/drawingml/2006/main" xmlns:r="http://schemas.openxmlformats.org/officeDocument/2006/relationships" xmlns:p="http://schemas.openxmlformats.org/presentationml/2006/main">
   <p:cSld>
+    <p:bg>
+      <p:bgPr>
+        <a:solidFill>
+          <a:schemeClr val="bg1"/>
+        </a:solidFill>
+        <a:effectLst/>
+      </p:bgPr>
+    </p:bg>
     <p:spTree>
       <p:nvGrpSpPr>
         <p:cNvPr id="1" name=""/>
@@ -3867,12 +4055,134 @@
           <a:chExt cx="0" cy="0"/>
         </a:xfrm>
       </p:grpSpPr>
+      <p:sp useBgFill="1">
+        <p:nvSpPr>
+          <p:cNvPr id="16" name="Rectangle 15">
+            <a:extLst>
+              <a:ext uri="{FF2B5EF4-FFF2-40B4-BE49-F238E27FC236}">
+                <a16:creationId xmlns:a16="http://schemas.microsoft.com/office/drawing/2014/main" id="{3B47FC9C-2ED3-4100-A4EF-E8CDFEE106C9}"/>
+              </a:ext>
+              <a:ext uri="{C183D7F6-B498-43B3-948B-1728B52AA6E4}">
+                <adec:decorative xmlns:adec="http://schemas.microsoft.com/office/drawing/2017/decorative" val="1"/>
+              </a:ext>
+            </a:extLst>
+          </p:cNvPr>
+          <p:cNvSpPr>
+            <a:spLocks noGrp="1" noRot="1" noChangeAspect="1" noMove="1" noResize="1" noEditPoints="1" noAdjustHandles="1" noChangeArrowheads="1" noChangeShapeType="1" noTextEdit="1"/>
+          </p:cNvSpPr>
+          <p:nvPr>
+            <p:extLst>
+              <p:ext uri="{386F3935-93C4-4BCD-93E2-E3B085C9AB24}">
+                <p16:designElem xmlns:p16="http://schemas.microsoft.com/office/powerpoint/2015/main" val="1"/>
+              </p:ext>
+            </p:extLst>
+          </p:nvPr>
+        </p:nvSpPr>
+        <p:spPr>
+          <a:xfrm>
+            <a:off x="-1" y="0"/>
+            <a:ext cx="12188952" cy="6858000"/>
+          </a:xfrm>
+          <a:prstGeom prst="rect">
+            <a:avLst/>
+          </a:prstGeom>
+          <a:ln>
+            <a:noFill/>
+          </a:ln>
+        </p:spPr>
+        <p:style>
+          <a:lnRef idx="2">
+            <a:schemeClr val="accent1">
+              <a:shade val="50000"/>
+            </a:schemeClr>
+          </a:lnRef>
+          <a:fillRef idx="1">
+            <a:schemeClr val="accent1"/>
+          </a:fillRef>
+          <a:effectRef idx="0">
+            <a:schemeClr val="accent1"/>
+          </a:effectRef>
+          <a:fontRef idx="minor">
+            <a:schemeClr val="lt1"/>
+          </a:fontRef>
+        </p:style>
+        <p:txBody>
+          <a:bodyPr rtlCol="0" anchor="ctr"/>
+          <a:lstStyle/>
+          <a:p>
+            <a:pPr algn="ctr"/>
+            <a:endParaRPr lang="en-US" dirty="0"/>
+          </a:p>
+        </p:txBody>
+      </p:sp>
+      <p:pic>
+        <p:nvPicPr>
+          <p:cNvPr id="9" name="Content Placeholder 8">
+            <a:extLst>
+              <a:ext uri="{FF2B5EF4-FFF2-40B4-BE49-F238E27FC236}">
+                <a16:creationId xmlns:a16="http://schemas.microsoft.com/office/drawing/2014/main" id="{D10D36F8-DC15-686A-39E4-69F965DE9BCF}"/>
+              </a:ext>
+            </a:extLst>
+          </p:cNvPr>
+          <p:cNvPicPr>
+            <a:picLocks noGrp="1" noChangeAspect="1"/>
+          </p:cNvPicPr>
+          <p:nvPr>
+            <p:ph idx="1"/>
+          </p:nvPr>
+        </p:nvPicPr>
+        <p:blipFill>
+          <a:blip r:embed="rId2"/>
+          <a:stretch>
+            <a:fillRect/>
+          </a:stretch>
+        </p:blipFill>
+        <p:spPr>
+          <a:xfrm>
+            <a:off x="1690688" y="555625"/>
+            <a:ext cx="8810625" cy="3808413"/>
+          </a:xfrm>
+          <a:prstGeom prst="rect">
+            <a:avLst/>
+          </a:prstGeom>
+        </p:spPr>
+      </p:pic>
+      <p:pic>
+        <p:nvPicPr>
+          <p:cNvPr id="11" name="Picture 10">
+            <a:extLst>
+              <a:ext uri="{FF2B5EF4-FFF2-40B4-BE49-F238E27FC236}">
+                <a16:creationId xmlns:a16="http://schemas.microsoft.com/office/drawing/2014/main" id="{032436A8-AE2D-411C-8631-3B4BF5D9825E}"/>
+              </a:ext>
+            </a:extLst>
+          </p:cNvPr>
+          <p:cNvPicPr>
+            <a:picLocks noChangeAspect="1"/>
+          </p:cNvPicPr>
+          <p:nvPr/>
+        </p:nvPicPr>
+        <p:blipFill>
+          <a:blip r:embed="rId3"/>
+          <a:stretch>
+            <a:fillRect/>
+          </a:stretch>
+        </p:blipFill>
+        <p:spPr>
+          <a:xfrm>
+            <a:off x="1690688" y="4425950"/>
+            <a:ext cx="8810625" cy="760413"/>
+          </a:xfrm>
+          <a:prstGeom prst="rect">
+            <a:avLst/>
+          </a:prstGeom>
+        </p:spPr>
+      </p:pic>
       <p:sp>
         <p:nvSpPr>
           <p:cNvPr id="2" name="Title 1">
             <a:extLst>
               <a:ext uri="{FF2B5EF4-FFF2-40B4-BE49-F238E27FC236}">
-                <a16:creationId xmlns:a16="http://schemas.microsoft.com/office/drawing/2014/main" id="{97D6BE81-E55C-77B4-5605-A66AAA5EAF35}"/>
+                <a16:creationId xmlns:a16="http://schemas.microsoft.com/office/drawing/2014/main" id="{F2037143-BC2A-B327-59FB-7C5B99AA8B97}"/>
               </a:ext>
             </a:extLst>
           </p:cNvPr>
@@ -3883,47 +4193,37 @@
             <p:ph type="title"/>
           </p:nvPr>
         </p:nvSpPr>
-        <p:spPr/>
-        <p:txBody>
-          <a:bodyPr/>
-          <a:lstStyle/>
-          <a:p>
-            <a:r>
-              <a:rPr lang="en-NZ" dirty="0"/>
-              <a:t>Must have undo button</a:t>
-            </a:r>
-          </a:p>
-        </p:txBody>
-      </p:sp>
-      <p:sp>
-        <p:nvSpPr>
-          <p:cNvPr id="3" name="Content Placeholder 2">
-            <a:extLst>
-              <a:ext uri="{FF2B5EF4-FFF2-40B4-BE49-F238E27FC236}">
-                <a16:creationId xmlns:a16="http://schemas.microsoft.com/office/drawing/2014/main" id="{0A53D286-6755-7621-F952-06A0F4ADF431}"/>
-              </a:ext>
-            </a:extLst>
-          </p:cNvPr>
-          <p:cNvSpPr>
-            <a:spLocks noGrp="1"/>
-          </p:cNvSpPr>
-          <p:nvPr>
-            <p:ph idx="1"/>
-          </p:nvPr>
-        </p:nvSpPr>
-        <p:spPr/>
-        <p:txBody>
-          <a:bodyPr/>
-          <a:lstStyle/>
-          <a:p>
-            <a:endParaRPr lang="en-NZ"/>
+        <p:spPr>
+          <a:xfrm>
+            <a:off x="838200" y="5358141"/>
+            <a:ext cx="10515600" cy="942664"/>
+          </a:xfrm>
+        </p:spPr>
+        <p:txBody>
+          <a:bodyPr vert="horz" lIns="91440" tIns="45720" rIns="91440" bIns="45720" rtlCol="0" anchor="ctr">
+            <a:normAutofit/>
+          </a:bodyPr>
+          <a:lstStyle/>
+          <a:p>
+            <a:pPr algn="ctr"/>
+            <a:r>
+              <a:rPr lang="en-US" kern="1200">
+                <a:solidFill>
+                  <a:schemeClr val="tx1"/>
+                </a:solidFill>
+                <a:latin typeface="+mj-lt"/>
+                <a:ea typeface="+mj-ea"/>
+                <a:cs typeface="+mj-cs"/>
+              </a:rPr>
+              <a:t>Must have the ability to select pieces to move</a:t>
+            </a:r>
           </a:p>
         </p:txBody>
       </p:sp>
     </p:spTree>
     <p:extLst>
       <p:ext uri="{BB962C8B-B14F-4D97-AF65-F5344CB8AC3E}">
-        <p14:creationId xmlns:p14="http://schemas.microsoft.com/office/powerpoint/2010/main" val="3499884671"/>
+        <p14:creationId xmlns:p14="http://schemas.microsoft.com/office/powerpoint/2010/main" val="2064946025"/>
       </p:ext>
     </p:extLst>
   </p:cSld>
@@ -3955,7 +4255,7 @@
           <p:cNvPr id="2" name="Title 1">
             <a:extLst>
               <a:ext uri="{FF2B5EF4-FFF2-40B4-BE49-F238E27FC236}">
-                <a16:creationId xmlns:a16="http://schemas.microsoft.com/office/drawing/2014/main" id="{CEDF7865-46D5-3F60-D4C3-665F4F383818}"/>
+                <a16:creationId xmlns:a16="http://schemas.microsoft.com/office/drawing/2014/main" id="{A5C1F49D-4C2E-6DAC-7F50-923706883CB1}"/>
               </a:ext>
             </a:extLst>
           </p:cNvPr>
@@ -3973,7 +4273,7 @@
           <a:p>
             <a:r>
               <a:rPr lang="en-NZ" dirty="0"/>
-              <a:t>Must have timer</a:t>
+              <a:t>Must not accept movement to empty squares</a:t>
             </a:r>
           </a:p>
         </p:txBody>
@@ -3983,7 +4283,7 @@
           <p:cNvPr id="3" name="Content Placeholder 2">
             <a:extLst>
               <a:ext uri="{FF2B5EF4-FFF2-40B4-BE49-F238E27FC236}">
-                <a16:creationId xmlns:a16="http://schemas.microsoft.com/office/drawing/2014/main" id="{B6F882F9-ABC1-5F98-E69F-5C8F91E8E801}"/>
+                <a16:creationId xmlns:a16="http://schemas.microsoft.com/office/drawing/2014/main" id="{4B0B8CAC-1D4B-F88B-74CC-F647540D7061}"/>
               </a:ext>
             </a:extLst>
           </p:cNvPr>
@@ -3999,14 +4299,14 @@
           <a:bodyPr/>
           <a:lstStyle/>
           <a:p>
-            <a:endParaRPr lang="en-NZ"/>
+            <a:endParaRPr lang="en-NZ" dirty="0"/>
           </a:p>
         </p:txBody>
       </p:sp>
     </p:spTree>
     <p:extLst>
       <p:ext uri="{BB962C8B-B14F-4D97-AF65-F5344CB8AC3E}">
-        <p14:creationId xmlns:p14="http://schemas.microsoft.com/office/powerpoint/2010/main" val="3338783566"/>
+        <p14:creationId xmlns:p14="http://schemas.microsoft.com/office/powerpoint/2010/main" val="2120923964"/>
       </p:ext>
     </p:extLst>
   </p:cSld>
@@ -4038,7 +4338,7 @@
           <p:cNvPr id="2" name="Title 1">
             <a:extLst>
               <a:ext uri="{FF2B5EF4-FFF2-40B4-BE49-F238E27FC236}">
-                <a16:creationId xmlns:a16="http://schemas.microsoft.com/office/drawing/2014/main" id="{4EDED2DB-D21F-F08F-1888-134755B73052}"/>
+                <a16:creationId xmlns:a16="http://schemas.microsoft.com/office/drawing/2014/main" id="{4F0DE8CF-0CC1-B092-2D6B-89EB6D70C759}"/>
               </a:ext>
             </a:extLst>
           </p:cNvPr>
@@ -4056,40 +4356,117 @@
           <a:p>
             <a:r>
               <a:rPr lang="en-NZ" dirty="0"/>
-              <a:t>Must show time taken to beat level</a:t>
-            </a:r>
-          </a:p>
-        </p:txBody>
-      </p:sp>
-      <p:sp>
-        <p:nvSpPr>
-          <p:cNvPr id="3" name="Content Placeholder 2">
-            <a:extLst>
-              <a:ext uri="{FF2B5EF4-FFF2-40B4-BE49-F238E27FC236}">
-                <a16:creationId xmlns:a16="http://schemas.microsoft.com/office/drawing/2014/main" id="{523841F9-E625-479A-652F-060B1CF98A0B}"/>
-              </a:ext>
-            </a:extLst>
-          </p:cNvPr>
-          <p:cNvSpPr>
-            <a:spLocks noGrp="1"/>
-          </p:cNvSpPr>
+              <a:t>Must count total number of moves</a:t>
+            </a:r>
+          </a:p>
+        </p:txBody>
+      </p:sp>
+      <p:pic>
+        <p:nvPicPr>
+          <p:cNvPr id="5" name="Content Placeholder 4">
+            <a:extLst>
+              <a:ext uri="{FF2B5EF4-FFF2-40B4-BE49-F238E27FC236}">
+                <a16:creationId xmlns:a16="http://schemas.microsoft.com/office/drawing/2014/main" id="{1BD52353-AAC6-B559-AAC6-5DFFEA3D828F}"/>
+              </a:ext>
+            </a:extLst>
+          </p:cNvPr>
+          <p:cNvPicPr>
+            <a:picLocks noGrp="1" noChangeAspect="1"/>
+          </p:cNvPicPr>
           <p:nvPr>
             <p:ph idx="1"/>
           </p:nvPr>
-        </p:nvSpPr>
-        <p:spPr/>
-        <p:txBody>
-          <a:bodyPr/>
-          <a:lstStyle/>
-          <a:p>
-            <a:endParaRPr lang="en-NZ"/>
+        </p:nvPicPr>
+        <p:blipFill>
+          <a:blip r:embed="rId2"/>
+          <a:stretch>
+            <a:fillRect/>
+          </a:stretch>
+        </p:blipFill>
+        <p:spPr>
+          <a:xfrm>
+            <a:off x="926199" y="1690688"/>
+            <a:ext cx="2562583" cy="1019317"/>
+          </a:xfrm>
+        </p:spPr>
+      </p:pic>
+      <p:pic>
+        <p:nvPicPr>
+          <p:cNvPr id="7" name="Picture 6">
+            <a:extLst>
+              <a:ext uri="{FF2B5EF4-FFF2-40B4-BE49-F238E27FC236}">
+                <a16:creationId xmlns:a16="http://schemas.microsoft.com/office/drawing/2014/main" id="{1C8B1E67-585F-851A-7BA0-EB62C4B37D59}"/>
+              </a:ext>
+            </a:extLst>
+          </p:cNvPr>
+          <p:cNvPicPr>
+            <a:picLocks noChangeAspect="1"/>
+          </p:cNvPicPr>
+          <p:nvPr/>
+        </p:nvPicPr>
+        <p:blipFill>
+          <a:blip r:embed="rId3"/>
+          <a:stretch>
+            <a:fillRect/>
+          </a:stretch>
+        </p:blipFill>
+        <p:spPr>
+          <a:xfrm>
+            <a:off x="838200" y="2890521"/>
+            <a:ext cx="4296375" cy="1257475"/>
+          </a:xfrm>
+          <a:prstGeom prst="rect">
+            <a:avLst/>
+          </a:prstGeom>
+        </p:spPr>
+      </p:pic>
+      <p:sp>
+        <p:nvSpPr>
+          <p:cNvPr id="8" name="TextBox 7">
+            <a:extLst>
+              <a:ext uri="{FF2B5EF4-FFF2-40B4-BE49-F238E27FC236}">
+                <a16:creationId xmlns:a16="http://schemas.microsoft.com/office/drawing/2014/main" id="{375C1417-94FA-33BC-9E02-88E1F5B2A1C6}"/>
+              </a:ext>
+            </a:extLst>
+          </p:cNvPr>
+          <p:cNvSpPr txBox="1"/>
+          <p:nvPr/>
+        </p:nvSpPr>
+        <p:spPr>
+          <a:xfrm>
+            <a:off x="6096000" y="1930400"/>
+            <a:ext cx="4296375" cy="646331"/>
+          </a:xfrm>
+          <a:prstGeom prst="rect">
+            <a:avLst/>
+          </a:prstGeom>
+          <a:noFill/>
+        </p:spPr>
+        <p:txBody>
+          <a:bodyPr wrap="square" rtlCol="0">
+            <a:spAutoFit/>
+          </a:bodyPr>
+          <a:lstStyle/>
+          <a:p>
+            <a:r>
+              <a:rPr lang="en-NZ" dirty="0"/>
+              <a:t>Call </a:t>
+            </a:r>
+            <a:r>
+              <a:rPr lang="en-NZ" dirty="0" err="1"/>
+              <a:t>MoveCounter</a:t>
+            </a:r>
+            <a:r>
+              <a:rPr lang="en-NZ" dirty="0"/>
+              <a:t>() after a move to count the moves</a:t>
+            </a:r>
           </a:p>
         </p:txBody>
       </p:sp>
     </p:spTree>
     <p:extLst>
       <p:ext uri="{BB962C8B-B14F-4D97-AF65-F5344CB8AC3E}">
-        <p14:creationId xmlns:p14="http://schemas.microsoft.com/office/powerpoint/2010/main" val="3590533096"/>
+        <p14:creationId xmlns:p14="http://schemas.microsoft.com/office/powerpoint/2010/main" val="2189745364"/>
       </p:ext>
     </p:extLst>
   </p:cSld>
@@ -4102,6 +4479,14 @@
 <file path=ppt/slides/slide18.xml><?xml version="1.0" encoding="utf-8"?>
 <p:sld xmlns:a="http://schemas.openxmlformats.org/drawingml/2006/main" xmlns:r="http://schemas.openxmlformats.org/officeDocument/2006/relationships" xmlns:p="http://schemas.openxmlformats.org/presentationml/2006/main">
   <p:cSld>
+    <p:bg>
+      <p:bgPr>
+        <a:solidFill>
+          <a:schemeClr val="bg1"/>
+        </a:solidFill>
+        <a:effectLst/>
+      </p:bgPr>
+    </p:bg>
     <p:spTree>
       <p:nvGrpSpPr>
         <p:cNvPr id="1" name=""/>
@@ -4116,12 +4501,72 @@
           <a:chExt cx="0" cy="0"/>
         </a:xfrm>
       </p:grpSpPr>
+      <p:sp useBgFill="1">
+        <p:nvSpPr>
+          <p:cNvPr id="16" name="Rectangle 15">
+            <a:extLst>
+              <a:ext uri="{FF2B5EF4-FFF2-40B4-BE49-F238E27FC236}">
+                <a16:creationId xmlns:a16="http://schemas.microsoft.com/office/drawing/2014/main" id="{8761DDFE-071F-4200-B0AA-394476C2D2D6}"/>
+              </a:ext>
+              <a:ext uri="{C183D7F6-B498-43B3-948B-1728B52AA6E4}">
+                <adec:decorative xmlns:adec="http://schemas.microsoft.com/office/drawing/2017/decorative" val="1"/>
+              </a:ext>
+            </a:extLst>
+          </p:cNvPr>
+          <p:cNvSpPr>
+            <a:spLocks noGrp="1" noRot="1" noChangeAspect="1" noMove="1" noResize="1" noEditPoints="1" noAdjustHandles="1" noChangeArrowheads="1" noChangeShapeType="1" noTextEdit="1"/>
+          </p:cNvSpPr>
+          <p:nvPr>
+            <p:extLst>
+              <p:ext uri="{386F3935-93C4-4BCD-93E2-E3B085C9AB24}">
+                <p16:designElem xmlns:p16="http://schemas.microsoft.com/office/powerpoint/2015/main" val="1"/>
+              </p:ext>
+            </p:extLst>
+          </p:nvPr>
+        </p:nvSpPr>
+        <p:spPr>
+          <a:xfrm>
+            <a:off x="-1" y="0"/>
+            <a:ext cx="12188952" cy="6858000"/>
+          </a:xfrm>
+          <a:prstGeom prst="rect">
+            <a:avLst/>
+          </a:prstGeom>
+          <a:ln>
+            <a:noFill/>
+          </a:ln>
+        </p:spPr>
+        <p:style>
+          <a:lnRef idx="2">
+            <a:schemeClr val="accent1">
+              <a:shade val="50000"/>
+            </a:schemeClr>
+          </a:lnRef>
+          <a:fillRef idx="1">
+            <a:schemeClr val="accent1"/>
+          </a:fillRef>
+          <a:effectRef idx="0">
+            <a:schemeClr val="accent1"/>
+          </a:effectRef>
+          <a:fontRef idx="minor">
+            <a:schemeClr val="lt1"/>
+          </a:fontRef>
+        </p:style>
+        <p:txBody>
+          <a:bodyPr rtlCol="0" anchor="ctr"/>
+          <a:lstStyle/>
+          <a:p>
+            <a:pPr algn="ctr"/>
+            <a:endParaRPr lang="en-US"/>
+          </a:p>
+        </p:txBody>
+      </p:sp>
       <p:sp>
         <p:nvSpPr>
           <p:cNvPr id="2" name="Title 1">
             <a:extLst>
               <a:ext uri="{FF2B5EF4-FFF2-40B4-BE49-F238E27FC236}">
-                <a16:creationId xmlns:a16="http://schemas.microsoft.com/office/drawing/2014/main" id="{6BEB0DAF-FBD7-FA8D-93ED-A77693D056E4}"/>
+                <a16:creationId xmlns:a16="http://schemas.microsoft.com/office/drawing/2014/main" id="{6989AA02-1DDA-5D6B-7153-FD0E16E1B940}"/>
               </a:ext>
             </a:extLst>
           </p:cNvPr>
@@ -4132,14 +4577,21 @@
             <p:ph type="title"/>
           </p:nvPr>
         </p:nvSpPr>
-        <p:spPr/>
-        <p:txBody>
-          <a:bodyPr/>
-          <a:lstStyle/>
-          <a:p>
-            <a:r>
-              <a:rPr lang="en-NZ" dirty="0"/>
-              <a:t>Must acknowledge level completion</a:t>
+        <p:spPr>
+          <a:xfrm>
+            <a:off x="838198" y="547815"/>
+            <a:ext cx="5167185" cy="1680519"/>
+          </a:xfrm>
+        </p:spPr>
+        <p:txBody>
+          <a:bodyPr>
+            <a:normAutofit/>
+          </a:bodyPr>
+          <a:lstStyle/>
+          <a:p>
+            <a:r>
+              <a:rPr lang="en-NZ" sz="4000"/>
+              <a:t>MoveCounter() Test</a:t>
             </a:r>
           </a:p>
         </p:txBody>
@@ -4149,7 +4601,7 @@
           <p:cNvPr id="3" name="Content Placeholder 2">
             <a:extLst>
               <a:ext uri="{FF2B5EF4-FFF2-40B4-BE49-F238E27FC236}">
-                <a16:creationId xmlns:a16="http://schemas.microsoft.com/office/drawing/2014/main" id="{C10BE031-1454-24B5-8237-B701BCDB1FC2}"/>
+                <a16:creationId xmlns:a16="http://schemas.microsoft.com/office/drawing/2014/main" id="{021947CB-1E3E-2BCB-E62A-C293DD2B9E88}"/>
               </a:ext>
             </a:extLst>
           </p:cNvPr>
@@ -4160,19 +4612,107 @@
             <p:ph idx="1"/>
           </p:nvPr>
         </p:nvSpPr>
-        <p:spPr/>
-        <p:txBody>
-          <a:bodyPr/>
-          <a:lstStyle/>
-          <a:p>
-            <a:endParaRPr lang="en-NZ"/>
-          </a:p>
-        </p:txBody>
-      </p:sp>
+        <p:spPr>
+          <a:xfrm>
+            <a:off x="6186619" y="547815"/>
+            <a:ext cx="5178960" cy="1680519"/>
+          </a:xfrm>
+        </p:spPr>
+        <p:txBody>
+          <a:bodyPr anchor="ctr">
+            <a:normAutofit/>
+          </a:bodyPr>
+          <a:lstStyle/>
+          <a:p>
+            <a:pPr marL="0" indent="0">
+              <a:buNone/>
+            </a:pPr>
+            <a:r>
+              <a:rPr lang="en-NZ" sz="2000"/>
+              <a:t>I moved the pieces twice so in the end</a:t>
+            </a:r>
+          </a:p>
+          <a:p>
+            <a:pPr marL="0" indent="0">
+              <a:buNone/>
+            </a:pPr>
+            <a:r>
+              <a:rPr lang="en-NZ" sz="2000"/>
+              <a:t>we should have two moves</a:t>
+            </a:r>
+          </a:p>
+          <a:p>
+            <a:pPr marL="0" indent="0">
+              <a:buNone/>
+            </a:pPr>
+            <a:endParaRPr lang="en-NZ" sz="2000"/>
+          </a:p>
+        </p:txBody>
+      </p:sp>
+      <p:pic>
+        <p:nvPicPr>
+          <p:cNvPr id="7" name="Picture 6">
+            <a:extLst>
+              <a:ext uri="{FF2B5EF4-FFF2-40B4-BE49-F238E27FC236}">
+                <a16:creationId xmlns:a16="http://schemas.microsoft.com/office/drawing/2014/main" id="{CFFFE470-387B-C5CE-620B-8244272C7706}"/>
+              </a:ext>
+            </a:extLst>
+          </p:cNvPr>
+          <p:cNvPicPr>
+            <a:picLocks noChangeAspect="1"/>
+          </p:cNvPicPr>
+          <p:nvPr/>
+        </p:nvPicPr>
+        <p:blipFill>
+          <a:blip r:embed="rId2"/>
+          <a:stretch>
+            <a:fillRect/>
+          </a:stretch>
+        </p:blipFill>
+        <p:spPr>
+          <a:xfrm>
+            <a:off x="656962" y="1624597"/>
+            <a:ext cx="4382888" cy="5081610"/>
+          </a:xfrm>
+          <a:prstGeom prst="rect">
+            <a:avLst/>
+          </a:prstGeom>
+        </p:spPr>
+      </p:pic>
+      <p:pic>
+        <p:nvPicPr>
+          <p:cNvPr id="11" name="Picture 10">
+            <a:extLst>
+              <a:ext uri="{FF2B5EF4-FFF2-40B4-BE49-F238E27FC236}">
+                <a16:creationId xmlns:a16="http://schemas.microsoft.com/office/drawing/2014/main" id="{3762EAA5-9868-A387-5CA9-8AD104B0A7FB}"/>
+              </a:ext>
+            </a:extLst>
+          </p:cNvPr>
+          <p:cNvPicPr>
+            <a:picLocks noChangeAspect="1"/>
+          </p:cNvPicPr>
+          <p:nvPr/>
+        </p:nvPicPr>
+        <p:blipFill>
+          <a:blip r:embed="rId3"/>
+          <a:stretch>
+            <a:fillRect/>
+          </a:stretch>
+        </p:blipFill>
+        <p:spPr>
+          <a:xfrm>
+            <a:off x="6198394" y="2875898"/>
+            <a:ext cx="5167185" cy="2803197"/>
+          </a:xfrm>
+          <a:prstGeom prst="rect">
+            <a:avLst/>
+          </a:prstGeom>
+        </p:spPr>
+      </p:pic>
     </p:spTree>
     <p:extLst>
       <p:ext uri="{BB962C8B-B14F-4D97-AF65-F5344CB8AC3E}">
-        <p14:creationId xmlns:p14="http://schemas.microsoft.com/office/powerpoint/2010/main" val="2912228586"/>
+        <p14:creationId xmlns:p14="http://schemas.microsoft.com/office/powerpoint/2010/main" val="2279966503"/>
       </p:ext>
     </p:extLst>
   </p:cSld>
@@ -4204,7 +4744,7 @@
           <p:cNvPr id="2" name="Title 1">
             <a:extLst>
               <a:ext uri="{FF2B5EF4-FFF2-40B4-BE49-F238E27FC236}">
-                <a16:creationId xmlns:a16="http://schemas.microsoft.com/office/drawing/2014/main" id="{F912F206-F39F-6CAC-320C-A3E08126AE41}"/>
+                <a16:creationId xmlns:a16="http://schemas.microsoft.com/office/drawing/2014/main" id="{CE3F6627-BA58-BE8F-3148-829D6A616E1D}"/>
               </a:ext>
             </a:extLst>
           </p:cNvPr>
@@ -4222,7 +4762,7 @@
           <a:p>
             <a:r>
               <a:rPr lang="en-NZ" dirty="0"/>
-              <a:t>Must display level name</a:t>
+              <a:t>Must highlight current piece</a:t>
             </a:r>
           </a:p>
         </p:txBody>
@@ -4232,7 +4772,7 @@
           <p:cNvPr id="3" name="Content Placeholder 2">
             <a:extLst>
               <a:ext uri="{FF2B5EF4-FFF2-40B4-BE49-F238E27FC236}">
-                <a16:creationId xmlns:a16="http://schemas.microsoft.com/office/drawing/2014/main" id="{A1371EA9-B806-A32F-80FC-D7F80F83A6AD}"/>
+                <a16:creationId xmlns:a16="http://schemas.microsoft.com/office/drawing/2014/main" id="{FBD804B8-1DE0-BE16-5BCE-5D6B493D9FD4}"/>
               </a:ext>
             </a:extLst>
           </p:cNvPr>
@@ -4255,7 +4795,7 @@
     </p:spTree>
     <p:extLst>
       <p:ext uri="{BB962C8B-B14F-4D97-AF65-F5344CB8AC3E}">
-        <p14:creationId xmlns:p14="http://schemas.microsoft.com/office/powerpoint/2010/main" val="4220730044"/>
+        <p14:creationId xmlns:p14="http://schemas.microsoft.com/office/powerpoint/2010/main" val="2554264141"/>
       </p:ext>
     </p:extLst>
   </p:cSld>
@@ -4396,6 +4936,504 @@
     <p:extLst>
       <p:ext uri="{BB962C8B-B14F-4D97-AF65-F5344CB8AC3E}">
         <p14:creationId xmlns:p14="http://schemas.microsoft.com/office/powerpoint/2010/main" val="3631052344"/>
+      </p:ext>
+    </p:extLst>
+  </p:cSld>
+  <p:clrMapOvr>
+    <a:masterClrMapping/>
+  </p:clrMapOvr>
+</p:sld>
+</file>
+
+<file path=ppt/slides/slide20.xml><?xml version="1.0" encoding="utf-8"?>
+<p:sld xmlns:a="http://schemas.openxmlformats.org/drawingml/2006/main" xmlns:r="http://schemas.openxmlformats.org/officeDocument/2006/relationships" xmlns:p="http://schemas.openxmlformats.org/presentationml/2006/main">
+  <p:cSld>
+    <p:spTree>
+      <p:nvGrpSpPr>
+        <p:cNvPr id="1" name=""/>
+        <p:cNvGrpSpPr/>
+        <p:nvPr/>
+      </p:nvGrpSpPr>
+      <p:grpSpPr>
+        <a:xfrm>
+          <a:off x="0" y="0"/>
+          <a:ext cx="0" cy="0"/>
+          <a:chOff x="0" y="0"/>
+          <a:chExt cx="0" cy="0"/>
+        </a:xfrm>
+      </p:grpSpPr>
+      <p:sp>
+        <p:nvSpPr>
+          <p:cNvPr id="2" name="Title 1">
+            <a:extLst>
+              <a:ext uri="{FF2B5EF4-FFF2-40B4-BE49-F238E27FC236}">
+                <a16:creationId xmlns:a16="http://schemas.microsoft.com/office/drawing/2014/main" id="{37F7A997-1167-ECBD-A8EF-16A496806681}"/>
+              </a:ext>
+            </a:extLst>
+          </p:cNvPr>
+          <p:cNvSpPr>
+            <a:spLocks noGrp="1"/>
+          </p:cNvSpPr>
+          <p:nvPr>
+            <p:ph type="title"/>
+          </p:nvPr>
+        </p:nvSpPr>
+        <p:spPr/>
+        <p:txBody>
+          <a:bodyPr/>
+          <a:lstStyle/>
+          <a:p>
+            <a:r>
+              <a:rPr lang="en-NZ" dirty="0"/>
+              <a:t>Must have reset button</a:t>
+            </a:r>
+          </a:p>
+        </p:txBody>
+      </p:sp>
+      <p:sp>
+        <p:nvSpPr>
+          <p:cNvPr id="3" name="Content Placeholder 2">
+            <a:extLst>
+              <a:ext uri="{FF2B5EF4-FFF2-40B4-BE49-F238E27FC236}">
+                <a16:creationId xmlns:a16="http://schemas.microsoft.com/office/drawing/2014/main" id="{084DD938-817C-F7B1-6E03-81E2CA7D1D5A}"/>
+              </a:ext>
+            </a:extLst>
+          </p:cNvPr>
+          <p:cNvSpPr>
+            <a:spLocks noGrp="1"/>
+          </p:cNvSpPr>
+          <p:nvPr>
+            <p:ph idx="1"/>
+          </p:nvPr>
+        </p:nvSpPr>
+        <p:spPr/>
+        <p:txBody>
+          <a:bodyPr/>
+          <a:lstStyle/>
+          <a:p>
+            <a:endParaRPr lang="en-NZ"/>
+          </a:p>
+        </p:txBody>
+      </p:sp>
+    </p:spTree>
+    <p:extLst>
+      <p:ext uri="{BB962C8B-B14F-4D97-AF65-F5344CB8AC3E}">
+        <p14:creationId xmlns:p14="http://schemas.microsoft.com/office/powerpoint/2010/main" val="4190049160"/>
+      </p:ext>
+    </p:extLst>
+  </p:cSld>
+  <p:clrMapOvr>
+    <a:masterClrMapping/>
+  </p:clrMapOvr>
+</p:sld>
+</file>
+
+<file path=ppt/slides/slide21.xml><?xml version="1.0" encoding="utf-8"?>
+<p:sld xmlns:a="http://schemas.openxmlformats.org/drawingml/2006/main" xmlns:r="http://schemas.openxmlformats.org/officeDocument/2006/relationships" xmlns:p="http://schemas.openxmlformats.org/presentationml/2006/main">
+  <p:cSld>
+    <p:spTree>
+      <p:nvGrpSpPr>
+        <p:cNvPr id="1" name=""/>
+        <p:cNvGrpSpPr/>
+        <p:nvPr/>
+      </p:nvGrpSpPr>
+      <p:grpSpPr>
+        <a:xfrm>
+          <a:off x="0" y="0"/>
+          <a:ext cx="0" cy="0"/>
+          <a:chOff x="0" y="0"/>
+          <a:chExt cx="0" cy="0"/>
+        </a:xfrm>
+      </p:grpSpPr>
+      <p:sp>
+        <p:nvSpPr>
+          <p:cNvPr id="2" name="Title 1">
+            <a:extLst>
+              <a:ext uri="{FF2B5EF4-FFF2-40B4-BE49-F238E27FC236}">
+                <a16:creationId xmlns:a16="http://schemas.microsoft.com/office/drawing/2014/main" id="{97D6BE81-E55C-77B4-5605-A66AAA5EAF35}"/>
+              </a:ext>
+            </a:extLst>
+          </p:cNvPr>
+          <p:cNvSpPr>
+            <a:spLocks noGrp="1"/>
+          </p:cNvSpPr>
+          <p:nvPr>
+            <p:ph type="title"/>
+          </p:nvPr>
+        </p:nvSpPr>
+        <p:spPr/>
+        <p:txBody>
+          <a:bodyPr/>
+          <a:lstStyle/>
+          <a:p>
+            <a:r>
+              <a:rPr lang="en-NZ" dirty="0"/>
+              <a:t>Must have undo button</a:t>
+            </a:r>
+          </a:p>
+        </p:txBody>
+      </p:sp>
+      <p:sp>
+        <p:nvSpPr>
+          <p:cNvPr id="3" name="Content Placeholder 2">
+            <a:extLst>
+              <a:ext uri="{FF2B5EF4-FFF2-40B4-BE49-F238E27FC236}">
+                <a16:creationId xmlns:a16="http://schemas.microsoft.com/office/drawing/2014/main" id="{0A53D286-6755-7621-F952-06A0F4ADF431}"/>
+              </a:ext>
+            </a:extLst>
+          </p:cNvPr>
+          <p:cNvSpPr>
+            <a:spLocks noGrp="1"/>
+          </p:cNvSpPr>
+          <p:nvPr>
+            <p:ph idx="1"/>
+          </p:nvPr>
+        </p:nvSpPr>
+        <p:spPr/>
+        <p:txBody>
+          <a:bodyPr/>
+          <a:lstStyle/>
+          <a:p>
+            <a:endParaRPr lang="en-NZ"/>
+          </a:p>
+        </p:txBody>
+      </p:sp>
+    </p:spTree>
+    <p:extLst>
+      <p:ext uri="{BB962C8B-B14F-4D97-AF65-F5344CB8AC3E}">
+        <p14:creationId xmlns:p14="http://schemas.microsoft.com/office/powerpoint/2010/main" val="3499884671"/>
+      </p:ext>
+    </p:extLst>
+  </p:cSld>
+  <p:clrMapOvr>
+    <a:masterClrMapping/>
+  </p:clrMapOvr>
+</p:sld>
+</file>
+
+<file path=ppt/slides/slide22.xml><?xml version="1.0" encoding="utf-8"?>
+<p:sld xmlns:a="http://schemas.openxmlformats.org/drawingml/2006/main" xmlns:r="http://schemas.openxmlformats.org/officeDocument/2006/relationships" xmlns:p="http://schemas.openxmlformats.org/presentationml/2006/main">
+  <p:cSld>
+    <p:spTree>
+      <p:nvGrpSpPr>
+        <p:cNvPr id="1" name=""/>
+        <p:cNvGrpSpPr/>
+        <p:nvPr/>
+      </p:nvGrpSpPr>
+      <p:grpSpPr>
+        <a:xfrm>
+          <a:off x="0" y="0"/>
+          <a:ext cx="0" cy="0"/>
+          <a:chOff x="0" y="0"/>
+          <a:chExt cx="0" cy="0"/>
+        </a:xfrm>
+      </p:grpSpPr>
+      <p:sp>
+        <p:nvSpPr>
+          <p:cNvPr id="2" name="Title 1">
+            <a:extLst>
+              <a:ext uri="{FF2B5EF4-FFF2-40B4-BE49-F238E27FC236}">
+                <a16:creationId xmlns:a16="http://schemas.microsoft.com/office/drawing/2014/main" id="{CEDF7865-46D5-3F60-D4C3-665F4F383818}"/>
+              </a:ext>
+            </a:extLst>
+          </p:cNvPr>
+          <p:cNvSpPr>
+            <a:spLocks noGrp="1"/>
+          </p:cNvSpPr>
+          <p:nvPr>
+            <p:ph type="title"/>
+          </p:nvPr>
+        </p:nvSpPr>
+        <p:spPr/>
+        <p:txBody>
+          <a:bodyPr/>
+          <a:lstStyle/>
+          <a:p>
+            <a:r>
+              <a:rPr lang="en-NZ" dirty="0"/>
+              <a:t>Must have timer</a:t>
+            </a:r>
+          </a:p>
+        </p:txBody>
+      </p:sp>
+      <p:sp>
+        <p:nvSpPr>
+          <p:cNvPr id="3" name="Content Placeholder 2">
+            <a:extLst>
+              <a:ext uri="{FF2B5EF4-FFF2-40B4-BE49-F238E27FC236}">
+                <a16:creationId xmlns:a16="http://schemas.microsoft.com/office/drawing/2014/main" id="{B6F882F9-ABC1-5F98-E69F-5C8F91E8E801}"/>
+              </a:ext>
+            </a:extLst>
+          </p:cNvPr>
+          <p:cNvSpPr>
+            <a:spLocks noGrp="1"/>
+          </p:cNvSpPr>
+          <p:nvPr>
+            <p:ph idx="1"/>
+          </p:nvPr>
+        </p:nvSpPr>
+        <p:spPr/>
+        <p:txBody>
+          <a:bodyPr/>
+          <a:lstStyle/>
+          <a:p>
+            <a:endParaRPr lang="en-NZ"/>
+          </a:p>
+        </p:txBody>
+      </p:sp>
+    </p:spTree>
+    <p:extLst>
+      <p:ext uri="{BB962C8B-B14F-4D97-AF65-F5344CB8AC3E}">
+        <p14:creationId xmlns:p14="http://schemas.microsoft.com/office/powerpoint/2010/main" val="3338783566"/>
+      </p:ext>
+    </p:extLst>
+  </p:cSld>
+  <p:clrMapOvr>
+    <a:masterClrMapping/>
+  </p:clrMapOvr>
+</p:sld>
+</file>
+
+<file path=ppt/slides/slide23.xml><?xml version="1.0" encoding="utf-8"?>
+<p:sld xmlns:a="http://schemas.openxmlformats.org/drawingml/2006/main" xmlns:r="http://schemas.openxmlformats.org/officeDocument/2006/relationships" xmlns:p="http://schemas.openxmlformats.org/presentationml/2006/main">
+  <p:cSld>
+    <p:spTree>
+      <p:nvGrpSpPr>
+        <p:cNvPr id="1" name=""/>
+        <p:cNvGrpSpPr/>
+        <p:nvPr/>
+      </p:nvGrpSpPr>
+      <p:grpSpPr>
+        <a:xfrm>
+          <a:off x="0" y="0"/>
+          <a:ext cx="0" cy="0"/>
+          <a:chOff x="0" y="0"/>
+          <a:chExt cx="0" cy="0"/>
+        </a:xfrm>
+      </p:grpSpPr>
+      <p:sp>
+        <p:nvSpPr>
+          <p:cNvPr id="2" name="Title 1">
+            <a:extLst>
+              <a:ext uri="{FF2B5EF4-FFF2-40B4-BE49-F238E27FC236}">
+                <a16:creationId xmlns:a16="http://schemas.microsoft.com/office/drawing/2014/main" id="{4EDED2DB-D21F-F08F-1888-134755B73052}"/>
+              </a:ext>
+            </a:extLst>
+          </p:cNvPr>
+          <p:cNvSpPr>
+            <a:spLocks noGrp="1"/>
+          </p:cNvSpPr>
+          <p:nvPr>
+            <p:ph type="title"/>
+          </p:nvPr>
+        </p:nvSpPr>
+        <p:spPr/>
+        <p:txBody>
+          <a:bodyPr/>
+          <a:lstStyle/>
+          <a:p>
+            <a:r>
+              <a:rPr lang="en-NZ" dirty="0"/>
+              <a:t>Must show time taken to beat level</a:t>
+            </a:r>
+          </a:p>
+        </p:txBody>
+      </p:sp>
+      <p:sp>
+        <p:nvSpPr>
+          <p:cNvPr id="3" name="Content Placeholder 2">
+            <a:extLst>
+              <a:ext uri="{FF2B5EF4-FFF2-40B4-BE49-F238E27FC236}">
+                <a16:creationId xmlns:a16="http://schemas.microsoft.com/office/drawing/2014/main" id="{523841F9-E625-479A-652F-060B1CF98A0B}"/>
+              </a:ext>
+            </a:extLst>
+          </p:cNvPr>
+          <p:cNvSpPr>
+            <a:spLocks noGrp="1"/>
+          </p:cNvSpPr>
+          <p:nvPr>
+            <p:ph idx="1"/>
+          </p:nvPr>
+        </p:nvSpPr>
+        <p:spPr/>
+        <p:txBody>
+          <a:bodyPr/>
+          <a:lstStyle/>
+          <a:p>
+            <a:endParaRPr lang="en-NZ"/>
+          </a:p>
+        </p:txBody>
+      </p:sp>
+    </p:spTree>
+    <p:extLst>
+      <p:ext uri="{BB962C8B-B14F-4D97-AF65-F5344CB8AC3E}">
+        <p14:creationId xmlns:p14="http://schemas.microsoft.com/office/powerpoint/2010/main" val="3590533096"/>
+      </p:ext>
+    </p:extLst>
+  </p:cSld>
+  <p:clrMapOvr>
+    <a:masterClrMapping/>
+  </p:clrMapOvr>
+</p:sld>
+</file>
+
+<file path=ppt/slides/slide24.xml><?xml version="1.0" encoding="utf-8"?>
+<p:sld xmlns:a="http://schemas.openxmlformats.org/drawingml/2006/main" xmlns:r="http://schemas.openxmlformats.org/officeDocument/2006/relationships" xmlns:p="http://schemas.openxmlformats.org/presentationml/2006/main">
+  <p:cSld>
+    <p:spTree>
+      <p:nvGrpSpPr>
+        <p:cNvPr id="1" name=""/>
+        <p:cNvGrpSpPr/>
+        <p:nvPr/>
+      </p:nvGrpSpPr>
+      <p:grpSpPr>
+        <a:xfrm>
+          <a:off x="0" y="0"/>
+          <a:ext cx="0" cy="0"/>
+          <a:chOff x="0" y="0"/>
+          <a:chExt cx="0" cy="0"/>
+        </a:xfrm>
+      </p:grpSpPr>
+      <p:sp>
+        <p:nvSpPr>
+          <p:cNvPr id="2" name="Title 1">
+            <a:extLst>
+              <a:ext uri="{FF2B5EF4-FFF2-40B4-BE49-F238E27FC236}">
+                <a16:creationId xmlns:a16="http://schemas.microsoft.com/office/drawing/2014/main" id="{6BEB0DAF-FBD7-FA8D-93ED-A77693D056E4}"/>
+              </a:ext>
+            </a:extLst>
+          </p:cNvPr>
+          <p:cNvSpPr>
+            <a:spLocks noGrp="1"/>
+          </p:cNvSpPr>
+          <p:nvPr>
+            <p:ph type="title"/>
+          </p:nvPr>
+        </p:nvSpPr>
+        <p:spPr/>
+        <p:txBody>
+          <a:bodyPr/>
+          <a:lstStyle/>
+          <a:p>
+            <a:r>
+              <a:rPr lang="en-NZ" dirty="0"/>
+              <a:t>Must acknowledge level completion</a:t>
+            </a:r>
+          </a:p>
+        </p:txBody>
+      </p:sp>
+      <p:sp>
+        <p:nvSpPr>
+          <p:cNvPr id="3" name="Content Placeholder 2">
+            <a:extLst>
+              <a:ext uri="{FF2B5EF4-FFF2-40B4-BE49-F238E27FC236}">
+                <a16:creationId xmlns:a16="http://schemas.microsoft.com/office/drawing/2014/main" id="{C10BE031-1454-24B5-8237-B701BCDB1FC2}"/>
+              </a:ext>
+            </a:extLst>
+          </p:cNvPr>
+          <p:cNvSpPr>
+            <a:spLocks noGrp="1"/>
+          </p:cNvSpPr>
+          <p:nvPr>
+            <p:ph idx="1"/>
+          </p:nvPr>
+        </p:nvSpPr>
+        <p:spPr/>
+        <p:txBody>
+          <a:bodyPr/>
+          <a:lstStyle/>
+          <a:p>
+            <a:endParaRPr lang="en-NZ"/>
+          </a:p>
+        </p:txBody>
+      </p:sp>
+    </p:spTree>
+    <p:extLst>
+      <p:ext uri="{BB962C8B-B14F-4D97-AF65-F5344CB8AC3E}">
+        <p14:creationId xmlns:p14="http://schemas.microsoft.com/office/powerpoint/2010/main" val="2912228586"/>
+      </p:ext>
+    </p:extLst>
+  </p:cSld>
+  <p:clrMapOvr>
+    <a:masterClrMapping/>
+  </p:clrMapOvr>
+</p:sld>
+</file>
+
+<file path=ppt/slides/slide25.xml><?xml version="1.0" encoding="utf-8"?>
+<p:sld xmlns:a="http://schemas.openxmlformats.org/drawingml/2006/main" xmlns:r="http://schemas.openxmlformats.org/officeDocument/2006/relationships" xmlns:p="http://schemas.openxmlformats.org/presentationml/2006/main">
+  <p:cSld>
+    <p:spTree>
+      <p:nvGrpSpPr>
+        <p:cNvPr id="1" name=""/>
+        <p:cNvGrpSpPr/>
+        <p:nvPr/>
+      </p:nvGrpSpPr>
+      <p:grpSpPr>
+        <a:xfrm>
+          <a:off x="0" y="0"/>
+          <a:ext cx="0" cy="0"/>
+          <a:chOff x="0" y="0"/>
+          <a:chExt cx="0" cy="0"/>
+        </a:xfrm>
+      </p:grpSpPr>
+      <p:sp>
+        <p:nvSpPr>
+          <p:cNvPr id="2" name="Title 1">
+            <a:extLst>
+              <a:ext uri="{FF2B5EF4-FFF2-40B4-BE49-F238E27FC236}">
+                <a16:creationId xmlns:a16="http://schemas.microsoft.com/office/drawing/2014/main" id="{F912F206-F39F-6CAC-320C-A3E08126AE41}"/>
+              </a:ext>
+            </a:extLst>
+          </p:cNvPr>
+          <p:cNvSpPr>
+            <a:spLocks noGrp="1"/>
+          </p:cNvSpPr>
+          <p:nvPr>
+            <p:ph type="title"/>
+          </p:nvPr>
+        </p:nvSpPr>
+        <p:spPr/>
+        <p:txBody>
+          <a:bodyPr/>
+          <a:lstStyle/>
+          <a:p>
+            <a:r>
+              <a:rPr lang="en-NZ" dirty="0"/>
+              <a:t>Must display level name</a:t>
+            </a:r>
+          </a:p>
+        </p:txBody>
+      </p:sp>
+      <p:sp>
+        <p:nvSpPr>
+          <p:cNvPr id="3" name="Content Placeholder 2">
+            <a:extLst>
+              <a:ext uri="{FF2B5EF4-FFF2-40B4-BE49-F238E27FC236}">
+                <a16:creationId xmlns:a16="http://schemas.microsoft.com/office/drawing/2014/main" id="{A1371EA9-B806-A32F-80FC-D7F80F83A6AD}"/>
+              </a:ext>
+            </a:extLst>
+          </p:cNvPr>
+          <p:cNvSpPr>
+            <a:spLocks noGrp="1"/>
+          </p:cNvSpPr>
+          <p:nvPr>
+            <p:ph idx="1"/>
+          </p:nvPr>
+        </p:nvSpPr>
+        <p:spPr/>
+        <p:txBody>
+          <a:bodyPr/>
+          <a:lstStyle/>
+          <a:p>
+            <a:endParaRPr lang="en-NZ"/>
+          </a:p>
+        </p:txBody>
+      </p:sp>
+    </p:spTree>
+    <p:extLst>
+      <p:ext uri="{BB962C8B-B14F-4D97-AF65-F5344CB8AC3E}">
+        <p14:creationId xmlns:p14="http://schemas.microsoft.com/office/powerpoint/2010/main" val="4220730044"/>
       </p:ext>
     </p:extLst>
   </p:cSld>
@@ -4544,6 +5582,14 @@
 <file path=ppt/slides/slide4.xml><?xml version="1.0" encoding="utf-8"?>
 <p:sld xmlns:a="http://schemas.openxmlformats.org/drawingml/2006/main" xmlns:r="http://schemas.openxmlformats.org/officeDocument/2006/relationships" xmlns:p="http://schemas.openxmlformats.org/presentationml/2006/main">
   <p:cSld>
+    <p:bg>
+      <p:bgPr>
+        <a:solidFill>
+          <a:schemeClr val="bg1"/>
+        </a:solidFill>
+        <a:effectLst/>
+      </p:bgPr>
+    </p:bg>
     <p:spTree>
       <p:nvGrpSpPr>
         <p:cNvPr id="1" name=""/>
@@ -4558,6 +5604,66 @@
           <a:chExt cx="0" cy="0"/>
         </a:xfrm>
       </p:grpSpPr>
+      <p:sp useBgFill="1">
+        <p:nvSpPr>
+          <p:cNvPr id="14" name="Rectangle 13">
+            <a:extLst>
+              <a:ext uri="{FF2B5EF4-FFF2-40B4-BE49-F238E27FC236}">
+                <a16:creationId xmlns:a16="http://schemas.microsoft.com/office/drawing/2014/main" id="{022BDE4A-8A20-4A69-9C5A-581C82036A4D}"/>
+              </a:ext>
+              <a:ext uri="{C183D7F6-B498-43B3-948B-1728B52AA6E4}">
+                <adec:decorative xmlns:adec="http://schemas.microsoft.com/office/drawing/2017/decorative" val="1"/>
+              </a:ext>
+            </a:extLst>
+          </p:cNvPr>
+          <p:cNvSpPr>
+            <a:spLocks noGrp="1" noRot="1" noChangeAspect="1" noMove="1" noResize="1" noEditPoints="1" noAdjustHandles="1" noChangeArrowheads="1" noChangeShapeType="1" noTextEdit="1"/>
+          </p:cNvSpPr>
+          <p:nvPr>
+            <p:extLst>
+              <p:ext uri="{386F3935-93C4-4BCD-93E2-E3B085C9AB24}">
+                <p16:designElem xmlns:p16="http://schemas.microsoft.com/office/powerpoint/2015/main" val="1"/>
+              </p:ext>
+            </p:extLst>
+          </p:nvPr>
+        </p:nvSpPr>
+        <p:spPr>
+          <a:xfrm>
+            <a:off x="-1" y="0"/>
+            <a:ext cx="12188952" cy="6858000"/>
+          </a:xfrm>
+          <a:prstGeom prst="rect">
+            <a:avLst/>
+          </a:prstGeom>
+          <a:ln>
+            <a:noFill/>
+          </a:ln>
+        </p:spPr>
+        <p:style>
+          <a:lnRef idx="2">
+            <a:schemeClr val="accent1">
+              <a:shade val="50000"/>
+            </a:schemeClr>
+          </a:lnRef>
+          <a:fillRef idx="1">
+            <a:schemeClr val="accent1"/>
+          </a:fillRef>
+          <a:effectRef idx="0">
+            <a:schemeClr val="accent1"/>
+          </a:effectRef>
+          <a:fontRef idx="minor">
+            <a:schemeClr val="lt1"/>
+          </a:fontRef>
+        </p:style>
+        <p:txBody>
+          <a:bodyPr rtlCol="0" anchor="ctr"/>
+          <a:lstStyle/>
+          <a:p>
+            <a:pPr algn="ctr"/>
+            <a:endParaRPr lang="en-US"/>
+          </a:p>
+        </p:txBody>
+      </p:sp>
       <p:sp>
         <p:nvSpPr>
           <p:cNvPr id="2" name="Title 1">
@@ -4574,44 +5680,93 @@
             <p:ph type="title"/>
           </p:nvPr>
         </p:nvSpPr>
-        <p:spPr/>
-        <p:txBody>
-          <a:bodyPr/>
-          <a:lstStyle/>
-          <a:p>
-            <a:r>
-              <a:rPr lang="en-US" dirty="0"/>
+        <p:spPr>
+          <a:xfrm>
+            <a:off x="1001684" y="170412"/>
+            <a:ext cx="10178934" cy="1328730"/>
+          </a:xfrm>
+        </p:spPr>
+        <p:txBody>
+          <a:bodyPr vert="horz" lIns="91440" tIns="45720" rIns="91440" bIns="45720" rtlCol="0" anchor="b">
+            <a:normAutofit/>
+          </a:bodyPr>
+          <a:lstStyle/>
+          <a:p>
+            <a:pPr algn="ctr"/>
+            <a:r>
+              <a:rPr lang="en-US" sz="5200" kern="1200">
+                <a:solidFill>
+                  <a:schemeClr val="tx1"/>
+                </a:solidFill>
+                <a:latin typeface="+mj-lt"/>
+                <a:ea typeface="+mj-ea"/>
+                <a:cs typeface="+mj-cs"/>
+              </a:rPr>
               <a:t>Must have movement for Rook</a:t>
             </a:r>
-            <a:endParaRPr lang="en-NZ" dirty="0"/>
-          </a:p>
-        </p:txBody>
-      </p:sp>
-      <p:sp>
-        <p:nvSpPr>
-          <p:cNvPr id="3" name="Content Placeholder 2">
-            <a:extLst>
-              <a:ext uri="{FF2B5EF4-FFF2-40B4-BE49-F238E27FC236}">
-                <a16:creationId xmlns:a16="http://schemas.microsoft.com/office/drawing/2014/main" id="{67D7E7A3-B235-4CAB-8AA3-39C43B3A0E73}"/>
-              </a:ext>
-            </a:extLst>
-          </p:cNvPr>
-          <p:cNvSpPr>
-            <a:spLocks noGrp="1"/>
-          </p:cNvSpPr>
+          </a:p>
+        </p:txBody>
+      </p:sp>
+      <p:pic>
+        <p:nvPicPr>
+          <p:cNvPr id="5" name="Content Placeholder 4">
+            <a:extLst>
+              <a:ext uri="{FF2B5EF4-FFF2-40B4-BE49-F238E27FC236}">
+                <a16:creationId xmlns:a16="http://schemas.microsoft.com/office/drawing/2014/main" id="{7FA6CB8F-A4DA-F614-88C4-822BB96378A4}"/>
+              </a:ext>
+            </a:extLst>
+          </p:cNvPr>
+          <p:cNvPicPr>
+            <a:picLocks noGrp="1" noChangeAspect="1"/>
+          </p:cNvPicPr>
           <p:nvPr>
             <p:ph idx="1"/>
           </p:nvPr>
-        </p:nvSpPr>
-        <p:spPr/>
-        <p:txBody>
-          <a:bodyPr/>
-          <a:lstStyle/>
-          <a:p>
-            <a:endParaRPr lang="en-NZ"/>
-          </a:p>
-        </p:txBody>
-      </p:sp>
+        </p:nvPicPr>
+        <p:blipFill rotWithShape="1">
+          <a:blip r:embed="rId2"/>
+          <a:srcRect t="3914" r="-2" b="9023"/>
+          <a:stretch/>
+        </p:blipFill>
+        <p:spPr>
+          <a:xfrm>
+            <a:off x="198741" y="2410448"/>
+            <a:ext cx="5803323" cy="3890357"/>
+          </a:xfrm>
+          <a:prstGeom prst="rect">
+            <a:avLst/>
+          </a:prstGeom>
+        </p:spPr>
+      </p:pic>
+      <p:pic>
+        <p:nvPicPr>
+          <p:cNvPr id="9" name="Picture 8">
+            <a:extLst>
+              <a:ext uri="{FF2B5EF4-FFF2-40B4-BE49-F238E27FC236}">
+                <a16:creationId xmlns:a16="http://schemas.microsoft.com/office/drawing/2014/main" id="{AF4C9BFB-89A5-81CD-B092-E92A574B3038}"/>
+              </a:ext>
+            </a:extLst>
+          </p:cNvPr>
+          <p:cNvPicPr>
+            <a:picLocks noChangeAspect="1"/>
+          </p:cNvPicPr>
+          <p:nvPr/>
+        </p:nvPicPr>
+        <p:blipFill rotWithShape="1">
+          <a:blip r:embed="rId3"/>
+          <a:srcRect t="2237" r="-2" b="8379"/>
+          <a:stretch/>
+        </p:blipFill>
+        <p:spPr>
+          <a:xfrm>
+            <a:off x="6189934" y="2410448"/>
+            <a:ext cx="5803323" cy="3890357"/>
+          </a:xfrm>
+          <a:prstGeom prst="rect">
+            <a:avLst/>
+          </a:prstGeom>
+        </p:spPr>
+      </p:pic>
     </p:spTree>
     <p:extLst>
       <p:ext uri="{BB962C8B-B14F-4D97-AF65-F5344CB8AC3E}">
@@ -4647,7 +5802,7 @@
           <p:cNvPr id="2" name="Title 1">
             <a:extLst>
               <a:ext uri="{FF2B5EF4-FFF2-40B4-BE49-F238E27FC236}">
-                <a16:creationId xmlns:a16="http://schemas.microsoft.com/office/drawing/2014/main" id="{D9394B36-5B27-74A5-86AE-119381BFC652}"/>
+                <a16:creationId xmlns:a16="http://schemas.microsoft.com/office/drawing/2014/main" id="{A61D2C21-C932-A5A8-5245-EC5E3731490D}"/>
               </a:ext>
             </a:extLst>
           </p:cNvPr>
@@ -4665,40 +5820,44 @@
           <a:p>
             <a:r>
               <a:rPr lang="en-NZ" dirty="0"/>
-              <a:t>Must have movement for King</a:t>
-            </a:r>
-          </a:p>
-        </p:txBody>
-      </p:sp>
-      <p:sp>
-        <p:nvSpPr>
-          <p:cNvPr id="3" name="Content Placeholder 2">
-            <a:extLst>
-              <a:ext uri="{FF2B5EF4-FFF2-40B4-BE49-F238E27FC236}">
-                <a16:creationId xmlns:a16="http://schemas.microsoft.com/office/drawing/2014/main" id="{8129CD60-4980-DB60-51B8-48C82F9CCF18}"/>
-              </a:ext>
-            </a:extLst>
-          </p:cNvPr>
-          <p:cNvSpPr>
-            <a:spLocks noGrp="1"/>
-          </p:cNvSpPr>
+              <a:t>Rook Movement Test</a:t>
+            </a:r>
+          </a:p>
+        </p:txBody>
+      </p:sp>
+      <p:pic>
+        <p:nvPicPr>
+          <p:cNvPr id="5" name="Content Placeholder 4">
+            <a:extLst>
+              <a:ext uri="{FF2B5EF4-FFF2-40B4-BE49-F238E27FC236}">
+                <a16:creationId xmlns:a16="http://schemas.microsoft.com/office/drawing/2014/main" id="{00D7D053-3E2F-5154-F572-B298EC648FC1}"/>
+              </a:ext>
+            </a:extLst>
+          </p:cNvPr>
+          <p:cNvPicPr>
+            <a:picLocks noGrp="1" noChangeAspect="1"/>
+          </p:cNvPicPr>
           <p:nvPr>
             <p:ph idx="1"/>
           </p:nvPr>
-        </p:nvSpPr>
-        <p:spPr/>
-        <p:txBody>
-          <a:bodyPr/>
-          <a:lstStyle/>
-          <a:p>
-            <a:endParaRPr lang="en-NZ"/>
-          </a:p>
-        </p:txBody>
-      </p:sp>
+        </p:nvPicPr>
+        <p:blipFill>
+          <a:blip r:embed="rId2"/>
+          <a:stretch>
+            <a:fillRect/>
+          </a:stretch>
+        </p:blipFill>
+        <p:spPr>
+          <a:xfrm>
+            <a:off x="921520" y="2019103"/>
+            <a:ext cx="1352739" cy="1409897"/>
+          </a:xfrm>
+        </p:spPr>
+      </p:pic>
     </p:spTree>
     <p:extLst>
       <p:ext uri="{BB962C8B-B14F-4D97-AF65-F5344CB8AC3E}">
-        <p14:creationId xmlns:p14="http://schemas.microsoft.com/office/powerpoint/2010/main" val="1228757780"/>
+        <p14:creationId xmlns:p14="http://schemas.microsoft.com/office/powerpoint/2010/main" val="3460846892"/>
       </p:ext>
     </p:extLst>
   </p:cSld>
@@ -4730,7 +5889,7 @@
           <p:cNvPr id="2" name="Title 1">
             <a:extLst>
               <a:ext uri="{FF2B5EF4-FFF2-40B4-BE49-F238E27FC236}">
-                <a16:creationId xmlns:a16="http://schemas.microsoft.com/office/drawing/2014/main" id="{D4467DA4-C01D-3B67-142B-833A0A9AB5DA}"/>
+                <a16:creationId xmlns:a16="http://schemas.microsoft.com/office/drawing/2014/main" id="{D9394B36-5B27-74A5-86AE-119381BFC652}"/>
               </a:ext>
             </a:extLst>
           </p:cNvPr>
@@ -4748,40 +5907,44 @@
           <a:p>
             <a:r>
               <a:rPr lang="en-NZ" dirty="0"/>
-              <a:t>Must have movement for Queen</a:t>
-            </a:r>
-          </a:p>
-        </p:txBody>
-      </p:sp>
-      <p:sp>
-        <p:nvSpPr>
-          <p:cNvPr id="3" name="Content Placeholder 2">
-            <a:extLst>
-              <a:ext uri="{FF2B5EF4-FFF2-40B4-BE49-F238E27FC236}">
-                <a16:creationId xmlns:a16="http://schemas.microsoft.com/office/drawing/2014/main" id="{E115876B-4F55-A8F0-2AC4-84691D2F5B20}"/>
-              </a:ext>
-            </a:extLst>
-          </p:cNvPr>
-          <p:cNvSpPr>
-            <a:spLocks noGrp="1"/>
-          </p:cNvSpPr>
+              <a:t>Must have movement for King</a:t>
+            </a:r>
+          </a:p>
+        </p:txBody>
+      </p:sp>
+      <p:pic>
+        <p:nvPicPr>
+          <p:cNvPr id="5" name="Content Placeholder 4">
+            <a:extLst>
+              <a:ext uri="{FF2B5EF4-FFF2-40B4-BE49-F238E27FC236}">
+                <a16:creationId xmlns:a16="http://schemas.microsoft.com/office/drawing/2014/main" id="{249BDD64-CDEB-BABB-8D38-779C9B86FEA9}"/>
+              </a:ext>
+            </a:extLst>
+          </p:cNvPr>
+          <p:cNvPicPr>
+            <a:picLocks noGrp="1" noChangeAspect="1"/>
+          </p:cNvPicPr>
           <p:nvPr>
             <p:ph idx="1"/>
           </p:nvPr>
-        </p:nvSpPr>
-        <p:spPr/>
-        <p:txBody>
-          <a:bodyPr/>
-          <a:lstStyle/>
-          <a:p>
-            <a:endParaRPr lang="en-NZ"/>
-          </a:p>
-        </p:txBody>
-      </p:sp>
+        </p:nvPicPr>
+        <p:blipFill>
+          <a:blip r:embed="rId2"/>
+          <a:stretch>
+            <a:fillRect/>
+          </a:stretch>
+        </p:blipFill>
+        <p:spPr>
+          <a:xfrm>
+            <a:off x="947019" y="1972186"/>
+            <a:ext cx="10297962" cy="4058216"/>
+          </a:xfrm>
+        </p:spPr>
+      </p:pic>
     </p:spTree>
     <p:extLst>
       <p:ext uri="{BB962C8B-B14F-4D97-AF65-F5344CB8AC3E}">
-        <p14:creationId xmlns:p14="http://schemas.microsoft.com/office/powerpoint/2010/main" val="491357484"/>
+        <p14:creationId xmlns:p14="http://schemas.microsoft.com/office/powerpoint/2010/main" val="1228757780"/>
       </p:ext>
     </p:extLst>
   </p:cSld>
@@ -4813,7 +5976,7 @@
           <p:cNvPr id="2" name="Title 1">
             <a:extLst>
               <a:ext uri="{FF2B5EF4-FFF2-40B4-BE49-F238E27FC236}">
-                <a16:creationId xmlns:a16="http://schemas.microsoft.com/office/drawing/2014/main" id="{58431F95-07FB-8AF9-747B-C933872A2197}"/>
+                <a16:creationId xmlns:a16="http://schemas.microsoft.com/office/drawing/2014/main" id="{BF7F7169-EBAC-A472-9FE0-39CB7B964C70}"/>
               </a:ext>
             </a:extLst>
           </p:cNvPr>
@@ -4831,40 +5994,44 @@
           <a:p>
             <a:r>
               <a:rPr lang="en-NZ" dirty="0"/>
-              <a:t>Must have movement for Knight</a:t>
-            </a:r>
-          </a:p>
-        </p:txBody>
-      </p:sp>
-      <p:sp>
-        <p:nvSpPr>
-          <p:cNvPr id="3" name="Content Placeholder 2">
-            <a:extLst>
-              <a:ext uri="{FF2B5EF4-FFF2-40B4-BE49-F238E27FC236}">
-                <a16:creationId xmlns:a16="http://schemas.microsoft.com/office/drawing/2014/main" id="{A6612A68-C5D7-3728-B187-E8CFAE2E679A}"/>
-              </a:ext>
-            </a:extLst>
-          </p:cNvPr>
-          <p:cNvSpPr>
-            <a:spLocks noGrp="1"/>
-          </p:cNvSpPr>
+              <a:t>King Movement Test</a:t>
+            </a:r>
+          </a:p>
+        </p:txBody>
+      </p:sp>
+      <p:pic>
+        <p:nvPicPr>
+          <p:cNvPr id="5" name="Content Placeholder 4">
+            <a:extLst>
+              <a:ext uri="{FF2B5EF4-FFF2-40B4-BE49-F238E27FC236}">
+                <a16:creationId xmlns:a16="http://schemas.microsoft.com/office/drawing/2014/main" id="{410168B7-6005-8C57-E5C1-DDE48B9002C9}"/>
+              </a:ext>
+            </a:extLst>
+          </p:cNvPr>
+          <p:cNvPicPr>
+            <a:picLocks noGrp="1" noChangeAspect="1"/>
+          </p:cNvPicPr>
           <p:nvPr>
             <p:ph idx="1"/>
           </p:nvPr>
-        </p:nvSpPr>
-        <p:spPr/>
-        <p:txBody>
-          <a:bodyPr/>
-          <a:lstStyle/>
-          <a:p>
-            <a:endParaRPr lang="en-NZ"/>
-          </a:p>
-        </p:txBody>
-      </p:sp>
+        </p:nvPicPr>
+        <p:blipFill>
+          <a:blip r:embed="rId2"/>
+          <a:stretch>
+            <a:fillRect/>
+          </a:stretch>
+        </p:blipFill>
+        <p:spPr>
+          <a:xfrm>
+            <a:off x="838200" y="1690688"/>
+            <a:ext cx="1352739" cy="1362265"/>
+          </a:xfrm>
+        </p:spPr>
+      </p:pic>
     </p:spTree>
     <p:extLst>
       <p:ext uri="{BB962C8B-B14F-4D97-AF65-F5344CB8AC3E}">
-        <p14:creationId xmlns:p14="http://schemas.microsoft.com/office/powerpoint/2010/main" val="1594033806"/>
+        <p14:creationId xmlns:p14="http://schemas.microsoft.com/office/powerpoint/2010/main" val="969305408"/>
       </p:ext>
     </p:extLst>
   </p:cSld>
@@ -4896,7 +6063,7 @@
           <p:cNvPr id="2" name="Title 1">
             <a:extLst>
               <a:ext uri="{FF2B5EF4-FFF2-40B4-BE49-F238E27FC236}">
-                <a16:creationId xmlns:a16="http://schemas.microsoft.com/office/drawing/2014/main" id="{B8D97C7A-0F46-6C57-D4CF-BBC0C3DB5BC6}"/>
+                <a16:creationId xmlns:a16="http://schemas.microsoft.com/office/drawing/2014/main" id="{D4467DA4-C01D-3B67-142B-833A0A9AB5DA}"/>
               </a:ext>
             </a:extLst>
           </p:cNvPr>
@@ -4914,17 +6081,17 @@
           <a:p>
             <a:r>
               <a:rPr lang="en-NZ" dirty="0"/>
-              <a:t>Must have movement for Bishop</a:t>
-            </a:r>
-          </a:p>
-        </p:txBody>
-      </p:sp>
-      <p:sp>
-        <p:nvSpPr>
-          <p:cNvPr id="3" name="Content Placeholder 2">
-            <a:extLst>
-              <a:ext uri="{FF2B5EF4-FFF2-40B4-BE49-F238E27FC236}">
-                <a16:creationId xmlns:a16="http://schemas.microsoft.com/office/drawing/2014/main" id="{3C3FE0A5-4D39-C865-6EEB-A06CEDEE4D66}"/>
+              <a:t>Must have movement for Queen</a:t>
+            </a:r>
+          </a:p>
+        </p:txBody>
+      </p:sp>
+      <p:sp>
+        <p:nvSpPr>
+          <p:cNvPr id="7" name="Content Placeholder 6">
+            <a:extLst>
+              <a:ext uri="{FF2B5EF4-FFF2-40B4-BE49-F238E27FC236}">
+                <a16:creationId xmlns:a16="http://schemas.microsoft.com/office/drawing/2014/main" id="{C7F130DF-45AA-D463-0F79-EB40863E184A}"/>
               </a:ext>
             </a:extLst>
           </p:cNvPr>
@@ -4940,14 +6107,47 @@
           <a:bodyPr/>
           <a:lstStyle/>
           <a:p>
-            <a:endParaRPr lang="en-NZ"/>
-          </a:p>
-        </p:txBody>
-      </p:sp>
+            <a:r>
+              <a:rPr lang="en-NZ" dirty="0"/>
+              <a:t>Queen Movement is a combination of the Rook and Bishop movement</a:t>
+            </a:r>
+          </a:p>
+        </p:txBody>
+      </p:sp>
+      <p:pic>
+        <p:nvPicPr>
+          <p:cNvPr id="8" name="Content Placeholder 4">
+            <a:extLst>
+              <a:ext uri="{FF2B5EF4-FFF2-40B4-BE49-F238E27FC236}">
+                <a16:creationId xmlns:a16="http://schemas.microsoft.com/office/drawing/2014/main" id="{AF0C5FF8-0A01-D6F7-36BC-1398AB864698}"/>
+              </a:ext>
+            </a:extLst>
+          </p:cNvPr>
+          <p:cNvPicPr>
+            <a:picLocks noChangeAspect="1"/>
+          </p:cNvPicPr>
+          <p:nvPr/>
+        </p:nvPicPr>
+        <p:blipFill>
+          <a:blip r:embed="rId2"/>
+          <a:stretch>
+            <a:fillRect/>
+          </a:stretch>
+        </p:blipFill>
+        <p:spPr>
+          <a:xfrm>
+            <a:off x="991920" y="2800976"/>
+            <a:ext cx="2400635" cy="1200318"/>
+          </a:xfrm>
+          <a:prstGeom prst="rect">
+            <a:avLst/>
+          </a:prstGeom>
+        </p:spPr>
+      </p:pic>
     </p:spTree>
     <p:extLst>
       <p:ext uri="{BB962C8B-B14F-4D97-AF65-F5344CB8AC3E}">
-        <p14:creationId xmlns:p14="http://schemas.microsoft.com/office/powerpoint/2010/main" val="2526993423"/>
+        <p14:creationId xmlns:p14="http://schemas.microsoft.com/office/powerpoint/2010/main" val="491357484"/>
       </p:ext>
     </p:extLst>
   </p:cSld>
@@ -4979,7 +6179,7 @@
           <p:cNvPr id="2" name="Title 1">
             <a:extLst>
               <a:ext uri="{FF2B5EF4-FFF2-40B4-BE49-F238E27FC236}">
-                <a16:creationId xmlns:a16="http://schemas.microsoft.com/office/drawing/2014/main" id="{57730566-0958-E60F-1C8D-BED976E2B85D}"/>
+                <a16:creationId xmlns:a16="http://schemas.microsoft.com/office/drawing/2014/main" id="{22A33876-8499-92C2-2B40-FEB5A96C5BE5}"/>
               </a:ext>
             </a:extLst>
           </p:cNvPr>
@@ -4997,40 +6197,44 @@
           <a:p>
             <a:r>
               <a:rPr lang="en-NZ" dirty="0"/>
-              <a:t>Must be able to detect incorrect movement</a:t>
-            </a:r>
-          </a:p>
-        </p:txBody>
-      </p:sp>
-      <p:sp>
-        <p:nvSpPr>
-          <p:cNvPr id="3" name="Content Placeholder 2">
-            <a:extLst>
-              <a:ext uri="{FF2B5EF4-FFF2-40B4-BE49-F238E27FC236}">
-                <a16:creationId xmlns:a16="http://schemas.microsoft.com/office/drawing/2014/main" id="{6C975E76-5A60-C047-1E79-1C5C96F4C94F}"/>
-              </a:ext>
-            </a:extLst>
-          </p:cNvPr>
-          <p:cNvSpPr>
-            <a:spLocks noGrp="1"/>
-          </p:cNvSpPr>
+              <a:t>Queen Movement Test</a:t>
+            </a:r>
+          </a:p>
+        </p:txBody>
+      </p:sp>
+      <p:pic>
+        <p:nvPicPr>
+          <p:cNvPr id="5" name="Content Placeholder 4">
+            <a:extLst>
+              <a:ext uri="{FF2B5EF4-FFF2-40B4-BE49-F238E27FC236}">
+                <a16:creationId xmlns:a16="http://schemas.microsoft.com/office/drawing/2014/main" id="{8AF0E019-9A8D-DA6E-8242-8BA246D9DD54}"/>
+              </a:ext>
+            </a:extLst>
+          </p:cNvPr>
+          <p:cNvPicPr>
+            <a:picLocks noGrp="1" noChangeAspect="1"/>
+          </p:cNvPicPr>
           <p:nvPr>
             <p:ph idx="1"/>
           </p:nvPr>
-        </p:nvSpPr>
-        <p:spPr/>
-        <p:txBody>
-          <a:bodyPr/>
-          <a:lstStyle/>
-          <a:p>
-            <a:endParaRPr lang="en-NZ"/>
-          </a:p>
-        </p:txBody>
-      </p:sp>
+        </p:nvPicPr>
+        <p:blipFill>
+          <a:blip r:embed="rId2"/>
+          <a:stretch>
+            <a:fillRect/>
+          </a:stretch>
+        </p:blipFill>
+        <p:spPr>
+          <a:xfrm>
+            <a:off x="838200" y="2047682"/>
+            <a:ext cx="1105054" cy="1381318"/>
+          </a:xfrm>
+        </p:spPr>
+      </p:pic>
     </p:spTree>
     <p:extLst>
       <p:ext uri="{BB962C8B-B14F-4D97-AF65-F5344CB8AC3E}">
-        <p14:creationId xmlns:p14="http://schemas.microsoft.com/office/powerpoint/2010/main" val="1117043179"/>
+        <p14:creationId xmlns:p14="http://schemas.microsoft.com/office/powerpoint/2010/main" val="4020650957"/>
       </p:ext>
     </p:extLst>
   </p:cSld>

--- a/Presentation.pptx
+++ b/Presentation.pptx
@@ -6,30 +6,32 @@
   </p:sldMasterIdLst>
   <p:sldIdLst>
     <p:sldId id="274" r:id="rId2"/>
-    <p:sldId id="256" r:id="rId3"/>
-    <p:sldId id="257" r:id="rId4"/>
-    <p:sldId id="258" r:id="rId5"/>
-    <p:sldId id="275" r:id="rId6"/>
-    <p:sldId id="259" r:id="rId7"/>
-    <p:sldId id="276" r:id="rId8"/>
-    <p:sldId id="260" r:id="rId9"/>
-    <p:sldId id="277" r:id="rId10"/>
-    <p:sldId id="261" r:id="rId11"/>
-    <p:sldId id="278" r:id="rId12"/>
-    <p:sldId id="262" r:id="rId13"/>
-    <p:sldId id="279" r:id="rId14"/>
-    <p:sldId id="263" r:id="rId15"/>
-    <p:sldId id="264" r:id="rId16"/>
-    <p:sldId id="265" r:id="rId17"/>
-    <p:sldId id="266" r:id="rId18"/>
-    <p:sldId id="280" r:id="rId19"/>
-    <p:sldId id="267" r:id="rId20"/>
-    <p:sldId id="268" r:id="rId21"/>
-    <p:sldId id="269" r:id="rId22"/>
-    <p:sldId id="270" r:id="rId23"/>
-    <p:sldId id="271" r:id="rId24"/>
-    <p:sldId id="272" r:id="rId25"/>
-    <p:sldId id="273" r:id="rId26"/>
+    <p:sldId id="282" r:id="rId3"/>
+    <p:sldId id="256" r:id="rId4"/>
+    <p:sldId id="257" r:id="rId5"/>
+    <p:sldId id="258" r:id="rId6"/>
+    <p:sldId id="275" r:id="rId7"/>
+    <p:sldId id="259" r:id="rId8"/>
+    <p:sldId id="276" r:id="rId9"/>
+    <p:sldId id="260" r:id="rId10"/>
+    <p:sldId id="277" r:id="rId11"/>
+    <p:sldId id="261" r:id="rId12"/>
+    <p:sldId id="278" r:id="rId13"/>
+    <p:sldId id="262" r:id="rId14"/>
+    <p:sldId id="279" r:id="rId15"/>
+    <p:sldId id="263" r:id="rId16"/>
+    <p:sldId id="264" r:id="rId17"/>
+    <p:sldId id="265" r:id="rId18"/>
+    <p:sldId id="266" r:id="rId19"/>
+    <p:sldId id="280" r:id="rId20"/>
+    <p:sldId id="267" r:id="rId21"/>
+    <p:sldId id="268" r:id="rId22"/>
+    <p:sldId id="269" r:id="rId23"/>
+    <p:sldId id="270" r:id="rId24"/>
+    <p:sldId id="271" r:id="rId25"/>
+    <p:sldId id="272" r:id="rId26"/>
+    <p:sldId id="273" r:id="rId27"/>
+    <p:sldId id="281" r:id="rId28"/>
   </p:sldIdLst>
   <p:sldSz cx="12192000" cy="6858000"/>
   <p:notesSz cx="6858000" cy="9144000"/>
@@ -285,7 +287,7 @@
           <a:p>
             <a:fld id="{02404940-6997-4C4C-AC22-464C463984D1}" type="datetimeFigureOut">
               <a:rPr lang="en-NZ" smtClean="0"/>
-              <a:t>15/09/2022</a:t>
+              <a:t>16/09/2022</a:t>
             </a:fld>
             <a:endParaRPr lang="en-NZ"/>
           </a:p>
@@ -485,7 +487,7 @@
           <a:p>
             <a:fld id="{02404940-6997-4C4C-AC22-464C463984D1}" type="datetimeFigureOut">
               <a:rPr lang="en-NZ" smtClean="0"/>
-              <a:t>15/09/2022</a:t>
+              <a:t>16/09/2022</a:t>
             </a:fld>
             <a:endParaRPr lang="en-NZ"/>
           </a:p>
@@ -695,7 +697,7 @@
           <a:p>
             <a:fld id="{02404940-6997-4C4C-AC22-464C463984D1}" type="datetimeFigureOut">
               <a:rPr lang="en-NZ" smtClean="0"/>
-              <a:t>15/09/2022</a:t>
+              <a:t>16/09/2022</a:t>
             </a:fld>
             <a:endParaRPr lang="en-NZ"/>
           </a:p>
@@ -895,7 +897,7 @@
           <a:p>
             <a:fld id="{02404940-6997-4C4C-AC22-464C463984D1}" type="datetimeFigureOut">
               <a:rPr lang="en-NZ" smtClean="0"/>
-              <a:t>15/09/2022</a:t>
+              <a:t>16/09/2022</a:t>
             </a:fld>
             <a:endParaRPr lang="en-NZ"/>
           </a:p>
@@ -1171,7 +1173,7 @@
           <a:p>
             <a:fld id="{02404940-6997-4C4C-AC22-464C463984D1}" type="datetimeFigureOut">
               <a:rPr lang="en-NZ" smtClean="0"/>
-              <a:t>15/09/2022</a:t>
+              <a:t>16/09/2022</a:t>
             </a:fld>
             <a:endParaRPr lang="en-NZ"/>
           </a:p>
@@ -1439,7 +1441,7 @@
           <a:p>
             <a:fld id="{02404940-6997-4C4C-AC22-464C463984D1}" type="datetimeFigureOut">
               <a:rPr lang="en-NZ" smtClean="0"/>
-              <a:t>15/09/2022</a:t>
+              <a:t>16/09/2022</a:t>
             </a:fld>
             <a:endParaRPr lang="en-NZ"/>
           </a:p>
@@ -1854,7 +1856,7 @@
           <a:p>
             <a:fld id="{02404940-6997-4C4C-AC22-464C463984D1}" type="datetimeFigureOut">
               <a:rPr lang="en-NZ" smtClean="0"/>
-              <a:t>15/09/2022</a:t>
+              <a:t>16/09/2022</a:t>
             </a:fld>
             <a:endParaRPr lang="en-NZ"/>
           </a:p>
@@ -1996,7 +1998,7 @@
           <a:p>
             <a:fld id="{02404940-6997-4C4C-AC22-464C463984D1}" type="datetimeFigureOut">
               <a:rPr lang="en-NZ" smtClean="0"/>
-              <a:t>15/09/2022</a:t>
+              <a:t>16/09/2022</a:t>
             </a:fld>
             <a:endParaRPr lang="en-NZ"/>
           </a:p>
@@ -2109,7 +2111,7 @@
           <a:p>
             <a:fld id="{02404940-6997-4C4C-AC22-464C463984D1}" type="datetimeFigureOut">
               <a:rPr lang="en-NZ" smtClean="0"/>
-              <a:t>15/09/2022</a:t>
+              <a:t>16/09/2022</a:t>
             </a:fld>
             <a:endParaRPr lang="en-NZ"/>
           </a:p>
@@ -2422,7 +2424,7 @@
           <a:p>
             <a:fld id="{02404940-6997-4C4C-AC22-464C463984D1}" type="datetimeFigureOut">
               <a:rPr lang="en-NZ" smtClean="0"/>
-              <a:t>15/09/2022</a:t>
+              <a:t>16/09/2022</a:t>
             </a:fld>
             <a:endParaRPr lang="en-NZ"/>
           </a:p>
@@ -2711,7 +2713,7 @@
           <a:p>
             <a:fld id="{02404940-6997-4C4C-AC22-464C463984D1}" type="datetimeFigureOut">
               <a:rPr lang="en-NZ" smtClean="0"/>
-              <a:t>15/09/2022</a:t>
+              <a:t>16/09/2022</a:t>
             </a:fld>
             <a:endParaRPr lang="en-NZ"/>
           </a:p>
@@ -2954,7 +2956,7 @@
           <a:p>
             <a:fld id="{02404940-6997-4C4C-AC22-464C463984D1}" type="datetimeFigureOut">
               <a:rPr lang="en-NZ" smtClean="0"/>
-              <a:t>15/09/2022</a:t>
+              <a:t>16/09/2022</a:t>
             </a:fld>
             <a:endParaRPr lang="en-NZ"/>
           </a:p>
@@ -3401,10 +3403,10 @@
       </p:sp>
       <p:pic>
         <p:nvPicPr>
-          <p:cNvPr id="5" name="Content Placeholder 4">
-            <a:extLst>
-              <a:ext uri="{FF2B5EF4-FFF2-40B4-BE49-F238E27FC236}">
-                <a16:creationId xmlns:a16="http://schemas.microsoft.com/office/drawing/2014/main" id="{4D7A52D3-77CC-A5F0-8DCB-F32D2FC09F94}"/>
+          <p:cNvPr id="9" name="Content Placeholder 8">
+            <a:extLst>
+              <a:ext uri="{FF2B5EF4-FFF2-40B4-BE49-F238E27FC236}">
+                <a16:creationId xmlns:a16="http://schemas.microsoft.com/office/drawing/2014/main" id="{3FAEB134-0311-D62D-B229-6A4508C04216}"/>
               </a:ext>
             </a:extLst>
           </p:cNvPr>
@@ -3423,8 +3425,8 @@
         </p:blipFill>
         <p:spPr>
           <a:xfrm>
-            <a:off x="3673773" y="1825625"/>
-            <a:ext cx="4844453" cy="4351338"/>
+            <a:off x="2392734" y="1825625"/>
+            <a:ext cx="7406532" cy="4351338"/>
           </a:xfrm>
         </p:spPr>
       </p:pic>
@@ -3463,7 +3465,7 @@
           <p:cNvPr id="2" name="Title 1">
             <a:extLst>
               <a:ext uri="{FF2B5EF4-FFF2-40B4-BE49-F238E27FC236}">
-                <a16:creationId xmlns:a16="http://schemas.microsoft.com/office/drawing/2014/main" id="{58431F95-07FB-8AF9-747B-C933872A2197}"/>
+                <a16:creationId xmlns:a16="http://schemas.microsoft.com/office/drawing/2014/main" id="{22A33876-8499-92C2-2B40-FEB5A96C5BE5}"/>
               </a:ext>
             </a:extLst>
           </p:cNvPr>
@@ -3481,7 +3483,7 @@
           <a:p>
             <a:r>
               <a:rPr lang="en-NZ" dirty="0"/>
-              <a:t>Must have movement for Knight</a:t>
+              <a:t>Queen Movement Test</a:t>
             </a:r>
           </a:p>
         </p:txBody>
@@ -3491,7 +3493,7 @@
           <p:cNvPr id="5" name="Content Placeholder 4">
             <a:extLst>
               <a:ext uri="{FF2B5EF4-FFF2-40B4-BE49-F238E27FC236}">
-                <a16:creationId xmlns:a16="http://schemas.microsoft.com/office/drawing/2014/main" id="{480220E9-9348-1A8B-22A3-E5BD248B9BAB}"/>
+                <a16:creationId xmlns:a16="http://schemas.microsoft.com/office/drawing/2014/main" id="{8AF0E019-9A8D-DA6E-8242-8BA246D9DD54}"/>
               </a:ext>
             </a:extLst>
           </p:cNvPr>
@@ -3510,15 +3512,15 @@
         </p:blipFill>
         <p:spPr>
           <a:xfrm>
-            <a:off x="889861" y="2010291"/>
-            <a:ext cx="10412278" cy="3982006"/>
+            <a:off x="838200" y="2047682"/>
+            <a:ext cx="1105054" cy="1381318"/>
           </a:xfrm>
         </p:spPr>
       </p:pic>
     </p:spTree>
     <p:extLst>
       <p:ext uri="{BB962C8B-B14F-4D97-AF65-F5344CB8AC3E}">
-        <p14:creationId xmlns:p14="http://schemas.microsoft.com/office/powerpoint/2010/main" val="1594033806"/>
+        <p14:creationId xmlns:p14="http://schemas.microsoft.com/office/powerpoint/2010/main" val="4020650957"/>
       </p:ext>
     </p:extLst>
   </p:cSld>
@@ -3550,6 +3552,93 @@
           <p:cNvPr id="2" name="Title 1">
             <a:extLst>
               <a:ext uri="{FF2B5EF4-FFF2-40B4-BE49-F238E27FC236}">
+                <a16:creationId xmlns:a16="http://schemas.microsoft.com/office/drawing/2014/main" id="{58431F95-07FB-8AF9-747B-C933872A2197}"/>
+              </a:ext>
+            </a:extLst>
+          </p:cNvPr>
+          <p:cNvSpPr>
+            <a:spLocks noGrp="1"/>
+          </p:cNvSpPr>
+          <p:nvPr>
+            <p:ph type="title"/>
+          </p:nvPr>
+        </p:nvSpPr>
+        <p:spPr/>
+        <p:txBody>
+          <a:bodyPr/>
+          <a:lstStyle/>
+          <a:p>
+            <a:r>
+              <a:rPr lang="en-NZ" dirty="0"/>
+              <a:t>Must have movement for Knight</a:t>
+            </a:r>
+          </a:p>
+        </p:txBody>
+      </p:sp>
+      <p:pic>
+        <p:nvPicPr>
+          <p:cNvPr id="5" name="Content Placeholder 4">
+            <a:extLst>
+              <a:ext uri="{FF2B5EF4-FFF2-40B4-BE49-F238E27FC236}">
+                <a16:creationId xmlns:a16="http://schemas.microsoft.com/office/drawing/2014/main" id="{480220E9-9348-1A8B-22A3-E5BD248B9BAB}"/>
+              </a:ext>
+            </a:extLst>
+          </p:cNvPr>
+          <p:cNvPicPr>
+            <a:picLocks noGrp="1" noChangeAspect="1"/>
+          </p:cNvPicPr>
+          <p:nvPr>
+            <p:ph idx="1"/>
+          </p:nvPr>
+        </p:nvPicPr>
+        <p:blipFill>
+          <a:blip r:embed="rId2"/>
+          <a:stretch>
+            <a:fillRect/>
+          </a:stretch>
+        </p:blipFill>
+        <p:spPr>
+          <a:xfrm>
+            <a:off x="889861" y="2010291"/>
+            <a:ext cx="10412278" cy="3982006"/>
+          </a:xfrm>
+        </p:spPr>
+      </p:pic>
+    </p:spTree>
+    <p:extLst>
+      <p:ext uri="{BB962C8B-B14F-4D97-AF65-F5344CB8AC3E}">
+        <p14:creationId xmlns:p14="http://schemas.microsoft.com/office/powerpoint/2010/main" val="1594033806"/>
+      </p:ext>
+    </p:extLst>
+  </p:cSld>
+  <p:clrMapOvr>
+    <a:masterClrMapping/>
+  </p:clrMapOvr>
+</p:sld>
+</file>
+
+<file path=ppt/slides/slide12.xml><?xml version="1.0" encoding="utf-8"?>
+<p:sld xmlns:a="http://schemas.openxmlformats.org/drawingml/2006/main" xmlns:r="http://schemas.openxmlformats.org/officeDocument/2006/relationships" xmlns:p="http://schemas.openxmlformats.org/presentationml/2006/main">
+  <p:cSld>
+    <p:spTree>
+      <p:nvGrpSpPr>
+        <p:cNvPr id="1" name=""/>
+        <p:cNvGrpSpPr/>
+        <p:nvPr/>
+      </p:nvGrpSpPr>
+      <p:grpSpPr>
+        <a:xfrm>
+          <a:off x="0" y="0"/>
+          <a:ext cx="0" cy="0"/>
+          <a:chOff x="0" y="0"/>
+          <a:chExt cx="0" cy="0"/>
+        </a:xfrm>
+      </p:grpSpPr>
+      <p:sp>
+        <p:nvSpPr>
+          <p:cNvPr id="2" name="Title 1">
+            <a:extLst>
+              <a:ext uri="{FF2B5EF4-FFF2-40B4-BE49-F238E27FC236}">
                 <a16:creationId xmlns:a16="http://schemas.microsoft.com/office/drawing/2014/main" id="{BEBCAC81-1CA2-DEE1-888A-E42D0E1A26F0}"/>
               </a:ext>
             </a:extLst>
@@ -3570,31 +3659,6 @@
               <a:rPr lang="en-NZ" dirty="0"/>
               <a:t>Knight Movement Test</a:t>
             </a:r>
-          </a:p>
-        </p:txBody>
-      </p:sp>
-      <p:sp>
-        <p:nvSpPr>
-          <p:cNvPr id="3" name="Content Placeholder 2">
-            <a:extLst>
-              <a:ext uri="{FF2B5EF4-FFF2-40B4-BE49-F238E27FC236}">
-                <a16:creationId xmlns:a16="http://schemas.microsoft.com/office/drawing/2014/main" id="{A919EA23-3C71-8AC0-DC61-872A3C34DF10}"/>
-              </a:ext>
-            </a:extLst>
-          </p:cNvPr>
-          <p:cNvSpPr>
-            <a:spLocks noGrp="1"/>
-          </p:cNvSpPr>
-          <p:nvPr>
-            <p:ph idx="1"/>
-          </p:nvPr>
-        </p:nvSpPr>
-        <p:spPr/>
-        <p:txBody>
-          <a:bodyPr/>
-          <a:lstStyle/>
-          <a:p>
-            <a:endParaRPr lang="en-NZ" dirty="0"/>
           </a:p>
         </p:txBody>
       </p:sp>
@@ -3641,7 +3705,7 @@
 </p:sld>
 </file>
 
-<file path=ppt/slides/slide12.xml><?xml version="1.0" encoding="utf-8"?>
+<file path=ppt/slides/slide13.xml><?xml version="1.0" encoding="utf-8"?>
 <p:sld xmlns:a="http://schemas.openxmlformats.org/drawingml/2006/main" xmlns:r="http://schemas.openxmlformats.org/officeDocument/2006/relationships" xmlns:p="http://schemas.openxmlformats.org/presentationml/2006/main">
   <p:cSld>
     <p:bg>
@@ -3825,119 +3889,6 @@
     <p:extLst>
       <p:ext uri="{BB962C8B-B14F-4D97-AF65-F5344CB8AC3E}">
         <p14:creationId xmlns:p14="http://schemas.microsoft.com/office/powerpoint/2010/main" val="2526993423"/>
-      </p:ext>
-    </p:extLst>
-  </p:cSld>
-  <p:clrMapOvr>
-    <a:masterClrMapping/>
-  </p:clrMapOvr>
-</p:sld>
-</file>
-
-<file path=ppt/slides/slide13.xml><?xml version="1.0" encoding="utf-8"?>
-<p:sld xmlns:a="http://schemas.openxmlformats.org/drawingml/2006/main" xmlns:r="http://schemas.openxmlformats.org/officeDocument/2006/relationships" xmlns:p="http://schemas.openxmlformats.org/presentationml/2006/main">
-  <p:cSld>
-    <p:spTree>
-      <p:nvGrpSpPr>
-        <p:cNvPr id="1" name=""/>
-        <p:cNvGrpSpPr/>
-        <p:nvPr/>
-      </p:nvGrpSpPr>
-      <p:grpSpPr>
-        <a:xfrm>
-          <a:off x="0" y="0"/>
-          <a:ext cx="0" cy="0"/>
-          <a:chOff x="0" y="0"/>
-          <a:chExt cx="0" cy="0"/>
-        </a:xfrm>
-      </p:grpSpPr>
-      <p:sp>
-        <p:nvSpPr>
-          <p:cNvPr id="2" name="Title 1">
-            <a:extLst>
-              <a:ext uri="{FF2B5EF4-FFF2-40B4-BE49-F238E27FC236}">
-                <a16:creationId xmlns:a16="http://schemas.microsoft.com/office/drawing/2014/main" id="{FA7859D7-7762-2E89-24BF-97C25617232B}"/>
-              </a:ext>
-            </a:extLst>
-          </p:cNvPr>
-          <p:cNvSpPr>
-            <a:spLocks noGrp="1"/>
-          </p:cNvSpPr>
-          <p:nvPr>
-            <p:ph type="title"/>
-          </p:nvPr>
-        </p:nvSpPr>
-        <p:spPr/>
-        <p:txBody>
-          <a:bodyPr/>
-          <a:lstStyle/>
-          <a:p>
-            <a:r>
-              <a:rPr lang="en-NZ" dirty="0"/>
-              <a:t>Bishop Movement Test</a:t>
-            </a:r>
-          </a:p>
-        </p:txBody>
-      </p:sp>
-      <p:sp>
-        <p:nvSpPr>
-          <p:cNvPr id="3" name="Content Placeholder 2">
-            <a:extLst>
-              <a:ext uri="{FF2B5EF4-FFF2-40B4-BE49-F238E27FC236}">
-                <a16:creationId xmlns:a16="http://schemas.microsoft.com/office/drawing/2014/main" id="{DDFFCDCE-0108-6FE3-E647-DBD91870728C}"/>
-              </a:ext>
-            </a:extLst>
-          </p:cNvPr>
-          <p:cNvSpPr>
-            <a:spLocks noGrp="1"/>
-          </p:cNvSpPr>
-          <p:nvPr>
-            <p:ph idx="1"/>
-          </p:nvPr>
-        </p:nvSpPr>
-        <p:spPr/>
-        <p:txBody>
-          <a:bodyPr/>
-          <a:lstStyle/>
-          <a:p>
-            <a:endParaRPr lang="en-NZ"/>
-          </a:p>
-        </p:txBody>
-      </p:sp>
-      <p:pic>
-        <p:nvPicPr>
-          <p:cNvPr id="5" name="Picture 4">
-            <a:extLst>
-              <a:ext uri="{FF2B5EF4-FFF2-40B4-BE49-F238E27FC236}">
-                <a16:creationId xmlns:a16="http://schemas.microsoft.com/office/drawing/2014/main" id="{7A520F77-0924-33C4-8BE5-01C2CA70E2F4}"/>
-              </a:ext>
-            </a:extLst>
-          </p:cNvPr>
-          <p:cNvPicPr>
-            <a:picLocks noChangeAspect="1"/>
-          </p:cNvPicPr>
-          <p:nvPr/>
-        </p:nvPicPr>
-        <p:blipFill>
-          <a:blip r:embed="rId2"/>
-          <a:stretch>
-            <a:fillRect/>
-          </a:stretch>
-        </p:blipFill>
-        <p:spPr>
-          <a:xfrm>
-            <a:off x="838200" y="2257469"/>
-            <a:ext cx="1486107" cy="1419423"/>
-          </a:xfrm>
-          <a:prstGeom prst="rect">
-            <a:avLst/>
-          </a:prstGeom>
-        </p:spPr>
-      </p:pic>
-    </p:spTree>
-    <p:extLst>
-      <p:ext uri="{BB962C8B-B14F-4D97-AF65-F5344CB8AC3E}">
-        <p14:creationId xmlns:p14="http://schemas.microsoft.com/office/powerpoint/2010/main" val="3115120061"/>
       </p:ext>
     </p:extLst>
   </p:cSld>
@@ -3969,6 +3920,94 @@
           <p:cNvPr id="2" name="Title 1">
             <a:extLst>
               <a:ext uri="{FF2B5EF4-FFF2-40B4-BE49-F238E27FC236}">
+                <a16:creationId xmlns:a16="http://schemas.microsoft.com/office/drawing/2014/main" id="{FA7859D7-7762-2E89-24BF-97C25617232B}"/>
+              </a:ext>
+            </a:extLst>
+          </p:cNvPr>
+          <p:cNvSpPr>
+            <a:spLocks noGrp="1"/>
+          </p:cNvSpPr>
+          <p:nvPr>
+            <p:ph type="title"/>
+          </p:nvPr>
+        </p:nvSpPr>
+        <p:spPr/>
+        <p:txBody>
+          <a:bodyPr/>
+          <a:lstStyle/>
+          <a:p>
+            <a:r>
+              <a:rPr lang="en-NZ" dirty="0"/>
+              <a:t>Bishop Movement Test</a:t>
+            </a:r>
+          </a:p>
+        </p:txBody>
+      </p:sp>
+      <p:pic>
+        <p:nvPicPr>
+          <p:cNvPr id="5" name="Picture 4">
+            <a:extLst>
+              <a:ext uri="{FF2B5EF4-FFF2-40B4-BE49-F238E27FC236}">
+                <a16:creationId xmlns:a16="http://schemas.microsoft.com/office/drawing/2014/main" id="{7A520F77-0924-33C4-8BE5-01C2CA70E2F4}"/>
+              </a:ext>
+            </a:extLst>
+          </p:cNvPr>
+          <p:cNvPicPr>
+            <a:picLocks noChangeAspect="1"/>
+          </p:cNvPicPr>
+          <p:nvPr/>
+        </p:nvPicPr>
+        <p:blipFill>
+          <a:blip r:embed="rId2"/>
+          <a:stretch>
+            <a:fillRect/>
+          </a:stretch>
+        </p:blipFill>
+        <p:spPr>
+          <a:xfrm>
+            <a:off x="838200" y="2257469"/>
+            <a:ext cx="1486107" cy="1419423"/>
+          </a:xfrm>
+          <a:prstGeom prst="rect">
+            <a:avLst/>
+          </a:prstGeom>
+        </p:spPr>
+      </p:pic>
+    </p:spTree>
+    <p:extLst>
+      <p:ext uri="{BB962C8B-B14F-4D97-AF65-F5344CB8AC3E}">
+        <p14:creationId xmlns:p14="http://schemas.microsoft.com/office/powerpoint/2010/main" val="3115120061"/>
+      </p:ext>
+    </p:extLst>
+  </p:cSld>
+  <p:clrMapOvr>
+    <a:masterClrMapping/>
+  </p:clrMapOvr>
+</p:sld>
+</file>
+
+<file path=ppt/slides/slide15.xml><?xml version="1.0" encoding="utf-8"?>
+<p:sld xmlns:a="http://schemas.openxmlformats.org/drawingml/2006/main" xmlns:r="http://schemas.openxmlformats.org/officeDocument/2006/relationships" xmlns:p="http://schemas.openxmlformats.org/presentationml/2006/main">
+  <p:cSld>
+    <p:spTree>
+      <p:nvGrpSpPr>
+        <p:cNvPr id="1" name=""/>
+        <p:cNvGrpSpPr/>
+        <p:nvPr/>
+      </p:nvGrpSpPr>
+      <p:grpSpPr>
+        <a:xfrm>
+          <a:off x="0" y="0"/>
+          <a:ext cx="0" cy="0"/>
+          <a:chOff x="0" y="0"/>
+          <a:chExt cx="0" cy="0"/>
+        </a:xfrm>
+      </p:grpSpPr>
+      <p:sp>
+        <p:nvSpPr>
+          <p:cNvPr id="2" name="Title 1">
+            <a:extLst>
+              <a:ext uri="{FF2B5EF4-FFF2-40B4-BE49-F238E27FC236}">
                 <a16:creationId xmlns:a16="http://schemas.microsoft.com/office/drawing/2014/main" id="{57730566-0958-E60F-1C8D-BED976E2B85D}"/>
               </a:ext>
             </a:extLst>
@@ -3992,28 +4031,67 @@
           </a:p>
         </p:txBody>
       </p:sp>
-      <p:sp>
-        <p:nvSpPr>
-          <p:cNvPr id="3" name="Content Placeholder 2">
-            <a:extLst>
-              <a:ext uri="{FF2B5EF4-FFF2-40B4-BE49-F238E27FC236}">
-                <a16:creationId xmlns:a16="http://schemas.microsoft.com/office/drawing/2014/main" id="{6C975E76-5A60-C047-1E79-1C5C96F4C94F}"/>
-              </a:ext>
-            </a:extLst>
-          </p:cNvPr>
-          <p:cNvSpPr>
-            <a:spLocks noGrp="1"/>
-          </p:cNvSpPr>
+      <p:pic>
+        <p:nvPicPr>
+          <p:cNvPr id="5" name="Content Placeholder 4">
+            <a:extLst>
+              <a:ext uri="{FF2B5EF4-FFF2-40B4-BE49-F238E27FC236}">
+                <a16:creationId xmlns:a16="http://schemas.microsoft.com/office/drawing/2014/main" id="{9FBF1F4B-E711-228B-50ED-981B83FEC47A}"/>
+              </a:ext>
+            </a:extLst>
+          </p:cNvPr>
+          <p:cNvPicPr>
+            <a:picLocks noGrp="1" noChangeAspect="1"/>
+          </p:cNvPicPr>
           <p:nvPr>
             <p:ph idx="1"/>
           </p:nvPr>
-        </p:nvSpPr>
-        <p:spPr/>
-        <p:txBody>
-          <a:bodyPr/>
-          <a:lstStyle/>
-          <a:p>
-            <a:endParaRPr lang="en-NZ"/>
+        </p:nvPicPr>
+        <p:blipFill>
+          <a:blip r:embed="rId2"/>
+          <a:stretch>
+            <a:fillRect/>
+          </a:stretch>
+        </p:blipFill>
+        <p:spPr>
+          <a:xfrm>
+            <a:off x="838200" y="1690688"/>
+            <a:ext cx="5792008" cy="3067478"/>
+          </a:xfrm>
+        </p:spPr>
+      </p:pic>
+      <p:sp>
+        <p:nvSpPr>
+          <p:cNvPr id="6" name="TextBox 5">
+            <a:extLst>
+              <a:ext uri="{FF2B5EF4-FFF2-40B4-BE49-F238E27FC236}">
+                <a16:creationId xmlns:a16="http://schemas.microsoft.com/office/drawing/2014/main" id="{D31C6ED3-F086-5033-7ACC-1D473ED37DBF}"/>
+              </a:ext>
+            </a:extLst>
+          </p:cNvPr>
+          <p:cNvSpPr txBox="1"/>
+          <p:nvPr/>
+        </p:nvSpPr>
+        <p:spPr>
+          <a:xfrm>
+            <a:off x="6770255" y="1791855"/>
+            <a:ext cx="4583545" cy="646331"/>
+          </a:xfrm>
+          <a:prstGeom prst="rect">
+            <a:avLst/>
+          </a:prstGeom>
+          <a:noFill/>
+        </p:spPr>
+        <p:txBody>
+          <a:bodyPr wrap="square" rtlCol="0">
+            <a:spAutoFit/>
+          </a:bodyPr>
+          <a:lstStyle/>
+          <a:p>
+            <a:r>
+              <a:rPr lang="en-NZ" dirty="0"/>
+              <a:t>Checks the players next move to see if it is a legal move for the piece </a:t>
+            </a:r>
           </a:p>
         </p:txBody>
       </p:sp>
@@ -4030,7 +4108,7 @@
 </p:sld>
 </file>
 
-<file path=ppt/slides/slide15.xml><?xml version="1.0" encoding="utf-8"?>
+<file path=ppt/slides/slide16.xml><?xml version="1.0" encoding="utf-8"?>
 <p:sld xmlns:a="http://schemas.openxmlformats.org/drawingml/2006/main" xmlns:r="http://schemas.openxmlformats.org/officeDocument/2006/relationships" xmlns:p="http://schemas.openxmlformats.org/presentationml/2006/main">
   <p:cSld>
     <p:bg>
@@ -4224,89 +4302,6 @@
     <p:extLst>
       <p:ext uri="{BB962C8B-B14F-4D97-AF65-F5344CB8AC3E}">
         <p14:creationId xmlns:p14="http://schemas.microsoft.com/office/powerpoint/2010/main" val="2064946025"/>
-      </p:ext>
-    </p:extLst>
-  </p:cSld>
-  <p:clrMapOvr>
-    <a:masterClrMapping/>
-  </p:clrMapOvr>
-</p:sld>
-</file>
-
-<file path=ppt/slides/slide16.xml><?xml version="1.0" encoding="utf-8"?>
-<p:sld xmlns:a="http://schemas.openxmlformats.org/drawingml/2006/main" xmlns:r="http://schemas.openxmlformats.org/officeDocument/2006/relationships" xmlns:p="http://schemas.openxmlformats.org/presentationml/2006/main">
-  <p:cSld>
-    <p:spTree>
-      <p:nvGrpSpPr>
-        <p:cNvPr id="1" name=""/>
-        <p:cNvGrpSpPr/>
-        <p:nvPr/>
-      </p:nvGrpSpPr>
-      <p:grpSpPr>
-        <a:xfrm>
-          <a:off x="0" y="0"/>
-          <a:ext cx="0" cy="0"/>
-          <a:chOff x="0" y="0"/>
-          <a:chExt cx="0" cy="0"/>
-        </a:xfrm>
-      </p:grpSpPr>
-      <p:sp>
-        <p:nvSpPr>
-          <p:cNvPr id="2" name="Title 1">
-            <a:extLst>
-              <a:ext uri="{FF2B5EF4-FFF2-40B4-BE49-F238E27FC236}">
-                <a16:creationId xmlns:a16="http://schemas.microsoft.com/office/drawing/2014/main" id="{A5C1F49D-4C2E-6DAC-7F50-923706883CB1}"/>
-              </a:ext>
-            </a:extLst>
-          </p:cNvPr>
-          <p:cNvSpPr>
-            <a:spLocks noGrp="1"/>
-          </p:cNvSpPr>
-          <p:nvPr>
-            <p:ph type="title"/>
-          </p:nvPr>
-        </p:nvSpPr>
-        <p:spPr/>
-        <p:txBody>
-          <a:bodyPr/>
-          <a:lstStyle/>
-          <a:p>
-            <a:r>
-              <a:rPr lang="en-NZ" dirty="0"/>
-              <a:t>Must not accept movement to empty squares</a:t>
-            </a:r>
-          </a:p>
-        </p:txBody>
-      </p:sp>
-      <p:sp>
-        <p:nvSpPr>
-          <p:cNvPr id="3" name="Content Placeholder 2">
-            <a:extLst>
-              <a:ext uri="{FF2B5EF4-FFF2-40B4-BE49-F238E27FC236}">
-                <a16:creationId xmlns:a16="http://schemas.microsoft.com/office/drawing/2014/main" id="{4B0B8CAC-1D4B-F88B-74CC-F647540D7061}"/>
-              </a:ext>
-            </a:extLst>
-          </p:cNvPr>
-          <p:cNvSpPr>
-            <a:spLocks noGrp="1"/>
-          </p:cNvSpPr>
-          <p:nvPr>
-            <p:ph idx="1"/>
-          </p:nvPr>
-        </p:nvSpPr>
-        <p:spPr/>
-        <p:txBody>
-          <a:bodyPr/>
-          <a:lstStyle/>
-          <a:p>
-            <a:endParaRPr lang="en-NZ" dirty="0"/>
-          </a:p>
-        </p:txBody>
-      </p:sp>
-    </p:spTree>
-    <p:extLst>
-      <p:ext uri="{BB962C8B-B14F-4D97-AF65-F5344CB8AC3E}">
-        <p14:creationId xmlns:p14="http://schemas.microsoft.com/office/powerpoint/2010/main" val="2120923964"/>
       </p:ext>
     </p:extLst>
   </p:cSld>
@@ -4338,7 +4333,7 @@
           <p:cNvPr id="2" name="Title 1">
             <a:extLst>
               <a:ext uri="{FF2B5EF4-FFF2-40B4-BE49-F238E27FC236}">
-                <a16:creationId xmlns:a16="http://schemas.microsoft.com/office/drawing/2014/main" id="{4F0DE8CF-0CC1-B092-2D6B-89EB6D70C759}"/>
+                <a16:creationId xmlns:a16="http://schemas.microsoft.com/office/drawing/2014/main" id="{A5C1F49D-4C2E-6DAC-7F50-923706883CB1}"/>
               </a:ext>
             </a:extLst>
           </p:cNvPr>
@@ -4356,7 +4351,7 @@
           <a:p>
             <a:r>
               <a:rPr lang="en-NZ" dirty="0"/>
-              <a:t>Must count total number of moves</a:t>
+              <a:t>Must not accept movement to empty squares</a:t>
             </a:r>
           </a:p>
         </p:txBody>
@@ -4366,7 +4361,7 @@
           <p:cNvPr id="5" name="Content Placeholder 4">
             <a:extLst>
               <a:ext uri="{FF2B5EF4-FFF2-40B4-BE49-F238E27FC236}">
-                <a16:creationId xmlns:a16="http://schemas.microsoft.com/office/drawing/2014/main" id="{1BD52353-AAC6-B559-AAC6-5DFFEA3D828F}"/>
+                <a16:creationId xmlns:a16="http://schemas.microsoft.com/office/drawing/2014/main" id="{0DB1F3BE-427B-EFFB-4A37-4F9E63219602}"/>
               </a:ext>
             </a:extLst>
           </p:cNvPr>
@@ -4385,17 +4380,153 @@
         </p:blipFill>
         <p:spPr>
           <a:xfrm>
-            <a:off x="926199" y="1690688"/>
-            <a:ext cx="2562583" cy="1019317"/>
+            <a:off x="838200" y="1816826"/>
+            <a:ext cx="5677692" cy="3038899"/>
           </a:xfrm>
         </p:spPr>
       </p:pic>
+      <p:sp>
+        <p:nvSpPr>
+          <p:cNvPr id="6" name="TextBox 5">
+            <a:extLst>
+              <a:ext uri="{FF2B5EF4-FFF2-40B4-BE49-F238E27FC236}">
+                <a16:creationId xmlns:a16="http://schemas.microsoft.com/office/drawing/2014/main" id="{BEDA0DB1-7E1B-1D86-7ED3-2A9DFC716C61}"/>
+              </a:ext>
+            </a:extLst>
+          </p:cNvPr>
+          <p:cNvSpPr txBox="1"/>
+          <p:nvPr/>
+        </p:nvSpPr>
+        <p:spPr>
+          <a:xfrm>
+            <a:off x="6788727" y="1902691"/>
+            <a:ext cx="4858328" cy="1200329"/>
+          </a:xfrm>
+          <a:prstGeom prst="rect">
+            <a:avLst/>
+          </a:prstGeom>
+          <a:noFill/>
+        </p:spPr>
+        <p:txBody>
+          <a:bodyPr wrap="square" rtlCol="0">
+            <a:spAutoFit/>
+          </a:bodyPr>
+          <a:lstStyle/>
+          <a:p>
+            <a:r>
+              <a:rPr lang="en-NZ" dirty="0"/>
+              <a:t>If the player selects a next move that is outside of the legal moves or is an empty square, it will print that that was an illegal move, and the player will stay in place</a:t>
+            </a:r>
+          </a:p>
+        </p:txBody>
+      </p:sp>
+    </p:spTree>
+    <p:extLst>
+      <p:ext uri="{BB962C8B-B14F-4D97-AF65-F5344CB8AC3E}">
+        <p14:creationId xmlns:p14="http://schemas.microsoft.com/office/powerpoint/2010/main" val="2120923964"/>
+      </p:ext>
+    </p:extLst>
+  </p:cSld>
+  <p:clrMapOvr>
+    <a:masterClrMapping/>
+  </p:clrMapOvr>
+</p:sld>
+</file>
+
+<file path=ppt/slides/slide18.xml><?xml version="1.0" encoding="utf-8"?>
+<p:sld xmlns:a="http://schemas.openxmlformats.org/drawingml/2006/main" xmlns:r="http://schemas.openxmlformats.org/officeDocument/2006/relationships" xmlns:p="http://schemas.openxmlformats.org/presentationml/2006/main">
+  <p:cSld>
+    <p:spTree>
+      <p:nvGrpSpPr>
+        <p:cNvPr id="1" name=""/>
+        <p:cNvGrpSpPr/>
+        <p:nvPr/>
+      </p:nvGrpSpPr>
+      <p:grpSpPr>
+        <a:xfrm>
+          <a:off x="0" y="0"/>
+          <a:ext cx="0" cy="0"/>
+          <a:chOff x="0" y="0"/>
+          <a:chExt cx="0" cy="0"/>
+        </a:xfrm>
+      </p:grpSpPr>
+      <p:sp>
+        <p:nvSpPr>
+          <p:cNvPr id="2" name="Title 1">
+            <a:extLst>
+              <a:ext uri="{FF2B5EF4-FFF2-40B4-BE49-F238E27FC236}">
+                <a16:creationId xmlns:a16="http://schemas.microsoft.com/office/drawing/2014/main" id="{4F0DE8CF-0CC1-B092-2D6B-89EB6D70C759}"/>
+              </a:ext>
+            </a:extLst>
+          </p:cNvPr>
+          <p:cNvSpPr>
+            <a:spLocks noGrp="1"/>
+          </p:cNvSpPr>
+          <p:nvPr>
+            <p:ph type="title"/>
+          </p:nvPr>
+        </p:nvSpPr>
+        <p:spPr/>
+        <p:txBody>
+          <a:bodyPr/>
+          <a:lstStyle/>
+          <a:p>
+            <a:r>
+              <a:rPr lang="en-NZ" dirty="0"/>
+              <a:t>Must count total number of moves</a:t>
+            </a:r>
+          </a:p>
+        </p:txBody>
+      </p:sp>
+      <p:sp>
+        <p:nvSpPr>
+          <p:cNvPr id="8" name="TextBox 7">
+            <a:extLst>
+              <a:ext uri="{FF2B5EF4-FFF2-40B4-BE49-F238E27FC236}">
+                <a16:creationId xmlns:a16="http://schemas.microsoft.com/office/drawing/2014/main" id="{375C1417-94FA-33BC-9E02-88E1F5B2A1C6}"/>
+              </a:ext>
+            </a:extLst>
+          </p:cNvPr>
+          <p:cNvSpPr txBox="1"/>
+          <p:nvPr/>
+        </p:nvSpPr>
+        <p:spPr>
+          <a:xfrm>
+            <a:off x="766618" y="3105834"/>
+            <a:ext cx="4296375" cy="923330"/>
+          </a:xfrm>
+          <a:prstGeom prst="rect">
+            <a:avLst/>
+          </a:prstGeom>
+          <a:noFill/>
+        </p:spPr>
+        <p:txBody>
+          <a:bodyPr wrap="square" rtlCol="0">
+            <a:spAutoFit/>
+          </a:bodyPr>
+          <a:lstStyle/>
+          <a:p>
+            <a:r>
+              <a:rPr lang="en-NZ" dirty="0"/>
+              <a:t>After the player makes a move we call </a:t>
+            </a:r>
+            <a:r>
+              <a:rPr lang="en-NZ" dirty="0" err="1"/>
+              <a:t>GetMoveCount</a:t>
+            </a:r>
+            <a:r>
+              <a:rPr lang="en-NZ" dirty="0"/>
+              <a:t>() and that increments the move count variable by one</a:t>
+            </a:r>
+          </a:p>
+        </p:txBody>
+      </p:sp>
       <p:pic>
         <p:nvPicPr>
-          <p:cNvPr id="7" name="Picture 6">
-            <a:extLst>
-              <a:ext uri="{FF2B5EF4-FFF2-40B4-BE49-F238E27FC236}">
-                <a16:creationId xmlns:a16="http://schemas.microsoft.com/office/drawing/2014/main" id="{1C8B1E67-585F-851A-7BA0-EB62C4B37D59}"/>
+          <p:cNvPr id="9" name="Picture 8">
+            <a:extLst>
+              <a:ext uri="{FF2B5EF4-FFF2-40B4-BE49-F238E27FC236}">
+                <a16:creationId xmlns:a16="http://schemas.microsoft.com/office/drawing/2014/main" id="{39F534C8-59AB-32B2-B74F-DF44B3D28AB7}"/>
               </a:ext>
             </a:extLst>
           </p:cNvPr>
@@ -4405,64 +4536,21 @@
           <p:nvPr/>
         </p:nvPicPr>
         <p:blipFill>
-          <a:blip r:embed="rId3"/>
+          <a:blip r:embed="rId2"/>
           <a:stretch>
             <a:fillRect/>
           </a:stretch>
         </p:blipFill>
         <p:spPr>
           <a:xfrm>
-            <a:off x="838200" y="2890521"/>
-            <a:ext cx="4296375" cy="1257475"/>
+            <a:off x="838200" y="1823572"/>
+            <a:ext cx="2448267" cy="1066949"/>
           </a:xfrm>
           <a:prstGeom prst="rect">
             <a:avLst/>
           </a:prstGeom>
         </p:spPr>
       </p:pic>
-      <p:sp>
-        <p:nvSpPr>
-          <p:cNvPr id="8" name="TextBox 7">
-            <a:extLst>
-              <a:ext uri="{FF2B5EF4-FFF2-40B4-BE49-F238E27FC236}">
-                <a16:creationId xmlns:a16="http://schemas.microsoft.com/office/drawing/2014/main" id="{375C1417-94FA-33BC-9E02-88E1F5B2A1C6}"/>
-              </a:ext>
-            </a:extLst>
-          </p:cNvPr>
-          <p:cNvSpPr txBox="1"/>
-          <p:nvPr/>
-        </p:nvSpPr>
-        <p:spPr>
-          <a:xfrm>
-            <a:off x="6096000" y="1930400"/>
-            <a:ext cx="4296375" cy="646331"/>
-          </a:xfrm>
-          <a:prstGeom prst="rect">
-            <a:avLst/>
-          </a:prstGeom>
-          <a:noFill/>
-        </p:spPr>
-        <p:txBody>
-          <a:bodyPr wrap="square" rtlCol="0">
-            <a:spAutoFit/>
-          </a:bodyPr>
-          <a:lstStyle/>
-          <a:p>
-            <a:r>
-              <a:rPr lang="en-NZ" dirty="0"/>
-              <a:t>Call </a:t>
-            </a:r>
-            <a:r>
-              <a:rPr lang="en-NZ" dirty="0" err="1"/>
-              <a:t>MoveCounter</a:t>
-            </a:r>
-            <a:r>
-              <a:rPr lang="en-NZ" dirty="0"/>
-              <a:t>() after a move to count the moves</a:t>
-            </a:r>
-          </a:p>
-        </p:txBody>
-      </p:sp>
     </p:spTree>
     <p:extLst>
       <p:ext uri="{BB962C8B-B14F-4D97-AF65-F5344CB8AC3E}">
@@ -4476,7 +4564,7 @@
 </p:sld>
 </file>
 
-<file path=ppt/slides/slide18.xml><?xml version="1.0" encoding="utf-8"?>
+<file path=ppt/slides/slide19.xml><?xml version="1.0" encoding="utf-8"?>
 <p:sld xmlns:a="http://schemas.openxmlformats.org/drawingml/2006/main" xmlns:r="http://schemas.openxmlformats.org/officeDocument/2006/relationships" xmlns:p="http://schemas.openxmlformats.org/presentationml/2006/main">
   <p:cSld>
     <p:bg>
@@ -4614,7 +4702,7 @@
         </p:nvSpPr>
         <p:spPr>
           <a:xfrm>
-            <a:off x="6186619" y="547815"/>
+            <a:off x="6282415" y="2875378"/>
             <a:ext cx="5178960" cy="1680519"/>
           </a:xfrm>
         </p:spPr>
@@ -4627,34 +4715,16 @@
             <a:pPr marL="0" indent="0">
               <a:buNone/>
             </a:pPr>
-            <a:r>
-              <a:rPr lang="en-NZ" sz="2000"/>
-              <a:t>I moved the pieces twice so in the end</a:t>
-            </a:r>
-          </a:p>
-          <a:p>
-            <a:pPr marL="0" indent="0">
-              <a:buNone/>
-            </a:pPr>
-            <a:r>
-              <a:rPr lang="en-NZ" sz="2000"/>
-              <a:t>we should have two moves</a:t>
-            </a:r>
-          </a:p>
-          <a:p>
-            <a:pPr marL="0" indent="0">
-              <a:buNone/>
-            </a:pPr>
-            <a:endParaRPr lang="en-NZ" sz="2000"/>
+            <a:endParaRPr lang="en-NZ" sz="2000" dirty="0"/>
           </a:p>
         </p:txBody>
       </p:sp>
       <p:pic>
         <p:nvPicPr>
-          <p:cNvPr id="7" name="Picture 6">
-            <a:extLst>
-              <a:ext uri="{FF2B5EF4-FFF2-40B4-BE49-F238E27FC236}">
-                <a16:creationId xmlns:a16="http://schemas.microsoft.com/office/drawing/2014/main" id="{CFFFE470-387B-C5CE-620B-8244272C7706}"/>
+          <p:cNvPr id="5" name="Picture 4">
+            <a:extLst>
+              <a:ext uri="{FF2B5EF4-FFF2-40B4-BE49-F238E27FC236}">
+                <a16:creationId xmlns:a16="http://schemas.microsoft.com/office/drawing/2014/main" id="{89F2B9E5-C530-D476-771B-27EEBEEE4BCC}"/>
               </a:ext>
             </a:extLst>
           </p:cNvPr>
@@ -4671,8 +4741,8 @@
         </p:blipFill>
         <p:spPr>
           <a:xfrm>
-            <a:off x="656962" y="1624597"/>
-            <a:ext cx="4382888" cy="5081610"/>
+            <a:off x="387654" y="1656511"/>
+            <a:ext cx="5167185" cy="4704815"/>
           </a:xfrm>
           <a:prstGeom prst="rect">
             <a:avLst/>
@@ -4681,10 +4751,10 @@
       </p:pic>
       <p:pic>
         <p:nvPicPr>
-          <p:cNvPr id="11" name="Picture 10">
-            <a:extLst>
-              <a:ext uri="{FF2B5EF4-FFF2-40B4-BE49-F238E27FC236}">
-                <a16:creationId xmlns:a16="http://schemas.microsoft.com/office/drawing/2014/main" id="{3762EAA5-9868-A387-5CA9-8AD104B0A7FB}"/>
+          <p:cNvPr id="8" name="Picture 7">
+            <a:extLst>
+              <a:ext uri="{FF2B5EF4-FFF2-40B4-BE49-F238E27FC236}">
+                <a16:creationId xmlns:a16="http://schemas.microsoft.com/office/drawing/2014/main" id="{71E53340-96EF-BE43-2EB9-AD6A43111B9C}"/>
               </a:ext>
             </a:extLst>
           </p:cNvPr>
@@ -4701,8 +4771,8 @@
         </p:blipFill>
         <p:spPr>
           <a:xfrm>
-            <a:off x="6198394" y="2875898"/>
-            <a:ext cx="5167185" cy="2803197"/>
+            <a:off x="5761510" y="1723414"/>
+            <a:ext cx="6496331" cy="2906253"/>
           </a:xfrm>
           <a:prstGeom prst="rect">
             <a:avLst/>
@@ -4722,7 +4792,7 @@
 </p:sld>
 </file>
 
-<file path=ppt/slides/slide19.xml><?xml version="1.0" encoding="utf-8"?>
+<file path=ppt/slides/slide2.xml><?xml version="1.0" encoding="utf-8"?>
 <p:sld xmlns:a="http://schemas.openxmlformats.org/drawingml/2006/main" xmlns:r="http://schemas.openxmlformats.org/officeDocument/2006/relationships" xmlns:p="http://schemas.openxmlformats.org/presentationml/2006/main">
   <p:cSld>
     <p:spTree>
@@ -4744,7 +4814,7 @@
           <p:cNvPr id="2" name="Title 1">
             <a:extLst>
               <a:ext uri="{FF2B5EF4-FFF2-40B4-BE49-F238E27FC236}">
-                <a16:creationId xmlns:a16="http://schemas.microsoft.com/office/drawing/2014/main" id="{CE3F6627-BA58-BE8F-3148-829D6A616E1D}"/>
+                <a16:creationId xmlns:a16="http://schemas.microsoft.com/office/drawing/2014/main" id="{C64FF38C-D559-7BDF-6626-88AA5501A850}"/>
               </a:ext>
             </a:extLst>
           </p:cNvPr>
@@ -4762,7 +4832,7 @@
           <a:p>
             <a:r>
               <a:rPr lang="en-NZ" dirty="0"/>
-              <a:t>Must highlight current piece</a:t>
+              <a:t>Self Marks</a:t>
             </a:r>
           </a:p>
         </p:txBody>
@@ -4772,7 +4842,7 @@
           <p:cNvPr id="3" name="Content Placeholder 2">
             <a:extLst>
               <a:ext uri="{FF2B5EF4-FFF2-40B4-BE49-F238E27FC236}">
-                <a16:creationId xmlns:a16="http://schemas.microsoft.com/office/drawing/2014/main" id="{FBD804B8-1DE0-BE16-5BCE-5D6B493D9FD4}"/>
+                <a16:creationId xmlns:a16="http://schemas.microsoft.com/office/drawing/2014/main" id="{8836E38C-AE4D-F117-8B51-AB42D930C9F1}"/>
               </a:ext>
             </a:extLst>
           </p:cNvPr>
@@ -4788,154 +4858,29 @@
           <a:bodyPr/>
           <a:lstStyle/>
           <a:p>
-            <a:endParaRPr lang="en-NZ"/>
+            <a:r>
+              <a:rPr lang="en-NZ" dirty="0"/>
+              <a:t>Features: 5/5 I implemented all 17 of my must have features</a:t>
+            </a:r>
+          </a:p>
+          <a:p>
+            <a:r>
+              <a:rPr lang="en-NZ" dirty="0"/>
+              <a:t>Tests: 1/5 Did not have full test coverage</a:t>
+            </a:r>
+          </a:p>
+          <a:p>
+            <a:r>
+              <a:rPr lang="en-NZ" dirty="0"/>
+              <a:t>UML Class diagram: 4/5</a:t>
+            </a:r>
           </a:p>
         </p:txBody>
       </p:sp>
     </p:spTree>
     <p:extLst>
       <p:ext uri="{BB962C8B-B14F-4D97-AF65-F5344CB8AC3E}">
-        <p14:creationId xmlns:p14="http://schemas.microsoft.com/office/powerpoint/2010/main" val="2554264141"/>
-      </p:ext>
-    </p:extLst>
-  </p:cSld>
-  <p:clrMapOvr>
-    <a:masterClrMapping/>
-  </p:clrMapOvr>
-</p:sld>
-</file>
-
-<file path=ppt/slides/slide2.xml><?xml version="1.0" encoding="utf-8"?>
-<p:sld xmlns:a="http://schemas.openxmlformats.org/drawingml/2006/main" xmlns:r="http://schemas.openxmlformats.org/officeDocument/2006/relationships" xmlns:p="http://schemas.openxmlformats.org/presentationml/2006/main">
-  <p:cSld>
-    <p:bg>
-      <p:bgPr>
-        <a:solidFill>
-          <a:schemeClr val="bg1"/>
-        </a:solidFill>
-        <a:effectLst/>
-      </p:bgPr>
-    </p:bg>
-    <p:spTree>
-      <p:nvGrpSpPr>
-        <p:cNvPr id="1" name=""/>
-        <p:cNvGrpSpPr/>
-        <p:nvPr/>
-      </p:nvGrpSpPr>
-      <p:grpSpPr>
-        <a:xfrm>
-          <a:off x="0" y="0"/>
-          <a:ext cx="0" cy="0"/>
-          <a:chOff x="0" y="0"/>
-          <a:chExt cx="0" cy="0"/>
-        </a:xfrm>
-      </p:grpSpPr>
-      <p:sp>
-        <p:nvSpPr>
-          <p:cNvPr id="2" name="Title 1">
-            <a:extLst>
-              <a:ext uri="{FF2B5EF4-FFF2-40B4-BE49-F238E27FC236}">
-                <a16:creationId xmlns:a16="http://schemas.microsoft.com/office/drawing/2014/main" id="{17A4FC72-5C9D-9996-015A-8F4FC892B21D}"/>
-              </a:ext>
-            </a:extLst>
-          </p:cNvPr>
-          <p:cNvSpPr>
-            <a:spLocks noGrp="1"/>
-          </p:cNvSpPr>
-          <p:nvPr>
-            <p:ph type="ctrTitle"/>
-          </p:nvPr>
-        </p:nvSpPr>
-        <p:spPr>
-          <a:xfrm>
-            <a:off x="838199" y="291090"/>
-            <a:ext cx="10515599" cy="932688"/>
-          </a:xfrm>
-        </p:spPr>
-        <p:txBody>
-          <a:bodyPr>
-            <a:normAutofit/>
-          </a:bodyPr>
-          <a:lstStyle/>
-          <a:p>
-            <a:pPr algn="l"/>
-            <a:r>
-              <a:rPr lang="en-NZ" sz="5400" dirty="0"/>
-              <a:t>Must haves</a:t>
-            </a:r>
-          </a:p>
-        </p:txBody>
-      </p:sp>
-      <p:sp>
-        <p:nvSpPr>
-          <p:cNvPr id="3" name="Subtitle 2">
-            <a:extLst>
-              <a:ext uri="{FF2B5EF4-FFF2-40B4-BE49-F238E27FC236}">
-                <a16:creationId xmlns:a16="http://schemas.microsoft.com/office/drawing/2014/main" id="{7BB52EF9-CC8F-7255-ED79-C0F177F24C23}"/>
-              </a:ext>
-            </a:extLst>
-          </p:cNvPr>
-          <p:cNvSpPr>
-            <a:spLocks noGrp="1"/>
-          </p:cNvSpPr>
-          <p:nvPr>
-            <p:ph type="subTitle" idx="1"/>
-          </p:nvPr>
-        </p:nvSpPr>
-        <p:spPr>
-          <a:xfrm>
-            <a:off x="838199" y="1335726"/>
-            <a:ext cx="10515599" cy="420624"/>
-          </a:xfrm>
-        </p:spPr>
-        <p:txBody>
-          <a:bodyPr>
-            <a:normAutofit/>
-          </a:bodyPr>
-          <a:lstStyle/>
-          <a:p>
-            <a:pPr algn="l"/>
-            <a:r>
-              <a:rPr lang="en-NZ" dirty="0"/>
-              <a:t>I had 16 must have features</a:t>
-            </a:r>
-          </a:p>
-        </p:txBody>
-      </p:sp>
-      <p:pic>
-        <p:nvPicPr>
-          <p:cNvPr id="9" name="Picture 8">
-            <a:extLst>
-              <a:ext uri="{FF2B5EF4-FFF2-40B4-BE49-F238E27FC236}">
-                <a16:creationId xmlns:a16="http://schemas.microsoft.com/office/drawing/2014/main" id="{C3060C24-B68E-F2C7-49DD-733E06A1C6D0}"/>
-              </a:ext>
-            </a:extLst>
-          </p:cNvPr>
-          <p:cNvPicPr>
-            <a:picLocks noChangeAspect="1"/>
-          </p:cNvPicPr>
-          <p:nvPr/>
-        </p:nvPicPr>
-        <p:blipFill>
-          <a:blip r:embed="rId2"/>
-          <a:stretch>
-            <a:fillRect/>
-          </a:stretch>
-        </p:blipFill>
-        <p:spPr>
-          <a:xfrm>
-            <a:off x="4838595" y="1863800"/>
-            <a:ext cx="2762931" cy="4878895"/>
-          </a:xfrm>
-          <a:prstGeom prst="rect">
-            <a:avLst/>
-          </a:prstGeom>
-        </p:spPr>
-      </p:pic>
-    </p:spTree>
-    <p:extLst>
-      <p:ext uri="{BB962C8B-B14F-4D97-AF65-F5344CB8AC3E}">
-        <p14:creationId xmlns:p14="http://schemas.microsoft.com/office/powerpoint/2010/main" val="3631052344"/>
+        <p14:creationId xmlns:p14="http://schemas.microsoft.com/office/powerpoint/2010/main" val="549347669"/>
       </p:ext>
     </p:extLst>
   </p:cSld>
@@ -4967,7 +4912,7 @@
           <p:cNvPr id="2" name="Title 1">
             <a:extLst>
               <a:ext uri="{FF2B5EF4-FFF2-40B4-BE49-F238E27FC236}">
-                <a16:creationId xmlns:a16="http://schemas.microsoft.com/office/drawing/2014/main" id="{37F7A997-1167-ECBD-A8EF-16A496806681}"/>
+                <a16:creationId xmlns:a16="http://schemas.microsoft.com/office/drawing/2014/main" id="{CE3F6627-BA58-BE8F-3148-829D6A616E1D}"/>
               </a:ext>
             </a:extLst>
           </p:cNvPr>
@@ -4985,7 +4930,7 @@
           <a:p>
             <a:r>
               <a:rPr lang="en-NZ" dirty="0"/>
-              <a:t>Must have reset button</a:t>
+              <a:t>Must highlight current piece</a:t>
             </a:r>
           </a:p>
         </p:txBody>
@@ -4995,7 +4940,7 @@
           <p:cNvPr id="3" name="Content Placeholder 2">
             <a:extLst>
               <a:ext uri="{FF2B5EF4-FFF2-40B4-BE49-F238E27FC236}">
-                <a16:creationId xmlns:a16="http://schemas.microsoft.com/office/drawing/2014/main" id="{084DD938-817C-F7B1-6E03-81E2CA7D1D5A}"/>
+                <a16:creationId xmlns:a16="http://schemas.microsoft.com/office/drawing/2014/main" id="{FBD804B8-1DE0-BE16-5BCE-5D6B493D9FD4}"/>
               </a:ext>
             </a:extLst>
           </p:cNvPr>
@@ -5011,14 +4956,50 @@
           <a:bodyPr/>
           <a:lstStyle/>
           <a:p>
-            <a:endParaRPr lang="en-NZ"/>
-          </a:p>
-        </p:txBody>
-      </p:sp>
+            <a:pPr marL="0" indent="0">
+              <a:buNone/>
+            </a:pPr>
+            <a:r>
+              <a:rPr lang="en-NZ" dirty="0"/>
+              <a:t>Checks to see if the current piece is a player piece and if it is I print a X instead</a:t>
+            </a:r>
+          </a:p>
+        </p:txBody>
+      </p:sp>
+      <p:pic>
+        <p:nvPicPr>
+          <p:cNvPr id="5" name="Picture 4">
+            <a:extLst>
+              <a:ext uri="{FF2B5EF4-FFF2-40B4-BE49-F238E27FC236}">
+                <a16:creationId xmlns:a16="http://schemas.microsoft.com/office/drawing/2014/main" id="{C80DCF7E-825F-8E50-7210-1B97CD99D7A9}"/>
+              </a:ext>
+            </a:extLst>
+          </p:cNvPr>
+          <p:cNvPicPr>
+            <a:picLocks noChangeAspect="1"/>
+          </p:cNvPicPr>
+          <p:nvPr/>
+        </p:nvPicPr>
+        <p:blipFill>
+          <a:blip r:embed="rId2"/>
+          <a:stretch>
+            <a:fillRect/>
+          </a:stretch>
+        </p:blipFill>
+        <p:spPr>
+          <a:xfrm>
+            <a:off x="838200" y="2973054"/>
+            <a:ext cx="6782747" cy="2391109"/>
+          </a:xfrm>
+          <a:prstGeom prst="rect">
+            <a:avLst/>
+          </a:prstGeom>
+        </p:spPr>
+      </p:pic>
     </p:spTree>
     <p:extLst>
       <p:ext uri="{BB962C8B-B14F-4D97-AF65-F5344CB8AC3E}">
-        <p14:creationId xmlns:p14="http://schemas.microsoft.com/office/powerpoint/2010/main" val="4190049160"/>
+        <p14:creationId xmlns:p14="http://schemas.microsoft.com/office/powerpoint/2010/main" val="2554264141"/>
       </p:ext>
     </p:extLst>
   </p:cSld>
@@ -5050,7 +5031,7 @@
           <p:cNvPr id="2" name="Title 1">
             <a:extLst>
               <a:ext uri="{FF2B5EF4-FFF2-40B4-BE49-F238E27FC236}">
-                <a16:creationId xmlns:a16="http://schemas.microsoft.com/office/drawing/2014/main" id="{97D6BE81-E55C-77B4-5605-A66AAA5EAF35}"/>
+                <a16:creationId xmlns:a16="http://schemas.microsoft.com/office/drawing/2014/main" id="{37F7A997-1167-ECBD-A8EF-16A496806681}"/>
               </a:ext>
             </a:extLst>
           </p:cNvPr>
@@ -5068,7 +5049,7 @@
           <a:p>
             <a:r>
               <a:rPr lang="en-NZ" dirty="0"/>
-              <a:t>Must have undo button</a:t>
+              <a:t>Must have reset button</a:t>
             </a:r>
           </a:p>
         </p:txBody>
@@ -5078,7 +5059,7 @@
           <p:cNvPr id="3" name="Content Placeholder 2">
             <a:extLst>
               <a:ext uri="{FF2B5EF4-FFF2-40B4-BE49-F238E27FC236}">
-                <a16:creationId xmlns:a16="http://schemas.microsoft.com/office/drawing/2014/main" id="{0A53D286-6755-7621-F952-06A0F4ADF431}"/>
+                <a16:creationId xmlns:a16="http://schemas.microsoft.com/office/drawing/2014/main" id="{084DD938-817C-F7B1-6E03-81E2CA7D1D5A}"/>
               </a:ext>
             </a:extLst>
           </p:cNvPr>
@@ -5094,14 +5075,50 @@
           <a:bodyPr/>
           <a:lstStyle/>
           <a:p>
-            <a:endParaRPr lang="en-NZ"/>
-          </a:p>
-        </p:txBody>
-      </p:sp>
+            <a:pPr marL="0" indent="0">
+              <a:buNone/>
+            </a:pPr>
+            <a:r>
+              <a:rPr lang="en-NZ" dirty="0"/>
+              <a:t>When the Restart function is called the board gets reset and is the same as what it first started as</a:t>
+            </a:r>
+          </a:p>
+        </p:txBody>
+      </p:sp>
+      <p:pic>
+        <p:nvPicPr>
+          <p:cNvPr id="7" name="Picture 6">
+            <a:extLst>
+              <a:ext uri="{FF2B5EF4-FFF2-40B4-BE49-F238E27FC236}">
+                <a16:creationId xmlns:a16="http://schemas.microsoft.com/office/drawing/2014/main" id="{235BF8D6-01CC-2F3E-1D94-2A3E5964D66C}"/>
+              </a:ext>
+            </a:extLst>
+          </p:cNvPr>
+          <p:cNvPicPr>
+            <a:picLocks noChangeAspect="1"/>
+          </p:cNvPicPr>
+          <p:nvPr/>
+        </p:nvPicPr>
+        <p:blipFill>
+          <a:blip r:embed="rId2"/>
+          <a:stretch>
+            <a:fillRect/>
+          </a:stretch>
+        </p:blipFill>
+        <p:spPr>
+          <a:xfrm>
+            <a:off x="838200" y="2976790"/>
+            <a:ext cx="2067213" cy="962159"/>
+          </a:xfrm>
+          <a:prstGeom prst="rect">
+            <a:avLst/>
+          </a:prstGeom>
+        </p:spPr>
+      </p:pic>
     </p:spTree>
     <p:extLst>
       <p:ext uri="{BB962C8B-B14F-4D97-AF65-F5344CB8AC3E}">
-        <p14:creationId xmlns:p14="http://schemas.microsoft.com/office/powerpoint/2010/main" val="3499884671"/>
+        <p14:creationId xmlns:p14="http://schemas.microsoft.com/office/powerpoint/2010/main" val="4190049160"/>
       </p:ext>
     </p:extLst>
   </p:cSld>
@@ -5133,7 +5150,7 @@
           <p:cNvPr id="2" name="Title 1">
             <a:extLst>
               <a:ext uri="{FF2B5EF4-FFF2-40B4-BE49-F238E27FC236}">
-                <a16:creationId xmlns:a16="http://schemas.microsoft.com/office/drawing/2014/main" id="{CEDF7865-46D5-3F60-D4C3-665F4F383818}"/>
+                <a16:creationId xmlns:a16="http://schemas.microsoft.com/office/drawing/2014/main" id="{97D6BE81-E55C-77B4-5605-A66AAA5EAF35}"/>
               </a:ext>
             </a:extLst>
           </p:cNvPr>
@@ -5151,40 +5168,44 @@
           <a:p>
             <a:r>
               <a:rPr lang="en-NZ" dirty="0"/>
-              <a:t>Must have timer</a:t>
-            </a:r>
-          </a:p>
-        </p:txBody>
-      </p:sp>
-      <p:sp>
-        <p:nvSpPr>
-          <p:cNvPr id="3" name="Content Placeholder 2">
-            <a:extLst>
-              <a:ext uri="{FF2B5EF4-FFF2-40B4-BE49-F238E27FC236}">
-                <a16:creationId xmlns:a16="http://schemas.microsoft.com/office/drawing/2014/main" id="{B6F882F9-ABC1-5F98-E69F-5C8F91E8E801}"/>
-              </a:ext>
-            </a:extLst>
-          </p:cNvPr>
-          <p:cNvSpPr>
-            <a:spLocks noGrp="1"/>
-          </p:cNvSpPr>
+              <a:t>Must have undo button</a:t>
+            </a:r>
+          </a:p>
+        </p:txBody>
+      </p:sp>
+      <p:pic>
+        <p:nvPicPr>
+          <p:cNvPr id="7" name="Content Placeholder 6">
+            <a:extLst>
+              <a:ext uri="{FF2B5EF4-FFF2-40B4-BE49-F238E27FC236}">
+                <a16:creationId xmlns:a16="http://schemas.microsoft.com/office/drawing/2014/main" id="{44390DE6-3391-7955-8129-21F59B012ACE}"/>
+              </a:ext>
+            </a:extLst>
+          </p:cNvPr>
+          <p:cNvPicPr>
+            <a:picLocks noGrp="1" noChangeAspect="1"/>
+          </p:cNvPicPr>
           <p:nvPr>
             <p:ph idx="1"/>
           </p:nvPr>
-        </p:nvSpPr>
-        <p:spPr/>
-        <p:txBody>
-          <a:bodyPr/>
-          <a:lstStyle/>
-          <a:p>
-            <a:endParaRPr lang="en-NZ"/>
-          </a:p>
-        </p:txBody>
-      </p:sp>
+        </p:nvPicPr>
+        <p:blipFill>
+          <a:blip r:embed="rId2"/>
+          <a:stretch>
+            <a:fillRect/>
+          </a:stretch>
+        </p:blipFill>
+        <p:spPr>
+          <a:xfrm>
+            <a:off x="838200" y="1778060"/>
+            <a:ext cx="5601482" cy="2248214"/>
+          </a:xfrm>
+        </p:spPr>
+      </p:pic>
     </p:spTree>
     <p:extLst>
       <p:ext uri="{BB962C8B-B14F-4D97-AF65-F5344CB8AC3E}">
-        <p14:creationId xmlns:p14="http://schemas.microsoft.com/office/powerpoint/2010/main" val="3338783566"/>
+        <p14:creationId xmlns:p14="http://schemas.microsoft.com/office/powerpoint/2010/main" val="3499884671"/>
       </p:ext>
     </p:extLst>
   </p:cSld>
@@ -5216,7 +5237,7 @@
           <p:cNvPr id="2" name="Title 1">
             <a:extLst>
               <a:ext uri="{FF2B5EF4-FFF2-40B4-BE49-F238E27FC236}">
-                <a16:creationId xmlns:a16="http://schemas.microsoft.com/office/drawing/2014/main" id="{4EDED2DB-D21F-F08F-1888-134755B73052}"/>
+                <a16:creationId xmlns:a16="http://schemas.microsoft.com/office/drawing/2014/main" id="{CEDF7865-46D5-3F60-D4C3-665F4F383818}"/>
               </a:ext>
             </a:extLst>
           </p:cNvPr>
@@ -5234,40 +5255,44 @@
           <a:p>
             <a:r>
               <a:rPr lang="en-NZ" dirty="0"/>
-              <a:t>Must show time taken to beat level</a:t>
-            </a:r>
-          </a:p>
-        </p:txBody>
-      </p:sp>
-      <p:sp>
-        <p:nvSpPr>
-          <p:cNvPr id="3" name="Content Placeholder 2">
-            <a:extLst>
-              <a:ext uri="{FF2B5EF4-FFF2-40B4-BE49-F238E27FC236}">
-                <a16:creationId xmlns:a16="http://schemas.microsoft.com/office/drawing/2014/main" id="{523841F9-E625-479A-652F-060B1CF98A0B}"/>
-              </a:ext>
-            </a:extLst>
-          </p:cNvPr>
-          <p:cNvSpPr>
-            <a:spLocks noGrp="1"/>
-          </p:cNvSpPr>
+              <a:t>Must have timer</a:t>
+            </a:r>
+          </a:p>
+        </p:txBody>
+      </p:sp>
+      <p:pic>
+        <p:nvPicPr>
+          <p:cNvPr id="5" name="Content Placeholder 4">
+            <a:extLst>
+              <a:ext uri="{FF2B5EF4-FFF2-40B4-BE49-F238E27FC236}">
+                <a16:creationId xmlns:a16="http://schemas.microsoft.com/office/drawing/2014/main" id="{5A1362AC-1F56-8EA4-3E7D-4795686AEEC2}"/>
+              </a:ext>
+            </a:extLst>
+          </p:cNvPr>
+          <p:cNvPicPr>
+            <a:picLocks noGrp="1" noChangeAspect="1"/>
+          </p:cNvPicPr>
           <p:nvPr>
             <p:ph idx="1"/>
           </p:nvPr>
-        </p:nvSpPr>
-        <p:spPr/>
-        <p:txBody>
-          <a:bodyPr/>
-          <a:lstStyle/>
-          <a:p>
-            <a:endParaRPr lang="en-NZ"/>
-          </a:p>
-        </p:txBody>
-      </p:sp>
+        </p:nvPicPr>
+        <p:blipFill>
+          <a:blip r:embed="rId2"/>
+          <a:stretch>
+            <a:fillRect/>
+          </a:stretch>
+        </p:blipFill>
+        <p:spPr>
+          <a:xfrm>
+            <a:off x="838200" y="1796656"/>
+            <a:ext cx="4344006" cy="2543530"/>
+          </a:xfrm>
+        </p:spPr>
+      </p:pic>
     </p:spTree>
     <p:extLst>
       <p:ext uri="{BB962C8B-B14F-4D97-AF65-F5344CB8AC3E}">
-        <p14:creationId xmlns:p14="http://schemas.microsoft.com/office/powerpoint/2010/main" val="3590533096"/>
+        <p14:creationId xmlns:p14="http://schemas.microsoft.com/office/powerpoint/2010/main" val="3338783566"/>
       </p:ext>
     </p:extLst>
   </p:cSld>
@@ -5299,7 +5324,7 @@
           <p:cNvPr id="2" name="Title 1">
             <a:extLst>
               <a:ext uri="{FF2B5EF4-FFF2-40B4-BE49-F238E27FC236}">
-                <a16:creationId xmlns:a16="http://schemas.microsoft.com/office/drawing/2014/main" id="{6BEB0DAF-FBD7-FA8D-93ED-A77693D056E4}"/>
+                <a16:creationId xmlns:a16="http://schemas.microsoft.com/office/drawing/2014/main" id="{4EDED2DB-D21F-F08F-1888-134755B73052}"/>
               </a:ext>
             </a:extLst>
           </p:cNvPr>
@@ -5317,40 +5342,79 @@
           <a:p>
             <a:r>
               <a:rPr lang="en-NZ" dirty="0"/>
-              <a:t>Must acknowledge level completion</a:t>
-            </a:r>
-          </a:p>
-        </p:txBody>
-      </p:sp>
-      <p:sp>
-        <p:nvSpPr>
-          <p:cNvPr id="3" name="Content Placeholder 2">
-            <a:extLst>
-              <a:ext uri="{FF2B5EF4-FFF2-40B4-BE49-F238E27FC236}">
-                <a16:creationId xmlns:a16="http://schemas.microsoft.com/office/drawing/2014/main" id="{C10BE031-1454-24B5-8237-B701BCDB1FC2}"/>
-              </a:ext>
-            </a:extLst>
-          </p:cNvPr>
-          <p:cNvSpPr>
-            <a:spLocks noGrp="1"/>
-          </p:cNvSpPr>
+              <a:t>Must show time taken to beat level</a:t>
+            </a:r>
+          </a:p>
+        </p:txBody>
+      </p:sp>
+      <p:pic>
+        <p:nvPicPr>
+          <p:cNvPr id="4" name="Content Placeholder 4">
+            <a:extLst>
+              <a:ext uri="{FF2B5EF4-FFF2-40B4-BE49-F238E27FC236}">
+                <a16:creationId xmlns:a16="http://schemas.microsoft.com/office/drawing/2014/main" id="{D2CAA36F-F0FA-9940-2A9B-AFC6F9392041}"/>
+              </a:ext>
+            </a:extLst>
+          </p:cNvPr>
+          <p:cNvPicPr>
+            <a:picLocks noGrp="1" noChangeAspect="1"/>
+          </p:cNvPicPr>
           <p:nvPr>
             <p:ph idx="1"/>
           </p:nvPr>
-        </p:nvSpPr>
-        <p:spPr/>
-        <p:txBody>
-          <a:bodyPr/>
-          <a:lstStyle/>
-          <a:p>
-            <a:endParaRPr lang="en-NZ"/>
+        </p:nvPicPr>
+        <p:blipFill>
+          <a:blip r:embed="rId2"/>
+          <a:stretch>
+            <a:fillRect/>
+          </a:stretch>
+        </p:blipFill>
+        <p:spPr>
+          <a:xfrm>
+            <a:off x="838200" y="1690688"/>
+            <a:ext cx="4344006" cy="2543530"/>
+          </a:xfrm>
+        </p:spPr>
+      </p:pic>
+      <p:sp>
+        <p:nvSpPr>
+          <p:cNvPr id="5" name="TextBox 4">
+            <a:extLst>
+              <a:ext uri="{FF2B5EF4-FFF2-40B4-BE49-F238E27FC236}">
+                <a16:creationId xmlns:a16="http://schemas.microsoft.com/office/drawing/2014/main" id="{205A03EF-A104-BD32-4A0D-1B6E7DD464CC}"/>
+              </a:ext>
+            </a:extLst>
+          </p:cNvPr>
+          <p:cNvSpPr txBox="1"/>
+          <p:nvPr/>
+        </p:nvSpPr>
+        <p:spPr>
+          <a:xfrm>
+            <a:off x="5661891" y="1773382"/>
+            <a:ext cx="5449454" cy="369332"/>
+          </a:xfrm>
+          <a:prstGeom prst="rect">
+            <a:avLst/>
+          </a:prstGeom>
+          <a:noFill/>
+        </p:spPr>
+        <p:txBody>
+          <a:bodyPr wrap="square" rtlCol="0">
+            <a:spAutoFit/>
+          </a:bodyPr>
+          <a:lstStyle/>
+          <a:p>
+            <a:r>
+              <a:rPr lang="en-NZ" dirty="0"/>
+              <a:t>Displays the total elapsed time from start to finish</a:t>
+            </a:r>
           </a:p>
         </p:txBody>
       </p:sp>
     </p:spTree>
     <p:extLst>
       <p:ext uri="{BB962C8B-B14F-4D97-AF65-F5344CB8AC3E}">
-        <p14:creationId xmlns:p14="http://schemas.microsoft.com/office/powerpoint/2010/main" val="2912228586"/>
+        <p14:creationId xmlns:p14="http://schemas.microsoft.com/office/powerpoint/2010/main" val="3590533096"/>
       </p:ext>
     </p:extLst>
   </p:cSld>
@@ -5382,7 +5446,7 @@
           <p:cNvPr id="2" name="Title 1">
             <a:extLst>
               <a:ext uri="{FF2B5EF4-FFF2-40B4-BE49-F238E27FC236}">
-                <a16:creationId xmlns:a16="http://schemas.microsoft.com/office/drawing/2014/main" id="{F912F206-F39F-6CAC-320C-A3E08126AE41}"/>
+                <a16:creationId xmlns:a16="http://schemas.microsoft.com/office/drawing/2014/main" id="{6BEB0DAF-FBD7-FA8D-93ED-A77693D056E4}"/>
               </a:ext>
             </a:extLst>
           </p:cNvPr>
@@ -5400,40 +5464,79 @@
           <a:p>
             <a:r>
               <a:rPr lang="en-NZ" dirty="0"/>
-              <a:t>Must display level name</a:t>
-            </a:r>
-          </a:p>
-        </p:txBody>
-      </p:sp>
-      <p:sp>
-        <p:nvSpPr>
-          <p:cNvPr id="3" name="Content Placeholder 2">
-            <a:extLst>
-              <a:ext uri="{FF2B5EF4-FFF2-40B4-BE49-F238E27FC236}">
-                <a16:creationId xmlns:a16="http://schemas.microsoft.com/office/drawing/2014/main" id="{A1371EA9-B806-A32F-80FC-D7F80F83A6AD}"/>
-              </a:ext>
-            </a:extLst>
-          </p:cNvPr>
-          <p:cNvSpPr>
-            <a:spLocks noGrp="1"/>
-          </p:cNvSpPr>
+              <a:t>Must acknowledge level completion</a:t>
+            </a:r>
+          </a:p>
+        </p:txBody>
+      </p:sp>
+      <p:pic>
+        <p:nvPicPr>
+          <p:cNvPr id="5" name="Content Placeholder 4">
+            <a:extLst>
+              <a:ext uri="{FF2B5EF4-FFF2-40B4-BE49-F238E27FC236}">
+                <a16:creationId xmlns:a16="http://schemas.microsoft.com/office/drawing/2014/main" id="{1BD53278-0AF7-ED68-5B5B-F1594FCEEBBA}"/>
+              </a:ext>
+            </a:extLst>
+          </p:cNvPr>
+          <p:cNvPicPr>
+            <a:picLocks noGrp="1" noChangeAspect="1"/>
+          </p:cNvPicPr>
           <p:nvPr>
             <p:ph idx="1"/>
           </p:nvPr>
-        </p:nvSpPr>
-        <p:spPr/>
-        <p:txBody>
-          <a:bodyPr/>
-          <a:lstStyle/>
-          <a:p>
-            <a:endParaRPr lang="en-NZ"/>
+        </p:nvPicPr>
+        <p:blipFill>
+          <a:blip r:embed="rId2"/>
+          <a:stretch>
+            <a:fillRect/>
+          </a:stretch>
+        </p:blipFill>
+        <p:spPr>
+          <a:xfrm>
+            <a:off x="838200" y="1690688"/>
+            <a:ext cx="4858618" cy="4351338"/>
+          </a:xfrm>
+        </p:spPr>
+      </p:pic>
+      <p:sp>
+        <p:nvSpPr>
+          <p:cNvPr id="6" name="TextBox 5">
+            <a:extLst>
+              <a:ext uri="{FF2B5EF4-FFF2-40B4-BE49-F238E27FC236}">
+                <a16:creationId xmlns:a16="http://schemas.microsoft.com/office/drawing/2014/main" id="{B131BBD1-EA58-A7D3-9108-664051CCE2EE}"/>
+              </a:ext>
+            </a:extLst>
+          </p:cNvPr>
+          <p:cNvSpPr txBox="1"/>
+          <p:nvPr/>
+        </p:nvSpPr>
+        <p:spPr>
+          <a:xfrm>
+            <a:off x="6696364" y="1967345"/>
+            <a:ext cx="4165600" cy="923330"/>
+          </a:xfrm>
+          <a:prstGeom prst="rect">
+            <a:avLst/>
+          </a:prstGeom>
+          <a:noFill/>
+        </p:spPr>
+        <p:txBody>
+          <a:bodyPr wrap="square" rtlCol="0">
+            <a:spAutoFit/>
+          </a:bodyPr>
+          <a:lstStyle/>
+          <a:p>
+            <a:r>
+              <a:rPr lang="en-NZ" dirty="0"/>
+              <a:t>Checks every move to see if the next move will land on the last piece and if it does print You Win.</a:t>
+            </a:r>
           </a:p>
         </p:txBody>
       </p:sp>
     </p:spTree>
     <p:extLst>
       <p:ext uri="{BB962C8B-B14F-4D97-AF65-F5344CB8AC3E}">
-        <p14:creationId xmlns:p14="http://schemas.microsoft.com/office/powerpoint/2010/main" val="4220730044"/>
+        <p14:creationId xmlns:p14="http://schemas.microsoft.com/office/powerpoint/2010/main" val="2912228586"/>
       </p:ext>
     </p:extLst>
   </p:cSld>
@@ -5443,7 +5546,7 @@
 </p:sld>
 </file>
 
-<file path=ppt/slides/slide3.xml><?xml version="1.0" encoding="utf-8"?>
+<file path=ppt/slides/slide26.xml><?xml version="1.0" encoding="utf-8"?>
 <p:sld xmlns:a="http://schemas.openxmlformats.org/drawingml/2006/main" xmlns:r="http://schemas.openxmlformats.org/officeDocument/2006/relationships" xmlns:p="http://schemas.openxmlformats.org/presentationml/2006/main">
   <p:cSld>
     <p:spTree>
@@ -5465,6 +5568,489 @@
           <p:cNvPr id="2" name="Title 1">
             <a:extLst>
               <a:ext uri="{FF2B5EF4-FFF2-40B4-BE49-F238E27FC236}">
+                <a16:creationId xmlns:a16="http://schemas.microsoft.com/office/drawing/2014/main" id="{F912F206-F39F-6CAC-320C-A3E08126AE41}"/>
+              </a:ext>
+            </a:extLst>
+          </p:cNvPr>
+          <p:cNvSpPr>
+            <a:spLocks noGrp="1"/>
+          </p:cNvSpPr>
+          <p:nvPr>
+            <p:ph type="title"/>
+          </p:nvPr>
+        </p:nvSpPr>
+        <p:spPr/>
+        <p:txBody>
+          <a:bodyPr/>
+          <a:lstStyle/>
+          <a:p>
+            <a:r>
+              <a:rPr lang="en-NZ" dirty="0"/>
+              <a:t>Must display level name</a:t>
+            </a:r>
+          </a:p>
+        </p:txBody>
+      </p:sp>
+      <p:sp>
+        <p:nvSpPr>
+          <p:cNvPr id="3" name="Content Placeholder 2">
+            <a:extLst>
+              <a:ext uri="{FF2B5EF4-FFF2-40B4-BE49-F238E27FC236}">
+                <a16:creationId xmlns:a16="http://schemas.microsoft.com/office/drawing/2014/main" id="{A1371EA9-B806-A32F-80FC-D7F80F83A6AD}"/>
+              </a:ext>
+            </a:extLst>
+          </p:cNvPr>
+          <p:cNvSpPr>
+            <a:spLocks noGrp="1"/>
+          </p:cNvSpPr>
+          <p:nvPr>
+            <p:ph idx="1"/>
+          </p:nvPr>
+        </p:nvSpPr>
+        <p:spPr/>
+        <p:txBody>
+          <a:bodyPr/>
+          <a:lstStyle/>
+          <a:p>
+            <a:pPr marL="0" indent="0">
+              <a:buNone/>
+            </a:pPr>
+            <a:r>
+              <a:rPr lang="en-NZ" dirty="0"/>
+              <a:t>Call the </a:t>
+            </a:r>
+            <a:r>
+              <a:rPr lang="en-NZ" dirty="0" err="1"/>
+              <a:t>SetLevelName</a:t>
+            </a:r>
+            <a:r>
+              <a:rPr lang="en-NZ" dirty="0"/>
+              <a:t>() in load function where the level is being loaded to set the name and then print the name out </a:t>
+            </a:r>
+          </a:p>
+        </p:txBody>
+      </p:sp>
+      <p:pic>
+        <p:nvPicPr>
+          <p:cNvPr id="5" name="Picture 4">
+            <a:extLst>
+              <a:ext uri="{FF2B5EF4-FFF2-40B4-BE49-F238E27FC236}">
+                <a16:creationId xmlns:a16="http://schemas.microsoft.com/office/drawing/2014/main" id="{43504742-1292-6D09-9F6D-0574B26F1530}"/>
+              </a:ext>
+            </a:extLst>
+          </p:cNvPr>
+          <p:cNvPicPr>
+            <a:picLocks noChangeAspect="1"/>
+          </p:cNvPicPr>
+          <p:nvPr/>
+        </p:nvPicPr>
+        <p:blipFill>
+          <a:blip r:embed="rId2"/>
+          <a:stretch>
+            <a:fillRect/>
+          </a:stretch>
+        </p:blipFill>
+        <p:spPr>
+          <a:xfrm>
+            <a:off x="914933" y="2919341"/>
+            <a:ext cx="3505689" cy="1019317"/>
+          </a:xfrm>
+          <a:prstGeom prst="rect">
+            <a:avLst/>
+          </a:prstGeom>
+        </p:spPr>
+      </p:pic>
+      <p:pic>
+        <p:nvPicPr>
+          <p:cNvPr id="7" name="Picture 6">
+            <a:extLst>
+              <a:ext uri="{FF2B5EF4-FFF2-40B4-BE49-F238E27FC236}">
+                <a16:creationId xmlns:a16="http://schemas.microsoft.com/office/drawing/2014/main" id="{379667F7-12F9-BAE1-3010-4D72879C48DE}"/>
+              </a:ext>
+            </a:extLst>
+          </p:cNvPr>
+          <p:cNvPicPr>
+            <a:picLocks noChangeAspect="1"/>
+          </p:cNvPicPr>
+          <p:nvPr/>
+        </p:nvPicPr>
+        <p:blipFill>
+          <a:blip r:embed="rId3"/>
+          <a:stretch>
+            <a:fillRect/>
+          </a:stretch>
+        </p:blipFill>
+        <p:spPr>
+          <a:xfrm>
+            <a:off x="4497355" y="2919341"/>
+            <a:ext cx="2695951" cy="257211"/>
+          </a:xfrm>
+          <a:prstGeom prst="rect">
+            <a:avLst/>
+          </a:prstGeom>
+        </p:spPr>
+      </p:pic>
+    </p:spTree>
+    <p:extLst>
+      <p:ext uri="{BB962C8B-B14F-4D97-AF65-F5344CB8AC3E}">
+        <p14:creationId xmlns:p14="http://schemas.microsoft.com/office/powerpoint/2010/main" val="4220730044"/>
+      </p:ext>
+    </p:extLst>
+  </p:cSld>
+  <p:clrMapOvr>
+    <a:masterClrMapping/>
+  </p:clrMapOvr>
+</p:sld>
+</file>
+
+<file path=ppt/slides/slide27.xml><?xml version="1.0" encoding="utf-8"?>
+<p:sld xmlns:a="http://schemas.openxmlformats.org/drawingml/2006/main" xmlns:r="http://schemas.openxmlformats.org/officeDocument/2006/relationships" xmlns:p="http://schemas.openxmlformats.org/presentationml/2006/main">
+  <p:cSld>
+    <p:spTree>
+      <p:nvGrpSpPr>
+        <p:cNvPr id="1" name=""/>
+        <p:cNvGrpSpPr/>
+        <p:nvPr/>
+      </p:nvGrpSpPr>
+      <p:grpSpPr>
+        <a:xfrm>
+          <a:off x="0" y="0"/>
+          <a:ext cx="0" cy="0"/>
+          <a:chOff x="0" y="0"/>
+          <a:chExt cx="0" cy="0"/>
+        </a:xfrm>
+      </p:grpSpPr>
+      <p:sp>
+        <p:nvSpPr>
+          <p:cNvPr id="2" name="Title 1">
+            <a:extLst>
+              <a:ext uri="{FF2B5EF4-FFF2-40B4-BE49-F238E27FC236}">
+                <a16:creationId xmlns:a16="http://schemas.microsoft.com/office/drawing/2014/main" id="{5731CEB1-4A9D-53AB-612C-98F08B190ED6}"/>
+              </a:ext>
+            </a:extLst>
+          </p:cNvPr>
+          <p:cNvSpPr>
+            <a:spLocks noGrp="1"/>
+          </p:cNvSpPr>
+          <p:nvPr>
+            <p:ph type="title"/>
+          </p:nvPr>
+        </p:nvSpPr>
+        <p:spPr/>
+        <p:txBody>
+          <a:bodyPr/>
+          <a:lstStyle/>
+          <a:p>
+            <a:r>
+              <a:rPr lang="en-NZ" dirty="0"/>
+              <a:t>Display Level name Test</a:t>
+            </a:r>
+          </a:p>
+        </p:txBody>
+      </p:sp>
+      <p:sp>
+        <p:nvSpPr>
+          <p:cNvPr id="3" name="Content Placeholder 2">
+            <a:extLst>
+              <a:ext uri="{FF2B5EF4-FFF2-40B4-BE49-F238E27FC236}">
+                <a16:creationId xmlns:a16="http://schemas.microsoft.com/office/drawing/2014/main" id="{1EBBA42C-0FA8-2041-5217-1A2BDA0C9151}"/>
+              </a:ext>
+            </a:extLst>
+          </p:cNvPr>
+          <p:cNvSpPr>
+            <a:spLocks noGrp="1"/>
+          </p:cNvSpPr>
+          <p:nvPr>
+            <p:ph idx="1"/>
+          </p:nvPr>
+        </p:nvSpPr>
+        <p:spPr>
+          <a:xfrm>
+            <a:off x="838200" y="5310909"/>
+            <a:ext cx="1378527" cy="866054"/>
+          </a:xfrm>
+        </p:spPr>
+        <p:txBody>
+          <a:bodyPr/>
+          <a:lstStyle/>
+          <a:p>
+            <a:pPr marL="0" indent="0">
+              <a:buNone/>
+            </a:pPr>
+            <a:endParaRPr lang="en-NZ" dirty="0"/>
+          </a:p>
+        </p:txBody>
+      </p:sp>
+      <p:pic>
+        <p:nvPicPr>
+          <p:cNvPr id="5" name="Picture 4">
+            <a:extLst>
+              <a:ext uri="{FF2B5EF4-FFF2-40B4-BE49-F238E27FC236}">
+                <a16:creationId xmlns:a16="http://schemas.microsoft.com/office/drawing/2014/main" id="{B3A2AC23-77EA-9695-75EC-4199C928E3CB}"/>
+              </a:ext>
+            </a:extLst>
+          </p:cNvPr>
+          <p:cNvPicPr>
+            <a:picLocks noChangeAspect="1"/>
+          </p:cNvPicPr>
+          <p:nvPr/>
+        </p:nvPicPr>
+        <p:blipFill>
+          <a:blip r:embed="rId2"/>
+          <a:stretch>
+            <a:fillRect/>
+          </a:stretch>
+        </p:blipFill>
+        <p:spPr>
+          <a:xfrm>
+            <a:off x="758534" y="1690688"/>
+            <a:ext cx="4172532" cy="4820323"/>
+          </a:xfrm>
+          <a:prstGeom prst="rect">
+            <a:avLst/>
+          </a:prstGeom>
+        </p:spPr>
+      </p:pic>
+      <p:pic>
+        <p:nvPicPr>
+          <p:cNvPr id="7" name="Picture 6">
+            <a:extLst>
+              <a:ext uri="{FF2B5EF4-FFF2-40B4-BE49-F238E27FC236}">
+                <a16:creationId xmlns:a16="http://schemas.microsoft.com/office/drawing/2014/main" id="{65417105-E13F-5C80-A985-B177DDE137FA}"/>
+              </a:ext>
+            </a:extLst>
+          </p:cNvPr>
+          <p:cNvPicPr>
+            <a:picLocks noChangeAspect="1"/>
+          </p:cNvPicPr>
+          <p:nvPr/>
+        </p:nvPicPr>
+        <p:blipFill>
+          <a:blip r:embed="rId3"/>
+          <a:stretch>
+            <a:fillRect/>
+          </a:stretch>
+        </p:blipFill>
+        <p:spPr>
+          <a:xfrm>
+            <a:off x="5010732" y="3315398"/>
+            <a:ext cx="5430008" cy="685896"/>
+          </a:xfrm>
+          <a:prstGeom prst="rect">
+            <a:avLst/>
+          </a:prstGeom>
+        </p:spPr>
+      </p:pic>
+      <p:sp>
+        <p:nvSpPr>
+          <p:cNvPr id="8" name="TextBox 7">
+            <a:extLst>
+              <a:ext uri="{FF2B5EF4-FFF2-40B4-BE49-F238E27FC236}">
+                <a16:creationId xmlns:a16="http://schemas.microsoft.com/office/drawing/2014/main" id="{C419EDBF-1C76-B880-48A2-4ECCC88C4471}"/>
+              </a:ext>
+            </a:extLst>
+          </p:cNvPr>
+          <p:cNvSpPr txBox="1"/>
+          <p:nvPr/>
+        </p:nvSpPr>
+        <p:spPr>
+          <a:xfrm>
+            <a:off x="5285064" y="1690688"/>
+            <a:ext cx="5259897" cy="646331"/>
+          </a:xfrm>
+          <a:prstGeom prst="rect">
+            <a:avLst/>
+          </a:prstGeom>
+          <a:noFill/>
+        </p:spPr>
+        <p:txBody>
+          <a:bodyPr wrap="square" rtlCol="0">
+            <a:spAutoFit/>
+          </a:bodyPr>
+          <a:lstStyle/>
+          <a:p>
+            <a:r>
+              <a:rPr lang="en-NZ" dirty="0"/>
+              <a:t>I had a test with the correct name and the incorrect name to ensure my test was working</a:t>
+            </a:r>
+          </a:p>
+        </p:txBody>
+      </p:sp>
+    </p:spTree>
+    <p:extLst>
+      <p:ext uri="{BB962C8B-B14F-4D97-AF65-F5344CB8AC3E}">
+        <p14:creationId xmlns:p14="http://schemas.microsoft.com/office/powerpoint/2010/main" val="1868342955"/>
+      </p:ext>
+    </p:extLst>
+  </p:cSld>
+  <p:clrMapOvr>
+    <a:masterClrMapping/>
+  </p:clrMapOvr>
+</p:sld>
+</file>
+
+<file path=ppt/slides/slide3.xml><?xml version="1.0" encoding="utf-8"?>
+<p:sld xmlns:a="http://schemas.openxmlformats.org/drawingml/2006/main" xmlns:r="http://schemas.openxmlformats.org/officeDocument/2006/relationships" xmlns:p="http://schemas.openxmlformats.org/presentationml/2006/main">
+  <p:cSld>
+    <p:bg>
+      <p:bgPr>
+        <a:solidFill>
+          <a:schemeClr val="bg1"/>
+        </a:solidFill>
+        <a:effectLst/>
+      </p:bgPr>
+    </p:bg>
+    <p:spTree>
+      <p:nvGrpSpPr>
+        <p:cNvPr id="1" name=""/>
+        <p:cNvGrpSpPr/>
+        <p:nvPr/>
+      </p:nvGrpSpPr>
+      <p:grpSpPr>
+        <a:xfrm>
+          <a:off x="0" y="0"/>
+          <a:ext cx="0" cy="0"/>
+          <a:chOff x="0" y="0"/>
+          <a:chExt cx="0" cy="0"/>
+        </a:xfrm>
+      </p:grpSpPr>
+      <p:sp>
+        <p:nvSpPr>
+          <p:cNvPr id="2" name="Title 1">
+            <a:extLst>
+              <a:ext uri="{FF2B5EF4-FFF2-40B4-BE49-F238E27FC236}">
+                <a16:creationId xmlns:a16="http://schemas.microsoft.com/office/drawing/2014/main" id="{17A4FC72-5C9D-9996-015A-8F4FC892B21D}"/>
+              </a:ext>
+            </a:extLst>
+          </p:cNvPr>
+          <p:cNvSpPr>
+            <a:spLocks noGrp="1"/>
+          </p:cNvSpPr>
+          <p:nvPr>
+            <p:ph type="ctrTitle"/>
+          </p:nvPr>
+        </p:nvSpPr>
+        <p:spPr>
+          <a:xfrm>
+            <a:off x="838199" y="291090"/>
+            <a:ext cx="10515599" cy="932688"/>
+          </a:xfrm>
+        </p:spPr>
+        <p:txBody>
+          <a:bodyPr>
+            <a:normAutofit/>
+          </a:bodyPr>
+          <a:lstStyle/>
+          <a:p>
+            <a:pPr algn="l"/>
+            <a:r>
+              <a:rPr lang="en-NZ" sz="5400" dirty="0"/>
+              <a:t>Must haves</a:t>
+            </a:r>
+          </a:p>
+        </p:txBody>
+      </p:sp>
+      <p:sp>
+        <p:nvSpPr>
+          <p:cNvPr id="3" name="Subtitle 2">
+            <a:extLst>
+              <a:ext uri="{FF2B5EF4-FFF2-40B4-BE49-F238E27FC236}">
+                <a16:creationId xmlns:a16="http://schemas.microsoft.com/office/drawing/2014/main" id="{7BB52EF9-CC8F-7255-ED79-C0F177F24C23}"/>
+              </a:ext>
+            </a:extLst>
+          </p:cNvPr>
+          <p:cNvSpPr>
+            <a:spLocks noGrp="1"/>
+          </p:cNvSpPr>
+          <p:nvPr>
+            <p:ph type="subTitle" idx="1"/>
+          </p:nvPr>
+        </p:nvSpPr>
+        <p:spPr>
+          <a:xfrm>
+            <a:off x="838199" y="1335726"/>
+            <a:ext cx="10515599" cy="420624"/>
+          </a:xfrm>
+        </p:spPr>
+        <p:txBody>
+          <a:bodyPr>
+            <a:normAutofit/>
+          </a:bodyPr>
+          <a:lstStyle/>
+          <a:p>
+            <a:pPr algn="l"/>
+            <a:r>
+              <a:rPr lang="en-NZ" dirty="0"/>
+              <a:t>I had 17 must have features</a:t>
+            </a:r>
+          </a:p>
+        </p:txBody>
+      </p:sp>
+      <p:pic>
+        <p:nvPicPr>
+          <p:cNvPr id="9" name="Picture 8">
+            <a:extLst>
+              <a:ext uri="{FF2B5EF4-FFF2-40B4-BE49-F238E27FC236}">
+                <a16:creationId xmlns:a16="http://schemas.microsoft.com/office/drawing/2014/main" id="{C3060C24-B68E-F2C7-49DD-733E06A1C6D0}"/>
+              </a:ext>
+            </a:extLst>
+          </p:cNvPr>
+          <p:cNvPicPr>
+            <a:picLocks noChangeAspect="1"/>
+          </p:cNvPicPr>
+          <p:nvPr/>
+        </p:nvPicPr>
+        <p:blipFill>
+          <a:blip r:embed="rId2"/>
+          <a:stretch>
+            <a:fillRect/>
+          </a:stretch>
+        </p:blipFill>
+        <p:spPr>
+          <a:xfrm>
+            <a:off x="838199" y="1756350"/>
+            <a:ext cx="2762931" cy="4878895"/>
+          </a:xfrm>
+          <a:prstGeom prst="rect">
+            <a:avLst/>
+          </a:prstGeom>
+        </p:spPr>
+      </p:pic>
+    </p:spTree>
+    <p:extLst>
+      <p:ext uri="{BB962C8B-B14F-4D97-AF65-F5344CB8AC3E}">
+        <p14:creationId xmlns:p14="http://schemas.microsoft.com/office/powerpoint/2010/main" val="3631052344"/>
+      </p:ext>
+    </p:extLst>
+  </p:cSld>
+  <p:clrMapOvr>
+    <a:masterClrMapping/>
+  </p:clrMapOvr>
+</p:sld>
+</file>
+
+<file path=ppt/slides/slide4.xml><?xml version="1.0" encoding="utf-8"?>
+<p:sld xmlns:a="http://schemas.openxmlformats.org/drawingml/2006/main" xmlns:r="http://schemas.openxmlformats.org/officeDocument/2006/relationships" xmlns:p="http://schemas.openxmlformats.org/presentationml/2006/main">
+  <p:cSld>
+    <p:spTree>
+      <p:nvGrpSpPr>
+        <p:cNvPr id="1" name=""/>
+        <p:cNvGrpSpPr/>
+        <p:nvPr/>
+      </p:nvGrpSpPr>
+      <p:grpSpPr>
+        <a:xfrm>
+          <a:off x="0" y="0"/>
+          <a:ext cx="0" cy="0"/>
+          <a:chOff x="0" y="0"/>
+          <a:chExt cx="0" cy="0"/>
+        </a:xfrm>
+      </p:grpSpPr>
+      <p:sp>
+        <p:nvSpPr>
+          <p:cNvPr id="2" name="Title 1">
+            <a:extLst>
+              <a:ext uri="{FF2B5EF4-FFF2-40B4-BE49-F238E27FC236}">
                 <a16:creationId xmlns:a16="http://schemas.microsoft.com/office/drawing/2014/main" id="{C612166B-97F3-6C8B-AD9A-911CFB9E0187}"/>
               </a:ext>
             </a:extLst>
@@ -5579,7 +6165,7 @@
 </p:sld>
 </file>
 
-<file path=ppt/slides/slide4.xml><?xml version="1.0" encoding="utf-8"?>
+<file path=ppt/slides/slide5.xml><?xml version="1.0" encoding="utf-8"?>
 <p:sld xmlns:a="http://schemas.openxmlformats.org/drawingml/2006/main" xmlns:r="http://schemas.openxmlformats.org/officeDocument/2006/relationships" xmlns:p="http://schemas.openxmlformats.org/presentationml/2006/main">
   <p:cSld>
     <p:bg>
@@ -5771,93 +6357,6 @@
     <p:extLst>
       <p:ext uri="{BB962C8B-B14F-4D97-AF65-F5344CB8AC3E}">
         <p14:creationId xmlns:p14="http://schemas.microsoft.com/office/powerpoint/2010/main" val="3482038824"/>
-      </p:ext>
-    </p:extLst>
-  </p:cSld>
-  <p:clrMapOvr>
-    <a:masterClrMapping/>
-  </p:clrMapOvr>
-</p:sld>
-</file>
-
-<file path=ppt/slides/slide5.xml><?xml version="1.0" encoding="utf-8"?>
-<p:sld xmlns:a="http://schemas.openxmlformats.org/drawingml/2006/main" xmlns:r="http://schemas.openxmlformats.org/officeDocument/2006/relationships" xmlns:p="http://schemas.openxmlformats.org/presentationml/2006/main">
-  <p:cSld>
-    <p:spTree>
-      <p:nvGrpSpPr>
-        <p:cNvPr id="1" name=""/>
-        <p:cNvGrpSpPr/>
-        <p:nvPr/>
-      </p:nvGrpSpPr>
-      <p:grpSpPr>
-        <a:xfrm>
-          <a:off x="0" y="0"/>
-          <a:ext cx="0" cy="0"/>
-          <a:chOff x="0" y="0"/>
-          <a:chExt cx="0" cy="0"/>
-        </a:xfrm>
-      </p:grpSpPr>
-      <p:sp>
-        <p:nvSpPr>
-          <p:cNvPr id="2" name="Title 1">
-            <a:extLst>
-              <a:ext uri="{FF2B5EF4-FFF2-40B4-BE49-F238E27FC236}">
-                <a16:creationId xmlns:a16="http://schemas.microsoft.com/office/drawing/2014/main" id="{A61D2C21-C932-A5A8-5245-EC5E3731490D}"/>
-              </a:ext>
-            </a:extLst>
-          </p:cNvPr>
-          <p:cNvSpPr>
-            <a:spLocks noGrp="1"/>
-          </p:cNvSpPr>
-          <p:nvPr>
-            <p:ph type="title"/>
-          </p:nvPr>
-        </p:nvSpPr>
-        <p:spPr/>
-        <p:txBody>
-          <a:bodyPr/>
-          <a:lstStyle/>
-          <a:p>
-            <a:r>
-              <a:rPr lang="en-NZ" dirty="0"/>
-              <a:t>Rook Movement Test</a:t>
-            </a:r>
-          </a:p>
-        </p:txBody>
-      </p:sp>
-      <p:pic>
-        <p:nvPicPr>
-          <p:cNvPr id="5" name="Content Placeholder 4">
-            <a:extLst>
-              <a:ext uri="{FF2B5EF4-FFF2-40B4-BE49-F238E27FC236}">
-                <a16:creationId xmlns:a16="http://schemas.microsoft.com/office/drawing/2014/main" id="{00D7D053-3E2F-5154-F572-B298EC648FC1}"/>
-              </a:ext>
-            </a:extLst>
-          </p:cNvPr>
-          <p:cNvPicPr>
-            <a:picLocks noGrp="1" noChangeAspect="1"/>
-          </p:cNvPicPr>
-          <p:nvPr>
-            <p:ph idx="1"/>
-          </p:nvPr>
-        </p:nvPicPr>
-        <p:blipFill>
-          <a:blip r:embed="rId2"/>
-          <a:stretch>
-            <a:fillRect/>
-          </a:stretch>
-        </p:blipFill>
-        <p:spPr>
-          <a:xfrm>
-            <a:off x="921520" y="2019103"/>
-            <a:ext cx="1352739" cy="1409897"/>
-          </a:xfrm>
-        </p:spPr>
-      </p:pic>
-    </p:spTree>
-    <p:extLst>
-      <p:ext uri="{BB962C8B-B14F-4D97-AF65-F5344CB8AC3E}">
-        <p14:creationId xmlns:p14="http://schemas.microsoft.com/office/powerpoint/2010/main" val="3460846892"/>
       </p:ext>
     </p:extLst>
   </p:cSld>
@@ -5889,7 +6388,7 @@
           <p:cNvPr id="2" name="Title 1">
             <a:extLst>
               <a:ext uri="{FF2B5EF4-FFF2-40B4-BE49-F238E27FC236}">
-                <a16:creationId xmlns:a16="http://schemas.microsoft.com/office/drawing/2014/main" id="{D9394B36-5B27-74A5-86AE-119381BFC652}"/>
+                <a16:creationId xmlns:a16="http://schemas.microsoft.com/office/drawing/2014/main" id="{A61D2C21-C932-A5A8-5245-EC5E3731490D}"/>
               </a:ext>
             </a:extLst>
           </p:cNvPr>
@@ -5907,7 +6406,7 @@
           <a:p>
             <a:r>
               <a:rPr lang="en-NZ" dirty="0"/>
-              <a:t>Must have movement for King</a:t>
+              <a:t>Rook Movement Test</a:t>
             </a:r>
           </a:p>
         </p:txBody>
@@ -5917,7 +6416,7 @@
           <p:cNvPr id="5" name="Content Placeholder 4">
             <a:extLst>
               <a:ext uri="{FF2B5EF4-FFF2-40B4-BE49-F238E27FC236}">
-                <a16:creationId xmlns:a16="http://schemas.microsoft.com/office/drawing/2014/main" id="{249BDD64-CDEB-BABB-8D38-779C9B86FEA9}"/>
+                <a16:creationId xmlns:a16="http://schemas.microsoft.com/office/drawing/2014/main" id="{00D7D053-3E2F-5154-F572-B298EC648FC1}"/>
               </a:ext>
             </a:extLst>
           </p:cNvPr>
@@ -5936,15 +6435,15 @@
         </p:blipFill>
         <p:spPr>
           <a:xfrm>
-            <a:off x="947019" y="1972186"/>
-            <a:ext cx="10297962" cy="4058216"/>
+            <a:off x="921520" y="2019103"/>
+            <a:ext cx="1352739" cy="1409897"/>
           </a:xfrm>
         </p:spPr>
       </p:pic>
     </p:spTree>
     <p:extLst>
       <p:ext uri="{BB962C8B-B14F-4D97-AF65-F5344CB8AC3E}">
-        <p14:creationId xmlns:p14="http://schemas.microsoft.com/office/powerpoint/2010/main" val="1228757780"/>
+        <p14:creationId xmlns:p14="http://schemas.microsoft.com/office/powerpoint/2010/main" val="3460846892"/>
       </p:ext>
     </p:extLst>
   </p:cSld>
@@ -5976,7 +6475,7 @@
           <p:cNvPr id="2" name="Title 1">
             <a:extLst>
               <a:ext uri="{FF2B5EF4-FFF2-40B4-BE49-F238E27FC236}">
-                <a16:creationId xmlns:a16="http://schemas.microsoft.com/office/drawing/2014/main" id="{BF7F7169-EBAC-A472-9FE0-39CB7B964C70}"/>
+                <a16:creationId xmlns:a16="http://schemas.microsoft.com/office/drawing/2014/main" id="{D9394B36-5B27-74A5-86AE-119381BFC652}"/>
               </a:ext>
             </a:extLst>
           </p:cNvPr>
@@ -5994,7 +6493,7 @@
           <a:p>
             <a:r>
               <a:rPr lang="en-NZ" dirty="0"/>
-              <a:t>King Movement Test</a:t>
+              <a:t>Must have movement for King</a:t>
             </a:r>
           </a:p>
         </p:txBody>
@@ -6004,7 +6503,7 @@
           <p:cNvPr id="5" name="Content Placeholder 4">
             <a:extLst>
               <a:ext uri="{FF2B5EF4-FFF2-40B4-BE49-F238E27FC236}">
-                <a16:creationId xmlns:a16="http://schemas.microsoft.com/office/drawing/2014/main" id="{410168B7-6005-8C57-E5C1-DDE48B9002C9}"/>
+                <a16:creationId xmlns:a16="http://schemas.microsoft.com/office/drawing/2014/main" id="{249BDD64-CDEB-BABB-8D38-779C9B86FEA9}"/>
               </a:ext>
             </a:extLst>
           </p:cNvPr>
@@ -6023,15 +6522,15 @@
         </p:blipFill>
         <p:spPr>
           <a:xfrm>
-            <a:off x="838200" y="1690688"/>
-            <a:ext cx="1352739" cy="1362265"/>
+            <a:off x="947019" y="1972186"/>
+            <a:ext cx="10297962" cy="4058216"/>
           </a:xfrm>
         </p:spPr>
       </p:pic>
     </p:spTree>
     <p:extLst>
       <p:ext uri="{BB962C8B-B14F-4D97-AF65-F5344CB8AC3E}">
-        <p14:creationId xmlns:p14="http://schemas.microsoft.com/office/powerpoint/2010/main" val="969305408"/>
+        <p14:creationId xmlns:p14="http://schemas.microsoft.com/office/powerpoint/2010/main" val="1228757780"/>
       </p:ext>
     </p:extLst>
   </p:cSld>
@@ -6063,7 +6562,7 @@
           <p:cNvPr id="2" name="Title 1">
             <a:extLst>
               <a:ext uri="{FF2B5EF4-FFF2-40B4-BE49-F238E27FC236}">
-                <a16:creationId xmlns:a16="http://schemas.microsoft.com/office/drawing/2014/main" id="{D4467DA4-C01D-3B67-142B-833A0A9AB5DA}"/>
+                <a16:creationId xmlns:a16="http://schemas.microsoft.com/office/drawing/2014/main" id="{BF7F7169-EBAC-A472-9FE0-39CB7B964C70}"/>
               </a:ext>
             </a:extLst>
           </p:cNvPr>
@@ -6081,52 +6580,26 @@
           <a:p>
             <a:r>
               <a:rPr lang="en-NZ" dirty="0"/>
-              <a:t>Must have movement for Queen</a:t>
-            </a:r>
-          </a:p>
-        </p:txBody>
-      </p:sp>
-      <p:sp>
-        <p:nvSpPr>
-          <p:cNvPr id="7" name="Content Placeholder 6">
-            <a:extLst>
-              <a:ext uri="{FF2B5EF4-FFF2-40B4-BE49-F238E27FC236}">
-                <a16:creationId xmlns:a16="http://schemas.microsoft.com/office/drawing/2014/main" id="{C7F130DF-45AA-D463-0F79-EB40863E184A}"/>
-              </a:ext>
-            </a:extLst>
-          </p:cNvPr>
-          <p:cNvSpPr>
-            <a:spLocks noGrp="1"/>
-          </p:cNvSpPr>
-          <p:nvPr>
-            <p:ph idx="1"/>
-          </p:nvPr>
-        </p:nvSpPr>
-        <p:spPr/>
-        <p:txBody>
-          <a:bodyPr/>
-          <a:lstStyle/>
-          <a:p>
-            <a:r>
-              <a:rPr lang="en-NZ" dirty="0"/>
-              <a:t>Queen Movement is a combination of the Rook and Bishop movement</a:t>
+              <a:t>King Movement Test</a:t>
             </a:r>
           </a:p>
         </p:txBody>
       </p:sp>
       <p:pic>
         <p:nvPicPr>
-          <p:cNvPr id="8" name="Content Placeholder 4">
-            <a:extLst>
-              <a:ext uri="{FF2B5EF4-FFF2-40B4-BE49-F238E27FC236}">
-                <a16:creationId xmlns:a16="http://schemas.microsoft.com/office/drawing/2014/main" id="{AF0C5FF8-0A01-D6F7-36BC-1398AB864698}"/>
+          <p:cNvPr id="5" name="Content Placeholder 4">
+            <a:extLst>
+              <a:ext uri="{FF2B5EF4-FFF2-40B4-BE49-F238E27FC236}">
+                <a16:creationId xmlns:a16="http://schemas.microsoft.com/office/drawing/2014/main" id="{410168B7-6005-8C57-E5C1-DDE48B9002C9}"/>
               </a:ext>
             </a:extLst>
           </p:cNvPr>
           <p:cNvPicPr>
-            <a:picLocks noChangeAspect="1"/>
+            <a:picLocks noGrp="1" noChangeAspect="1"/>
           </p:cNvPicPr>
-          <p:nvPr/>
+          <p:nvPr>
+            <p:ph idx="1"/>
+          </p:nvPr>
         </p:nvPicPr>
         <p:blipFill>
           <a:blip r:embed="rId2"/>
@@ -6136,18 +6609,15 @@
         </p:blipFill>
         <p:spPr>
           <a:xfrm>
-            <a:off x="991920" y="2800976"/>
-            <a:ext cx="2400635" cy="1200318"/>
-          </a:xfrm>
-          <a:prstGeom prst="rect">
-            <a:avLst/>
-          </a:prstGeom>
+            <a:off x="838200" y="1690688"/>
+            <a:ext cx="1352739" cy="1362265"/>
+          </a:xfrm>
         </p:spPr>
       </p:pic>
     </p:spTree>
     <p:extLst>
       <p:ext uri="{BB962C8B-B14F-4D97-AF65-F5344CB8AC3E}">
-        <p14:creationId xmlns:p14="http://schemas.microsoft.com/office/powerpoint/2010/main" val="491357484"/>
+        <p14:creationId xmlns:p14="http://schemas.microsoft.com/office/powerpoint/2010/main" val="969305408"/>
       </p:ext>
     </p:extLst>
   </p:cSld>
@@ -6179,7 +6649,7 @@
           <p:cNvPr id="2" name="Title 1">
             <a:extLst>
               <a:ext uri="{FF2B5EF4-FFF2-40B4-BE49-F238E27FC236}">
-                <a16:creationId xmlns:a16="http://schemas.microsoft.com/office/drawing/2014/main" id="{22A33876-8499-92C2-2B40-FEB5A96C5BE5}"/>
+                <a16:creationId xmlns:a16="http://schemas.microsoft.com/office/drawing/2014/main" id="{D4467DA4-C01D-3B67-142B-833A0A9AB5DA}"/>
               </a:ext>
             </a:extLst>
           </p:cNvPr>
@@ -6197,26 +6667,52 @@
           <a:p>
             <a:r>
               <a:rPr lang="en-NZ" dirty="0"/>
-              <a:t>Queen Movement Test</a:t>
+              <a:t>Must have movement for Queen</a:t>
+            </a:r>
+          </a:p>
+        </p:txBody>
+      </p:sp>
+      <p:sp>
+        <p:nvSpPr>
+          <p:cNvPr id="7" name="Content Placeholder 6">
+            <a:extLst>
+              <a:ext uri="{FF2B5EF4-FFF2-40B4-BE49-F238E27FC236}">
+                <a16:creationId xmlns:a16="http://schemas.microsoft.com/office/drawing/2014/main" id="{C7F130DF-45AA-D463-0F79-EB40863E184A}"/>
+              </a:ext>
+            </a:extLst>
+          </p:cNvPr>
+          <p:cNvSpPr>
+            <a:spLocks noGrp="1"/>
+          </p:cNvSpPr>
+          <p:nvPr>
+            <p:ph idx="1"/>
+          </p:nvPr>
+        </p:nvSpPr>
+        <p:spPr/>
+        <p:txBody>
+          <a:bodyPr/>
+          <a:lstStyle/>
+          <a:p>
+            <a:r>
+              <a:rPr lang="en-NZ" dirty="0"/>
+              <a:t>Queen Movement is a combination of the Rook and Bishop movement</a:t>
             </a:r>
           </a:p>
         </p:txBody>
       </p:sp>
       <p:pic>
         <p:nvPicPr>
-          <p:cNvPr id="5" name="Content Placeholder 4">
-            <a:extLst>
-              <a:ext uri="{FF2B5EF4-FFF2-40B4-BE49-F238E27FC236}">
-                <a16:creationId xmlns:a16="http://schemas.microsoft.com/office/drawing/2014/main" id="{8AF0E019-9A8D-DA6E-8242-8BA246D9DD54}"/>
+          <p:cNvPr id="8" name="Content Placeholder 4">
+            <a:extLst>
+              <a:ext uri="{FF2B5EF4-FFF2-40B4-BE49-F238E27FC236}">
+                <a16:creationId xmlns:a16="http://schemas.microsoft.com/office/drawing/2014/main" id="{AF0C5FF8-0A01-D6F7-36BC-1398AB864698}"/>
               </a:ext>
             </a:extLst>
           </p:cNvPr>
           <p:cNvPicPr>
-            <a:picLocks noGrp="1" noChangeAspect="1"/>
+            <a:picLocks noChangeAspect="1"/>
           </p:cNvPicPr>
-          <p:nvPr>
-            <p:ph idx="1"/>
-          </p:nvPr>
+          <p:nvPr/>
         </p:nvPicPr>
         <p:blipFill>
           <a:blip r:embed="rId2"/>
@@ -6226,15 +6722,18 @@
         </p:blipFill>
         <p:spPr>
           <a:xfrm>
-            <a:off x="838200" y="2047682"/>
-            <a:ext cx="1105054" cy="1381318"/>
-          </a:xfrm>
+            <a:off x="991920" y="2800976"/>
+            <a:ext cx="2400635" cy="1200318"/>
+          </a:xfrm>
+          <a:prstGeom prst="rect">
+            <a:avLst/>
+          </a:prstGeom>
         </p:spPr>
       </p:pic>
     </p:spTree>
     <p:extLst>
       <p:ext uri="{BB962C8B-B14F-4D97-AF65-F5344CB8AC3E}">
-        <p14:creationId xmlns:p14="http://schemas.microsoft.com/office/powerpoint/2010/main" val="4020650957"/>
+        <p14:creationId xmlns:p14="http://schemas.microsoft.com/office/powerpoint/2010/main" val="491357484"/>
       </p:ext>
     </p:extLst>
   </p:cSld>

--- a/Presentation.pptx
+++ b/Presentation.pptx
@@ -8,30 +8,32 @@
     <p:sldId id="274" r:id="rId2"/>
     <p:sldId id="282" r:id="rId3"/>
     <p:sldId id="256" r:id="rId4"/>
-    <p:sldId id="257" r:id="rId5"/>
-    <p:sldId id="258" r:id="rId6"/>
-    <p:sldId id="275" r:id="rId7"/>
-    <p:sldId id="259" r:id="rId8"/>
-    <p:sldId id="276" r:id="rId9"/>
-    <p:sldId id="260" r:id="rId10"/>
-    <p:sldId id="277" r:id="rId11"/>
-    <p:sldId id="261" r:id="rId12"/>
-    <p:sldId id="278" r:id="rId13"/>
-    <p:sldId id="262" r:id="rId14"/>
-    <p:sldId id="279" r:id="rId15"/>
-    <p:sldId id="263" r:id="rId16"/>
-    <p:sldId id="264" r:id="rId17"/>
-    <p:sldId id="265" r:id="rId18"/>
-    <p:sldId id="266" r:id="rId19"/>
-    <p:sldId id="280" r:id="rId20"/>
-    <p:sldId id="267" r:id="rId21"/>
-    <p:sldId id="268" r:id="rId22"/>
-    <p:sldId id="269" r:id="rId23"/>
-    <p:sldId id="270" r:id="rId24"/>
-    <p:sldId id="271" r:id="rId25"/>
-    <p:sldId id="272" r:id="rId26"/>
-    <p:sldId id="273" r:id="rId27"/>
-    <p:sldId id="281" r:id="rId28"/>
+    <p:sldId id="284" r:id="rId5"/>
+    <p:sldId id="257" r:id="rId6"/>
+    <p:sldId id="283" r:id="rId7"/>
+    <p:sldId id="258" r:id="rId8"/>
+    <p:sldId id="275" r:id="rId9"/>
+    <p:sldId id="259" r:id="rId10"/>
+    <p:sldId id="276" r:id="rId11"/>
+    <p:sldId id="260" r:id="rId12"/>
+    <p:sldId id="277" r:id="rId13"/>
+    <p:sldId id="261" r:id="rId14"/>
+    <p:sldId id="278" r:id="rId15"/>
+    <p:sldId id="262" r:id="rId16"/>
+    <p:sldId id="279" r:id="rId17"/>
+    <p:sldId id="263" r:id="rId18"/>
+    <p:sldId id="264" r:id="rId19"/>
+    <p:sldId id="265" r:id="rId20"/>
+    <p:sldId id="266" r:id="rId21"/>
+    <p:sldId id="280" r:id="rId22"/>
+    <p:sldId id="267" r:id="rId23"/>
+    <p:sldId id="268" r:id="rId24"/>
+    <p:sldId id="269" r:id="rId25"/>
+    <p:sldId id="270" r:id="rId26"/>
+    <p:sldId id="271" r:id="rId27"/>
+    <p:sldId id="272" r:id="rId28"/>
+    <p:sldId id="273" r:id="rId29"/>
+    <p:sldId id="281" r:id="rId30"/>
   </p:sldIdLst>
   <p:sldSz cx="12192000" cy="6858000"/>
   <p:notesSz cx="6858000" cy="9144000"/>
@@ -287,7 +289,7 @@
           <a:p>
             <a:fld id="{02404940-6997-4C4C-AC22-464C463984D1}" type="datetimeFigureOut">
               <a:rPr lang="en-NZ" smtClean="0"/>
-              <a:t>16/09/2022</a:t>
+              <a:t>17/09/2022</a:t>
             </a:fld>
             <a:endParaRPr lang="en-NZ"/>
           </a:p>
@@ -487,7 +489,7 @@
           <a:p>
             <a:fld id="{02404940-6997-4C4C-AC22-464C463984D1}" type="datetimeFigureOut">
               <a:rPr lang="en-NZ" smtClean="0"/>
-              <a:t>16/09/2022</a:t>
+              <a:t>17/09/2022</a:t>
             </a:fld>
             <a:endParaRPr lang="en-NZ"/>
           </a:p>
@@ -697,7 +699,7 @@
           <a:p>
             <a:fld id="{02404940-6997-4C4C-AC22-464C463984D1}" type="datetimeFigureOut">
               <a:rPr lang="en-NZ" smtClean="0"/>
-              <a:t>16/09/2022</a:t>
+              <a:t>17/09/2022</a:t>
             </a:fld>
             <a:endParaRPr lang="en-NZ"/>
           </a:p>
@@ -897,7 +899,7 @@
           <a:p>
             <a:fld id="{02404940-6997-4C4C-AC22-464C463984D1}" type="datetimeFigureOut">
               <a:rPr lang="en-NZ" smtClean="0"/>
-              <a:t>16/09/2022</a:t>
+              <a:t>17/09/2022</a:t>
             </a:fld>
             <a:endParaRPr lang="en-NZ"/>
           </a:p>
@@ -1173,7 +1175,7 @@
           <a:p>
             <a:fld id="{02404940-6997-4C4C-AC22-464C463984D1}" type="datetimeFigureOut">
               <a:rPr lang="en-NZ" smtClean="0"/>
-              <a:t>16/09/2022</a:t>
+              <a:t>17/09/2022</a:t>
             </a:fld>
             <a:endParaRPr lang="en-NZ"/>
           </a:p>
@@ -1441,7 +1443,7 @@
           <a:p>
             <a:fld id="{02404940-6997-4C4C-AC22-464C463984D1}" type="datetimeFigureOut">
               <a:rPr lang="en-NZ" smtClean="0"/>
-              <a:t>16/09/2022</a:t>
+              <a:t>17/09/2022</a:t>
             </a:fld>
             <a:endParaRPr lang="en-NZ"/>
           </a:p>
@@ -1856,7 +1858,7 @@
           <a:p>
             <a:fld id="{02404940-6997-4C4C-AC22-464C463984D1}" type="datetimeFigureOut">
               <a:rPr lang="en-NZ" smtClean="0"/>
-              <a:t>16/09/2022</a:t>
+              <a:t>17/09/2022</a:t>
             </a:fld>
             <a:endParaRPr lang="en-NZ"/>
           </a:p>
@@ -1998,7 +2000,7 @@
           <a:p>
             <a:fld id="{02404940-6997-4C4C-AC22-464C463984D1}" type="datetimeFigureOut">
               <a:rPr lang="en-NZ" smtClean="0"/>
-              <a:t>16/09/2022</a:t>
+              <a:t>17/09/2022</a:t>
             </a:fld>
             <a:endParaRPr lang="en-NZ"/>
           </a:p>
@@ -2111,7 +2113,7 @@
           <a:p>
             <a:fld id="{02404940-6997-4C4C-AC22-464C463984D1}" type="datetimeFigureOut">
               <a:rPr lang="en-NZ" smtClean="0"/>
-              <a:t>16/09/2022</a:t>
+              <a:t>17/09/2022</a:t>
             </a:fld>
             <a:endParaRPr lang="en-NZ"/>
           </a:p>
@@ -2424,7 +2426,7 @@
           <a:p>
             <a:fld id="{02404940-6997-4C4C-AC22-464C463984D1}" type="datetimeFigureOut">
               <a:rPr lang="en-NZ" smtClean="0"/>
-              <a:t>16/09/2022</a:t>
+              <a:t>17/09/2022</a:t>
             </a:fld>
             <a:endParaRPr lang="en-NZ"/>
           </a:p>
@@ -2713,7 +2715,7 @@
           <a:p>
             <a:fld id="{02404940-6997-4C4C-AC22-464C463984D1}" type="datetimeFigureOut">
               <a:rPr lang="en-NZ" smtClean="0"/>
-              <a:t>16/09/2022</a:t>
+              <a:t>17/09/2022</a:t>
             </a:fld>
             <a:endParaRPr lang="en-NZ"/>
           </a:p>
@@ -2956,7 +2958,7 @@
           <a:p>
             <a:fld id="{02404940-6997-4C4C-AC22-464C463984D1}" type="datetimeFigureOut">
               <a:rPr lang="en-NZ" smtClean="0"/>
-              <a:t>16/09/2022</a:t>
+              <a:t>17/09/2022</a:t>
             </a:fld>
             <a:endParaRPr lang="en-NZ"/>
           </a:p>
@@ -3465,7 +3467,7 @@
           <p:cNvPr id="2" name="Title 1">
             <a:extLst>
               <a:ext uri="{FF2B5EF4-FFF2-40B4-BE49-F238E27FC236}">
-                <a16:creationId xmlns:a16="http://schemas.microsoft.com/office/drawing/2014/main" id="{22A33876-8499-92C2-2B40-FEB5A96C5BE5}"/>
+                <a16:creationId xmlns:a16="http://schemas.microsoft.com/office/drawing/2014/main" id="{BF7F7169-EBAC-A472-9FE0-39CB7B964C70}"/>
               </a:ext>
             </a:extLst>
           </p:cNvPr>
@@ -3483,7 +3485,7 @@
           <a:p>
             <a:r>
               <a:rPr lang="en-NZ" dirty="0"/>
-              <a:t>Queen Movement Test</a:t>
+              <a:t>King Movement Test</a:t>
             </a:r>
           </a:p>
         </p:txBody>
@@ -3493,7 +3495,7 @@
           <p:cNvPr id="5" name="Content Placeholder 4">
             <a:extLst>
               <a:ext uri="{FF2B5EF4-FFF2-40B4-BE49-F238E27FC236}">
-                <a16:creationId xmlns:a16="http://schemas.microsoft.com/office/drawing/2014/main" id="{8AF0E019-9A8D-DA6E-8242-8BA246D9DD54}"/>
+                <a16:creationId xmlns:a16="http://schemas.microsoft.com/office/drawing/2014/main" id="{410168B7-6005-8C57-E5C1-DDE48B9002C9}"/>
               </a:ext>
             </a:extLst>
           </p:cNvPr>
@@ -3512,15 +3514,45 @@
         </p:blipFill>
         <p:spPr>
           <a:xfrm>
-            <a:off x="838200" y="2047682"/>
-            <a:ext cx="1105054" cy="1381318"/>
-          </a:xfrm>
+            <a:off x="838200" y="1690688"/>
+            <a:ext cx="1352739" cy="1362265"/>
+          </a:xfrm>
+        </p:spPr>
+      </p:pic>
+      <p:pic>
+        <p:nvPicPr>
+          <p:cNvPr id="4" name="Picture 3">
+            <a:extLst>
+              <a:ext uri="{FF2B5EF4-FFF2-40B4-BE49-F238E27FC236}">
+                <a16:creationId xmlns:a16="http://schemas.microsoft.com/office/drawing/2014/main" id="{F7250E14-B627-F195-63D2-44A2C86D52E2}"/>
+              </a:ext>
+            </a:extLst>
+          </p:cNvPr>
+          <p:cNvPicPr>
+            <a:picLocks noChangeAspect="1"/>
+          </p:cNvPicPr>
+          <p:nvPr/>
+        </p:nvPicPr>
+        <p:blipFill>
+          <a:blip r:embed="rId3"/>
+          <a:stretch>
+            <a:fillRect/>
+          </a:stretch>
+        </p:blipFill>
+        <p:spPr>
+          <a:xfrm>
+            <a:off x="3502619" y="1576061"/>
+            <a:ext cx="4176476" cy="4916814"/>
+          </a:xfrm>
+          <a:prstGeom prst="rect">
+            <a:avLst/>
+          </a:prstGeom>
         </p:spPr>
       </p:pic>
     </p:spTree>
     <p:extLst>
       <p:ext uri="{BB962C8B-B14F-4D97-AF65-F5344CB8AC3E}">
-        <p14:creationId xmlns:p14="http://schemas.microsoft.com/office/powerpoint/2010/main" val="4020650957"/>
+        <p14:creationId xmlns:p14="http://schemas.microsoft.com/office/powerpoint/2010/main" val="969305408"/>
       </p:ext>
     </p:extLst>
   </p:cSld>
@@ -3552,7 +3584,7 @@
           <p:cNvPr id="2" name="Title 1">
             <a:extLst>
               <a:ext uri="{FF2B5EF4-FFF2-40B4-BE49-F238E27FC236}">
-                <a16:creationId xmlns:a16="http://schemas.microsoft.com/office/drawing/2014/main" id="{58431F95-07FB-8AF9-747B-C933872A2197}"/>
+                <a16:creationId xmlns:a16="http://schemas.microsoft.com/office/drawing/2014/main" id="{D4467DA4-C01D-3B67-142B-833A0A9AB5DA}"/>
               </a:ext>
             </a:extLst>
           </p:cNvPr>
@@ -3570,26 +3602,52 @@
           <a:p>
             <a:r>
               <a:rPr lang="en-NZ" dirty="0"/>
-              <a:t>Must have movement for Knight</a:t>
+              <a:t>Must have movement for Queen</a:t>
+            </a:r>
+          </a:p>
+        </p:txBody>
+      </p:sp>
+      <p:sp>
+        <p:nvSpPr>
+          <p:cNvPr id="7" name="Content Placeholder 6">
+            <a:extLst>
+              <a:ext uri="{FF2B5EF4-FFF2-40B4-BE49-F238E27FC236}">
+                <a16:creationId xmlns:a16="http://schemas.microsoft.com/office/drawing/2014/main" id="{C7F130DF-45AA-D463-0F79-EB40863E184A}"/>
+              </a:ext>
+            </a:extLst>
+          </p:cNvPr>
+          <p:cNvSpPr>
+            <a:spLocks noGrp="1"/>
+          </p:cNvSpPr>
+          <p:nvPr>
+            <p:ph idx="1"/>
+          </p:nvPr>
+        </p:nvSpPr>
+        <p:spPr/>
+        <p:txBody>
+          <a:bodyPr/>
+          <a:lstStyle/>
+          <a:p>
+            <a:r>
+              <a:rPr lang="en-NZ" dirty="0"/>
+              <a:t>Queen Movement is a combination of the Rook and Bishop movement</a:t>
             </a:r>
           </a:p>
         </p:txBody>
       </p:sp>
       <p:pic>
         <p:nvPicPr>
-          <p:cNvPr id="5" name="Content Placeholder 4">
-            <a:extLst>
-              <a:ext uri="{FF2B5EF4-FFF2-40B4-BE49-F238E27FC236}">
-                <a16:creationId xmlns:a16="http://schemas.microsoft.com/office/drawing/2014/main" id="{480220E9-9348-1A8B-22A3-E5BD248B9BAB}"/>
+          <p:cNvPr id="8" name="Content Placeholder 4">
+            <a:extLst>
+              <a:ext uri="{FF2B5EF4-FFF2-40B4-BE49-F238E27FC236}">
+                <a16:creationId xmlns:a16="http://schemas.microsoft.com/office/drawing/2014/main" id="{AF0C5FF8-0A01-D6F7-36BC-1398AB864698}"/>
               </a:ext>
             </a:extLst>
           </p:cNvPr>
           <p:cNvPicPr>
-            <a:picLocks noGrp="1" noChangeAspect="1"/>
+            <a:picLocks noChangeAspect="1"/>
           </p:cNvPicPr>
-          <p:nvPr>
-            <p:ph idx="1"/>
-          </p:nvPr>
+          <p:nvPr/>
         </p:nvPicPr>
         <p:blipFill>
           <a:blip r:embed="rId2"/>
@@ -3599,15 +3657,18 @@
         </p:blipFill>
         <p:spPr>
           <a:xfrm>
-            <a:off x="889861" y="2010291"/>
-            <a:ext cx="10412278" cy="3982006"/>
-          </a:xfrm>
+            <a:off x="991920" y="2800976"/>
+            <a:ext cx="2400635" cy="1200318"/>
+          </a:xfrm>
+          <a:prstGeom prst="rect">
+            <a:avLst/>
+          </a:prstGeom>
         </p:spPr>
       </p:pic>
     </p:spTree>
     <p:extLst>
       <p:ext uri="{BB962C8B-B14F-4D97-AF65-F5344CB8AC3E}">
-        <p14:creationId xmlns:p14="http://schemas.microsoft.com/office/powerpoint/2010/main" val="1594033806"/>
+        <p14:creationId xmlns:p14="http://schemas.microsoft.com/office/powerpoint/2010/main" val="491357484"/>
       </p:ext>
     </p:extLst>
   </p:cSld>
@@ -3639,7 +3700,7 @@
           <p:cNvPr id="2" name="Title 1">
             <a:extLst>
               <a:ext uri="{FF2B5EF4-FFF2-40B4-BE49-F238E27FC236}">
-                <a16:creationId xmlns:a16="http://schemas.microsoft.com/office/drawing/2014/main" id="{BEBCAC81-1CA2-DEE1-888A-E42D0E1A26F0}"/>
+                <a16:creationId xmlns:a16="http://schemas.microsoft.com/office/drawing/2014/main" id="{22A33876-8499-92C2-2B40-FEB5A96C5BE5}"/>
               </a:ext>
             </a:extLst>
           </p:cNvPr>
@@ -3657,24 +3718,26 @@
           <a:p>
             <a:r>
               <a:rPr lang="en-NZ" dirty="0"/>
-              <a:t>Knight Movement Test</a:t>
+              <a:t>Queen Movement Test</a:t>
             </a:r>
           </a:p>
         </p:txBody>
       </p:sp>
       <p:pic>
         <p:nvPicPr>
-          <p:cNvPr id="7" name="Picture 6">
-            <a:extLst>
-              <a:ext uri="{FF2B5EF4-FFF2-40B4-BE49-F238E27FC236}">
-                <a16:creationId xmlns:a16="http://schemas.microsoft.com/office/drawing/2014/main" id="{C3B09312-47A0-3BD6-7C27-6F1AC93C81E5}"/>
+          <p:cNvPr id="5" name="Content Placeholder 4">
+            <a:extLst>
+              <a:ext uri="{FF2B5EF4-FFF2-40B4-BE49-F238E27FC236}">
+                <a16:creationId xmlns:a16="http://schemas.microsoft.com/office/drawing/2014/main" id="{8AF0E019-9A8D-DA6E-8242-8BA246D9DD54}"/>
               </a:ext>
             </a:extLst>
           </p:cNvPr>
           <p:cNvPicPr>
-            <a:picLocks noChangeAspect="1"/>
+            <a:picLocks noGrp="1" noChangeAspect="1"/>
           </p:cNvPicPr>
-          <p:nvPr/>
+          <p:nvPr>
+            <p:ph idx="1"/>
+          </p:nvPr>
         </p:nvPicPr>
         <p:blipFill>
           <a:blip r:embed="rId2"/>
@@ -3684,8 +3747,35 @@
         </p:blipFill>
         <p:spPr>
           <a:xfrm>
-            <a:off x="838200" y="2326888"/>
-            <a:ext cx="1295581" cy="1409897"/>
+            <a:off x="838200" y="2047682"/>
+            <a:ext cx="1105054" cy="1381318"/>
+          </a:xfrm>
+        </p:spPr>
+      </p:pic>
+      <p:pic>
+        <p:nvPicPr>
+          <p:cNvPr id="4" name="Picture 3">
+            <a:extLst>
+              <a:ext uri="{FF2B5EF4-FFF2-40B4-BE49-F238E27FC236}">
+                <a16:creationId xmlns:a16="http://schemas.microsoft.com/office/drawing/2014/main" id="{5A118233-BF78-A60F-461A-E46FC4631E97}"/>
+              </a:ext>
+            </a:extLst>
+          </p:cNvPr>
+          <p:cNvPicPr>
+            <a:picLocks noChangeAspect="1"/>
+          </p:cNvPicPr>
+          <p:nvPr/>
+        </p:nvPicPr>
+        <p:blipFill>
+          <a:blip r:embed="rId3"/>
+          <a:stretch>
+            <a:fillRect/>
+          </a:stretch>
+        </p:blipFill>
+        <p:spPr>
+          <a:xfrm>
+            <a:off x="3610020" y="1690688"/>
+            <a:ext cx="4302340" cy="4734235"/>
           </a:xfrm>
           <a:prstGeom prst="rect">
             <a:avLst/>
@@ -3695,7 +3785,7 @@
     </p:spTree>
     <p:extLst>
       <p:ext uri="{BB962C8B-B14F-4D97-AF65-F5344CB8AC3E}">
-        <p14:creationId xmlns:p14="http://schemas.microsoft.com/office/powerpoint/2010/main" val="2082019043"/>
+        <p14:creationId xmlns:p14="http://schemas.microsoft.com/office/powerpoint/2010/main" val="4020650957"/>
       </p:ext>
     </p:extLst>
   </p:cSld>
@@ -3708,14 +3798,6 @@
 <file path=ppt/slides/slide13.xml><?xml version="1.0" encoding="utf-8"?>
 <p:sld xmlns:a="http://schemas.openxmlformats.org/drawingml/2006/main" xmlns:r="http://schemas.openxmlformats.org/officeDocument/2006/relationships" xmlns:p="http://schemas.openxmlformats.org/presentationml/2006/main">
   <p:cSld>
-    <p:bg>
-      <p:bgPr>
-        <a:solidFill>
-          <a:schemeClr val="bg1"/>
-        </a:solidFill>
-        <a:effectLst/>
-      </p:bgPr>
-    </p:bg>
     <p:spTree>
       <p:nvGrpSpPr>
         <p:cNvPr id="1" name=""/>
@@ -3730,72 +3812,12 @@
           <a:chExt cx="0" cy="0"/>
         </a:xfrm>
       </p:grpSpPr>
-      <p:sp useBgFill="1">
-        <p:nvSpPr>
-          <p:cNvPr id="12" name="Rectangle 11">
-            <a:extLst>
-              <a:ext uri="{FF2B5EF4-FFF2-40B4-BE49-F238E27FC236}">
-                <a16:creationId xmlns:a16="http://schemas.microsoft.com/office/drawing/2014/main" id="{8761DDFE-071F-4200-B0AA-394476C2D2D6}"/>
-              </a:ext>
-              <a:ext uri="{C183D7F6-B498-43B3-948B-1728B52AA6E4}">
-                <adec:decorative xmlns:adec="http://schemas.microsoft.com/office/drawing/2017/decorative" val="1"/>
-              </a:ext>
-            </a:extLst>
-          </p:cNvPr>
-          <p:cNvSpPr>
-            <a:spLocks noGrp="1" noRot="1" noChangeAspect="1" noMove="1" noResize="1" noEditPoints="1" noAdjustHandles="1" noChangeArrowheads="1" noChangeShapeType="1" noTextEdit="1"/>
-          </p:cNvSpPr>
-          <p:nvPr>
-            <p:extLst>
-              <p:ext uri="{386F3935-93C4-4BCD-93E2-E3B085C9AB24}">
-                <p16:designElem xmlns:p16="http://schemas.microsoft.com/office/powerpoint/2015/main" val="1"/>
-              </p:ext>
-            </p:extLst>
-          </p:nvPr>
-        </p:nvSpPr>
-        <p:spPr>
-          <a:xfrm>
-            <a:off x="-1" y="0"/>
-            <a:ext cx="12188952" cy="6858000"/>
-          </a:xfrm>
-          <a:prstGeom prst="rect">
-            <a:avLst/>
-          </a:prstGeom>
-          <a:ln>
-            <a:noFill/>
-          </a:ln>
-        </p:spPr>
-        <p:style>
-          <a:lnRef idx="2">
-            <a:schemeClr val="accent1">
-              <a:shade val="50000"/>
-            </a:schemeClr>
-          </a:lnRef>
-          <a:fillRef idx="1">
-            <a:schemeClr val="accent1"/>
-          </a:fillRef>
-          <a:effectRef idx="0">
-            <a:schemeClr val="accent1"/>
-          </a:effectRef>
-          <a:fontRef idx="minor">
-            <a:schemeClr val="lt1"/>
-          </a:fontRef>
-        </p:style>
-        <p:txBody>
-          <a:bodyPr rtlCol="0" anchor="ctr"/>
-          <a:lstStyle/>
-          <a:p>
-            <a:pPr algn="ctr"/>
-            <a:endParaRPr lang="en-US"/>
-          </a:p>
-        </p:txBody>
-      </p:sp>
       <p:sp>
         <p:nvSpPr>
           <p:cNvPr id="2" name="Title 1">
             <a:extLst>
               <a:ext uri="{FF2B5EF4-FFF2-40B4-BE49-F238E27FC236}">
-                <a16:creationId xmlns:a16="http://schemas.microsoft.com/office/drawing/2014/main" id="{B8D97C7A-0F46-6C57-D4CF-BBC0C3DB5BC6}"/>
+                <a16:creationId xmlns:a16="http://schemas.microsoft.com/office/drawing/2014/main" id="{58431F95-07FB-8AF9-747B-C933872A2197}"/>
               </a:ext>
             </a:extLst>
           </p:cNvPr>
@@ -3806,38 +3828,33 @@
             <p:ph type="title"/>
           </p:nvPr>
         </p:nvSpPr>
-        <p:spPr>
-          <a:xfrm>
-            <a:off x="838198" y="547815"/>
-            <a:ext cx="5167185" cy="1680519"/>
-          </a:xfrm>
-        </p:spPr>
-        <p:txBody>
-          <a:bodyPr>
-            <a:normAutofit/>
-          </a:bodyPr>
-          <a:lstStyle/>
-          <a:p>
-            <a:r>
-              <a:rPr lang="en-NZ" sz="4000"/>
-              <a:t>Must have movement for Bishop</a:t>
+        <p:spPr/>
+        <p:txBody>
+          <a:bodyPr/>
+          <a:lstStyle/>
+          <a:p>
+            <a:r>
+              <a:rPr lang="en-NZ" dirty="0"/>
+              <a:t>Must have movement for Knight</a:t>
             </a:r>
           </a:p>
         </p:txBody>
       </p:sp>
       <p:pic>
         <p:nvPicPr>
-          <p:cNvPr id="5" name="Picture 4">
-            <a:extLst>
-              <a:ext uri="{FF2B5EF4-FFF2-40B4-BE49-F238E27FC236}">
-                <a16:creationId xmlns:a16="http://schemas.microsoft.com/office/drawing/2014/main" id="{DA0890EC-784A-A896-474C-B915DB8E0589}"/>
+          <p:cNvPr id="5" name="Content Placeholder 4">
+            <a:extLst>
+              <a:ext uri="{FF2B5EF4-FFF2-40B4-BE49-F238E27FC236}">
+                <a16:creationId xmlns:a16="http://schemas.microsoft.com/office/drawing/2014/main" id="{480220E9-9348-1A8B-22A3-E5BD248B9BAB}"/>
               </a:ext>
             </a:extLst>
           </p:cNvPr>
           <p:cNvPicPr>
-            <a:picLocks noChangeAspect="1"/>
+            <a:picLocks noGrp="1" noChangeAspect="1"/>
           </p:cNvPicPr>
-          <p:nvPr/>
+          <p:nvPr>
+            <p:ph idx="1"/>
+          </p:nvPr>
         </p:nvPicPr>
         <p:blipFill>
           <a:blip r:embed="rId2"/>
@@ -3847,48 +3864,15 @@
         </p:blipFill>
         <p:spPr>
           <a:xfrm>
-            <a:off x="947693" y="2421924"/>
-            <a:ext cx="4948194" cy="3711146"/>
-          </a:xfrm>
-          <a:prstGeom prst="rect">
-            <a:avLst/>
-          </a:prstGeom>
-        </p:spPr>
-      </p:pic>
-      <p:pic>
-        <p:nvPicPr>
-          <p:cNvPr id="7" name="Picture 6">
-            <a:extLst>
-              <a:ext uri="{FF2B5EF4-FFF2-40B4-BE49-F238E27FC236}">
-                <a16:creationId xmlns:a16="http://schemas.microsoft.com/office/drawing/2014/main" id="{AF312BC2-99CF-AA71-5D2D-1FC8D8AD5B8C}"/>
-              </a:ext>
-            </a:extLst>
-          </p:cNvPr>
-          <p:cNvPicPr>
-            <a:picLocks noChangeAspect="1"/>
-          </p:cNvPicPr>
-          <p:nvPr/>
-        </p:nvPicPr>
-        <p:blipFill>
-          <a:blip r:embed="rId3"/>
-          <a:stretch>
-            <a:fillRect/>
-          </a:stretch>
-        </p:blipFill>
-        <p:spPr>
-          <a:xfrm>
-            <a:off x="6248781" y="2421924"/>
-            <a:ext cx="5066410" cy="3711146"/>
-          </a:xfrm>
-          <a:prstGeom prst="rect">
-            <a:avLst/>
-          </a:prstGeom>
+            <a:off x="889861" y="2010291"/>
+            <a:ext cx="10412278" cy="3982006"/>
+          </a:xfrm>
         </p:spPr>
       </p:pic>
     </p:spTree>
     <p:extLst>
       <p:ext uri="{BB962C8B-B14F-4D97-AF65-F5344CB8AC3E}">
-        <p14:creationId xmlns:p14="http://schemas.microsoft.com/office/powerpoint/2010/main" val="2526993423"/>
+        <p14:creationId xmlns:p14="http://schemas.microsoft.com/office/powerpoint/2010/main" val="1594033806"/>
       </p:ext>
     </p:extLst>
   </p:cSld>
@@ -3920,7 +3904,7 @@
           <p:cNvPr id="2" name="Title 1">
             <a:extLst>
               <a:ext uri="{FF2B5EF4-FFF2-40B4-BE49-F238E27FC236}">
-                <a16:creationId xmlns:a16="http://schemas.microsoft.com/office/drawing/2014/main" id="{FA7859D7-7762-2E89-24BF-97C25617232B}"/>
+                <a16:creationId xmlns:a16="http://schemas.microsoft.com/office/drawing/2014/main" id="{BEBCAC81-1CA2-DEE1-888A-E42D0E1A26F0}"/>
               </a:ext>
             </a:extLst>
           </p:cNvPr>
@@ -3938,17 +3922,17 @@
           <a:p>
             <a:r>
               <a:rPr lang="en-NZ" dirty="0"/>
-              <a:t>Bishop Movement Test</a:t>
+              <a:t>Knight Movement Test</a:t>
             </a:r>
           </a:p>
         </p:txBody>
       </p:sp>
       <p:pic>
         <p:nvPicPr>
-          <p:cNvPr id="5" name="Picture 4">
-            <a:extLst>
-              <a:ext uri="{FF2B5EF4-FFF2-40B4-BE49-F238E27FC236}">
-                <a16:creationId xmlns:a16="http://schemas.microsoft.com/office/drawing/2014/main" id="{7A520F77-0924-33C4-8BE5-01C2CA70E2F4}"/>
+          <p:cNvPr id="7" name="Picture 6">
+            <a:extLst>
+              <a:ext uri="{FF2B5EF4-FFF2-40B4-BE49-F238E27FC236}">
+                <a16:creationId xmlns:a16="http://schemas.microsoft.com/office/drawing/2014/main" id="{C3B09312-47A0-3BD6-7C27-6F1AC93C81E5}"/>
               </a:ext>
             </a:extLst>
           </p:cNvPr>
@@ -3965,8 +3949,38 @@
         </p:blipFill>
         <p:spPr>
           <a:xfrm>
-            <a:off x="838200" y="2257469"/>
-            <a:ext cx="1486107" cy="1419423"/>
+            <a:off x="838200" y="2326888"/>
+            <a:ext cx="1295581" cy="1409897"/>
+          </a:xfrm>
+          <a:prstGeom prst="rect">
+            <a:avLst/>
+          </a:prstGeom>
+        </p:spPr>
+      </p:pic>
+      <p:pic>
+        <p:nvPicPr>
+          <p:cNvPr id="4" name="Picture 3">
+            <a:extLst>
+              <a:ext uri="{FF2B5EF4-FFF2-40B4-BE49-F238E27FC236}">
+                <a16:creationId xmlns:a16="http://schemas.microsoft.com/office/drawing/2014/main" id="{B7F46161-5F29-2EC1-571D-2E682963C7EE}"/>
+              </a:ext>
+            </a:extLst>
+          </p:cNvPr>
+          <p:cNvPicPr>
+            <a:picLocks noChangeAspect="1"/>
+          </p:cNvPicPr>
+          <p:nvPr/>
+        </p:nvPicPr>
+        <p:blipFill>
+          <a:blip r:embed="rId3"/>
+          <a:stretch>
+            <a:fillRect/>
+          </a:stretch>
+        </p:blipFill>
+        <p:spPr>
+          <a:xfrm>
+            <a:off x="3666002" y="1690688"/>
+            <a:ext cx="4463291" cy="4851028"/>
           </a:xfrm>
           <a:prstGeom prst="rect">
             <a:avLst/>
@@ -3976,7 +3990,7 @@
     </p:spTree>
     <p:extLst>
       <p:ext uri="{BB962C8B-B14F-4D97-AF65-F5344CB8AC3E}">
-        <p14:creationId xmlns:p14="http://schemas.microsoft.com/office/powerpoint/2010/main" val="3115120061"/>
+        <p14:creationId xmlns:p14="http://schemas.microsoft.com/office/powerpoint/2010/main" val="2082019043"/>
       </p:ext>
     </p:extLst>
   </p:cSld>
@@ -3987,128 +4001,6 @@
 </file>
 
 <file path=ppt/slides/slide15.xml><?xml version="1.0" encoding="utf-8"?>
-<p:sld xmlns:a="http://schemas.openxmlformats.org/drawingml/2006/main" xmlns:r="http://schemas.openxmlformats.org/officeDocument/2006/relationships" xmlns:p="http://schemas.openxmlformats.org/presentationml/2006/main">
-  <p:cSld>
-    <p:spTree>
-      <p:nvGrpSpPr>
-        <p:cNvPr id="1" name=""/>
-        <p:cNvGrpSpPr/>
-        <p:nvPr/>
-      </p:nvGrpSpPr>
-      <p:grpSpPr>
-        <a:xfrm>
-          <a:off x="0" y="0"/>
-          <a:ext cx="0" cy="0"/>
-          <a:chOff x="0" y="0"/>
-          <a:chExt cx="0" cy="0"/>
-        </a:xfrm>
-      </p:grpSpPr>
-      <p:sp>
-        <p:nvSpPr>
-          <p:cNvPr id="2" name="Title 1">
-            <a:extLst>
-              <a:ext uri="{FF2B5EF4-FFF2-40B4-BE49-F238E27FC236}">
-                <a16:creationId xmlns:a16="http://schemas.microsoft.com/office/drawing/2014/main" id="{57730566-0958-E60F-1C8D-BED976E2B85D}"/>
-              </a:ext>
-            </a:extLst>
-          </p:cNvPr>
-          <p:cNvSpPr>
-            <a:spLocks noGrp="1"/>
-          </p:cNvSpPr>
-          <p:nvPr>
-            <p:ph type="title"/>
-          </p:nvPr>
-        </p:nvSpPr>
-        <p:spPr/>
-        <p:txBody>
-          <a:bodyPr/>
-          <a:lstStyle/>
-          <a:p>
-            <a:r>
-              <a:rPr lang="en-NZ" dirty="0"/>
-              <a:t>Must be able to detect incorrect movement</a:t>
-            </a:r>
-          </a:p>
-        </p:txBody>
-      </p:sp>
-      <p:pic>
-        <p:nvPicPr>
-          <p:cNvPr id="5" name="Content Placeholder 4">
-            <a:extLst>
-              <a:ext uri="{FF2B5EF4-FFF2-40B4-BE49-F238E27FC236}">
-                <a16:creationId xmlns:a16="http://schemas.microsoft.com/office/drawing/2014/main" id="{9FBF1F4B-E711-228B-50ED-981B83FEC47A}"/>
-              </a:ext>
-            </a:extLst>
-          </p:cNvPr>
-          <p:cNvPicPr>
-            <a:picLocks noGrp="1" noChangeAspect="1"/>
-          </p:cNvPicPr>
-          <p:nvPr>
-            <p:ph idx="1"/>
-          </p:nvPr>
-        </p:nvPicPr>
-        <p:blipFill>
-          <a:blip r:embed="rId2"/>
-          <a:stretch>
-            <a:fillRect/>
-          </a:stretch>
-        </p:blipFill>
-        <p:spPr>
-          <a:xfrm>
-            <a:off x="838200" y="1690688"/>
-            <a:ext cx="5792008" cy="3067478"/>
-          </a:xfrm>
-        </p:spPr>
-      </p:pic>
-      <p:sp>
-        <p:nvSpPr>
-          <p:cNvPr id="6" name="TextBox 5">
-            <a:extLst>
-              <a:ext uri="{FF2B5EF4-FFF2-40B4-BE49-F238E27FC236}">
-                <a16:creationId xmlns:a16="http://schemas.microsoft.com/office/drawing/2014/main" id="{D31C6ED3-F086-5033-7ACC-1D473ED37DBF}"/>
-              </a:ext>
-            </a:extLst>
-          </p:cNvPr>
-          <p:cNvSpPr txBox="1"/>
-          <p:nvPr/>
-        </p:nvSpPr>
-        <p:spPr>
-          <a:xfrm>
-            <a:off x="6770255" y="1791855"/>
-            <a:ext cx="4583545" cy="646331"/>
-          </a:xfrm>
-          <a:prstGeom prst="rect">
-            <a:avLst/>
-          </a:prstGeom>
-          <a:noFill/>
-        </p:spPr>
-        <p:txBody>
-          <a:bodyPr wrap="square" rtlCol="0">
-            <a:spAutoFit/>
-          </a:bodyPr>
-          <a:lstStyle/>
-          <a:p>
-            <a:r>
-              <a:rPr lang="en-NZ" dirty="0"/>
-              <a:t>Checks the players next move to see if it is a legal move for the piece </a:t>
-            </a:r>
-          </a:p>
-        </p:txBody>
-      </p:sp>
-    </p:spTree>
-    <p:extLst>
-      <p:ext uri="{BB962C8B-B14F-4D97-AF65-F5344CB8AC3E}">
-        <p14:creationId xmlns:p14="http://schemas.microsoft.com/office/powerpoint/2010/main" val="1117043179"/>
-      </p:ext>
-    </p:extLst>
-  </p:cSld>
-  <p:clrMapOvr>
-    <a:masterClrMapping/>
-  </p:clrMapOvr>
-</p:sld>
-</file>
-
-<file path=ppt/slides/slide16.xml><?xml version="1.0" encoding="utf-8"?>
 <p:sld xmlns:a="http://schemas.openxmlformats.org/drawingml/2006/main" xmlns:r="http://schemas.openxmlformats.org/officeDocument/2006/relationships" xmlns:p="http://schemas.openxmlformats.org/presentationml/2006/main">
   <p:cSld>
     <p:bg>
@@ -4135,10 +4027,10 @@
       </p:grpSpPr>
       <p:sp useBgFill="1">
         <p:nvSpPr>
-          <p:cNvPr id="16" name="Rectangle 15">
-            <a:extLst>
-              <a:ext uri="{FF2B5EF4-FFF2-40B4-BE49-F238E27FC236}">
-                <a16:creationId xmlns:a16="http://schemas.microsoft.com/office/drawing/2014/main" id="{3B47FC9C-2ED3-4100-A4EF-E8CDFEE106C9}"/>
+          <p:cNvPr id="12" name="Rectangle 11">
+            <a:extLst>
+              <a:ext uri="{FF2B5EF4-FFF2-40B4-BE49-F238E27FC236}">
+                <a16:creationId xmlns:a16="http://schemas.microsoft.com/office/drawing/2014/main" id="{8761DDFE-071F-4200-B0AA-394476C2D2D6}"/>
               </a:ext>
               <a:ext uri="{C183D7F6-B498-43B3-948B-1728B52AA6E4}">
                 <adec:decorative xmlns:adec="http://schemas.microsoft.com/office/drawing/2017/decorative" val="1"/>
@@ -4189,25 +4081,58 @@
           <a:lstStyle/>
           <a:p>
             <a:pPr algn="ctr"/>
-            <a:endParaRPr lang="en-US" dirty="0"/>
+            <a:endParaRPr lang="en-US"/>
+          </a:p>
+        </p:txBody>
+      </p:sp>
+      <p:sp>
+        <p:nvSpPr>
+          <p:cNvPr id="2" name="Title 1">
+            <a:extLst>
+              <a:ext uri="{FF2B5EF4-FFF2-40B4-BE49-F238E27FC236}">
+                <a16:creationId xmlns:a16="http://schemas.microsoft.com/office/drawing/2014/main" id="{B8D97C7A-0F46-6C57-D4CF-BBC0C3DB5BC6}"/>
+              </a:ext>
+            </a:extLst>
+          </p:cNvPr>
+          <p:cNvSpPr>
+            <a:spLocks noGrp="1"/>
+          </p:cNvSpPr>
+          <p:nvPr>
+            <p:ph type="title"/>
+          </p:nvPr>
+        </p:nvSpPr>
+        <p:spPr>
+          <a:xfrm>
+            <a:off x="838198" y="547815"/>
+            <a:ext cx="5167185" cy="1680519"/>
+          </a:xfrm>
+        </p:spPr>
+        <p:txBody>
+          <a:bodyPr>
+            <a:normAutofit/>
+          </a:bodyPr>
+          <a:lstStyle/>
+          <a:p>
+            <a:r>
+              <a:rPr lang="en-NZ" sz="4000"/>
+              <a:t>Must have movement for Bishop</a:t>
+            </a:r>
           </a:p>
         </p:txBody>
       </p:sp>
       <p:pic>
         <p:nvPicPr>
-          <p:cNvPr id="9" name="Content Placeholder 8">
-            <a:extLst>
-              <a:ext uri="{FF2B5EF4-FFF2-40B4-BE49-F238E27FC236}">
-                <a16:creationId xmlns:a16="http://schemas.microsoft.com/office/drawing/2014/main" id="{D10D36F8-DC15-686A-39E4-69F965DE9BCF}"/>
+          <p:cNvPr id="5" name="Picture 4">
+            <a:extLst>
+              <a:ext uri="{FF2B5EF4-FFF2-40B4-BE49-F238E27FC236}">
+                <a16:creationId xmlns:a16="http://schemas.microsoft.com/office/drawing/2014/main" id="{DA0890EC-784A-A896-474C-B915DB8E0589}"/>
               </a:ext>
             </a:extLst>
           </p:cNvPr>
           <p:cNvPicPr>
-            <a:picLocks noGrp="1" noChangeAspect="1"/>
+            <a:picLocks noChangeAspect="1"/>
           </p:cNvPicPr>
-          <p:nvPr>
-            <p:ph idx="1"/>
-          </p:nvPr>
+          <p:nvPr/>
         </p:nvPicPr>
         <p:blipFill>
           <a:blip r:embed="rId2"/>
@@ -4217,8 +4142,8 @@
         </p:blipFill>
         <p:spPr>
           <a:xfrm>
-            <a:off x="1690688" y="555625"/>
-            <a:ext cx="8810625" cy="3808413"/>
+            <a:off x="947693" y="2421924"/>
+            <a:ext cx="4948194" cy="3711146"/>
           </a:xfrm>
           <a:prstGeom prst="rect">
             <a:avLst/>
@@ -4227,10 +4152,10 @@
       </p:pic>
       <p:pic>
         <p:nvPicPr>
-          <p:cNvPr id="11" name="Picture 10">
-            <a:extLst>
-              <a:ext uri="{FF2B5EF4-FFF2-40B4-BE49-F238E27FC236}">
-                <a16:creationId xmlns:a16="http://schemas.microsoft.com/office/drawing/2014/main" id="{032436A8-AE2D-411C-8631-3B4BF5D9825E}"/>
+          <p:cNvPr id="7" name="Picture 6">
+            <a:extLst>
+              <a:ext uri="{FF2B5EF4-FFF2-40B4-BE49-F238E27FC236}">
+                <a16:creationId xmlns:a16="http://schemas.microsoft.com/office/drawing/2014/main" id="{AF312BC2-99CF-AA71-5D2D-1FC8D8AD5B8C}"/>
               </a:ext>
             </a:extLst>
           </p:cNvPr>
@@ -4247,61 +4172,136 @@
         </p:blipFill>
         <p:spPr>
           <a:xfrm>
-            <a:off x="1690688" y="4425950"/>
-            <a:ext cx="8810625" cy="760413"/>
+            <a:off x="6248781" y="2421924"/>
+            <a:ext cx="5066410" cy="3711146"/>
           </a:xfrm>
           <a:prstGeom prst="rect">
             <a:avLst/>
           </a:prstGeom>
         </p:spPr>
       </p:pic>
-      <p:sp>
-        <p:nvSpPr>
-          <p:cNvPr id="2" name="Title 1">
-            <a:extLst>
-              <a:ext uri="{FF2B5EF4-FFF2-40B4-BE49-F238E27FC236}">
-                <a16:creationId xmlns:a16="http://schemas.microsoft.com/office/drawing/2014/main" id="{F2037143-BC2A-B327-59FB-7C5B99AA8B97}"/>
-              </a:ext>
-            </a:extLst>
-          </p:cNvPr>
-          <p:cNvSpPr>
-            <a:spLocks noGrp="1"/>
-          </p:cNvSpPr>
-          <p:nvPr>
-            <p:ph type="title"/>
-          </p:nvPr>
-        </p:nvSpPr>
-        <p:spPr>
-          <a:xfrm>
-            <a:off x="838200" y="5358141"/>
-            <a:ext cx="10515600" cy="942664"/>
-          </a:xfrm>
-        </p:spPr>
-        <p:txBody>
-          <a:bodyPr vert="horz" lIns="91440" tIns="45720" rIns="91440" bIns="45720" rtlCol="0" anchor="ctr">
-            <a:normAutofit/>
-          </a:bodyPr>
-          <a:lstStyle/>
-          <a:p>
-            <a:pPr algn="ctr"/>
-            <a:r>
-              <a:rPr lang="en-US" kern="1200">
-                <a:solidFill>
-                  <a:schemeClr val="tx1"/>
-                </a:solidFill>
-                <a:latin typeface="+mj-lt"/>
-                <a:ea typeface="+mj-ea"/>
-                <a:cs typeface="+mj-cs"/>
-              </a:rPr>
-              <a:t>Must have the ability to select pieces to move</a:t>
-            </a:r>
-          </a:p>
-        </p:txBody>
-      </p:sp>
     </p:spTree>
     <p:extLst>
       <p:ext uri="{BB962C8B-B14F-4D97-AF65-F5344CB8AC3E}">
-        <p14:creationId xmlns:p14="http://schemas.microsoft.com/office/powerpoint/2010/main" val="2064946025"/>
+        <p14:creationId xmlns:p14="http://schemas.microsoft.com/office/powerpoint/2010/main" val="2526993423"/>
+      </p:ext>
+    </p:extLst>
+  </p:cSld>
+  <p:clrMapOvr>
+    <a:masterClrMapping/>
+  </p:clrMapOvr>
+</p:sld>
+</file>
+
+<file path=ppt/slides/slide16.xml><?xml version="1.0" encoding="utf-8"?>
+<p:sld xmlns:a="http://schemas.openxmlformats.org/drawingml/2006/main" xmlns:r="http://schemas.openxmlformats.org/officeDocument/2006/relationships" xmlns:p="http://schemas.openxmlformats.org/presentationml/2006/main">
+  <p:cSld>
+    <p:spTree>
+      <p:nvGrpSpPr>
+        <p:cNvPr id="1" name=""/>
+        <p:cNvGrpSpPr/>
+        <p:nvPr/>
+      </p:nvGrpSpPr>
+      <p:grpSpPr>
+        <a:xfrm>
+          <a:off x="0" y="0"/>
+          <a:ext cx="0" cy="0"/>
+          <a:chOff x="0" y="0"/>
+          <a:chExt cx="0" cy="0"/>
+        </a:xfrm>
+      </p:grpSpPr>
+      <p:sp>
+        <p:nvSpPr>
+          <p:cNvPr id="2" name="Title 1">
+            <a:extLst>
+              <a:ext uri="{FF2B5EF4-FFF2-40B4-BE49-F238E27FC236}">
+                <a16:creationId xmlns:a16="http://schemas.microsoft.com/office/drawing/2014/main" id="{FA7859D7-7762-2E89-24BF-97C25617232B}"/>
+              </a:ext>
+            </a:extLst>
+          </p:cNvPr>
+          <p:cNvSpPr>
+            <a:spLocks noGrp="1"/>
+          </p:cNvSpPr>
+          <p:nvPr>
+            <p:ph type="title"/>
+          </p:nvPr>
+        </p:nvSpPr>
+        <p:spPr/>
+        <p:txBody>
+          <a:bodyPr/>
+          <a:lstStyle/>
+          <a:p>
+            <a:r>
+              <a:rPr lang="en-NZ" dirty="0"/>
+              <a:t>Bishop Movement Test</a:t>
+            </a:r>
+          </a:p>
+        </p:txBody>
+      </p:sp>
+      <p:pic>
+        <p:nvPicPr>
+          <p:cNvPr id="5" name="Picture 4">
+            <a:extLst>
+              <a:ext uri="{FF2B5EF4-FFF2-40B4-BE49-F238E27FC236}">
+                <a16:creationId xmlns:a16="http://schemas.microsoft.com/office/drawing/2014/main" id="{7A520F77-0924-33C4-8BE5-01C2CA70E2F4}"/>
+              </a:ext>
+            </a:extLst>
+          </p:cNvPr>
+          <p:cNvPicPr>
+            <a:picLocks noChangeAspect="1"/>
+          </p:cNvPicPr>
+          <p:nvPr/>
+        </p:nvPicPr>
+        <p:blipFill>
+          <a:blip r:embed="rId2"/>
+          <a:stretch>
+            <a:fillRect/>
+          </a:stretch>
+        </p:blipFill>
+        <p:spPr>
+          <a:xfrm>
+            <a:off x="838200" y="2257469"/>
+            <a:ext cx="1486107" cy="1419423"/>
+          </a:xfrm>
+          <a:prstGeom prst="rect">
+            <a:avLst/>
+          </a:prstGeom>
+        </p:spPr>
+      </p:pic>
+      <p:pic>
+        <p:nvPicPr>
+          <p:cNvPr id="4" name="Picture 3">
+            <a:extLst>
+              <a:ext uri="{FF2B5EF4-FFF2-40B4-BE49-F238E27FC236}">
+                <a16:creationId xmlns:a16="http://schemas.microsoft.com/office/drawing/2014/main" id="{CB8CE8A2-A35A-0857-C320-23944DE6830C}"/>
+              </a:ext>
+            </a:extLst>
+          </p:cNvPr>
+          <p:cNvPicPr>
+            <a:picLocks noChangeAspect="1"/>
+          </p:cNvPicPr>
+          <p:nvPr/>
+        </p:nvPicPr>
+        <p:blipFill>
+          <a:blip r:embed="rId3"/>
+          <a:stretch>
+            <a:fillRect/>
+          </a:stretch>
+        </p:blipFill>
+        <p:spPr>
+          <a:xfrm>
+            <a:off x="3612825" y="1690688"/>
+            <a:ext cx="5115639" cy="4744112"/>
+          </a:xfrm>
+          <a:prstGeom prst="rect">
+            <a:avLst/>
+          </a:prstGeom>
+        </p:spPr>
+      </p:pic>
+    </p:spTree>
+    <p:extLst>
+      <p:ext uri="{BB962C8B-B14F-4D97-AF65-F5344CB8AC3E}">
+        <p14:creationId xmlns:p14="http://schemas.microsoft.com/office/powerpoint/2010/main" val="3115120061"/>
       </p:ext>
     </p:extLst>
   </p:cSld>
@@ -4333,7 +4333,7 @@
           <p:cNvPr id="2" name="Title 1">
             <a:extLst>
               <a:ext uri="{FF2B5EF4-FFF2-40B4-BE49-F238E27FC236}">
-                <a16:creationId xmlns:a16="http://schemas.microsoft.com/office/drawing/2014/main" id="{A5C1F49D-4C2E-6DAC-7F50-923706883CB1}"/>
+                <a16:creationId xmlns:a16="http://schemas.microsoft.com/office/drawing/2014/main" id="{57730566-0958-E60F-1C8D-BED976E2B85D}"/>
               </a:ext>
             </a:extLst>
           </p:cNvPr>
@@ -4351,7 +4351,7 @@
           <a:p>
             <a:r>
               <a:rPr lang="en-NZ" dirty="0"/>
-              <a:t>Must not accept movement to empty squares</a:t>
+              <a:t>Must be able to detect incorrect movement</a:t>
             </a:r>
           </a:p>
         </p:txBody>
@@ -4361,7 +4361,7 @@
           <p:cNvPr id="5" name="Content Placeholder 4">
             <a:extLst>
               <a:ext uri="{FF2B5EF4-FFF2-40B4-BE49-F238E27FC236}">
-                <a16:creationId xmlns:a16="http://schemas.microsoft.com/office/drawing/2014/main" id="{0DB1F3BE-427B-EFFB-4A37-4F9E63219602}"/>
+                <a16:creationId xmlns:a16="http://schemas.microsoft.com/office/drawing/2014/main" id="{9FBF1F4B-E711-228B-50ED-981B83FEC47A}"/>
               </a:ext>
             </a:extLst>
           </p:cNvPr>
@@ -4380,8 +4380,8 @@
         </p:blipFill>
         <p:spPr>
           <a:xfrm>
-            <a:off x="838200" y="1816826"/>
-            <a:ext cx="5677692" cy="3038899"/>
+            <a:off x="838200" y="1690688"/>
+            <a:ext cx="5792008" cy="3067478"/>
           </a:xfrm>
         </p:spPr>
       </p:pic>
@@ -4390,7 +4390,7 @@
           <p:cNvPr id="6" name="TextBox 5">
             <a:extLst>
               <a:ext uri="{FF2B5EF4-FFF2-40B4-BE49-F238E27FC236}">
-                <a16:creationId xmlns:a16="http://schemas.microsoft.com/office/drawing/2014/main" id="{BEDA0DB1-7E1B-1D86-7ED3-2A9DFC716C61}"/>
+                <a16:creationId xmlns:a16="http://schemas.microsoft.com/office/drawing/2014/main" id="{D31C6ED3-F086-5033-7ACC-1D473ED37DBF}"/>
               </a:ext>
             </a:extLst>
           </p:cNvPr>
@@ -4399,8 +4399,8 @@
         </p:nvSpPr>
         <p:spPr>
           <a:xfrm>
-            <a:off x="6788727" y="1902691"/>
-            <a:ext cx="4858328" cy="1200329"/>
+            <a:off x="6770255" y="1791855"/>
+            <a:ext cx="4583545" cy="646331"/>
           </a:xfrm>
           <a:prstGeom prst="rect">
             <a:avLst/>
@@ -4415,7 +4415,7 @@
           <a:p>
             <a:r>
               <a:rPr lang="en-NZ" dirty="0"/>
-              <a:t>If the player selects a next move that is outside of the legal moves or is an empty square, it will print that that was an illegal move, and the player will stay in place</a:t>
+              <a:t>Checks the players next move to see if it is a legal move for the piece </a:t>
             </a:r>
           </a:p>
         </p:txBody>
@@ -4423,7 +4423,7 @@
     </p:spTree>
     <p:extLst>
       <p:ext uri="{BB962C8B-B14F-4D97-AF65-F5344CB8AC3E}">
-        <p14:creationId xmlns:p14="http://schemas.microsoft.com/office/powerpoint/2010/main" val="2120923964"/>
+        <p14:creationId xmlns:p14="http://schemas.microsoft.com/office/powerpoint/2010/main" val="1117043179"/>
       </p:ext>
     </p:extLst>
   </p:cSld>
@@ -4434,137 +4434,6 @@
 </file>
 
 <file path=ppt/slides/slide18.xml><?xml version="1.0" encoding="utf-8"?>
-<p:sld xmlns:a="http://schemas.openxmlformats.org/drawingml/2006/main" xmlns:r="http://schemas.openxmlformats.org/officeDocument/2006/relationships" xmlns:p="http://schemas.openxmlformats.org/presentationml/2006/main">
-  <p:cSld>
-    <p:spTree>
-      <p:nvGrpSpPr>
-        <p:cNvPr id="1" name=""/>
-        <p:cNvGrpSpPr/>
-        <p:nvPr/>
-      </p:nvGrpSpPr>
-      <p:grpSpPr>
-        <a:xfrm>
-          <a:off x="0" y="0"/>
-          <a:ext cx="0" cy="0"/>
-          <a:chOff x="0" y="0"/>
-          <a:chExt cx="0" cy="0"/>
-        </a:xfrm>
-      </p:grpSpPr>
-      <p:sp>
-        <p:nvSpPr>
-          <p:cNvPr id="2" name="Title 1">
-            <a:extLst>
-              <a:ext uri="{FF2B5EF4-FFF2-40B4-BE49-F238E27FC236}">
-                <a16:creationId xmlns:a16="http://schemas.microsoft.com/office/drawing/2014/main" id="{4F0DE8CF-0CC1-B092-2D6B-89EB6D70C759}"/>
-              </a:ext>
-            </a:extLst>
-          </p:cNvPr>
-          <p:cNvSpPr>
-            <a:spLocks noGrp="1"/>
-          </p:cNvSpPr>
-          <p:nvPr>
-            <p:ph type="title"/>
-          </p:nvPr>
-        </p:nvSpPr>
-        <p:spPr/>
-        <p:txBody>
-          <a:bodyPr/>
-          <a:lstStyle/>
-          <a:p>
-            <a:r>
-              <a:rPr lang="en-NZ" dirty="0"/>
-              <a:t>Must count total number of moves</a:t>
-            </a:r>
-          </a:p>
-        </p:txBody>
-      </p:sp>
-      <p:sp>
-        <p:nvSpPr>
-          <p:cNvPr id="8" name="TextBox 7">
-            <a:extLst>
-              <a:ext uri="{FF2B5EF4-FFF2-40B4-BE49-F238E27FC236}">
-                <a16:creationId xmlns:a16="http://schemas.microsoft.com/office/drawing/2014/main" id="{375C1417-94FA-33BC-9E02-88E1F5B2A1C6}"/>
-              </a:ext>
-            </a:extLst>
-          </p:cNvPr>
-          <p:cNvSpPr txBox="1"/>
-          <p:nvPr/>
-        </p:nvSpPr>
-        <p:spPr>
-          <a:xfrm>
-            <a:off x="766618" y="3105834"/>
-            <a:ext cx="4296375" cy="923330"/>
-          </a:xfrm>
-          <a:prstGeom prst="rect">
-            <a:avLst/>
-          </a:prstGeom>
-          <a:noFill/>
-        </p:spPr>
-        <p:txBody>
-          <a:bodyPr wrap="square" rtlCol="0">
-            <a:spAutoFit/>
-          </a:bodyPr>
-          <a:lstStyle/>
-          <a:p>
-            <a:r>
-              <a:rPr lang="en-NZ" dirty="0"/>
-              <a:t>After the player makes a move we call </a:t>
-            </a:r>
-            <a:r>
-              <a:rPr lang="en-NZ" dirty="0" err="1"/>
-              <a:t>GetMoveCount</a:t>
-            </a:r>
-            <a:r>
-              <a:rPr lang="en-NZ" dirty="0"/>
-              <a:t>() and that increments the move count variable by one</a:t>
-            </a:r>
-          </a:p>
-        </p:txBody>
-      </p:sp>
-      <p:pic>
-        <p:nvPicPr>
-          <p:cNvPr id="9" name="Picture 8">
-            <a:extLst>
-              <a:ext uri="{FF2B5EF4-FFF2-40B4-BE49-F238E27FC236}">
-                <a16:creationId xmlns:a16="http://schemas.microsoft.com/office/drawing/2014/main" id="{39F534C8-59AB-32B2-B74F-DF44B3D28AB7}"/>
-              </a:ext>
-            </a:extLst>
-          </p:cNvPr>
-          <p:cNvPicPr>
-            <a:picLocks noChangeAspect="1"/>
-          </p:cNvPicPr>
-          <p:nvPr/>
-        </p:nvPicPr>
-        <p:blipFill>
-          <a:blip r:embed="rId2"/>
-          <a:stretch>
-            <a:fillRect/>
-          </a:stretch>
-        </p:blipFill>
-        <p:spPr>
-          <a:xfrm>
-            <a:off x="838200" y="1823572"/>
-            <a:ext cx="2448267" cy="1066949"/>
-          </a:xfrm>
-          <a:prstGeom prst="rect">
-            <a:avLst/>
-          </a:prstGeom>
-        </p:spPr>
-      </p:pic>
-    </p:spTree>
-    <p:extLst>
-      <p:ext uri="{BB962C8B-B14F-4D97-AF65-F5344CB8AC3E}">
-        <p14:creationId xmlns:p14="http://schemas.microsoft.com/office/powerpoint/2010/main" val="2189745364"/>
-      </p:ext>
-    </p:extLst>
-  </p:cSld>
-  <p:clrMapOvr>
-    <a:masterClrMapping/>
-  </p:clrMapOvr>
-</p:sld>
-</file>
-
-<file path=ppt/slides/slide19.xml><?xml version="1.0" encoding="utf-8"?>
 <p:sld xmlns:a="http://schemas.openxmlformats.org/drawingml/2006/main" xmlns:r="http://schemas.openxmlformats.org/officeDocument/2006/relationships" xmlns:p="http://schemas.openxmlformats.org/presentationml/2006/main">
   <p:cSld>
     <p:bg>
@@ -4594,7 +4463,7 @@
           <p:cNvPr id="16" name="Rectangle 15">
             <a:extLst>
               <a:ext uri="{FF2B5EF4-FFF2-40B4-BE49-F238E27FC236}">
-                <a16:creationId xmlns:a16="http://schemas.microsoft.com/office/drawing/2014/main" id="{8761DDFE-071F-4200-B0AA-394476C2D2D6}"/>
+                <a16:creationId xmlns:a16="http://schemas.microsoft.com/office/drawing/2014/main" id="{3B47FC9C-2ED3-4100-A4EF-E8CDFEE106C9}"/>
               </a:ext>
               <a:ext uri="{C183D7F6-B498-43B3-948B-1728B52AA6E4}">
                 <adec:decorative xmlns:adec="http://schemas.microsoft.com/office/drawing/2017/decorative" val="1"/>
@@ -4645,93 +4514,25 @@
           <a:lstStyle/>
           <a:p>
             <a:pPr algn="ctr"/>
-            <a:endParaRPr lang="en-US"/>
-          </a:p>
-        </p:txBody>
-      </p:sp>
-      <p:sp>
-        <p:nvSpPr>
-          <p:cNvPr id="2" name="Title 1">
-            <a:extLst>
-              <a:ext uri="{FF2B5EF4-FFF2-40B4-BE49-F238E27FC236}">
-                <a16:creationId xmlns:a16="http://schemas.microsoft.com/office/drawing/2014/main" id="{6989AA02-1DDA-5D6B-7153-FD0E16E1B940}"/>
-              </a:ext>
-            </a:extLst>
-          </p:cNvPr>
-          <p:cNvSpPr>
-            <a:spLocks noGrp="1"/>
-          </p:cNvSpPr>
-          <p:nvPr>
-            <p:ph type="title"/>
-          </p:nvPr>
-        </p:nvSpPr>
-        <p:spPr>
-          <a:xfrm>
-            <a:off x="838198" y="547815"/>
-            <a:ext cx="5167185" cy="1680519"/>
-          </a:xfrm>
-        </p:spPr>
-        <p:txBody>
-          <a:bodyPr>
-            <a:normAutofit/>
-          </a:bodyPr>
-          <a:lstStyle/>
-          <a:p>
-            <a:r>
-              <a:rPr lang="en-NZ" sz="4000"/>
-              <a:t>MoveCounter() Test</a:t>
-            </a:r>
-          </a:p>
-        </p:txBody>
-      </p:sp>
-      <p:sp>
-        <p:nvSpPr>
-          <p:cNvPr id="3" name="Content Placeholder 2">
-            <a:extLst>
-              <a:ext uri="{FF2B5EF4-FFF2-40B4-BE49-F238E27FC236}">
-                <a16:creationId xmlns:a16="http://schemas.microsoft.com/office/drawing/2014/main" id="{021947CB-1E3E-2BCB-E62A-C293DD2B9E88}"/>
-              </a:ext>
-            </a:extLst>
-          </p:cNvPr>
-          <p:cNvSpPr>
-            <a:spLocks noGrp="1"/>
-          </p:cNvSpPr>
-          <p:nvPr>
-            <p:ph idx="1"/>
-          </p:nvPr>
-        </p:nvSpPr>
-        <p:spPr>
-          <a:xfrm>
-            <a:off x="6282415" y="2875378"/>
-            <a:ext cx="5178960" cy="1680519"/>
-          </a:xfrm>
-        </p:spPr>
-        <p:txBody>
-          <a:bodyPr anchor="ctr">
-            <a:normAutofit/>
-          </a:bodyPr>
-          <a:lstStyle/>
-          <a:p>
-            <a:pPr marL="0" indent="0">
-              <a:buNone/>
-            </a:pPr>
-            <a:endParaRPr lang="en-NZ" sz="2000" dirty="0"/>
+            <a:endParaRPr lang="en-US" dirty="0"/>
           </a:p>
         </p:txBody>
       </p:sp>
       <p:pic>
         <p:nvPicPr>
-          <p:cNvPr id="5" name="Picture 4">
-            <a:extLst>
-              <a:ext uri="{FF2B5EF4-FFF2-40B4-BE49-F238E27FC236}">
-                <a16:creationId xmlns:a16="http://schemas.microsoft.com/office/drawing/2014/main" id="{89F2B9E5-C530-D476-771B-27EEBEEE4BCC}"/>
+          <p:cNvPr id="9" name="Content Placeholder 8">
+            <a:extLst>
+              <a:ext uri="{FF2B5EF4-FFF2-40B4-BE49-F238E27FC236}">
+                <a16:creationId xmlns:a16="http://schemas.microsoft.com/office/drawing/2014/main" id="{D10D36F8-DC15-686A-39E4-69F965DE9BCF}"/>
               </a:ext>
             </a:extLst>
           </p:cNvPr>
           <p:cNvPicPr>
-            <a:picLocks noChangeAspect="1"/>
+            <a:picLocks noGrp="1" noChangeAspect="1"/>
           </p:cNvPicPr>
-          <p:nvPr/>
+          <p:nvPr>
+            <p:ph idx="1"/>
+          </p:nvPr>
         </p:nvPicPr>
         <p:blipFill>
           <a:blip r:embed="rId2"/>
@@ -4741,8 +4542,8 @@
         </p:blipFill>
         <p:spPr>
           <a:xfrm>
-            <a:off x="387654" y="1656511"/>
-            <a:ext cx="5167185" cy="4704815"/>
+            <a:off x="1690688" y="555625"/>
+            <a:ext cx="8810625" cy="3808413"/>
           </a:xfrm>
           <a:prstGeom prst="rect">
             <a:avLst/>
@@ -4751,10 +4552,10 @@
       </p:pic>
       <p:pic>
         <p:nvPicPr>
-          <p:cNvPr id="8" name="Picture 7">
-            <a:extLst>
-              <a:ext uri="{FF2B5EF4-FFF2-40B4-BE49-F238E27FC236}">
-                <a16:creationId xmlns:a16="http://schemas.microsoft.com/office/drawing/2014/main" id="{71E53340-96EF-BE43-2EB9-AD6A43111B9C}"/>
+          <p:cNvPr id="11" name="Picture 10">
+            <a:extLst>
+              <a:ext uri="{FF2B5EF4-FFF2-40B4-BE49-F238E27FC236}">
+                <a16:creationId xmlns:a16="http://schemas.microsoft.com/office/drawing/2014/main" id="{032436A8-AE2D-411C-8631-3B4BF5D9825E}"/>
               </a:ext>
             </a:extLst>
           </p:cNvPr>
@@ -4771,18 +4572,183 @@
         </p:blipFill>
         <p:spPr>
           <a:xfrm>
-            <a:off x="5761510" y="1723414"/>
-            <a:ext cx="6496331" cy="2906253"/>
+            <a:off x="1690688" y="4425950"/>
+            <a:ext cx="8810625" cy="760413"/>
           </a:xfrm>
           <a:prstGeom prst="rect">
             <a:avLst/>
           </a:prstGeom>
         </p:spPr>
       </p:pic>
+      <p:sp>
+        <p:nvSpPr>
+          <p:cNvPr id="2" name="Title 1">
+            <a:extLst>
+              <a:ext uri="{FF2B5EF4-FFF2-40B4-BE49-F238E27FC236}">
+                <a16:creationId xmlns:a16="http://schemas.microsoft.com/office/drawing/2014/main" id="{F2037143-BC2A-B327-59FB-7C5B99AA8B97}"/>
+              </a:ext>
+            </a:extLst>
+          </p:cNvPr>
+          <p:cNvSpPr>
+            <a:spLocks noGrp="1"/>
+          </p:cNvSpPr>
+          <p:nvPr>
+            <p:ph type="title"/>
+          </p:nvPr>
+        </p:nvSpPr>
+        <p:spPr>
+          <a:xfrm>
+            <a:off x="838200" y="5358141"/>
+            <a:ext cx="10515600" cy="942664"/>
+          </a:xfrm>
+        </p:spPr>
+        <p:txBody>
+          <a:bodyPr vert="horz" lIns="91440" tIns="45720" rIns="91440" bIns="45720" rtlCol="0" anchor="ctr">
+            <a:normAutofit/>
+          </a:bodyPr>
+          <a:lstStyle/>
+          <a:p>
+            <a:pPr algn="ctr"/>
+            <a:r>
+              <a:rPr lang="en-US" kern="1200">
+                <a:solidFill>
+                  <a:schemeClr val="tx1"/>
+                </a:solidFill>
+                <a:latin typeface="+mj-lt"/>
+                <a:ea typeface="+mj-ea"/>
+                <a:cs typeface="+mj-cs"/>
+              </a:rPr>
+              <a:t>Must have the ability to select pieces to move</a:t>
+            </a:r>
+          </a:p>
+        </p:txBody>
+      </p:sp>
     </p:spTree>
     <p:extLst>
       <p:ext uri="{BB962C8B-B14F-4D97-AF65-F5344CB8AC3E}">
-        <p14:creationId xmlns:p14="http://schemas.microsoft.com/office/powerpoint/2010/main" val="2279966503"/>
+        <p14:creationId xmlns:p14="http://schemas.microsoft.com/office/powerpoint/2010/main" val="2064946025"/>
+      </p:ext>
+    </p:extLst>
+  </p:cSld>
+  <p:clrMapOvr>
+    <a:masterClrMapping/>
+  </p:clrMapOvr>
+</p:sld>
+</file>
+
+<file path=ppt/slides/slide19.xml><?xml version="1.0" encoding="utf-8"?>
+<p:sld xmlns:a="http://schemas.openxmlformats.org/drawingml/2006/main" xmlns:r="http://schemas.openxmlformats.org/officeDocument/2006/relationships" xmlns:p="http://schemas.openxmlformats.org/presentationml/2006/main">
+  <p:cSld>
+    <p:spTree>
+      <p:nvGrpSpPr>
+        <p:cNvPr id="1" name=""/>
+        <p:cNvGrpSpPr/>
+        <p:nvPr/>
+      </p:nvGrpSpPr>
+      <p:grpSpPr>
+        <a:xfrm>
+          <a:off x="0" y="0"/>
+          <a:ext cx="0" cy="0"/>
+          <a:chOff x="0" y="0"/>
+          <a:chExt cx="0" cy="0"/>
+        </a:xfrm>
+      </p:grpSpPr>
+      <p:sp>
+        <p:nvSpPr>
+          <p:cNvPr id="2" name="Title 1">
+            <a:extLst>
+              <a:ext uri="{FF2B5EF4-FFF2-40B4-BE49-F238E27FC236}">
+                <a16:creationId xmlns:a16="http://schemas.microsoft.com/office/drawing/2014/main" id="{A5C1F49D-4C2E-6DAC-7F50-923706883CB1}"/>
+              </a:ext>
+            </a:extLst>
+          </p:cNvPr>
+          <p:cNvSpPr>
+            <a:spLocks noGrp="1"/>
+          </p:cNvSpPr>
+          <p:nvPr>
+            <p:ph type="title"/>
+          </p:nvPr>
+        </p:nvSpPr>
+        <p:spPr/>
+        <p:txBody>
+          <a:bodyPr/>
+          <a:lstStyle/>
+          <a:p>
+            <a:r>
+              <a:rPr lang="en-NZ" dirty="0"/>
+              <a:t>Must not accept movement to empty squares</a:t>
+            </a:r>
+          </a:p>
+        </p:txBody>
+      </p:sp>
+      <p:pic>
+        <p:nvPicPr>
+          <p:cNvPr id="5" name="Content Placeholder 4">
+            <a:extLst>
+              <a:ext uri="{FF2B5EF4-FFF2-40B4-BE49-F238E27FC236}">
+                <a16:creationId xmlns:a16="http://schemas.microsoft.com/office/drawing/2014/main" id="{0DB1F3BE-427B-EFFB-4A37-4F9E63219602}"/>
+              </a:ext>
+            </a:extLst>
+          </p:cNvPr>
+          <p:cNvPicPr>
+            <a:picLocks noGrp="1" noChangeAspect="1"/>
+          </p:cNvPicPr>
+          <p:nvPr>
+            <p:ph idx="1"/>
+          </p:nvPr>
+        </p:nvPicPr>
+        <p:blipFill>
+          <a:blip r:embed="rId2"/>
+          <a:stretch>
+            <a:fillRect/>
+          </a:stretch>
+        </p:blipFill>
+        <p:spPr>
+          <a:xfrm>
+            <a:off x="838200" y="1816826"/>
+            <a:ext cx="5677692" cy="3038899"/>
+          </a:xfrm>
+        </p:spPr>
+      </p:pic>
+      <p:sp>
+        <p:nvSpPr>
+          <p:cNvPr id="6" name="TextBox 5">
+            <a:extLst>
+              <a:ext uri="{FF2B5EF4-FFF2-40B4-BE49-F238E27FC236}">
+                <a16:creationId xmlns:a16="http://schemas.microsoft.com/office/drawing/2014/main" id="{BEDA0DB1-7E1B-1D86-7ED3-2A9DFC716C61}"/>
+              </a:ext>
+            </a:extLst>
+          </p:cNvPr>
+          <p:cNvSpPr txBox="1"/>
+          <p:nvPr/>
+        </p:nvSpPr>
+        <p:spPr>
+          <a:xfrm>
+            <a:off x="6788727" y="1902691"/>
+            <a:ext cx="4858328" cy="1200329"/>
+          </a:xfrm>
+          <a:prstGeom prst="rect">
+            <a:avLst/>
+          </a:prstGeom>
+          <a:noFill/>
+        </p:spPr>
+        <p:txBody>
+          <a:bodyPr wrap="square" rtlCol="0">
+            <a:spAutoFit/>
+          </a:bodyPr>
+          <a:lstStyle/>
+          <a:p>
+            <a:r>
+              <a:rPr lang="en-NZ" dirty="0"/>
+              <a:t>If the player selects a next move that is outside of the legal moves or is an empty square, it will print that that was an illegal move, and the player will stay in place</a:t>
+            </a:r>
+          </a:p>
+        </p:txBody>
+      </p:sp>
+    </p:spTree>
+    <p:extLst>
+      <p:ext uri="{BB962C8B-B14F-4D97-AF65-F5344CB8AC3E}">
+        <p14:creationId xmlns:p14="http://schemas.microsoft.com/office/powerpoint/2010/main" val="2120923964"/>
       </p:ext>
     </p:extLst>
   </p:cSld>
@@ -4912,7 +4878,7 @@
           <p:cNvPr id="2" name="Title 1">
             <a:extLst>
               <a:ext uri="{FF2B5EF4-FFF2-40B4-BE49-F238E27FC236}">
-                <a16:creationId xmlns:a16="http://schemas.microsoft.com/office/drawing/2014/main" id="{CE3F6627-BA58-BE8F-3148-829D6A616E1D}"/>
+                <a16:creationId xmlns:a16="http://schemas.microsoft.com/office/drawing/2014/main" id="{4F0DE8CF-0CC1-B092-2D6B-89EB6D70C759}"/>
               </a:ext>
             </a:extLst>
           </p:cNvPr>
@@ -4930,48 +4896,60 @@
           <a:p>
             <a:r>
               <a:rPr lang="en-NZ" dirty="0"/>
-              <a:t>Must highlight current piece</a:t>
-            </a:r>
-          </a:p>
-        </p:txBody>
-      </p:sp>
-      <p:sp>
-        <p:nvSpPr>
-          <p:cNvPr id="3" name="Content Placeholder 2">
-            <a:extLst>
-              <a:ext uri="{FF2B5EF4-FFF2-40B4-BE49-F238E27FC236}">
-                <a16:creationId xmlns:a16="http://schemas.microsoft.com/office/drawing/2014/main" id="{FBD804B8-1DE0-BE16-5BCE-5D6B493D9FD4}"/>
-              </a:ext>
-            </a:extLst>
-          </p:cNvPr>
-          <p:cNvSpPr>
-            <a:spLocks noGrp="1"/>
-          </p:cNvSpPr>
-          <p:nvPr>
-            <p:ph idx="1"/>
-          </p:nvPr>
-        </p:nvSpPr>
-        <p:spPr/>
-        <p:txBody>
-          <a:bodyPr/>
-          <a:lstStyle/>
-          <a:p>
-            <a:pPr marL="0" indent="0">
-              <a:buNone/>
-            </a:pPr>
+              <a:t>Must count total number of moves</a:t>
+            </a:r>
+          </a:p>
+        </p:txBody>
+      </p:sp>
+      <p:sp>
+        <p:nvSpPr>
+          <p:cNvPr id="8" name="TextBox 7">
+            <a:extLst>
+              <a:ext uri="{FF2B5EF4-FFF2-40B4-BE49-F238E27FC236}">
+                <a16:creationId xmlns:a16="http://schemas.microsoft.com/office/drawing/2014/main" id="{375C1417-94FA-33BC-9E02-88E1F5B2A1C6}"/>
+              </a:ext>
+            </a:extLst>
+          </p:cNvPr>
+          <p:cNvSpPr txBox="1"/>
+          <p:nvPr/>
+        </p:nvSpPr>
+        <p:spPr>
+          <a:xfrm>
+            <a:off x="766618" y="3105834"/>
+            <a:ext cx="4296375" cy="923330"/>
+          </a:xfrm>
+          <a:prstGeom prst="rect">
+            <a:avLst/>
+          </a:prstGeom>
+          <a:noFill/>
+        </p:spPr>
+        <p:txBody>
+          <a:bodyPr wrap="square" rtlCol="0">
+            <a:spAutoFit/>
+          </a:bodyPr>
+          <a:lstStyle/>
+          <a:p>
             <a:r>
               <a:rPr lang="en-NZ" dirty="0"/>
-              <a:t>Checks to see if the current piece is a player piece and if it is I print a X instead</a:t>
+              <a:t>After the player makes a move we call </a:t>
+            </a:r>
+            <a:r>
+              <a:rPr lang="en-NZ" dirty="0" err="1"/>
+              <a:t>GetMoveCount</a:t>
+            </a:r>
+            <a:r>
+              <a:rPr lang="en-NZ" dirty="0"/>
+              <a:t>() and that increments the move count variable by one</a:t>
             </a:r>
           </a:p>
         </p:txBody>
       </p:sp>
       <p:pic>
         <p:nvPicPr>
-          <p:cNvPr id="5" name="Picture 4">
-            <a:extLst>
-              <a:ext uri="{FF2B5EF4-FFF2-40B4-BE49-F238E27FC236}">
-                <a16:creationId xmlns:a16="http://schemas.microsoft.com/office/drawing/2014/main" id="{C80DCF7E-825F-8E50-7210-1B97CD99D7A9}"/>
+          <p:cNvPr id="9" name="Picture 8">
+            <a:extLst>
+              <a:ext uri="{FF2B5EF4-FFF2-40B4-BE49-F238E27FC236}">
+                <a16:creationId xmlns:a16="http://schemas.microsoft.com/office/drawing/2014/main" id="{39F534C8-59AB-32B2-B74F-DF44B3D28AB7}"/>
               </a:ext>
             </a:extLst>
           </p:cNvPr>
@@ -4988,8 +4966,8 @@
         </p:blipFill>
         <p:spPr>
           <a:xfrm>
-            <a:off x="838200" y="2973054"/>
-            <a:ext cx="6782747" cy="2391109"/>
+            <a:off x="838200" y="1823572"/>
+            <a:ext cx="2448267" cy="1066949"/>
           </a:xfrm>
           <a:prstGeom prst="rect">
             <a:avLst/>
@@ -4999,7 +4977,7 @@
     </p:spTree>
     <p:extLst>
       <p:ext uri="{BB962C8B-B14F-4D97-AF65-F5344CB8AC3E}">
-        <p14:creationId xmlns:p14="http://schemas.microsoft.com/office/powerpoint/2010/main" val="2554264141"/>
+        <p14:creationId xmlns:p14="http://schemas.microsoft.com/office/powerpoint/2010/main" val="2189745364"/>
       </p:ext>
     </p:extLst>
   </p:cSld>
@@ -5012,6 +4990,14 @@
 <file path=ppt/slides/slide21.xml><?xml version="1.0" encoding="utf-8"?>
 <p:sld xmlns:a="http://schemas.openxmlformats.org/drawingml/2006/main" xmlns:r="http://schemas.openxmlformats.org/officeDocument/2006/relationships" xmlns:p="http://schemas.openxmlformats.org/presentationml/2006/main">
   <p:cSld>
+    <p:bg>
+      <p:bgPr>
+        <a:solidFill>
+          <a:schemeClr val="bg1"/>
+        </a:solidFill>
+        <a:effectLst/>
+      </p:bgPr>
+    </p:bg>
     <p:spTree>
       <p:nvGrpSpPr>
         <p:cNvPr id="1" name=""/>
@@ -5026,12 +5012,72 @@
           <a:chExt cx="0" cy="0"/>
         </a:xfrm>
       </p:grpSpPr>
+      <p:sp useBgFill="1">
+        <p:nvSpPr>
+          <p:cNvPr id="16" name="Rectangle 15">
+            <a:extLst>
+              <a:ext uri="{FF2B5EF4-FFF2-40B4-BE49-F238E27FC236}">
+                <a16:creationId xmlns:a16="http://schemas.microsoft.com/office/drawing/2014/main" id="{8761DDFE-071F-4200-B0AA-394476C2D2D6}"/>
+              </a:ext>
+              <a:ext uri="{C183D7F6-B498-43B3-948B-1728B52AA6E4}">
+                <adec:decorative xmlns:adec="http://schemas.microsoft.com/office/drawing/2017/decorative" val="1"/>
+              </a:ext>
+            </a:extLst>
+          </p:cNvPr>
+          <p:cNvSpPr>
+            <a:spLocks noGrp="1" noRot="1" noChangeAspect="1" noMove="1" noResize="1" noEditPoints="1" noAdjustHandles="1" noChangeArrowheads="1" noChangeShapeType="1" noTextEdit="1"/>
+          </p:cNvSpPr>
+          <p:nvPr>
+            <p:extLst>
+              <p:ext uri="{386F3935-93C4-4BCD-93E2-E3B085C9AB24}">
+                <p16:designElem xmlns:p16="http://schemas.microsoft.com/office/powerpoint/2015/main" val="1"/>
+              </p:ext>
+            </p:extLst>
+          </p:nvPr>
+        </p:nvSpPr>
+        <p:spPr>
+          <a:xfrm>
+            <a:off x="-1" y="0"/>
+            <a:ext cx="12188952" cy="6858000"/>
+          </a:xfrm>
+          <a:prstGeom prst="rect">
+            <a:avLst/>
+          </a:prstGeom>
+          <a:ln>
+            <a:noFill/>
+          </a:ln>
+        </p:spPr>
+        <p:style>
+          <a:lnRef idx="2">
+            <a:schemeClr val="accent1">
+              <a:shade val="50000"/>
+            </a:schemeClr>
+          </a:lnRef>
+          <a:fillRef idx="1">
+            <a:schemeClr val="accent1"/>
+          </a:fillRef>
+          <a:effectRef idx="0">
+            <a:schemeClr val="accent1"/>
+          </a:effectRef>
+          <a:fontRef idx="minor">
+            <a:schemeClr val="lt1"/>
+          </a:fontRef>
+        </p:style>
+        <p:txBody>
+          <a:bodyPr rtlCol="0" anchor="ctr"/>
+          <a:lstStyle/>
+          <a:p>
+            <a:pPr algn="ctr"/>
+            <a:endParaRPr lang="en-US"/>
+          </a:p>
+        </p:txBody>
+      </p:sp>
       <p:sp>
         <p:nvSpPr>
           <p:cNvPr id="2" name="Title 1">
             <a:extLst>
               <a:ext uri="{FF2B5EF4-FFF2-40B4-BE49-F238E27FC236}">
-                <a16:creationId xmlns:a16="http://schemas.microsoft.com/office/drawing/2014/main" id="{37F7A997-1167-ECBD-A8EF-16A496806681}"/>
+                <a16:creationId xmlns:a16="http://schemas.microsoft.com/office/drawing/2014/main" id="{6989AA02-1DDA-5D6B-7153-FD0E16E1B940}"/>
               </a:ext>
             </a:extLst>
           </p:cNvPr>
@@ -5042,55 +5088,31 @@
             <p:ph type="title"/>
           </p:nvPr>
         </p:nvSpPr>
-        <p:spPr/>
-        <p:txBody>
-          <a:bodyPr/>
-          <a:lstStyle/>
-          <a:p>
-            <a:r>
-              <a:rPr lang="en-NZ" dirty="0"/>
-              <a:t>Must have reset button</a:t>
-            </a:r>
-          </a:p>
-        </p:txBody>
-      </p:sp>
-      <p:sp>
-        <p:nvSpPr>
-          <p:cNvPr id="3" name="Content Placeholder 2">
-            <a:extLst>
-              <a:ext uri="{FF2B5EF4-FFF2-40B4-BE49-F238E27FC236}">
-                <a16:creationId xmlns:a16="http://schemas.microsoft.com/office/drawing/2014/main" id="{084DD938-817C-F7B1-6E03-81E2CA7D1D5A}"/>
-              </a:ext>
-            </a:extLst>
-          </p:cNvPr>
-          <p:cNvSpPr>
-            <a:spLocks noGrp="1"/>
-          </p:cNvSpPr>
-          <p:nvPr>
-            <p:ph idx="1"/>
-          </p:nvPr>
-        </p:nvSpPr>
-        <p:spPr/>
-        <p:txBody>
-          <a:bodyPr/>
-          <a:lstStyle/>
-          <a:p>
-            <a:pPr marL="0" indent="0">
-              <a:buNone/>
-            </a:pPr>
-            <a:r>
-              <a:rPr lang="en-NZ" dirty="0"/>
-              <a:t>When the Restart function is called the board gets reset and is the same as what it first started as</a:t>
+        <p:spPr>
+          <a:xfrm>
+            <a:off x="838198" y="547815"/>
+            <a:ext cx="5167185" cy="1680519"/>
+          </a:xfrm>
+        </p:spPr>
+        <p:txBody>
+          <a:bodyPr>
+            <a:normAutofit/>
+          </a:bodyPr>
+          <a:lstStyle/>
+          <a:p>
+            <a:r>
+              <a:rPr lang="en-NZ" sz="4000"/>
+              <a:t>MoveCounter() Test</a:t>
             </a:r>
           </a:p>
         </p:txBody>
       </p:sp>
       <p:pic>
         <p:nvPicPr>
-          <p:cNvPr id="7" name="Picture 6">
-            <a:extLst>
-              <a:ext uri="{FF2B5EF4-FFF2-40B4-BE49-F238E27FC236}">
-                <a16:creationId xmlns:a16="http://schemas.microsoft.com/office/drawing/2014/main" id="{235BF8D6-01CC-2F3E-1D94-2A3E5964D66C}"/>
+          <p:cNvPr id="6" name="Picture 5">
+            <a:extLst>
+              <a:ext uri="{FF2B5EF4-FFF2-40B4-BE49-F238E27FC236}">
+                <a16:creationId xmlns:a16="http://schemas.microsoft.com/office/drawing/2014/main" id="{F3560838-0760-07A9-E890-024AB578D7A5}"/>
               </a:ext>
             </a:extLst>
           </p:cNvPr>
@@ -5107,8 +5129,38 @@
         </p:blipFill>
         <p:spPr>
           <a:xfrm>
-            <a:off x="838200" y="2976790"/>
-            <a:ext cx="2067213" cy="962159"/>
+            <a:off x="283414" y="1990477"/>
+            <a:ext cx="4957371" cy="4079672"/>
+          </a:xfrm>
+          <a:prstGeom prst="rect">
+            <a:avLst/>
+          </a:prstGeom>
+        </p:spPr>
+      </p:pic>
+      <p:pic>
+        <p:nvPicPr>
+          <p:cNvPr id="9" name="Picture 8">
+            <a:extLst>
+              <a:ext uri="{FF2B5EF4-FFF2-40B4-BE49-F238E27FC236}">
+                <a16:creationId xmlns:a16="http://schemas.microsoft.com/office/drawing/2014/main" id="{313A076C-8ED7-4D5B-6609-7B46F07FE60E}"/>
+              </a:ext>
+            </a:extLst>
+          </p:cNvPr>
+          <p:cNvPicPr>
+            <a:picLocks noChangeAspect="1"/>
+          </p:cNvPicPr>
+          <p:nvPr/>
+        </p:nvPicPr>
+        <p:blipFill>
+          <a:blip r:embed="rId3"/>
+          <a:stretch>
+            <a:fillRect/>
+          </a:stretch>
+        </p:blipFill>
+        <p:spPr>
+          <a:xfrm>
+            <a:off x="5524200" y="1690748"/>
+            <a:ext cx="5167185" cy="4401045"/>
           </a:xfrm>
           <a:prstGeom prst="rect">
             <a:avLst/>
@@ -5118,7 +5170,7 @@
     </p:spTree>
     <p:extLst>
       <p:ext uri="{BB962C8B-B14F-4D97-AF65-F5344CB8AC3E}">
-        <p14:creationId xmlns:p14="http://schemas.microsoft.com/office/powerpoint/2010/main" val="4190049160"/>
+        <p14:creationId xmlns:p14="http://schemas.microsoft.com/office/powerpoint/2010/main" val="2279966503"/>
       </p:ext>
     </p:extLst>
   </p:cSld>
@@ -5150,7 +5202,7 @@
           <p:cNvPr id="2" name="Title 1">
             <a:extLst>
               <a:ext uri="{FF2B5EF4-FFF2-40B4-BE49-F238E27FC236}">
-                <a16:creationId xmlns:a16="http://schemas.microsoft.com/office/drawing/2014/main" id="{97D6BE81-E55C-77B4-5605-A66AAA5EAF35}"/>
+                <a16:creationId xmlns:a16="http://schemas.microsoft.com/office/drawing/2014/main" id="{CE3F6627-BA58-BE8F-3148-829D6A616E1D}"/>
               </a:ext>
             </a:extLst>
           </p:cNvPr>
@@ -5168,26 +5220,55 @@
           <a:p>
             <a:r>
               <a:rPr lang="en-NZ" dirty="0"/>
-              <a:t>Must have undo button</a:t>
+              <a:t>Must highlight current piece</a:t>
+            </a:r>
+          </a:p>
+        </p:txBody>
+      </p:sp>
+      <p:sp>
+        <p:nvSpPr>
+          <p:cNvPr id="3" name="Content Placeholder 2">
+            <a:extLst>
+              <a:ext uri="{FF2B5EF4-FFF2-40B4-BE49-F238E27FC236}">
+                <a16:creationId xmlns:a16="http://schemas.microsoft.com/office/drawing/2014/main" id="{FBD804B8-1DE0-BE16-5BCE-5D6B493D9FD4}"/>
+              </a:ext>
+            </a:extLst>
+          </p:cNvPr>
+          <p:cNvSpPr>
+            <a:spLocks noGrp="1"/>
+          </p:cNvSpPr>
+          <p:nvPr>
+            <p:ph idx="1"/>
+          </p:nvPr>
+        </p:nvSpPr>
+        <p:spPr/>
+        <p:txBody>
+          <a:bodyPr/>
+          <a:lstStyle/>
+          <a:p>
+            <a:pPr marL="0" indent="0">
+              <a:buNone/>
+            </a:pPr>
+            <a:r>
+              <a:rPr lang="en-NZ" dirty="0"/>
+              <a:t>Checks to see if the current piece is a player piece and if it is I print a X instead</a:t>
             </a:r>
           </a:p>
         </p:txBody>
       </p:sp>
       <p:pic>
         <p:nvPicPr>
-          <p:cNvPr id="7" name="Content Placeholder 6">
-            <a:extLst>
-              <a:ext uri="{FF2B5EF4-FFF2-40B4-BE49-F238E27FC236}">
-                <a16:creationId xmlns:a16="http://schemas.microsoft.com/office/drawing/2014/main" id="{44390DE6-3391-7955-8129-21F59B012ACE}"/>
+          <p:cNvPr id="5" name="Picture 4">
+            <a:extLst>
+              <a:ext uri="{FF2B5EF4-FFF2-40B4-BE49-F238E27FC236}">
+                <a16:creationId xmlns:a16="http://schemas.microsoft.com/office/drawing/2014/main" id="{C80DCF7E-825F-8E50-7210-1B97CD99D7A9}"/>
               </a:ext>
             </a:extLst>
           </p:cNvPr>
           <p:cNvPicPr>
-            <a:picLocks noGrp="1" noChangeAspect="1"/>
+            <a:picLocks noChangeAspect="1"/>
           </p:cNvPicPr>
-          <p:nvPr>
-            <p:ph idx="1"/>
-          </p:nvPr>
+          <p:nvPr/>
         </p:nvPicPr>
         <p:blipFill>
           <a:blip r:embed="rId2"/>
@@ -5197,15 +5278,18 @@
         </p:blipFill>
         <p:spPr>
           <a:xfrm>
-            <a:off x="838200" y="1778060"/>
-            <a:ext cx="5601482" cy="2248214"/>
-          </a:xfrm>
+            <a:off x="838200" y="2973054"/>
+            <a:ext cx="6782747" cy="2391109"/>
+          </a:xfrm>
+          <a:prstGeom prst="rect">
+            <a:avLst/>
+          </a:prstGeom>
         </p:spPr>
       </p:pic>
     </p:spTree>
     <p:extLst>
       <p:ext uri="{BB962C8B-B14F-4D97-AF65-F5344CB8AC3E}">
-        <p14:creationId xmlns:p14="http://schemas.microsoft.com/office/powerpoint/2010/main" val="3499884671"/>
+        <p14:creationId xmlns:p14="http://schemas.microsoft.com/office/powerpoint/2010/main" val="2554264141"/>
       </p:ext>
     </p:extLst>
   </p:cSld>
@@ -5237,7 +5321,7 @@
           <p:cNvPr id="2" name="Title 1">
             <a:extLst>
               <a:ext uri="{FF2B5EF4-FFF2-40B4-BE49-F238E27FC236}">
-                <a16:creationId xmlns:a16="http://schemas.microsoft.com/office/drawing/2014/main" id="{CEDF7865-46D5-3F60-D4C3-665F4F383818}"/>
+                <a16:creationId xmlns:a16="http://schemas.microsoft.com/office/drawing/2014/main" id="{37F7A997-1167-ECBD-A8EF-16A496806681}"/>
               </a:ext>
             </a:extLst>
           </p:cNvPr>
@@ -5255,26 +5339,55 @@
           <a:p>
             <a:r>
               <a:rPr lang="en-NZ" dirty="0"/>
-              <a:t>Must have timer</a:t>
+              <a:t>Must have reset button</a:t>
+            </a:r>
+          </a:p>
+        </p:txBody>
+      </p:sp>
+      <p:sp>
+        <p:nvSpPr>
+          <p:cNvPr id="3" name="Content Placeholder 2">
+            <a:extLst>
+              <a:ext uri="{FF2B5EF4-FFF2-40B4-BE49-F238E27FC236}">
+                <a16:creationId xmlns:a16="http://schemas.microsoft.com/office/drawing/2014/main" id="{084DD938-817C-F7B1-6E03-81E2CA7D1D5A}"/>
+              </a:ext>
+            </a:extLst>
+          </p:cNvPr>
+          <p:cNvSpPr>
+            <a:spLocks noGrp="1"/>
+          </p:cNvSpPr>
+          <p:nvPr>
+            <p:ph idx="1"/>
+          </p:nvPr>
+        </p:nvSpPr>
+        <p:spPr/>
+        <p:txBody>
+          <a:bodyPr/>
+          <a:lstStyle/>
+          <a:p>
+            <a:pPr marL="0" indent="0">
+              <a:buNone/>
+            </a:pPr>
+            <a:r>
+              <a:rPr lang="en-NZ" dirty="0"/>
+              <a:t>When the Restart function is called the board gets reset and is the same as what it first started as</a:t>
             </a:r>
           </a:p>
         </p:txBody>
       </p:sp>
       <p:pic>
         <p:nvPicPr>
-          <p:cNvPr id="5" name="Content Placeholder 4">
-            <a:extLst>
-              <a:ext uri="{FF2B5EF4-FFF2-40B4-BE49-F238E27FC236}">
-                <a16:creationId xmlns:a16="http://schemas.microsoft.com/office/drawing/2014/main" id="{5A1362AC-1F56-8EA4-3E7D-4795686AEEC2}"/>
+          <p:cNvPr id="7" name="Picture 6">
+            <a:extLst>
+              <a:ext uri="{FF2B5EF4-FFF2-40B4-BE49-F238E27FC236}">
+                <a16:creationId xmlns:a16="http://schemas.microsoft.com/office/drawing/2014/main" id="{235BF8D6-01CC-2F3E-1D94-2A3E5964D66C}"/>
               </a:ext>
             </a:extLst>
           </p:cNvPr>
           <p:cNvPicPr>
-            <a:picLocks noGrp="1" noChangeAspect="1"/>
+            <a:picLocks noChangeAspect="1"/>
           </p:cNvPicPr>
-          <p:nvPr>
-            <p:ph idx="1"/>
-          </p:nvPr>
+          <p:nvPr/>
         </p:nvPicPr>
         <p:blipFill>
           <a:blip r:embed="rId2"/>
@@ -5284,15 +5397,18 @@
         </p:blipFill>
         <p:spPr>
           <a:xfrm>
-            <a:off x="838200" y="1796656"/>
-            <a:ext cx="4344006" cy="2543530"/>
-          </a:xfrm>
+            <a:off x="838200" y="2976790"/>
+            <a:ext cx="2067213" cy="962159"/>
+          </a:xfrm>
+          <a:prstGeom prst="rect">
+            <a:avLst/>
+          </a:prstGeom>
         </p:spPr>
       </p:pic>
     </p:spTree>
     <p:extLst>
       <p:ext uri="{BB962C8B-B14F-4D97-AF65-F5344CB8AC3E}">
-        <p14:creationId xmlns:p14="http://schemas.microsoft.com/office/powerpoint/2010/main" val="3338783566"/>
+        <p14:creationId xmlns:p14="http://schemas.microsoft.com/office/powerpoint/2010/main" val="4190049160"/>
       </p:ext>
     </p:extLst>
   </p:cSld>
@@ -5324,7 +5440,7 @@
           <p:cNvPr id="2" name="Title 1">
             <a:extLst>
               <a:ext uri="{FF2B5EF4-FFF2-40B4-BE49-F238E27FC236}">
-                <a16:creationId xmlns:a16="http://schemas.microsoft.com/office/drawing/2014/main" id="{4EDED2DB-D21F-F08F-1888-134755B73052}"/>
+                <a16:creationId xmlns:a16="http://schemas.microsoft.com/office/drawing/2014/main" id="{97D6BE81-E55C-77B4-5605-A66AAA5EAF35}"/>
               </a:ext>
             </a:extLst>
           </p:cNvPr>
@@ -5342,17 +5458,17 @@
           <a:p>
             <a:r>
               <a:rPr lang="en-NZ" dirty="0"/>
-              <a:t>Must show time taken to beat level</a:t>
+              <a:t>Must have undo button</a:t>
             </a:r>
           </a:p>
         </p:txBody>
       </p:sp>
       <p:pic>
         <p:nvPicPr>
-          <p:cNvPr id="4" name="Content Placeholder 4">
-            <a:extLst>
-              <a:ext uri="{FF2B5EF4-FFF2-40B4-BE49-F238E27FC236}">
-                <a16:creationId xmlns:a16="http://schemas.microsoft.com/office/drawing/2014/main" id="{D2CAA36F-F0FA-9940-2A9B-AFC6F9392041}"/>
+          <p:cNvPr id="7" name="Content Placeholder 6">
+            <a:extLst>
+              <a:ext uri="{FF2B5EF4-FFF2-40B4-BE49-F238E27FC236}">
+                <a16:creationId xmlns:a16="http://schemas.microsoft.com/office/drawing/2014/main" id="{44390DE6-3391-7955-8129-21F59B012ACE}"/>
               </a:ext>
             </a:extLst>
           </p:cNvPr>
@@ -5371,50 +5487,15 @@
         </p:blipFill>
         <p:spPr>
           <a:xfrm>
-            <a:off x="838200" y="1690688"/>
-            <a:ext cx="4344006" cy="2543530"/>
+            <a:off x="838200" y="1778060"/>
+            <a:ext cx="5601482" cy="2248214"/>
           </a:xfrm>
         </p:spPr>
       </p:pic>
-      <p:sp>
-        <p:nvSpPr>
-          <p:cNvPr id="5" name="TextBox 4">
-            <a:extLst>
-              <a:ext uri="{FF2B5EF4-FFF2-40B4-BE49-F238E27FC236}">
-                <a16:creationId xmlns:a16="http://schemas.microsoft.com/office/drawing/2014/main" id="{205A03EF-A104-BD32-4A0D-1B6E7DD464CC}"/>
-              </a:ext>
-            </a:extLst>
-          </p:cNvPr>
-          <p:cNvSpPr txBox="1"/>
-          <p:nvPr/>
-        </p:nvSpPr>
-        <p:spPr>
-          <a:xfrm>
-            <a:off x="5661891" y="1773382"/>
-            <a:ext cx="5449454" cy="369332"/>
-          </a:xfrm>
-          <a:prstGeom prst="rect">
-            <a:avLst/>
-          </a:prstGeom>
-          <a:noFill/>
-        </p:spPr>
-        <p:txBody>
-          <a:bodyPr wrap="square" rtlCol="0">
-            <a:spAutoFit/>
-          </a:bodyPr>
-          <a:lstStyle/>
-          <a:p>
-            <a:r>
-              <a:rPr lang="en-NZ" dirty="0"/>
-              <a:t>Displays the total elapsed time from start to finish</a:t>
-            </a:r>
-          </a:p>
-        </p:txBody>
-      </p:sp>
     </p:spTree>
     <p:extLst>
       <p:ext uri="{BB962C8B-B14F-4D97-AF65-F5344CB8AC3E}">
-        <p14:creationId xmlns:p14="http://schemas.microsoft.com/office/powerpoint/2010/main" val="3590533096"/>
+        <p14:creationId xmlns:p14="http://schemas.microsoft.com/office/powerpoint/2010/main" val="3499884671"/>
       </p:ext>
     </p:extLst>
   </p:cSld>
@@ -5446,7 +5527,7 @@
           <p:cNvPr id="2" name="Title 1">
             <a:extLst>
               <a:ext uri="{FF2B5EF4-FFF2-40B4-BE49-F238E27FC236}">
-                <a16:creationId xmlns:a16="http://schemas.microsoft.com/office/drawing/2014/main" id="{6BEB0DAF-FBD7-FA8D-93ED-A77693D056E4}"/>
+                <a16:creationId xmlns:a16="http://schemas.microsoft.com/office/drawing/2014/main" id="{CEDF7865-46D5-3F60-D4C3-665F4F383818}"/>
               </a:ext>
             </a:extLst>
           </p:cNvPr>
@@ -5464,7 +5545,7 @@
           <a:p>
             <a:r>
               <a:rPr lang="en-NZ" dirty="0"/>
-              <a:t>Must acknowledge level completion</a:t>
+              <a:t>Must have timer</a:t>
             </a:r>
           </a:p>
         </p:txBody>
@@ -5474,7 +5555,7 @@
           <p:cNvPr id="5" name="Content Placeholder 4">
             <a:extLst>
               <a:ext uri="{FF2B5EF4-FFF2-40B4-BE49-F238E27FC236}">
-                <a16:creationId xmlns:a16="http://schemas.microsoft.com/office/drawing/2014/main" id="{1BD53278-0AF7-ED68-5B5B-F1594FCEEBBA}"/>
+                <a16:creationId xmlns:a16="http://schemas.microsoft.com/office/drawing/2014/main" id="{5A1362AC-1F56-8EA4-3E7D-4795686AEEC2}"/>
               </a:ext>
             </a:extLst>
           </p:cNvPr>
@@ -5493,50 +5574,15 @@
         </p:blipFill>
         <p:spPr>
           <a:xfrm>
-            <a:off x="838200" y="1690688"/>
-            <a:ext cx="4858618" cy="4351338"/>
+            <a:off x="838200" y="1796656"/>
+            <a:ext cx="4344006" cy="2543530"/>
           </a:xfrm>
         </p:spPr>
       </p:pic>
-      <p:sp>
-        <p:nvSpPr>
-          <p:cNvPr id="6" name="TextBox 5">
-            <a:extLst>
-              <a:ext uri="{FF2B5EF4-FFF2-40B4-BE49-F238E27FC236}">
-                <a16:creationId xmlns:a16="http://schemas.microsoft.com/office/drawing/2014/main" id="{B131BBD1-EA58-A7D3-9108-664051CCE2EE}"/>
-              </a:ext>
-            </a:extLst>
-          </p:cNvPr>
-          <p:cNvSpPr txBox="1"/>
-          <p:nvPr/>
-        </p:nvSpPr>
-        <p:spPr>
-          <a:xfrm>
-            <a:off x="6696364" y="1967345"/>
-            <a:ext cx="4165600" cy="923330"/>
-          </a:xfrm>
-          <a:prstGeom prst="rect">
-            <a:avLst/>
-          </a:prstGeom>
-          <a:noFill/>
-        </p:spPr>
-        <p:txBody>
-          <a:bodyPr wrap="square" rtlCol="0">
-            <a:spAutoFit/>
-          </a:bodyPr>
-          <a:lstStyle/>
-          <a:p>
-            <a:r>
-              <a:rPr lang="en-NZ" dirty="0"/>
-              <a:t>Checks every move to see if the next move will land on the last piece and if it does print You Win.</a:t>
-            </a:r>
-          </a:p>
-        </p:txBody>
-      </p:sp>
     </p:spTree>
     <p:extLst>
       <p:ext uri="{BB962C8B-B14F-4D97-AF65-F5344CB8AC3E}">
-        <p14:creationId xmlns:p14="http://schemas.microsoft.com/office/powerpoint/2010/main" val="2912228586"/>
+        <p14:creationId xmlns:p14="http://schemas.microsoft.com/office/powerpoint/2010/main" val="3338783566"/>
       </p:ext>
     </p:extLst>
   </p:cSld>
@@ -5568,7 +5614,7 @@
           <p:cNvPr id="2" name="Title 1">
             <a:extLst>
               <a:ext uri="{FF2B5EF4-FFF2-40B4-BE49-F238E27FC236}">
-                <a16:creationId xmlns:a16="http://schemas.microsoft.com/office/drawing/2014/main" id="{F912F206-F39F-6CAC-320C-A3E08126AE41}"/>
+                <a16:creationId xmlns:a16="http://schemas.microsoft.com/office/drawing/2014/main" id="{4EDED2DB-D21F-F08F-1888-134755B73052}"/>
               </a:ext>
             </a:extLst>
           </p:cNvPr>
@@ -5586,63 +5632,26 @@
           <a:p>
             <a:r>
               <a:rPr lang="en-NZ" dirty="0"/>
-              <a:t>Must display level name</a:t>
-            </a:r>
-          </a:p>
-        </p:txBody>
-      </p:sp>
-      <p:sp>
-        <p:nvSpPr>
-          <p:cNvPr id="3" name="Content Placeholder 2">
-            <a:extLst>
-              <a:ext uri="{FF2B5EF4-FFF2-40B4-BE49-F238E27FC236}">
-                <a16:creationId xmlns:a16="http://schemas.microsoft.com/office/drawing/2014/main" id="{A1371EA9-B806-A32F-80FC-D7F80F83A6AD}"/>
-              </a:ext>
-            </a:extLst>
-          </p:cNvPr>
-          <p:cNvSpPr>
-            <a:spLocks noGrp="1"/>
-          </p:cNvSpPr>
-          <p:nvPr>
-            <p:ph idx="1"/>
-          </p:nvPr>
-        </p:nvSpPr>
-        <p:spPr/>
-        <p:txBody>
-          <a:bodyPr/>
-          <a:lstStyle/>
-          <a:p>
-            <a:pPr marL="0" indent="0">
-              <a:buNone/>
-            </a:pPr>
-            <a:r>
-              <a:rPr lang="en-NZ" dirty="0"/>
-              <a:t>Call the </a:t>
-            </a:r>
-            <a:r>
-              <a:rPr lang="en-NZ" dirty="0" err="1"/>
-              <a:t>SetLevelName</a:t>
-            </a:r>
-            <a:r>
-              <a:rPr lang="en-NZ" dirty="0"/>
-              <a:t>() in load function where the level is being loaded to set the name and then print the name out </a:t>
+              <a:t>Must show time taken to beat level</a:t>
             </a:r>
           </a:p>
         </p:txBody>
       </p:sp>
       <p:pic>
         <p:nvPicPr>
-          <p:cNvPr id="5" name="Picture 4">
-            <a:extLst>
-              <a:ext uri="{FF2B5EF4-FFF2-40B4-BE49-F238E27FC236}">
-                <a16:creationId xmlns:a16="http://schemas.microsoft.com/office/drawing/2014/main" id="{43504742-1292-6D09-9F6D-0574B26F1530}"/>
+          <p:cNvPr id="4" name="Content Placeholder 4">
+            <a:extLst>
+              <a:ext uri="{FF2B5EF4-FFF2-40B4-BE49-F238E27FC236}">
+                <a16:creationId xmlns:a16="http://schemas.microsoft.com/office/drawing/2014/main" id="{D2CAA36F-F0FA-9940-2A9B-AFC6F9392041}"/>
               </a:ext>
             </a:extLst>
           </p:cNvPr>
           <p:cNvPicPr>
-            <a:picLocks noChangeAspect="1"/>
+            <a:picLocks noGrp="1" noChangeAspect="1"/>
           </p:cNvPicPr>
-          <p:nvPr/>
+          <p:nvPr>
+            <p:ph idx="1"/>
+          </p:nvPr>
         </p:nvPicPr>
         <p:blipFill>
           <a:blip r:embed="rId2"/>
@@ -5652,48 +5661,50 @@
         </p:blipFill>
         <p:spPr>
           <a:xfrm>
-            <a:off x="914933" y="2919341"/>
-            <a:ext cx="3505689" cy="1019317"/>
+            <a:off x="838200" y="1690688"/>
+            <a:ext cx="4344006" cy="2543530"/>
+          </a:xfrm>
+        </p:spPr>
+      </p:pic>
+      <p:sp>
+        <p:nvSpPr>
+          <p:cNvPr id="5" name="TextBox 4">
+            <a:extLst>
+              <a:ext uri="{FF2B5EF4-FFF2-40B4-BE49-F238E27FC236}">
+                <a16:creationId xmlns:a16="http://schemas.microsoft.com/office/drawing/2014/main" id="{205A03EF-A104-BD32-4A0D-1B6E7DD464CC}"/>
+              </a:ext>
+            </a:extLst>
+          </p:cNvPr>
+          <p:cNvSpPr txBox="1"/>
+          <p:nvPr/>
+        </p:nvSpPr>
+        <p:spPr>
+          <a:xfrm>
+            <a:off x="5661891" y="1773382"/>
+            <a:ext cx="5449454" cy="369332"/>
           </a:xfrm>
           <a:prstGeom prst="rect">
             <a:avLst/>
           </a:prstGeom>
-        </p:spPr>
-      </p:pic>
-      <p:pic>
-        <p:nvPicPr>
-          <p:cNvPr id="7" name="Picture 6">
-            <a:extLst>
-              <a:ext uri="{FF2B5EF4-FFF2-40B4-BE49-F238E27FC236}">
-                <a16:creationId xmlns:a16="http://schemas.microsoft.com/office/drawing/2014/main" id="{379667F7-12F9-BAE1-3010-4D72879C48DE}"/>
-              </a:ext>
-            </a:extLst>
-          </p:cNvPr>
-          <p:cNvPicPr>
-            <a:picLocks noChangeAspect="1"/>
-          </p:cNvPicPr>
-          <p:nvPr/>
-        </p:nvPicPr>
-        <p:blipFill>
-          <a:blip r:embed="rId3"/>
-          <a:stretch>
-            <a:fillRect/>
-          </a:stretch>
-        </p:blipFill>
-        <p:spPr>
-          <a:xfrm>
-            <a:off x="4497355" y="2919341"/>
-            <a:ext cx="2695951" cy="257211"/>
-          </a:xfrm>
-          <a:prstGeom prst="rect">
-            <a:avLst/>
-          </a:prstGeom>
-        </p:spPr>
-      </p:pic>
+          <a:noFill/>
+        </p:spPr>
+        <p:txBody>
+          <a:bodyPr wrap="square" rtlCol="0">
+            <a:spAutoFit/>
+          </a:bodyPr>
+          <a:lstStyle/>
+          <a:p>
+            <a:r>
+              <a:rPr lang="en-NZ" dirty="0"/>
+              <a:t>Displays the total elapsed time from start to finish</a:t>
+            </a:r>
+          </a:p>
+        </p:txBody>
+      </p:sp>
     </p:spTree>
     <p:extLst>
       <p:ext uri="{BB962C8B-B14F-4D97-AF65-F5344CB8AC3E}">
-        <p14:creationId xmlns:p14="http://schemas.microsoft.com/office/powerpoint/2010/main" val="4220730044"/>
+        <p14:creationId xmlns:p14="http://schemas.microsoft.com/office/powerpoint/2010/main" val="3590533096"/>
       </p:ext>
     </p:extLst>
   </p:cSld>
@@ -5725,7 +5736,7 @@
           <p:cNvPr id="2" name="Title 1">
             <a:extLst>
               <a:ext uri="{FF2B5EF4-FFF2-40B4-BE49-F238E27FC236}">
-                <a16:creationId xmlns:a16="http://schemas.microsoft.com/office/drawing/2014/main" id="{5731CEB1-4A9D-53AB-612C-98F08B190ED6}"/>
+                <a16:creationId xmlns:a16="http://schemas.microsoft.com/office/drawing/2014/main" id="{6BEB0DAF-FBD7-FA8D-93ED-A77693D056E4}"/>
               </a:ext>
             </a:extLst>
           </p:cNvPr>
@@ -5743,7 +5754,129 @@
           <a:p>
             <a:r>
               <a:rPr lang="en-NZ" dirty="0"/>
-              <a:t>Display Level name Test</a:t>
+              <a:t>Must acknowledge level completion</a:t>
+            </a:r>
+          </a:p>
+        </p:txBody>
+      </p:sp>
+      <p:pic>
+        <p:nvPicPr>
+          <p:cNvPr id="5" name="Content Placeholder 4">
+            <a:extLst>
+              <a:ext uri="{FF2B5EF4-FFF2-40B4-BE49-F238E27FC236}">
+                <a16:creationId xmlns:a16="http://schemas.microsoft.com/office/drawing/2014/main" id="{1BD53278-0AF7-ED68-5B5B-F1594FCEEBBA}"/>
+              </a:ext>
+            </a:extLst>
+          </p:cNvPr>
+          <p:cNvPicPr>
+            <a:picLocks noGrp="1" noChangeAspect="1"/>
+          </p:cNvPicPr>
+          <p:nvPr>
+            <p:ph idx="1"/>
+          </p:nvPr>
+        </p:nvPicPr>
+        <p:blipFill>
+          <a:blip r:embed="rId2"/>
+          <a:stretch>
+            <a:fillRect/>
+          </a:stretch>
+        </p:blipFill>
+        <p:spPr>
+          <a:xfrm>
+            <a:off x="838200" y="1690688"/>
+            <a:ext cx="4858618" cy="4351338"/>
+          </a:xfrm>
+        </p:spPr>
+      </p:pic>
+      <p:sp>
+        <p:nvSpPr>
+          <p:cNvPr id="6" name="TextBox 5">
+            <a:extLst>
+              <a:ext uri="{FF2B5EF4-FFF2-40B4-BE49-F238E27FC236}">
+                <a16:creationId xmlns:a16="http://schemas.microsoft.com/office/drawing/2014/main" id="{B131BBD1-EA58-A7D3-9108-664051CCE2EE}"/>
+              </a:ext>
+            </a:extLst>
+          </p:cNvPr>
+          <p:cNvSpPr txBox="1"/>
+          <p:nvPr/>
+        </p:nvSpPr>
+        <p:spPr>
+          <a:xfrm>
+            <a:off x="6696364" y="1967345"/>
+            <a:ext cx="4165600" cy="923330"/>
+          </a:xfrm>
+          <a:prstGeom prst="rect">
+            <a:avLst/>
+          </a:prstGeom>
+          <a:noFill/>
+        </p:spPr>
+        <p:txBody>
+          <a:bodyPr wrap="square" rtlCol="0">
+            <a:spAutoFit/>
+          </a:bodyPr>
+          <a:lstStyle/>
+          <a:p>
+            <a:r>
+              <a:rPr lang="en-NZ" dirty="0"/>
+              <a:t>Checks every move to see if the next move will land on the last piece and if it does print You Win.</a:t>
+            </a:r>
+          </a:p>
+        </p:txBody>
+      </p:sp>
+    </p:spTree>
+    <p:extLst>
+      <p:ext uri="{BB962C8B-B14F-4D97-AF65-F5344CB8AC3E}">
+        <p14:creationId xmlns:p14="http://schemas.microsoft.com/office/powerpoint/2010/main" val="2912228586"/>
+      </p:ext>
+    </p:extLst>
+  </p:cSld>
+  <p:clrMapOvr>
+    <a:masterClrMapping/>
+  </p:clrMapOvr>
+</p:sld>
+</file>
+
+<file path=ppt/slides/slide28.xml><?xml version="1.0" encoding="utf-8"?>
+<p:sld xmlns:a="http://schemas.openxmlformats.org/drawingml/2006/main" xmlns:r="http://schemas.openxmlformats.org/officeDocument/2006/relationships" xmlns:p="http://schemas.openxmlformats.org/presentationml/2006/main">
+  <p:cSld>
+    <p:spTree>
+      <p:nvGrpSpPr>
+        <p:cNvPr id="1" name=""/>
+        <p:cNvGrpSpPr/>
+        <p:nvPr/>
+      </p:nvGrpSpPr>
+      <p:grpSpPr>
+        <a:xfrm>
+          <a:off x="0" y="0"/>
+          <a:ext cx="0" cy="0"/>
+          <a:chOff x="0" y="0"/>
+          <a:chExt cx="0" cy="0"/>
+        </a:xfrm>
+      </p:grpSpPr>
+      <p:sp>
+        <p:nvSpPr>
+          <p:cNvPr id="2" name="Title 1">
+            <a:extLst>
+              <a:ext uri="{FF2B5EF4-FFF2-40B4-BE49-F238E27FC236}">
+                <a16:creationId xmlns:a16="http://schemas.microsoft.com/office/drawing/2014/main" id="{F912F206-F39F-6CAC-320C-A3E08126AE41}"/>
+              </a:ext>
+            </a:extLst>
+          </p:cNvPr>
+          <p:cNvSpPr>
+            <a:spLocks noGrp="1"/>
+          </p:cNvSpPr>
+          <p:nvPr>
+            <p:ph type="title"/>
+          </p:nvPr>
+        </p:nvSpPr>
+        <p:spPr/>
+        <p:txBody>
+          <a:bodyPr/>
+          <a:lstStyle/>
+          <a:p>
+            <a:r>
+              <a:rPr lang="en-NZ" dirty="0"/>
+              <a:t>Must display level name</a:t>
             </a:r>
           </a:p>
         </p:txBody>
@@ -5753,7 +5886,7 @@
           <p:cNvPr id="3" name="Content Placeholder 2">
             <a:extLst>
               <a:ext uri="{FF2B5EF4-FFF2-40B4-BE49-F238E27FC236}">
-                <a16:creationId xmlns:a16="http://schemas.microsoft.com/office/drawing/2014/main" id="{1EBBA42C-0FA8-2041-5217-1A2BDA0C9151}"/>
+                <a16:creationId xmlns:a16="http://schemas.microsoft.com/office/drawing/2014/main" id="{A1371EA9-B806-A32F-80FC-D7F80F83A6AD}"/>
               </a:ext>
             </a:extLst>
           </p:cNvPr>
@@ -5764,12 +5897,7 @@
             <p:ph idx="1"/>
           </p:nvPr>
         </p:nvSpPr>
-        <p:spPr>
-          <a:xfrm>
-            <a:off x="838200" y="5310909"/>
-            <a:ext cx="1378527" cy="866054"/>
-          </a:xfrm>
-        </p:spPr>
+        <p:spPr/>
         <p:txBody>
           <a:bodyPr/>
           <a:lstStyle/>
@@ -5777,7 +5905,18 @@
             <a:pPr marL="0" indent="0">
               <a:buNone/>
             </a:pPr>
-            <a:endParaRPr lang="en-NZ" dirty="0"/>
+            <a:r>
+              <a:rPr lang="en-NZ" dirty="0"/>
+              <a:t>Call the </a:t>
+            </a:r>
+            <a:r>
+              <a:rPr lang="en-NZ" dirty="0" err="1"/>
+              <a:t>SetLevelName</a:t>
+            </a:r>
+            <a:r>
+              <a:rPr lang="en-NZ" dirty="0"/>
+              <a:t>() in load function where the level is being loaded to set the name and then print the name out </a:t>
+            </a:r>
           </a:p>
         </p:txBody>
       </p:sp>
@@ -5786,7 +5925,7 @@
           <p:cNvPr id="5" name="Picture 4">
             <a:extLst>
               <a:ext uri="{FF2B5EF4-FFF2-40B4-BE49-F238E27FC236}">
-                <a16:creationId xmlns:a16="http://schemas.microsoft.com/office/drawing/2014/main" id="{B3A2AC23-77EA-9695-75EC-4199C928E3CB}"/>
+                <a16:creationId xmlns:a16="http://schemas.microsoft.com/office/drawing/2014/main" id="{43504742-1292-6D09-9F6D-0574B26F1530}"/>
               </a:ext>
             </a:extLst>
           </p:cNvPr>
@@ -5803,8 +5942,8 @@
         </p:blipFill>
         <p:spPr>
           <a:xfrm>
-            <a:off x="758534" y="1690688"/>
-            <a:ext cx="4172532" cy="4820323"/>
+            <a:off x="914933" y="2919341"/>
+            <a:ext cx="3505689" cy="1019317"/>
           </a:xfrm>
           <a:prstGeom prst="rect">
             <a:avLst/>
@@ -5816,7 +5955,7 @@
           <p:cNvPr id="7" name="Picture 6">
             <a:extLst>
               <a:ext uri="{FF2B5EF4-FFF2-40B4-BE49-F238E27FC236}">
-                <a16:creationId xmlns:a16="http://schemas.microsoft.com/office/drawing/2014/main" id="{65417105-E13F-5C80-A985-B177DDE137FA}"/>
+                <a16:creationId xmlns:a16="http://schemas.microsoft.com/office/drawing/2014/main" id="{379667F7-12F9-BAE1-3010-4D72879C48DE}"/>
               </a:ext>
             </a:extLst>
           </p:cNvPr>
@@ -5833,49 +5972,102 @@
         </p:blipFill>
         <p:spPr>
           <a:xfrm>
-            <a:off x="5010732" y="3315398"/>
-            <a:ext cx="5430008" cy="685896"/>
+            <a:off x="4497355" y="2919341"/>
+            <a:ext cx="2695951" cy="257211"/>
           </a:xfrm>
           <a:prstGeom prst="rect">
             <a:avLst/>
           </a:prstGeom>
         </p:spPr>
       </p:pic>
-      <p:sp>
-        <p:nvSpPr>
-          <p:cNvPr id="8" name="TextBox 7">
-            <a:extLst>
-              <a:ext uri="{FF2B5EF4-FFF2-40B4-BE49-F238E27FC236}">
-                <a16:creationId xmlns:a16="http://schemas.microsoft.com/office/drawing/2014/main" id="{C419EDBF-1C76-B880-48A2-4ECCC88C4471}"/>
-              </a:ext>
-            </a:extLst>
-          </p:cNvPr>
-          <p:cNvSpPr txBox="1"/>
+    </p:spTree>
+    <p:extLst>
+      <p:ext uri="{BB962C8B-B14F-4D97-AF65-F5344CB8AC3E}">
+        <p14:creationId xmlns:p14="http://schemas.microsoft.com/office/powerpoint/2010/main" val="4220730044"/>
+      </p:ext>
+    </p:extLst>
+  </p:cSld>
+  <p:clrMapOvr>
+    <a:masterClrMapping/>
+  </p:clrMapOvr>
+</p:sld>
+</file>
+
+<file path=ppt/slides/slide29.xml><?xml version="1.0" encoding="utf-8"?>
+<p:sld xmlns:a="http://schemas.openxmlformats.org/drawingml/2006/main" xmlns:r="http://schemas.openxmlformats.org/officeDocument/2006/relationships" xmlns:p="http://schemas.openxmlformats.org/presentationml/2006/main">
+  <p:cSld>
+    <p:spTree>
+      <p:nvGrpSpPr>
+        <p:cNvPr id="1" name=""/>
+        <p:cNvGrpSpPr/>
+        <p:nvPr/>
+      </p:nvGrpSpPr>
+      <p:grpSpPr>
+        <a:xfrm>
+          <a:off x="0" y="0"/>
+          <a:ext cx="0" cy="0"/>
+          <a:chOff x="0" y="0"/>
+          <a:chExt cx="0" cy="0"/>
+        </a:xfrm>
+      </p:grpSpPr>
+      <p:sp>
+        <p:nvSpPr>
+          <p:cNvPr id="2" name="Title 1">
+            <a:extLst>
+              <a:ext uri="{FF2B5EF4-FFF2-40B4-BE49-F238E27FC236}">
+                <a16:creationId xmlns:a16="http://schemas.microsoft.com/office/drawing/2014/main" id="{5731CEB1-4A9D-53AB-612C-98F08B190ED6}"/>
+              </a:ext>
+            </a:extLst>
+          </p:cNvPr>
+          <p:cNvSpPr>
+            <a:spLocks noGrp="1"/>
+          </p:cNvSpPr>
+          <p:nvPr>
+            <p:ph type="title"/>
+          </p:nvPr>
+        </p:nvSpPr>
+        <p:spPr/>
+        <p:txBody>
+          <a:bodyPr/>
+          <a:lstStyle/>
+          <a:p>
+            <a:r>
+              <a:rPr lang="en-NZ" dirty="0"/>
+              <a:t>Display Level name Test</a:t>
+            </a:r>
+          </a:p>
+        </p:txBody>
+      </p:sp>
+      <p:pic>
+        <p:nvPicPr>
+          <p:cNvPr id="6" name="Picture 5">
+            <a:extLst>
+              <a:ext uri="{FF2B5EF4-FFF2-40B4-BE49-F238E27FC236}">
+                <a16:creationId xmlns:a16="http://schemas.microsoft.com/office/drawing/2014/main" id="{2F3830C7-AB6C-0622-1D9D-EB2F6F2B043E}"/>
+              </a:ext>
+            </a:extLst>
+          </p:cNvPr>
+          <p:cNvPicPr>
+            <a:picLocks noChangeAspect="1"/>
+          </p:cNvPicPr>
           <p:nvPr/>
-        </p:nvSpPr>
-        <p:spPr>
-          <a:xfrm>
-            <a:off x="5285064" y="1690688"/>
-            <a:ext cx="5259897" cy="646331"/>
+        </p:nvPicPr>
+        <p:blipFill>
+          <a:blip r:embed="rId2"/>
+          <a:stretch>
+            <a:fillRect/>
+          </a:stretch>
+        </p:blipFill>
+        <p:spPr>
+          <a:xfrm>
+            <a:off x="2956249" y="1624921"/>
+            <a:ext cx="4429743" cy="4867954"/>
           </a:xfrm>
           <a:prstGeom prst="rect">
             <a:avLst/>
           </a:prstGeom>
-          <a:noFill/>
-        </p:spPr>
-        <p:txBody>
-          <a:bodyPr wrap="square" rtlCol="0">
-            <a:spAutoFit/>
-          </a:bodyPr>
-          <a:lstStyle/>
-          <a:p>
-            <a:r>
-              <a:rPr lang="en-NZ" dirty="0"/>
-              <a:t>I had a test with the correct name and the incorrect name to ensure my test was working</a:t>
-            </a:r>
-          </a:p>
-        </p:txBody>
-      </p:sp>
+        </p:spPr>
+      </p:pic>
     </p:spTree>
     <p:extLst>
       <p:ext uri="{BB962C8B-B14F-4D97-AF65-F5344CB8AC3E}">
@@ -6051,7 +6243,7 @@
           <p:cNvPr id="2" name="Title 1">
             <a:extLst>
               <a:ext uri="{FF2B5EF4-FFF2-40B4-BE49-F238E27FC236}">
-                <a16:creationId xmlns:a16="http://schemas.microsoft.com/office/drawing/2014/main" id="{C612166B-97F3-6C8B-AD9A-911CFB9E0187}"/>
+                <a16:creationId xmlns:a16="http://schemas.microsoft.com/office/drawing/2014/main" id="{6462443B-0462-83BC-3C99-73AEBB94B377}"/>
               </a:ext>
             </a:extLst>
           </p:cNvPr>
@@ -6068,73 +6260,27 @@
           <a:lstStyle/>
           <a:p>
             <a:r>
-              <a:rPr lang="en-US" dirty="0"/>
-              <a:t>Must have a game board with correct co-ordinates</a:t>
-            </a:r>
-            <a:endParaRPr lang="en-NZ" dirty="0"/>
-          </a:p>
-        </p:txBody>
-      </p:sp>
-      <p:sp>
-        <p:nvSpPr>
-          <p:cNvPr id="3" name="Content Placeholder 2">
-            <a:extLst>
-              <a:ext uri="{FF2B5EF4-FFF2-40B4-BE49-F238E27FC236}">
-                <a16:creationId xmlns:a16="http://schemas.microsoft.com/office/drawing/2014/main" id="{1C499FD3-AD1B-A266-9B06-3A465EF957D2}"/>
-              </a:ext>
-            </a:extLst>
-          </p:cNvPr>
-          <p:cNvSpPr>
-            <a:spLocks noGrp="1"/>
-          </p:cNvSpPr>
-          <p:nvPr>
-            <p:ph idx="1"/>
-          </p:nvPr>
-        </p:nvSpPr>
-        <p:spPr>
-          <a:xfrm>
-            <a:off x="838200" y="1788680"/>
-            <a:ext cx="10515600" cy="4351338"/>
-          </a:xfrm>
-        </p:spPr>
-        <p:txBody>
-          <a:bodyPr/>
-          <a:lstStyle/>
-          <a:p>
-            <a:r>
               <a:rPr lang="en-NZ" dirty="0"/>
-              <a:t>Created a 2D array that starts at 0,0</a:t>
-            </a:r>
-          </a:p>
-          <a:p>
-            <a:pPr marL="0" indent="0">
-              <a:buNone/>
-            </a:pPr>
-            <a:r>
-              <a:rPr lang="en-NZ" dirty="0"/>
-              <a:t>and creates a grid of a </a:t>
-            </a:r>
-            <a:r>
-              <a:rPr lang="en-NZ"/>
-              <a:t>set Size</a:t>
-            </a:r>
-            <a:endParaRPr lang="en-NZ" dirty="0"/>
+              <a:t>All Tests</a:t>
+            </a:r>
           </a:p>
         </p:txBody>
       </p:sp>
       <p:pic>
         <p:nvPicPr>
-          <p:cNvPr id="7" name="Picture 6">
-            <a:extLst>
-              <a:ext uri="{FF2B5EF4-FFF2-40B4-BE49-F238E27FC236}">
-                <a16:creationId xmlns:a16="http://schemas.microsoft.com/office/drawing/2014/main" id="{B0835D4F-79A8-0771-3A30-F7FDF3C79495}"/>
+          <p:cNvPr id="5" name="Content Placeholder 4">
+            <a:extLst>
+              <a:ext uri="{FF2B5EF4-FFF2-40B4-BE49-F238E27FC236}">
+                <a16:creationId xmlns:a16="http://schemas.microsoft.com/office/drawing/2014/main" id="{14B6EFF6-0D5A-7CF4-5B4F-F934AEA3F655}"/>
               </a:ext>
             </a:extLst>
           </p:cNvPr>
           <p:cNvPicPr>
-            <a:picLocks noChangeAspect="1"/>
+            <a:picLocks noGrp="1" noChangeAspect="1"/>
           </p:cNvPicPr>
-          <p:nvPr/>
+          <p:nvPr>
+            <p:ph idx="1"/>
+          </p:nvPr>
         </p:nvPicPr>
         <p:blipFill>
           <a:blip r:embed="rId2"/>
@@ -6144,18 +6290,15 @@
         </p:blipFill>
         <p:spPr>
           <a:xfrm>
-            <a:off x="7903339" y="1788680"/>
-            <a:ext cx="3534268" cy="2838846"/>
-          </a:xfrm>
-          <a:prstGeom prst="rect">
-            <a:avLst/>
-          </a:prstGeom>
+            <a:off x="3390360" y="1825625"/>
+            <a:ext cx="5411279" cy="4351338"/>
+          </a:xfrm>
         </p:spPr>
       </p:pic>
     </p:spTree>
     <p:extLst>
       <p:ext uri="{BB962C8B-B14F-4D97-AF65-F5344CB8AC3E}">
-        <p14:creationId xmlns:p14="http://schemas.microsoft.com/office/powerpoint/2010/main" val="2657811667"/>
+        <p14:creationId xmlns:p14="http://schemas.microsoft.com/office/powerpoint/2010/main" val="222017227"/>
       </p:ext>
     </p:extLst>
   </p:cSld>
@@ -6168,14 +6311,6 @@
 <file path=ppt/slides/slide5.xml><?xml version="1.0" encoding="utf-8"?>
 <p:sld xmlns:a="http://schemas.openxmlformats.org/drawingml/2006/main" xmlns:r="http://schemas.openxmlformats.org/officeDocument/2006/relationships" xmlns:p="http://schemas.openxmlformats.org/presentationml/2006/main">
   <p:cSld>
-    <p:bg>
-      <p:bgPr>
-        <a:solidFill>
-          <a:schemeClr val="bg1"/>
-        </a:solidFill>
-        <a:effectLst/>
-      </p:bgPr>
-    </p:bg>
     <p:spTree>
       <p:nvGrpSpPr>
         <p:cNvPr id="1" name=""/>
@@ -6190,72 +6325,12 @@
           <a:chExt cx="0" cy="0"/>
         </a:xfrm>
       </p:grpSpPr>
-      <p:sp useBgFill="1">
-        <p:nvSpPr>
-          <p:cNvPr id="14" name="Rectangle 13">
-            <a:extLst>
-              <a:ext uri="{FF2B5EF4-FFF2-40B4-BE49-F238E27FC236}">
-                <a16:creationId xmlns:a16="http://schemas.microsoft.com/office/drawing/2014/main" id="{022BDE4A-8A20-4A69-9C5A-581C82036A4D}"/>
-              </a:ext>
-              <a:ext uri="{C183D7F6-B498-43B3-948B-1728B52AA6E4}">
-                <adec:decorative xmlns:adec="http://schemas.microsoft.com/office/drawing/2017/decorative" val="1"/>
-              </a:ext>
-            </a:extLst>
-          </p:cNvPr>
-          <p:cNvSpPr>
-            <a:spLocks noGrp="1" noRot="1" noChangeAspect="1" noMove="1" noResize="1" noEditPoints="1" noAdjustHandles="1" noChangeArrowheads="1" noChangeShapeType="1" noTextEdit="1"/>
-          </p:cNvSpPr>
-          <p:nvPr>
-            <p:extLst>
-              <p:ext uri="{386F3935-93C4-4BCD-93E2-E3B085C9AB24}">
-                <p16:designElem xmlns:p16="http://schemas.microsoft.com/office/powerpoint/2015/main" val="1"/>
-              </p:ext>
-            </p:extLst>
-          </p:nvPr>
-        </p:nvSpPr>
-        <p:spPr>
-          <a:xfrm>
-            <a:off x="-1" y="0"/>
-            <a:ext cx="12188952" cy="6858000"/>
-          </a:xfrm>
-          <a:prstGeom prst="rect">
-            <a:avLst/>
-          </a:prstGeom>
-          <a:ln>
-            <a:noFill/>
-          </a:ln>
-        </p:spPr>
-        <p:style>
-          <a:lnRef idx="2">
-            <a:schemeClr val="accent1">
-              <a:shade val="50000"/>
-            </a:schemeClr>
-          </a:lnRef>
-          <a:fillRef idx="1">
-            <a:schemeClr val="accent1"/>
-          </a:fillRef>
-          <a:effectRef idx="0">
-            <a:schemeClr val="accent1"/>
-          </a:effectRef>
-          <a:fontRef idx="minor">
-            <a:schemeClr val="lt1"/>
-          </a:fontRef>
-        </p:style>
-        <p:txBody>
-          <a:bodyPr rtlCol="0" anchor="ctr"/>
-          <a:lstStyle/>
-          <a:p>
-            <a:pPr algn="ctr"/>
-            <a:endParaRPr lang="en-US"/>
-          </a:p>
-        </p:txBody>
-      </p:sp>
       <p:sp>
         <p:nvSpPr>
           <p:cNvPr id="2" name="Title 1">
             <a:extLst>
               <a:ext uri="{FF2B5EF4-FFF2-40B4-BE49-F238E27FC236}">
-                <a16:creationId xmlns:a16="http://schemas.microsoft.com/office/drawing/2014/main" id="{830415F1-ED0C-A0FC-5B8A-B42A7CA7978F}"/>
+                <a16:creationId xmlns:a16="http://schemas.microsoft.com/office/drawing/2014/main" id="{C612166B-97F3-6C8B-AD9A-911CFB9E0187}"/>
               </a:ext>
             </a:extLst>
           </p:cNvPr>
@@ -6266,70 +6341,72 @@
             <p:ph type="title"/>
           </p:nvPr>
         </p:nvSpPr>
-        <p:spPr>
-          <a:xfrm>
-            <a:off x="1001684" y="170412"/>
-            <a:ext cx="10178934" cy="1328730"/>
-          </a:xfrm>
-        </p:spPr>
-        <p:txBody>
-          <a:bodyPr vert="horz" lIns="91440" tIns="45720" rIns="91440" bIns="45720" rtlCol="0" anchor="b">
-            <a:normAutofit/>
-          </a:bodyPr>
-          <a:lstStyle/>
-          <a:p>
-            <a:pPr algn="ctr"/>
-            <a:r>
-              <a:rPr lang="en-US" sz="5200" kern="1200">
-                <a:solidFill>
-                  <a:schemeClr val="tx1"/>
-                </a:solidFill>
-                <a:latin typeface="+mj-lt"/>
-                <a:ea typeface="+mj-ea"/>
-                <a:cs typeface="+mj-cs"/>
-              </a:rPr>
-              <a:t>Must have movement for Rook</a:t>
-            </a:r>
+        <p:spPr/>
+        <p:txBody>
+          <a:bodyPr/>
+          <a:lstStyle/>
+          <a:p>
+            <a:r>
+              <a:rPr lang="en-US" dirty="0"/>
+              <a:t>Must have a game board with correct co-ordinates</a:t>
+            </a:r>
+            <a:endParaRPr lang="en-NZ" dirty="0"/>
+          </a:p>
+        </p:txBody>
+      </p:sp>
+      <p:sp>
+        <p:nvSpPr>
+          <p:cNvPr id="3" name="Content Placeholder 2">
+            <a:extLst>
+              <a:ext uri="{FF2B5EF4-FFF2-40B4-BE49-F238E27FC236}">
+                <a16:creationId xmlns:a16="http://schemas.microsoft.com/office/drawing/2014/main" id="{1C499FD3-AD1B-A266-9B06-3A465EF957D2}"/>
+              </a:ext>
+            </a:extLst>
+          </p:cNvPr>
+          <p:cNvSpPr>
+            <a:spLocks noGrp="1"/>
+          </p:cNvSpPr>
+          <p:nvPr>
+            <p:ph idx="1"/>
+          </p:nvPr>
+        </p:nvSpPr>
+        <p:spPr>
+          <a:xfrm>
+            <a:off x="838200" y="1788680"/>
+            <a:ext cx="10515600" cy="4351338"/>
+          </a:xfrm>
+        </p:spPr>
+        <p:txBody>
+          <a:bodyPr/>
+          <a:lstStyle/>
+          <a:p>
+            <a:r>
+              <a:rPr lang="en-NZ" dirty="0"/>
+              <a:t>Created a 2D array that starts at 0,0</a:t>
+            </a:r>
+          </a:p>
+          <a:p>
+            <a:pPr marL="0" indent="0">
+              <a:buNone/>
+            </a:pPr>
+            <a:r>
+              <a:rPr lang="en-NZ" dirty="0"/>
+              <a:t>and creates a grid of a </a:t>
+            </a:r>
+            <a:r>
+              <a:rPr lang="en-NZ"/>
+              <a:t>set Size</a:t>
+            </a:r>
+            <a:endParaRPr lang="en-NZ" dirty="0"/>
           </a:p>
         </p:txBody>
       </p:sp>
       <p:pic>
         <p:nvPicPr>
-          <p:cNvPr id="5" name="Content Placeholder 4">
-            <a:extLst>
-              <a:ext uri="{FF2B5EF4-FFF2-40B4-BE49-F238E27FC236}">
-                <a16:creationId xmlns:a16="http://schemas.microsoft.com/office/drawing/2014/main" id="{7FA6CB8F-A4DA-F614-88C4-822BB96378A4}"/>
-              </a:ext>
-            </a:extLst>
-          </p:cNvPr>
-          <p:cNvPicPr>
-            <a:picLocks noGrp="1" noChangeAspect="1"/>
-          </p:cNvPicPr>
-          <p:nvPr>
-            <p:ph idx="1"/>
-          </p:nvPr>
-        </p:nvPicPr>
-        <p:blipFill rotWithShape="1">
-          <a:blip r:embed="rId2"/>
-          <a:srcRect t="3914" r="-2" b="9023"/>
-          <a:stretch/>
-        </p:blipFill>
-        <p:spPr>
-          <a:xfrm>
-            <a:off x="198741" y="2410448"/>
-            <a:ext cx="5803323" cy="3890357"/>
-          </a:xfrm>
-          <a:prstGeom prst="rect">
-            <a:avLst/>
-          </a:prstGeom>
-        </p:spPr>
-      </p:pic>
-      <p:pic>
-        <p:nvPicPr>
-          <p:cNvPr id="9" name="Picture 8">
-            <a:extLst>
-              <a:ext uri="{FF2B5EF4-FFF2-40B4-BE49-F238E27FC236}">
-                <a16:creationId xmlns:a16="http://schemas.microsoft.com/office/drawing/2014/main" id="{AF4C9BFB-89A5-81CD-B092-E92A574B3038}"/>
+          <p:cNvPr id="7" name="Picture 6">
+            <a:extLst>
+              <a:ext uri="{FF2B5EF4-FFF2-40B4-BE49-F238E27FC236}">
+                <a16:creationId xmlns:a16="http://schemas.microsoft.com/office/drawing/2014/main" id="{B0835D4F-79A8-0771-3A30-F7FDF3C79495}"/>
               </a:ext>
             </a:extLst>
           </p:cNvPr>
@@ -6338,15 +6415,16 @@
           </p:cNvPicPr>
           <p:nvPr/>
         </p:nvPicPr>
-        <p:blipFill rotWithShape="1">
-          <a:blip r:embed="rId3"/>
-          <a:srcRect t="2237" r="-2" b="8379"/>
-          <a:stretch/>
+        <p:blipFill>
+          <a:blip r:embed="rId2"/>
+          <a:stretch>
+            <a:fillRect/>
+          </a:stretch>
         </p:blipFill>
         <p:spPr>
           <a:xfrm>
-            <a:off x="6189934" y="2410448"/>
-            <a:ext cx="5803323" cy="3890357"/>
+            <a:off x="7903339" y="1788680"/>
+            <a:ext cx="3534268" cy="2838846"/>
           </a:xfrm>
           <a:prstGeom prst="rect">
             <a:avLst/>
@@ -6356,7 +6434,7 @@
     </p:spTree>
     <p:extLst>
       <p:ext uri="{BB962C8B-B14F-4D97-AF65-F5344CB8AC3E}">
-        <p14:creationId xmlns:p14="http://schemas.microsoft.com/office/powerpoint/2010/main" val="3482038824"/>
+        <p14:creationId xmlns:p14="http://schemas.microsoft.com/office/powerpoint/2010/main" val="2657811667"/>
       </p:ext>
     </p:extLst>
   </p:cSld>
@@ -6388,7 +6466,7 @@
           <p:cNvPr id="2" name="Title 1">
             <a:extLst>
               <a:ext uri="{FF2B5EF4-FFF2-40B4-BE49-F238E27FC236}">
-                <a16:creationId xmlns:a16="http://schemas.microsoft.com/office/drawing/2014/main" id="{A61D2C21-C932-A5A8-5245-EC5E3731490D}"/>
+                <a16:creationId xmlns:a16="http://schemas.microsoft.com/office/drawing/2014/main" id="{7BC6F6F0-A290-86AD-0865-52112920D3EC}"/>
               </a:ext>
             </a:extLst>
           </p:cNvPr>
@@ -6406,7 +6484,7 @@
           <a:p>
             <a:r>
               <a:rPr lang="en-NZ" dirty="0"/>
-              <a:t>Rook Movement Test</a:t>
+              <a:t>Piece Movement Tests</a:t>
             </a:r>
           </a:p>
         </p:txBody>
@@ -6416,7 +6494,7 @@
           <p:cNvPr id="5" name="Content Placeholder 4">
             <a:extLst>
               <a:ext uri="{FF2B5EF4-FFF2-40B4-BE49-F238E27FC236}">
-                <a16:creationId xmlns:a16="http://schemas.microsoft.com/office/drawing/2014/main" id="{00D7D053-3E2F-5154-F572-B298EC648FC1}"/>
+                <a16:creationId xmlns:a16="http://schemas.microsoft.com/office/drawing/2014/main" id="{37A43A94-7A06-BA1C-05B4-745D7F8A10AA}"/>
               </a:ext>
             </a:extLst>
           </p:cNvPr>
@@ -6435,15 +6513,15 @@
         </p:blipFill>
         <p:spPr>
           <a:xfrm>
-            <a:off x="921520" y="2019103"/>
-            <a:ext cx="1352739" cy="1409897"/>
+            <a:off x="3457206" y="3048661"/>
+            <a:ext cx="5277587" cy="1905266"/>
           </a:xfrm>
         </p:spPr>
       </p:pic>
     </p:spTree>
     <p:extLst>
       <p:ext uri="{BB962C8B-B14F-4D97-AF65-F5344CB8AC3E}">
-        <p14:creationId xmlns:p14="http://schemas.microsoft.com/office/powerpoint/2010/main" val="3460846892"/>
+        <p14:creationId xmlns:p14="http://schemas.microsoft.com/office/powerpoint/2010/main" val="929828981"/>
       </p:ext>
     </p:extLst>
   </p:cSld>
@@ -6456,6 +6534,14 @@
 <file path=ppt/slides/slide7.xml><?xml version="1.0" encoding="utf-8"?>
 <p:sld xmlns:a="http://schemas.openxmlformats.org/drawingml/2006/main" xmlns:r="http://schemas.openxmlformats.org/officeDocument/2006/relationships" xmlns:p="http://schemas.openxmlformats.org/presentationml/2006/main">
   <p:cSld>
+    <p:bg>
+      <p:bgPr>
+        <a:solidFill>
+          <a:schemeClr val="bg1"/>
+        </a:solidFill>
+        <a:effectLst/>
+      </p:bgPr>
+    </p:bg>
     <p:spTree>
       <p:nvGrpSpPr>
         <p:cNvPr id="1" name=""/>
@@ -6470,12 +6556,72 @@
           <a:chExt cx="0" cy="0"/>
         </a:xfrm>
       </p:grpSpPr>
+      <p:sp useBgFill="1">
+        <p:nvSpPr>
+          <p:cNvPr id="14" name="Rectangle 13">
+            <a:extLst>
+              <a:ext uri="{FF2B5EF4-FFF2-40B4-BE49-F238E27FC236}">
+                <a16:creationId xmlns:a16="http://schemas.microsoft.com/office/drawing/2014/main" id="{022BDE4A-8A20-4A69-9C5A-581C82036A4D}"/>
+              </a:ext>
+              <a:ext uri="{C183D7F6-B498-43B3-948B-1728B52AA6E4}">
+                <adec:decorative xmlns:adec="http://schemas.microsoft.com/office/drawing/2017/decorative" val="1"/>
+              </a:ext>
+            </a:extLst>
+          </p:cNvPr>
+          <p:cNvSpPr>
+            <a:spLocks noGrp="1" noRot="1" noChangeAspect="1" noMove="1" noResize="1" noEditPoints="1" noAdjustHandles="1" noChangeArrowheads="1" noChangeShapeType="1" noTextEdit="1"/>
+          </p:cNvSpPr>
+          <p:nvPr>
+            <p:extLst>
+              <p:ext uri="{386F3935-93C4-4BCD-93E2-E3B085C9AB24}">
+                <p16:designElem xmlns:p16="http://schemas.microsoft.com/office/powerpoint/2015/main" val="1"/>
+              </p:ext>
+            </p:extLst>
+          </p:nvPr>
+        </p:nvSpPr>
+        <p:spPr>
+          <a:xfrm>
+            <a:off x="-1" y="0"/>
+            <a:ext cx="12188952" cy="6858000"/>
+          </a:xfrm>
+          <a:prstGeom prst="rect">
+            <a:avLst/>
+          </a:prstGeom>
+          <a:ln>
+            <a:noFill/>
+          </a:ln>
+        </p:spPr>
+        <p:style>
+          <a:lnRef idx="2">
+            <a:schemeClr val="accent1">
+              <a:shade val="50000"/>
+            </a:schemeClr>
+          </a:lnRef>
+          <a:fillRef idx="1">
+            <a:schemeClr val="accent1"/>
+          </a:fillRef>
+          <a:effectRef idx="0">
+            <a:schemeClr val="accent1"/>
+          </a:effectRef>
+          <a:fontRef idx="minor">
+            <a:schemeClr val="lt1"/>
+          </a:fontRef>
+        </p:style>
+        <p:txBody>
+          <a:bodyPr rtlCol="0" anchor="ctr"/>
+          <a:lstStyle/>
+          <a:p>
+            <a:pPr algn="ctr"/>
+            <a:endParaRPr lang="en-US"/>
+          </a:p>
+        </p:txBody>
+      </p:sp>
       <p:sp>
         <p:nvSpPr>
           <p:cNvPr id="2" name="Title 1">
             <a:extLst>
               <a:ext uri="{FF2B5EF4-FFF2-40B4-BE49-F238E27FC236}">
-                <a16:creationId xmlns:a16="http://schemas.microsoft.com/office/drawing/2014/main" id="{D9394B36-5B27-74A5-86AE-119381BFC652}"/>
+                <a16:creationId xmlns:a16="http://schemas.microsoft.com/office/drawing/2014/main" id="{830415F1-ED0C-A0FC-5B8A-B42A7CA7978F}"/>
               </a:ext>
             </a:extLst>
           </p:cNvPr>
@@ -6486,14 +6632,29 @@
             <p:ph type="title"/>
           </p:nvPr>
         </p:nvSpPr>
-        <p:spPr/>
-        <p:txBody>
-          <a:bodyPr/>
-          <a:lstStyle/>
-          <a:p>
-            <a:r>
-              <a:rPr lang="en-NZ" dirty="0"/>
-              <a:t>Must have movement for King</a:t>
+        <p:spPr>
+          <a:xfrm>
+            <a:off x="1001684" y="170412"/>
+            <a:ext cx="10178934" cy="1328730"/>
+          </a:xfrm>
+        </p:spPr>
+        <p:txBody>
+          <a:bodyPr vert="horz" lIns="91440" tIns="45720" rIns="91440" bIns="45720" rtlCol="0" anchor="b">
+            <a:normAutofit/>
+          </a:bodyPr>
+          <a:lstStyle/>
+          <a:p>
+            <a:pPr algn="ctr"/>
+            <a:r>
+              <a:rPr lang="en-US" sz="5200" kern="1200">
+                <a:solidFill>
+                  <a:schemeClr val="tx1"/>
+                </a:solidFill>
+                <a:latin typeface="+mj-lt"/>
+                <a:ea typeface="+mj-ea"/>
+                <a:cs typeface="+mj-cs"/>
+              </a:rPr>
+              <a:t>Must have movement for Rook</a:t>
             </a:r>
           </a:p>
         </p:txBody>
@@ -6503,7 +6664,7 @@
           <p:cNvPr id="5" name="Content Placeholder 4">
             <a:extLst>
               <a:ext uri="{FF2B5EF4-FFF2-40B4-BE49-F238E27FC236}">
-                <a16:creationId xmlns:a16="http://schemas.microsoft.com/office/drawing/2014/main" id="{249BDD64-CDEB-BABB-8D38-779C9B86FEA9}"/>
+                <a16:creationId xmlns:a16="http://schemas.microsoft.com/office/drawing/2014/main" id="{7FA6CB8F-A4DA-F614-88C4-822BB96378A4}"/>
               </a:ext>
             </a:extLst>
           </p:cNvPr>
@@ -6514,23 +6675,54 @@
             <p:ph idx="1"/>
           </p:nvPr>
         </p:nvPicPr>
-        <p:blipFill>
+        <p:blipFill rotWithShape="1">
           <a:blip r:embed="rId2"/>
-          <a:stretch>
-            <a:fillRect/>
-          </a:stretch>
+          <a:srcRect t="3914" r="-2" b="9023"/>
+          <a:stretch/>
         </p:blipFill>
         <p:spPr>
           <a:xfrm>
-            <a:off x="947019" y="1972186"/>
-            <a:ext cx="10297962" cy="4058216"/>
-          </a:xfrm>
+            <a:off x="198741" y="2410448"/>
+            <a:ext cx="5803323" cy="3890357"/>
+          </a:xfrm>
+          <a:prstGeom prst="rect">
+            <a:avLst/>
+          </a:prstGeom>
+        </p:spPr>
+      </p:pic>
+      <p:pic>
+        <p:nvPicPr>
+          <p:cNvPr id="9" name="Picture 8">
+            <a:extLst>
+              <a:ext uri="{FF2B5EF4-FFF2-40B4-BE49-F238E27FC236}">
+                <a16:creationId xmlns:a16="http://schemas.microsoft.com/office/drawing/2014/main" id="{AF4C9BFB-89A5-81CD-B092-E92A574B3038}"/>
+              </a:ext>
+            </a:extLst>
+          </p:cNvPr>
+          <p:cNvPicPr>
+            <a:picLocks noChangeAspect="1"/>
+          </p:cNvPicPr>
+          <p:nvPr/>
+        </p:nvPicPr>
+        <p:blipFill rotWithShape="1">
+          <a:blip r:embed="rId3"/>
+          <a:srcRect t="2237" r="-2" b="8379"/>
+          <a:stretch/>
+        </p:blipFill>
+        <p:spPr>
+          <a:xfrm>
+            <a:off x="6189934" y="2410448"/>
+            <a:ext cx="5803323" cy="3890357"/>
+          </a:xfrm>
+          <a:prstGeom prst="rect">
+            <a:avLst/>
+          </a:prstGeom>
         </p:spPr>
       </p:pic>
     </p:spTree>
     <p:extLst>
       <p:ext uri="{BB962C8B-B14F-4D97-AF65-F5344CB8AC3E}">
-        <p14:creationId xmlns:p14="http://schemas.microsoft.com/office/powerpoint/2010/main" val="1228757780"/>
+        <p14:creationId xmlns:p14="http://schemas.microsoft.com/office/powerpoint/2010/main" val="3482038824"/>
       </p:ext>
     </p:extLst>
   </p:cSld>
@@ -6562,7 +6754,7 @@
           <p:cNvPr id="2" name="Title 1">
             <a:extLst>
               <a:ext uri="{FF2B5EF4-FFF2-40B4-BE49-F238E27FC236}">
-                <a16:creationId xmlns:a16="http://schemas.microsoft.com/office/drawing/2014/main" id="{BF7F7169-EBAC-A472-9FE0-39CB7B964C70}"/>
+                <a16:creationId xmlns:a16="http://schemas.microsoft.com/office/drawing/2014/main" id="{A61D2C21-C932-A5A8-5245-EC5E3731490D}"/>
               </a:ext>
             </a:extLst>
           </p:cNvPr>
@@ -6580,7 +6772,7 @@
           <a:p>
             <a:r>
               <a:rPr lang="en-NZ" dirty="0"/>
-              <a:t>King Movement Test</a:t>
+              <a:t>Rook Movement Test</a:t>
             </a:r>
           </a:p>
         </p:txBody>
@@ -6590,7 +6782,7 @@
           <p:cNvPr id="5" name="Content Placeholder 4">
             <a:extLst>
               <a:ext uri="{FF2B5EF4-FFF2-40B4-BE49-F238E27FC236}">
-                <a16:creationId xmlns:a16="http://schemas.microsoft.com/office/drawing/2014/main" id="{410168B7-6005-8C57-E5C1-DDE48B9002C9}"/>
+                <a16:creationId xmlns:a16="http://schemas.microsoft.com/office/drawing/2014/main" id="{00D7D053-3E2F-5154-F572-B298EC648FC1}"/>
               </a:ext>
             </a:extLst>
           </p:cNvPr>
@@ -6609,15 +6801,45 @@
         </p:blipFill>
         <p:spPr>
           <a:xfrm>
-            <a:off x="838200" y="1690688"/>
-            <a:ext cx="1352739" cy="1362265"/>
-          </a:xfrm>
+            <a:off x="921520" y="2019103"/>
+            <a:ext cx="1352739" cy="1409897"/>
+          </a:xfrm>
+        </p:spPr>
+      </p:pic>
+      <p:pic>
+        <p:nvPicPr>
+          <p:cNvPr id="4" name="Picture 3">
+            <a:extLst>
+              <a:ext uri="{FF2B5EF4-FFF2-40B4-BE49-F238E27FC236}">
+                <a16:creationId xmlns:a16="http://schemas.microsoft.com/office/drawing/2014/main" id="{C210052A-C10E-4126-D225-8A59112FA347}"/>
+              </a:ext>
+            </a:extLst>
+          </p:cNvPr>
+          <p:cNvPicPr>
+            <a:picLocks noChangeAspect="1"/>
+          </p:cNvPicPr>
+          <p:nvPr/>
+        </p:nvPicPr>
+        <p:blipFill>
+          <a:blip r:embed="rId3"/>
+          <a:stretch>
+            <a:fillRect/>
+          </a:stretch>
+        </p:blipFill>
+        <p:spPr>
+          <a:xfrm>
+            <a:off x="3005405" y="2019103"/>
+            <a:ext cx="5068007" cy="4305901"/>
+          </a:xfrm>
+          <a:prstGeom prst="rect">
+            <a:avLst/>
+          </a:prstGeom>
         </p:spPr>
       </p:pic>
     </p:spTree>
     <p:extLst>
       <p:ext uri="{BB962C8B-B14F-4D97-AF65-F5344CB8AC3E}">
-        <p14:creationId xmlns:p14="http://schemas.microsoft.com/office/powerpoint/2010/main" val="969305408"/>
+        <p14:creationId xmlns:p14="http://schemas.microsoft.com/office/powerpoint/2010/main" val="3460846892"/>
       </p:ext>
     </p:extLst>
   </p:cSld>
@@ -6649,7 +6871,7 @@
           <p:cNvPr id="2" name="Title 1">
             <a:extLst>
               <a:ext uri="{FF2B5EF4-FFF2-40B4-BE49-F238E27FC236}">
-                <a16:creationId xmlns:a16="http://schemas.microsoft.com/office/drawing/2014/main" id="{D4467DA4-C01D-3B67-142B-833A0A9AB5DA}"/>
+                <a16:creationId xmlns:a16="http://schemas.microsoft.com/office/drawing/2014/main" id="{D9394B36-5B27-74A5-86AE-119381BFC652}"/>
               </a:ext>
             </a:extLst>
           </p:cNvPr>
@@ -6667,52 +6889,26 @@
           <a:p>
             <a:r>
               <a:rPr lang="en-NZ" dirty="0"/>
-              <a:t>Must have movement for Queen</a:t>
-            </a:r>
-          </a:p>
-        </p:txBody>
-      </p:sp>
-      <p:sp>
-        <p:nvSpPr>
-          <p:cNvPr id="7" name="Content Placeholder 6">
-            <a:extLst>
-              <a:ext uri="{FF2B5EF4-FFF2-40B4-BE49-F238E27FC236}">
-                <a16:creationId xmlns:a16="http://schemas.microsoft.com/office/drawing/2014/main" id="{C7F130DF-45AA-D463-0F79-EB40863E184A}"/>
-              </a:ext>
-            </a:extLst>
-          </p:cNvPr>
-          <p:cNvSpPr>
-            <a:spLocks noGrp="1"/>
-          </p:cNvSpPr>
-          <p:nvPr>
-            <p:ph idx="1"/>
-          </p:nvPr>
-        </p:nvSpPr>
-        <p:spPr/>
-        <p:txBody>
-          <a:bodyPr/>
-          <a:lstStyle/>
-          <a:p>
-            <a:r>
-              <a:rPr lang="en-NZ" dirty="0"/>
-              <a:t>Queen Movement is a combination of the Rook and Bishop movement</a:t>
+              <a:t>Must have movement for King</a:t>
             </a:r>
           </a:p>
         </p:txBody>
       </p:sp>
       <p:pic>
         <p:nvPicPr>
-          <p:cNvPr id="8" name="Content Placeholder 4">
-            <a:extLst>
-              <a:ext uri="{FF2B5EF4-FFF2-40B4-BE49-F238E27FC236}">
-                <a16:creationId xmlns:a16="http://schemas.microsoft.com/office/drawing/2014/main" id="{AF0C5FF8-0A01-D6F7-36BC-1398AB864698}"/>
+          <p:cNvPr id="5" name="Content Placeholder 4">
+            <a:extLst>
+              <a:ext uri="{FF2B5EF4-FFF2-40B4-BE49-F238E27FC236}">
+                <a16:creationId xmlns:a16="http://schemas.microsoft.com/office/drawing/2014/main" id="{249BDD64-CDEB-BABB-8D38-779C9B86FEA9}"/>
               </a:ext>
             </a:extLst>
           </p:cNvPr>
           <p:cNvPicPr>
-            <a:picLocks noChangeAspect="1"/>
+            <a:picLocks noGrp="1" noChangeAspect="1"/>
           </p:cNvPicPr>
-          <p:nvPr/>
+          <p:nvPr>
+            <p:ph idx="1"/>
+          </p:nvPr>
         </p:nvPicPr>
         <p:blipFill>
           <a:blip r:embed="rId2"/>
@@ -6722,18 +6918,15 @@
         </p:blipFill>
         <p:spPr>
           <a:xfrm>
-            <a:off x="991920" y="2800976"/>
-            <a:ext cx="2400635" cy="1200318"/>
-          </a:xfrm>
-          <a:prstGeom prst="rect">
-            <a:avLst/>
-          </a:prstGeom>
+            <a:off x="947019" y="1972186"/>
+            <a:ext cx="10297962" cy="4058216"/>
+          </a:xfrm>
         </p:spPr>
       </p:pic>
     </p:spTree>
     <p:extLst>
       <p:ext uri="{BB962C8B-B14F-4D97-AF65-F5344CB8AC3E}">
-        <p14:creationId xmlns:p14="http://schemas.microsoft.com/office/powerpoint/2010/main" val="491357484"/>
+        <p14:creationId xmlns:p14="http://schemas.microsoft.com/office/powerpoint/2010/main" val="1228757780"/>
       </p:ext>
     </p:extLst>
   </p:cSld>

--- a/Presentation.pptx
+++ b/Presentation.pptx
@@ -4832,8 +4832,13 @@
           <a:p>
             <a:r>
               <a:rPr lang="en-NZ" dirty="0"/>
-              <a:t>Tests: 1/5 Did not have full test coverage</a:t>
-            </a:r>
+              <a:t>Tests: 3/5 Did not have full test coverage I have </a:t>
+            </a:r>
+            <a:r>
+              <a:rPr lang="en-NZ"/>
+              <a:t>17 tests</a:t>
+            </a:r>
+            <a:endParaRPr lang="en-NZ" dirty="0"/>
           </a:p>
           <a:p>
             <a:r>
